--- a/.slides/01-introduction-to-gtest.pptx
+++ b/.slides/01-introduction-to-gtest.pptx
@@ -7,7 +7,7 @@
     <p:sldMasterId id="2147483864" r:id="rId3"/>
   </p:sldMasterIdLst>
   <p:notesMasterIdLst>
-    <p:notesMasterId r:id="rId25"/>
+    <p:notesMasterId r:id="rId17"/>
   </p:notesMasterIdLst>
   <p:sldIdLst>
     <p:sldId id="262" r:id="rId4"/>
@@ -17,20 +17,12 @@
     <p:sldId id="286" r:id="rId8"/>
     <p:sldId id="287" r:id="rId9"/>
     <p:sldId id="288" r:id="rId10"/>
-    <p:sldId id="289" r:id="rId11"/>
-    <p:sldId id="290" r:id="rId12"/>
-    <p:sldId id="291" r:id="rId13"/>
-    <p:sldId id="292" r:id="rId14"/>
-    <p:sldId id="293" r:id="rId15"/>
-    <p:sldId id="294" r:id="rId16"/>
-    <p:sldId id="295" r:id="rId17"/>
-    <p:sldId id="296" r:id="rId18"/>
-    <p:sldId id="297" r:id="rId19"/>
-    <p:sldId id="298" r:id="rId20"/>
-    <p:sldId id="302" r:id="rId21"/>
-    <p:sldId id="301" r:id="rId22"/>
-    <p:sldId id="300" r:id="rId23"/>
-    <p:sldId id="256" r:id="rId24"/>
+    <p:sldId id="291" r:id="rId11"/>
+    <p:sldId id="293" r:id="rId12"/>
+    <p:sldId id="289" r:id="rId13"/>
+    <p:sldId id="290" r:id="rId14"/>
+    <p:sldId id="292" r:id="rId15"/>
+    <p:sldId id="256" r:id="rId16"/>
   </p:sldIdLst>
   <p:sldSz cx="13004800" cy="9753600"/>
   <p:notesSz cx="6858000" cy="9144000"/>
@@ -183,6 +175,36 @@
       </a:defRPr>
     </a:lvl9pPr>
   </p:defaultTextStyle>
+  <p:extLst>
+    <p:ext uri="{EFAFB233-063F-42B5-8137-9DF3F51BA10A}">
+      <p15:sldGuideLst xmlns:p15="http://schemas.microsoft.com/office/powerpoint/2012/main">
+        <p15:guide id="1" orient="horz" pos="3072">
+          <p15:clr>
+            <a:srgbClr val="A4A3A4"/>
+          </p15:clr>
+        </p15:guide>
+        <p15:guide id="2" pos="4096">
+          <p15:clr>
+            <a:srgbClr val="A4A3A4"/>
+          </p15:clr>
+        </p15:guide>
+      </p15:sldGuideLst>
+    </p:ext>
+    <p:ext uri="{2D200454-40CA-4A62-9FC3-DE9A4176ACB9}">
+      <p15:notesGuideLst xmlns:p15="http://schemas.microsoft.com/office/powerpoint/2012/main">
+        <p15:guide id="1" orient="horz" pos="2880">
+          <p15:clr>
+            <a:srgbClr val="A4A3A4"/>
+          </p15:clr>
+        </p15:guide>
+        <p15:guide id="2" pos="2160">
+          <p15:clr>
+            <a:srgbClr val="A4A3A4"/>
+          </p15:clr>
+        </p15:guide>
+      </p15:notesGuideLst>
+    </p:ext>
+  </p:extLst>
 </p:presentation>
 </file>
 
@@ -277,7 +299,7 @@
               <a:pPr>
                 <a:defRPr/>
               </a:pPr>
-              <a:t>1/20/2015</a:t>
+              <a:t>3/29/15</a:t>
             </a:fld>
             <a:endParaRPr lang="en-US"/>
           </a:p>
@@ -454,7 +476,7 @@
     </p:spTree>
     <p:extLst>
       <p:ext uri="{BB962C8B-B14F-4D97-AF65-F5344CB8AC3E}">
-        <p14:creationId xmlns:p14="http://schemas.microsoft.com/office/powerpoint/2010/main" xmlns="" val="535623914"/>
+        <p14:creationId xmlns:p14="http://schemas.microsoft.com/office/powerpoint/2010/main" val="535623914"/>
       </p:ext>
     </p:extLst>
   </p:cSld>
@@ -698,7 +720,7 @@
           <a:blip r:embed="rId2">
             <a:extLst>
               <a:ext uri="{28A0092B-C50C-407E-A947-70E740481C1C}">
-                <a14:useLocalDpi xmlns:a14="http://schemas.microsoft.com/office/drawing/2010/main" xmlns="" val="0"/>
+                <a14:useLocalDpi xmlns:a14="http://schemas.microsoft.com/office/drawing/2010/main" val="0"/>
               </a:ext>
             </a:extLst>
           </a:blip>
@@ -767,7 +789,7 @@
           </a:lstStyle>
           <a:p>
             <a:r>
-              <a:rPr lang="zh-CN" altLang="en-US" smtClean="0"/>
+              <a:rPr lang="zh-CHS" altLang="en-US" smtClean="0"/>
               <a:t>单击此处编辑母版标题样式</a:t>
             </a:r>
             <a:endParaRPr lang="en-US" dirty="0"/>
@@ -827,35 +849,35 @@
           <a:p>
             <a:pPr lvl="0"/>
             <a:r>
-              <a:rPr lang="zh-CN" altLang="en-US" smtClean="0"/>
+              <a:rPr lang="zh-CHS" altLang="en-US" smtClean="0"/>
               <a:t>单击此处编辑母版文本样式</a:t>
             </a:r>
           </a:p>
           <a:p>
             <a:pPr lvl="1"/>
             <a:r>
-              <a:rPr lang="zh-CN" altLang="en-US" smtClean="0"/>
+              <a:rPr lang="zh-CHS" altLang="en-US" smtClean="0"/>
               <a:t>第二级</a:t>
             </a:r>
           </a:p>
           <a:p>
             <a:pPr lvl="2"/>
             <a:r>
-              <a:rPr lang="zh-CN" altLang="en-US" smtClean="0"/>
+              <a:rPr lang="zh-CHS" altLang="en-US" smtClean="0"/>
               <a:t>第三级</a:t>
             </a:r>
           </a:p>
           <a:p>
             <a:pPr lvl="3"/>
             <a:r>
-              <a:rPr lang="zh-CN" altLang="en-US" smtClean="0"/>
+              <a:rPr lang="zh-CHS" altLang="en-US" smtClean="0"/>
               <a:t>第四级</a:t>
             </a:r>
           </a:p>
           <a:p>
             <a:pPr lvl="4"/>
             <a:r>
-              <a:rPr lang="zh-CN" altLang="en-US" smtClean="0"/>
+              <a:rPr lang="zh-CHS" altLang="en-US" smtClean="0"/>
               <a:t>第五级</a:t>
             </a:r>
             <a:endParaRPr lang="en-US" dirty="0"/>
@@ -938,7 +960,7 @@
           <a:p>
             <a:pPr lvl="0"/>
             <a:r>
-              <a:rPr lang="zh-CN" altLang="en-US" smtClean="0"/>
+              <a:rPr lang="zh-CHS" altLang="en-US" smtClean="0"/>
               <a:t>单击此处编辑母版文本样式</a:t>
             </a:r>
           </a:p>
@@ -947,7 +969,7 @@
     </p:spTree>
     <p:extLst>
       <p:ext uri="{BB962C8B-B14F-4D97-AF65-F5344CB8AC3E}">
-        <p14:creationId xmlns:p14="http://schemas.microsoft.com/office/powerpoint/2010/main" xmlns="" val="1887502472"/>
+        <p14:creationId xmlns:p14="http://schemas.microsoft.com/office/powerpoint/2010/main" val="1887502472"/>
       </p:ext>
     </p:extLst>
   </p:cSld>
@@ -1013,7 +1035,7 @@
     </p:spTree>
     <p:extLst>
       <p:ext uri="{BB962C8B-B14F-4D97-AF65-F5344CB8AC3E}">
-        <p14:creationId xmlns:p14="http://schemas.microsoft.com/office/powerpoint/2010/main" xmlns="" val="121700350"/>
+        <p14:creationId xmlns:p14="http://schemas.microsoft.com/office/powerpoint/2010/main" val="121700350"/>
       </p:ext>
     </p:extLst>
   </p:cSld>
@@ -1099,7 +1121,7 @@
           <a:blip r:embed="rId2">
             <a:extLst>
               <a:ext uri="{28A0092B-C50C-407E-A947-70E740481C1C}">
-                <a14:useLocalDpi xmlns:a14="http://schemas.microsoft.com/office/drawing/2010/main" xmlns="" val="0"/>
+                <a14:useLocalDpi xmlns:a14="http://schemas.microsoft.com/office/drawing/2010/main" val="0"/>
               </a:ext>
             </a:extLst>
           </a:blip>
@@ -1168,7 +1190,7 @@
           </a:lstStyle>
           <a:p>
             <a:r>
-              <a:rPr lang="zh-CN" altLang="en-US" smtClean="0"/>
+              <a:rPr lang="zh-CHS" altLang="en-US" smtClean="0"/>
               <a:t>单击此处编辑母版标题样式</a:t>
             </a:r>
             <a:endParaRPr lang="en-US" dirty="0"/>
@@ -1263,35 +1285,35 @@
           <a:p>
             <a:pPr lvl="0"/>
             <a:r>
-              <a:rPr lang="zh-CN" altLang="en-US" smtClean="0"/>
+              <a:rPr lang="zh-CHS" altLang="en-US" smtClean="0"/>
               <a:t>单击此处编辑母版文本样式</a:t>
             </a:r>
           </a:p>
           <a:p>
             <a:pPr lvl="1"/>
             <a:r>
-              <a:rPr lang="zh-CN" altLang="en-US" smtClean="0"/>
+              <a:rPr lang="zh-CHS" altLang="en-US" smtClean="0"/>
               <a:t>第二级</a:t>
             </a:r>
           </a:p>
           <a:p>
             <a:pPr lvl="2"/>
             <a:r>
-              <a:rPr lang="zh-CN" altLang="en-US" smtClean="0"/>
+              <a:rPr lang="zh-CHS" altLang="en-US" smtClean="0"/>
               <a:t>第三级</a:t>
             </a:r>
           </a:p>
           <a:p>
             <a:pPr lvl="3"/>
             <a:r>
-              <a:rPr lang="zh-CN" altLang="en-US" smtClean="0"/>
+              <a:rPr lang="zh-CHS" altLang="en-US" smtClean="0"/>
               <a:t>第四级</a:t>
             </a:r>
           </a:p>
           <a:p>
             <a:pPr lvl="4"/>
             <a:r>
-              <a:rPr lang="zh-CN" altLang="en-US" smtClean="0"/>
+              <a:rPr lang="zh-CHS" altLang="en-US" smtClean="0"/>
               <a:t>第五级</a:t>
             </a:r>
             <a:endParaRPr lang="en-US" dirty="0"/>
@@ -1301,7 +1323,7 @@
     </p:spTree>
     <p:extLst>
       <p:ext uri="{BB962C8B-B14F-4D97-AF65-F5344CB8AC3E}">
-        <p14:creationId xmlns:p14="http://schemas.microsoft.com/office/powerpoint/2010/main" xmlns="" val="1262807695"/>
+        <p14:creationId xmlns:p14="http://schemas.microsoft.com/office/powerpoint/2010/main" val="1262807695"/>
       </p:ext>
     </p:extLst>
   </p:cSld>
@@ -1426,7 +1448,7 @@
           <a:blip r:embed="rId2">
             <a:extLst>
               <a:ext uri="{28A0092B-C50C-407E-A947-70E740481C1C}">
-                <a14:useLocalDpi xmlns:a14="http://schemas.microsoft.com/office/drawing/2010/main" xmlns="" val="0"/>
+                <a14:useLocalDpi xmlns:a14="http://schemas.microsoft.com/office/drawing/2010/main" val="0"/>
               </a:ext>
             </a:extLst>
           </a:blip>
@@ -1675,7 +1697,7 @@
     </p:spTree>
     <p:extLst>
       <p:ext uri="{BB962C8B-B14F-4D97-AF65-F5344CB8AC3E}">
-        <p14:creationId xmlns:p14="http://schemas.microsoft.com/office/powerpoint/2010/main" xmlns="" val="4267768488"/>
+        <p14:creationId xmlns:p14="http://schemas.microsoft.com/office/powerpoint/2010/main" val="4267768488"/>
       </p:ext>
     </p:extLst>
   </p:cSld>
@@ -1880,7 +1902,7 @@
     </p:spTree>
     <p:extLst>
       <p:ext uri="{BB962C8B-B14F-4D97-AF65-F5344CB8AC3E}">
-        <p14:creationId xmlns:p14="http://schemas.microsoft.com/office/powerpoint/2010/main" xmlns="" val="1169464663"/>
+        <p14:creationId xmlns:p14="http://schemas.microsoft.com/office/powerpoint/2010/main" val="1169464663"/>
       </p:ext>
     </p:extLst>
   </p:cSld>
@@ -2090,7 +2112,7 @@
     </p:spTree>
     <p:extLst>
       <p:ext uri="{BB962C8B-B14F-4D97-AF65-F5344CB8AC3E}">
-        <p14:creationId xmlns:p14="http://schemas.microsoft.com/office/powerpoint/2010/main" xmlns="" val="1566873613"/>
+        <p14:creationId xmlns:p14="http://schemas.microsoft.com/office/powerpoint/2010/main" val="1566873613"/>
       </p:ext>
     </p:extLst>
   </p:cSld>
@@ -2341,7 +2363,7 @@
     </p:spTree>
     <p:extLst>
       <p:ext uri="{BB962C8B-B14F-4D97-AF65-F5344CB8AC3E}">
-        <p14:creationId xmlns:p14="http://schemas.microsoft.com/office/powerpoint/2010/main" xmlns="" val="349948437"/>
+        <p14:creationId xmlns:p14="http://schemas.microsoft.com/office/powerpoint/2010/main" val="349948437"/>
       </p:ext>
     </p:extLst>
   </p:cSld>
@@ -2422,7 +2444,7 @@
           <a:blip r:embed="rId2">
             <a:extLst>
               <a:ext uri="{28A0092B-C50C-407E-A947-70E740481C1C}">
-                <a14:useLocalDpi xmlns:a14="http://schemas.microsoft.com/office/drawing/2010/main" xmlns="" val="0"/>
+                <a14:useLocalDpi xmlns:a14="http://schemas.microsoft.com/office/drawing/2010/main" val="0"/>
               </a:ext>
             </a:extLst>
           </a:blip>
@@ -2651,7 +2673,7 @@
     </p:spTree>
     <p:extLst>
       <p:ext uri="{BB962C8B-B14F-4D97-AF65-F5344CB8AC3E}">
-        <p14:creationId xmlns:p14="http://schemas.microsoft.com/office/powerpoint/2010/main" xmlns="" val="1817799661"/>
+        <p14:creationId xmlns:p14="http://schemas.microsoft.com/office/powerpoint/2010/main" val="1817799661"/>
       </p:ext>
     </p:extLst>
   </p:cSld>
@@ -2740,7 +2762,7 @@
           <a:blip r:embed="rId3">
             <a:extLst>
               <a:ext uri="{28A0092B-C50C-407E-A947-70E740481C1C}">
-                <a14:useLocalDpi xmlns:a14="http://schemas.microsoft.com/office/drawing/2010/main" xmlns="" val="0"/>
+                <a14:useLocalDpi xmlns:a14="http://schemas.microsoft.com/office/drawing/2010/main" val="0"/>
               </a:ext>
             </a:extLst>
           </a:blip>
@@ -2988,7 +3010,7 @@
     </p:spTree>
     <p:extLst>
       <p:ext uri="{BB962C8B-B14F-4D97-AF65-F5344CB8AC3E}">
-        <p14:creationId xmlns:p14="http://schemas.microsoft.com/office/powerpoint/2010/main" xmlns="" val="769283892"/>
+        <p14:creationId xmlns:p14="http://schemas.microsoft.com/office/powerpoint/2010/main" val="769283892"/>
       </p:ext>
     </p:extLst>
   </p:cSld>
@@ -3179,7 +3201,7 @@
     </p:spTree>
     <p:extLst>
       <p:ext uri="{BB962C8B-B14F-4D97-AF65-F5344CB8AC3E}">
-        <p14:creationId xmlns:p14="http://schemas.microsoft.com/office/powerpoint/2010/main" xmlns="" val="1392806211"/>
+        <p14:creationId xmlns:p14="http://schemas.microsoft.com/office/powerpoint/2010/main" val="1392806211"/>
       </p:ext>
     </p:extLst>
   </p:cSld>
@@ -3360,7 +3382,7 @@
     </p:spTree>
     <p:extLst>
       <p:ext uri="{BB962C8B-B14F-4D97-AF65-F5344CB8AC3E}">
-        <p14:creationId xmlns:p14="http://schemas.microsoft.com/office/powerpoint/2010/main" xmlns="" val="787769682"/>
+        <p14:creationId xmlns:p14="http://schemas.microsoft.com/office/powerpoint/2010/main" val="787769682"/>
       </p:ext>
     </p:extLst>
   </p:cSld>
@@ -3445,7 +3467,7 @@
           <a:lstStyle/>
           <a:p>
             <a:r>
-              <a:rPr lang="zh-CN" altLang="en-US" smtClean="0"/>
+              <a:rPr lang="zh-CHS" altLang="en-US" smtClean="0"/>
               <a:t>单击此处编辑母版标题样式</a:t>
             </a:r>
             <a:endParaRPr lang="en-US"/>
@@ -3482,35 +3504,35 @@
           <a:p>
             <a:pPr lvl="0"/>
             <a:r>
-              <a:rPr lang="zh-CN" altLang="en-US" smtClean="0"/>
+              <a:rPr lang="zh-CHS" altLang="en-US" smtClean="0"/>
               <a:t>单击此处编辑母版文本样式</a:t>
             </a:r>
           </a:p>
           <a:p>
             <a:pPr lvl="1"/>
             <a:r>
-              <a:rPr lang="zh-CN" altLang="en-US" smtClean="0"/>
+              <a:rPr lang="zh-CHS" altLang="en-US" smtClean="0"/>
               <a:t>第二级</a:t>
             </a:r>
           </a:p>
           <a:p>
             <a:pPr lvl="2"/>
             <a:r>
-              <a:rPr lang="zh-CN" altLang="en-US" smtClean="0"/>
+              <a:rPr lang="zh-CHS" altLang="en-US" smtClean="0"/>
               <a:t>第三级</a:t>
             </a:r>
           </a:p>
           <a:p>
             <a:pPr lvl="3"/>
             <a:r>
-              <a:rPr lang="zh-CN" altLang="en-US" smtClean="0"/>
+              <a:rPr lang="zh-CHS" altLang="en-US" smtClean="0"/>
               <a:t>第四级</a:t>
             </a:r>
           </a:p>
           <a:p>
             <a:pPr lvl="4"/>
             <a:r>
-              <a:rPr lang="zh-CN" altLang="en-US" smtClean="0"/>
+              <a:rPr lang="zh-CHS" altLang="en-US" smtClean="0"/>
               <a:t>第五级</a:t>
             </a:r>
             <a:endParaRPr lang="en-US" dirty="0"/>
@@ -3553,7 +3575,7 @@
     </p:spTree>
     <p:extLst>
       <p:ext uri="{BB962C8B-B14F-4D97-AF65-F5344CB8AC3E}">
-        <p14:creationId xmlns:p14="http://schemas.microsoft.com/office/powerpoint/2010/main" xmlns="" val="3418283950"/>
+        <p14:creationId xmlns:p14="http://schemas.microsoft.com/office/powerpoint/2010/main" val="3418283950"/>
       </p:ext>
     </p:extLst>
   </p:cSld>
@@ -3731,7 +3753,7 @@
     </p:spTree>
     <p:extLst>
       <p:ext uri="{BB962C8B-B14F-4D97-AF65-F5344CB8AC3E}">
-        <p14:creationId xmlns:p14="http://schemas.microsoft.com/office/powerpoint/2010/main" xmlns="" val="233248088"/>
+        <p14:creationId xmlns:p14="http://schemas.microsoft.com/office/powerpoint/2010/main" val="233248088"/>
       </p:ext>
     </p:extLst>
   </p:cSld>
@@ -3797,7 +3819,7 @@
     </p:spTree>
     <p:extLst>
       <p:ext uri="{BB962C8B-B14F-4D97-AF65-F5344CB8AC3E}">
-        <p14:creationId xmlns:p14="http://schemas.microsoft.com/office/powerpoint/2010/main" xmlns="" val="2278561472"/>
+        <p14:creationId xmlns:p14="http://schemas.microsoft.com/office/powerpoint/2010/main" val="2278561472"/>
       </p:ext>
     </p:extLst>
   </p:cSld>
@@ -3886,7 +3908,7 @@
           <a:blip r:embed="rId3">
             <a:extLst>
               <a:ext uri="{28A0092B-C50C-407E-A947-70E740481C1C}">
-                <a14:useLocalDpi xmlns:a14="http://schemas.microsoft.com/office/drawing/2010/main" xmlns="" val="0"/>
+                <a14:useLocalDpi xmlns:a14="http://schemas.microsoft.com/office/drawing/2010/main" val="0"/>
               </a:ext>
             </a:extLst>
           </a:blip>
@@ -4092,7 +4114,7 @@
     </p:spTree>
     <p:extLst>
       <p:ext uri="{BB962C8B-B14F-4D97-AF65-F5344CB8AC3E}">
-        <p14:creationId xmlns:p14="http://schemas.microsoft.com/office/powerpoint/2010/main" xmlns="" val="2377508744"/>
+        <p14:creationId xmlns:p14="http://schemas.microsoft.com/office/powerpoint/2010/main" val="2377508744"/>
       </p:ext>
     </p:extLst>
   </p:cSld>
@@ -4217,7 +4239,7 @@
           <a:blip r:embed="rId2">
             <a:extLst>
               <a:ext uri="{28A0092B-C50C-407E-A947-70E740481C1C}">
-                <a14:useLocalDpi xmlns:a14="http://schemas.microsoft.com/office/drawing/2010/main" xmlns="" val="0"/>
+                <a14:useLocalDpi xmlns:a14="http://schemas.microsoft.com/office/drawing/2010/main" val="0"/>
               </a:ext>
             </a:extLst>
           </a:blip>
@@ -4466,7 +4488,7 @@
     </p:spTree>
     <p:extLst>
       <p:ext uri="{BB962C8B-B14F-4D97-AF65-F5344CB8AC3E}">
-        <p14:creationId xmlns:p14="http://schemas.microsoft.com/office/powerpoint/2010/main" xmlns="" val="530889207"/>
+        <p14:creationId xmlns:p14="http://schemas.microsoft.com/office/powerpoint/2010/main" val="530889207"/>
       </p:ext>
     </p:extLst>
   </p:cSld>
@@ -4680,7 +4702,7 @@
     </p:spTree>
     <p:extLst>
       <p:ext uri="{BB962C8B-B14F-4D97-AF65-F5344CB8AC3E}">
-        <p14:creationId xmlns:p14="http://schemas.microsoft.com/office/powerpoint/2010/main" xmlns="" val="93161148"/>
+        <p14:creationId xmlns:p14="http://schemas.microsoft.com/office/powerpoint/2010/main" val="93161148"/>
       </p:ext>
     </p:extLst>
   </p:cSld>
@@ -4899,7 +4921,7 @@
     </p:spTree>
     <p:extLst>
       <p:ext uri="{BB962C8B-B14F-4D97-AF65-F5344CB8AC3E}">
-        <p14:creationId xmlns:p14="http://schemas.microsoft.com/office/powerpoint/2010/main" xmlns="" val="3971222255"/>
+        <p14:creationId xmlns:p14="http://schemas.microsoft.com/office/powerpoint/2010/main" val="3971222255"/>
       </p:ext>
     </p:extLst>
   </p:cSld>
@@ -5150,7 +5172,7 @@
     </p:spTree>
     <p:extLst>
       <p:ext uri="{BB962C8B-B14F-4D97-AF65-F5344CB8AC3E}">
-        <p14:creationId xmlns:p14="http://schemas.microsoft.com/office/powerpoint/2010/main" xmlns="" val="3459282686"/>
+        <p14:creationId xmlns:p14="http://schemas.microsoft.com/office/powerpoint/2010/main" val="3459282686"/>
       </p:ext>
     </p:extLst>
   </p:cSld>
@@ -5231,7 +5253,7 @@
           <a:blip r:embed="rId2">
             <a:extLst>
               <a:ext uri="{28A0092B-C50C-407E-A947-70E740481C1C}">
-                <a14:useLocalDpi xmlns:a14="http://schemas.microsoft.com/office/drawing/2010/main" xmlns="" val="0"/>
+                <a14:useLocalDpi xmlns:a14="http://schemas.microsoft.com/office/drawing/2010/main" val="0"/>
               </a:ext>
             </a:extLst>
           </a:blip>
@@ -5460,7 +5482,7 @@
     </p:spTree>
     <p:extLst>
       <p:ext uri="{BB962C8B-B14F-4D97-AF65-F5344CB8AC3E}">
-        <p14:creationId xmlns:p14="http://schemas.microsoft.com/office/powerpoint/2010/main" xmlns="" val="1236711599"/>
+        <p14:creationId xmlns:p14="http://schemas.microsoft.com/office/powerpoint/2010/main" val="1236711599"/>
       </p:ext>
     </p:extLst>
   </p:cSld>
@@ -5549,7 +5571,7 @@
           <a:blip r:embed="rId3">
             <a:extLst>
               <a:ext uri="{28A0092B-C50C-407E-A947-70E740481C1C}">
-                <a14:useLocalDpi xmlns:a14="http://schemas.microsoft.com/office/drawing/2010/main" xmlns="" val="0"/>
+                <a14:useLocalDpi xmlns:a14="http://schemas.microsoft.com/office/drawing/2010/main" val="0"/>
               </a:ext>
             </a:extLst>
           </a:blip>
@@ -5797,7 +5819,7 @@
     </p:spTree>
     <p:extLst>
       <p:ext uri="{BB962C8B-B14F-4D97-AF65-F5344CB8AC3E}">
-        <p14:creationId xmlns:p14="http://schemas.microsoft.com/office/powerpoint/2010/main" xmlns="" val="3137538550"/>
+        <p14:creationId xmlns:p14="http://schemas.microsoft.com/office/powerpoint/2010/main" val="3137538550"/>
       </p:ext>
     </p:extLst>
   </p:cSld>
@@ -5994,7 +6016,7 @@
     </p:spTree>
     <p:extLst>
       <p:ext uri="{BB962C8B-B14F-4D97-AF65-F5344CB8AC3E}">
-        <p14:creationId xmlns:p14="http://schemas.microsoft.com/office/powerpoint/2010/main" xmlns="" val="3478325345"/>
+        <p14:creationId xmlns:p14="http://schemas.microsoft.com/office/powerpoint/2010/main" val="3478325345"/>
       </p:ext>
     </p:extLst>
   </p:cSld>
@@ -6079,7 +6101,7 @@
           <a:lstStyle/>
           <a:p>
             <a:r>
-              <a:rPr lang="zh-CN" altLang="en-US" smtClean="0"/>
+              <a:rPr lang="zh-CHS" altLang="en-US" smtClean="0"/>
               <a:t>单击此处编辑母版标题样式</a:t>
             </a:r>
             <a:endParaRPr lang="en-US"/>
@@ -6121,35 +6143,35 @@
           <a:p>
             <a:pPr lvl="0"/>
             <a:r>
-              <a:rPr lang="zh-CN" altLang="en-US" smtClean="0"/>
+              <a:rPr lang="zh-CHS" altLang="en-US" smtClean="0"/>
               <a:t>单击此处编辑母版文本样式</a:t>
             </a:r>
           </a:p>
           <a:p>
             <a:pPr lvl="1"/>
             <a:r>
-              <a:rPr lang="zh-CN" altLang="en-US" smtClean="0"/>
+              <a:rPr lang="zh-CHS" altLang="en-US" smtClean="0"/>
               <a:t>第二级</a:t>
             </a:r>
           </a:p>
           <a:p>
             <a:pPr lvl="2"/>
             <a:r>
-              <a:rPr lang="zh-CN" altLang="en-US" smtClean="0"/>
+              <a:rPr lang="zh-CHS" altLang="en-US" smtClean="0"/>
               <a:t>第三级</a:t>
             </a:r>
           </a:p>
           <a:p>
             <a:pPr lvl="3"/>
             <a:r>
-              <a:rPr lang="zh-CN" altLang="en-US" smtClean="0"/>
+              <a:rPr lang="zh-CHS" altLang="en-US" smtClean="0"/>
               <a:t>第四级</a:t>
             </a:r>
           </a:p>
           <a:p>
             <a:pPr lvl="4"/>
             <a:r>
-              <a:rPr lang="zh-CN" altLang="en-US" smtClean="0"/>
+              <a:rPr lang="zh-CHS" altLang="en-US" smtClean="0"/>
               <a:t>第五级</a:t>
             </a:r>
             <a:endParaRPr lang="en-US" dirty="0"/>
@@ -6192,7 +6214,7 @@
     </p:spTree>
     <p:extLst>
       <p:ext uri="{BB962C8B-B14F-4D97-AF65-F5344CB8AC3E}">
-        <p14:creationId xmlns:p14="http://schemas.microsoft.com/office/powerpoint/2010/main" xmlns="" val="2750567509"/>
+        <p14:creationId xmlns:p14="http://schemas.microsoft.com/office/powerpoint/2010/main" val="2750567509"/>
       </p:ext>
     </p:extLst>
   </p:cSld>
@@ -6373,7 +6395,7 @@
     </p:spTree>
     <p:extLst>
       <p:ext uri="{BB962C8B-B14F-4D97-AF65-F5344CB8AC3E}">
-        <p14:creationId xmlns:p14="http://schemas.microsoft.com/office/powerpoint/2010/main" xmlns="" val="3118519092"/>
+        <p14:creationId xmlns:p14="http://schemas.microsoft.com/office/powerpoint/2010/main" val="3118519092"/>
       </p:ext>
     </p:extLst>
   </p:cSld>
@@ -6551,7 +6573,7 @@
     </p:spTree>
     <p:extLst>
       <p:ext uri="{BB962C8B-B14F-4D97-AF65-F5344CB8AC3E}">
-        <p14:creationId xmlns:p14="http://schemas.microsoft.com/office/powerpoint/2010/main" xmlns="" val="2564166187"/>
+        <p14:creationId xmlns:p14="http://schemas.microsoft.com/office/powerpoint/2010/main" val="2564166187"/>
       </p:ext>
     </p:extLst>
   </p:cSld>
@@ -6617,7 +6639,7 @@
     </p:spTree>
     <p:extLst>
       <p:ext uri="{BB962C8B-B14F-4D97-AF65-F5344CB8AC3E}">
-        <p14:creationId xmlns:p14="http://schemas.microsoft.com/office/powerpoint/2010/main" xmlns="" val="1317997800"/>
+        <p14:creationId xmlns:p14="http://schemas.microsoft.com/office/powerpoint/2010/main" val="1317997800"/>
       </p:ext>
     </p:extLst>
   </p:cSld>
@@ -6706,7 +6728,7 @@
           <a:blip r:embed="rId3">
             <a:extLst>
               <a:ext uri="{28A0092B-C50C-407E-A947-70E740481C1C}">
-                <a14:useLocalDpi xmlns:a14="http://schemas.microsoft.com/office/drawing/2010/main" xmlns="" val="0"/>
+                <a14:useLocalDpi xmlns:a14="http://schemas.microsoft.com/office/drawing/2010/main" val="0"/>
               </a:ext>
             </a:extLst>
           </a:blip>
@@ -6912,7 +6934,7 @@
     </p:spTree>
     <p:extLst>
       <p:ext uri="{BB962C8B-B14F-4D97-AF65-F5344CB8AC3E}">
-        <p14:creationId xmlns:p14="http://schemas.microsoft.com/office/powerpoint/2010/main" xmlns="" val="1410572778"/>
+        <p14:creationId xmlns:p14="http://schemas.microsoft.com/office/powerpoint/2010/main" val="1410572778"/>
       </p:ext>
     </p:extLst>
   </p:cSld>
@@ -6997,7 +7019,7 @@
           <a:lstStyle/>
           <a:p>
             <a:r>
-              <a:rPr lang="zh-CN" altLang="en-US" smtClean="0"/>
+              <a:rPr lang="zh-CHS" altLang="en-US" smtClean="0"/>
               <a:t>单击此处编辑母版标题样式</a:t>
             </a:r>
             <a:endParaRPr lang="en-US"/>
@@ -7092,35 +7114,35 @@
           <a:p>
             <a:pPr lvl="0"/>
             <a:r>
-              <a:rPr lang="zh-CN" altLang="en-US" smtClean="0"/>
+              <a:rPr lang="zh-CHS" altLang="en-US" smtClean="0"/>
               <a:t>单击此处编辑母版文本样式</a:t>
             </a:r>
           </a:p>
           <a:p>
             <a:pPr lvl="1"/>
             <a:r>
-              <a:rPr lang="zh-CN" altLang="en-US" smtClean="0"/>
+              <a:rPr lang="zh-CHS" altLang="en-US" smtClean="0"/>
               <a:t>第二级</a:t>
             </a:r>
           </a:p>
           <a:p>
             <a:pPr lvl="2"/>
             <a:r>
-              <a:rPr lang="zh-CN" altLang="en-US" smtClean="0"/>
+              <a:rPr lang="zh-CHS" altLang="en-US" smtClean="0"/>
               <a:t>第三级</a:t>
             </a:r>
           </a:p>
           <a:p>
             <a:pPr lvl="3"/>
             <a:r>
-              <a:rPr lang="zh-CN" altLang="en-US" smtClean="0"/>
+              <a:rPr lang="zh-CHS" altLang="en-US" smtClean="0"/>
               <a:t>第四级</a:t>
             </a:r>
           </a:p>
           <a:p>
             <a:pPr lvl="4"/>
             <a:r>
-              <a:rPr lang="zh-CN" altLang="en-US" smtClean="0"/>
+              <a:rPr lang="zh-CHS" altLang="en-US" smtClean="0"/>
               <a:t>第五级</a:t>
             </a:r>
             <a:endParaRPr lang="en-US" dirty="0"/>
@@ -7163,7 +7185,7 @@
     </p:spTree>
     <p:extLst>
       <p:ext uri="{BB962C8B-B14F-4D97-AF65-F5344CB8AC3E}">
-        <p14:creationId xmlns:p14="http://schemas.microsoft.com/office/powerpoint/2010/main" xmlns="" val="3110993295"/>
+        <p14:creationId xmlns:p14="http://schemas.microsoft.com/office/powerpoint/2010/main" val="3110993295"/>
       </p:ext>
     </p:extLst>
   </p:cSld>
@@ -7244,7 +7266,7 @@
           <a:blip r:embed="rId2">
             <a:extLst>
               <a:ext uri="{28A0092B-C50C-407E-A947-70E740481C1C}">
-                <a14:useLocalDpi xmlns:a14="http://schemas.microsoft.com/office/drawing/2010/main" xmlns="" val="0"/>
+                <a14:useLocalDpi xmlns:a14="http://schemas.microsoft.com/office/drawing/2010/main" val="0"/>
               </a:ext>
             </a:extLst>
           </a:blip>
@@ -7325,7 +7347,7 @@
           </a:lstStyle>
           <a:p>
             <a:r>
-              <a:rPr lang="zh-CN" altLang="en-US" noProof="0" smtClean="0">
+              <a:rPr lang="zh-CHS" altLang="en-US" noProof="0" smtClean="0">
                 <a:sym typeface="Open Sans Extrabold" charset="0"/>
               </a:rPr>
               <a:t>单击此处编辑母版标题样式</a:t>
@@ -7402,35 +7424,35 @@
           <a:p>
             <a:pPr lvl="0"/>
             <a:r>
-              <a:rPr lang="zh-CN" altLang="en-US" smtClean="0"/>
+              <a:rPr lang="zh-CHS" altLang="en-US" smtClean="0"/>
               <a:t>单击此处编辑母版文本样式</a:t>
             </a:r>
           </a:p>
           <a:p>
             <a:pPr lvl="1"/>
             <a:r>
-              <a:rPr lang="zh-CN" altLang="en-US" smtClean="0"/>
+              <a:rPr lang="zh-CHS" altLang="en-US" smtClean="0"/>
               <a:t>第二级</a:t>
             </a:r>
           </a:p>
           <a:p>
             <a:pPr lvl="2"/>
             <a:r>
-              <a:rPr lang="zh-CN" altLang="en-US" smtClean="0"/>
+              <a:rPr lang="zh-CHS" altLang="en-US" smtClean="0"/>
               <a:t>第三级</a:t>
             </a:r>
           </a:p>
           <a:p>
             <a:pPr lvl="3"/>
             <a:r>
-              <a:rPr lang="zh-CN" altLang="en-US" smtClean="0"/>
+              <a:rPr lang="zh-CHS" altLang="en-US" smtClean="0"/>
               <a:t>第四级</a:t>
             </a:r>
           </a:p>
           <a:p>
             <a:pPr lvl="4"/>
             <a:r>
-              <a:rPr lang="zh-CN" altLang="en-US" smtClean="0"/>
+              <a:rPr lang="zh-CHS" altLang="en-US" smtClean="0"/>
               <a:t>第五级</a:t>
             </a:r>
             <a:endParaRPr lang="en-US" dirty="0"/>
@@ -7473,7 +7495,7 @@
     </p:spTree>
     <p:extLst>
       <p:ext uri="{BB962C8B-B14F-4D97-AF65-F5344CB8AC3E}">
-        <p14:creationId xmlns:p14="http://schemas.microsoft.com/office/powerpoint/2010/main" xmlns="" val="1305464026"/>
+        <p14:creationId xmlns:p14="http://schemas.microsoft.com/office/powerpoint/2010/main" val="1305464026"/>
       </p:ext>
     </p:extLst>
   </p:cSld>
@@ -7562,7 +7584,7 @@
           <a:blip r:embed="rId2">
             <a:extLst>
               <a:ext uri="{28A0092B-C50C-407E-A947-70E740481C1C}">
-                <a14:useLocalDpi xmlns:a14="http://schemas.microsoft.com/office/drawing/2010/main" xmlns="" val="0"/>
+                <a14:useLocalDpi xmlns:a14="http://schemas.microsoft.com/office/drawing/2010/main" val="0"/>
               </a:ext>
             </a:extLst>
           </a:blip>
@@ -7647,7 +7669,7 @@
           </a:lstStyle>
           <a:p>
             <a:r>
-              <a:rPr lang="zh-CN" altLang="en-US" noProof="0" smtClean="0">
+              <a:rPr lang="zh-CHS" altLang="en-US" noProof="0" smtClean="0">
                 <a:sym typeface="Open Sans Extrabold" charset="0"/>
               </a:rPr>
               <a:t>单击此处编辑母版标题样式</a:t>
@@ -7739,35 +7761,35 @@
           <a:p>
             <a:pPr lvl="0"/>
             <a:r>
-              <a:rPr lang="zh-CN" altLang="en-US" smtClean="0"/>
+              <a:rPr lang="zh-CHS" altLang="en-US" smtClean="0"/>
               <a:t>单击此处编辑母版文本样式</a:t>
             </a:r>
           </a:p>
           <a:p>
             <a:pPr lvl="1"/>
             <a:r>
-              <a:rPr lang="zh-CN" altLang="en-US" smtClean="0"/>
+              <a:rPr lang="zh-CHS" altLang="en-US" smtClean="0"/>
               <a:t>第二级</a:t>
             </a:r>
           </a:p>
           <a:p>
             <a:pPr lvl="2"/>
             <a:r>
-              <a:rPr lang="zh-CN" altLang="en-US" smtClean="0"/>
+              <a:rPr lang="zh-CHS" altLang="en-US" smtClean="0"/>
               <a:t>第三级</a:t>
             </a:r>
           </a:p>
           <a:p>
             <a:pPr lvl="3"/>
             <a:r>
-              <a:rPr lang="zh-CN" altLang="en-US" smtClean="0"/>
+              <a:rPr lang="zh-CHS" altLang="en-US" smtClean="0"/>
               <a:t>第四级</a:t>
             </a:r>
           </a:p>
           <a:p>
             <a:pPr lvl="4"/>
             <a:r>
-              <a:rPr lang="zh-CN" altLang="en-US" smtClean="0"/>
+              <a:rPr lang="zh-CHS" altLang="en-US" smtClean="0"/>
               <a:t>第五级</a:t>
             </a:r>
             <a:endParaRPr lang="en-US" dirty="0"/>
@@ -7810,7 +7832,7 @@
     </p:spTree>
     <p:extLst>
       <p:ext uri="{BB962C8B-B14F-4D97-AF65-F5344CB8AC3E}">
-        <p14:creationId xmlns:p14="http://schemas.microsoft.com/office/powerpoint/2010/main" xmlns="" val="966011468"/>
+        <p14:creationId xmlns:p14="http://schemas.microsoft.com/office/powerpoint/2010/main" val="966011468"/>
       </p:ext>
     </p:extLst>
   </p:cSld>
@@ -7859,7 +7881,7 @@
           <a:lstStyle/>
           <a:p>
             <a:r>
-              <a:rPr lang="zh-CN" altLang="en-US" smtClean="0"/>
+              <a:rPr lang="zh-CHS" altLang="en-US" smtClean="0"/>
               <a:t>单击此处编辑母版标题样式</a:t>
             </a:r>
             <a:endParaRPr lang="en-US" dirty="0"/>
@@ -7919,35 +7941,35 @@
           <a:p>
             <a:pPr lvl="0"/>
             <a:r>
-              <a:rPr lang="zh-CN" altLang="en-US" smtClean="0"/>
+              <a:rPr lang="zh-CHS" altLang="en-US" smtClean="0"/>
               <a:t>单击此处编辑母版文本样式</a:t>
             </a:r>
           </a:p>
           <a:p>
             <a:pPr lvl="1"/>
             <a:r>
-              <a:rPr lang="zh-CN" altLang="en-US" smtClean="0"/>
+              <a:rPr lang="zh-CHS" altLang="en-US" smtClean="0"/>
               <a:t>第二级</a:t>
             </a:r>
           </a:p>
           <a:p>
             <a:pPr lvl="2"/>
             <a:r>
-              <a:rPr lang="zh-CN" altLang="en-US" smtClean="0"/>
+              <a:rPr lang="zh-CHS" altLang="en-US" smtClean="0"/>
               <a:t>第三级</a:t>
             </a:r>
           </a:p>
           <a:p>
             <a:pPr lvl="3"/>
             <a:r>
-              <a:rPr lang="zh-CN" altLang="en-US" smtClean="0"/>
+              <a:rPr lang="zh-CHS" altLang="en-US" smtClean="0"/>
               <a:t>第四级</a:t>
             </a:r>
           </a:p>
           <a:p>
             <a:pPr lvl="4"/>
             <a:r>
-              <a:rPr lang="zh-CN" altLang="en-US" smtClean="0"/>
+              <a:rPr lang="zh-CHS" altLang="en-US" smtClean="0"/>
               <a:t>第五级</a:t>
             </a:r>
             <a:endParaRPr lang="en-US" dirty="0"/>
@@ -7992,7 +8014,7 @@
     </p:spTree>
     <p:extLst>
       <p:ext uri="{BB962C8B-B14F-4D97-AF65-F5344CB8AC3E}">
-        <p14:creationId xmlns:p14="http://schemas.microsoft.com/office/powerpoint/2010/main" xmlns="" val="1233903200"/>
+        <p14:creationId xmlns:p14="http://schemas.microsoft.com/office/powerpoint/2010/main" val="1233903200"/>
       </p:ext>
     </p:extLst>
   </p:cSld>
@@ -8100,35 +8122,35 @@
           <a:p>
             <a:pPr lvl="0"/>
             <a:r>
-              <a:rPr lang="zh-CN" altLang="en-US" smtClean="0"/>
+              <a:rPr lang="zh-CHS" altLang="en-US" smtClean="0"/>
               <a:t>单击此处编辑母版文本样式</a:t>
             </a:r>
           </a:p>
           <a:p>
             <a:pPr lvl="1"/>
             <a:r>
-              <a:rPr lang="zh-CN" altLang="en-US" smtClean="0"/>
+              <a:rPr lang="zh-CHS" altLang="en-US" smtClean="0"/>
               <a:t>第二级</a:t>
             </a:r>
           </a:p>
           <a:p>
             <a:pPr lvl="2"/>
             <a:r>
-              <a:rPr lang="zh-CN" altLang="en-US" smtClean="0"/>
+              <a:rPr lang="zh-CHS" altLang="en-US" smtClean="0"/>
               <a:t>第三级</a:t>
             </a:r>
           </a:p>
           <a:p>
             <a:pPr lvl="3"/>
             <a:r>
-              <a:rPr lang="zh-CN" altLang="en-US" smtClean="0"/>
+              <a:rPr lang="zh-CHS" altLang="en-US" smtClean="0"/>
               <a:t>第四级</a:t>
             </a:r>
           </a:p>
           <a:p>
             <a:pPr lvl="4"/>
             <a:r>
-              <a:rPr lang="zh-CN" altLang="en-US" smtClean="0"/>
+              <a:rPr lang="zh-CHS" altLang="en-US" smtClean="0"/>
               <a:t>第五级</a:t>
             </a:r>
             <a:endParaRPr lang="en-US" dirty="0"/>
@@ -8173,7 +8195,7 @@
     </p:spTree>
     <p:extLst>
       <p:ext uri="{BB962C8B-B14F-4D97-AF65-F5344CB8AC3E}">
-        <p14:creationId xmlns:p14="http://schemas.microsoft.com/office/powerpoint/2010/main" xmlns="" val="1206305906"/>
+        <p14:creationId xmlns:p14="http://schemas.microsoft.com/office/powerpoint/2010/main" val="1206305906"/>
       </p:ext>
     </p:extLst>
   </p:cSld>
@@ -8308,7 +8330,7 @@
           </a:lstStyle>
           <a:p>
             <a:r>
-              <a:rPr lang="zh-CN" altLang="en-US" smtClean="0"/>
+              <a:rPr lang="zh-CHS" altLang="en-US" smtClean="0"/>
               <a:t>单击此处编辑母版标题样式</a:t>
             </a:r>
             <a:endParaRPr lang="en-US" dirty="0"/>
@@ -8351,7 +8373,7 @@
     </p:spTree>
     <p:extLst>
       <p:ext uri="{BB962C8B-B14F-4D97-AF65-F5344CB8AC3E}">
-        <p14:creationId xmlns:p14="http://schemas.microsoft.com/office/powerpoint/2010/main" xmlns="" val="1401701171"/>
+        <p14:creationId xmlns:p14="http://schemas.microsoft.com/office/powerpoint/2010/main" val="1401701171"/>
       </p:ext>
     </p:extLst>
   </p:cSld>
@@ -8411,6 +8433,9 @@
           </a:ln>
           <a:effectLst/>
           <a:extLst>
+            <a:ext uri="{FAA26D3D-D897-4be2-8F04-BA451C77F1D7}">
+              <ma14:placeholderFlag xmlns:ma14="http://schemas.microsoft.com/office/mac/drawingml/2011/main" val="1"/>
+            </a:ext>
             <a:ext uri="{909E8E84-426E-40dd-AFC4-6F175D3DCCD1}">
               <a14:hiddenFill xmlns:a14="http://schemas.microsoft.com/office/drawing/2010/main" xmlns="">
                 <a:solidFill>
@@ -8439,9 +8464,6 @@
                 </a:effectLst>
               </a14:hiddenEffects>
             </a:ext>
-            <a:ext uri="{FAA26D3D-D897-4be2-8F04-BA451C77F1D7}">
-              <ma14:placeholderFlag xmlns:ma14="http://schemas.microsoft.com/office/mac/drawingml/2011/main" xmlns="" val="1"/>
-            </a:ext>
           </a:extLst>
         </p:spPr>
         <p:txBody>
@@ -8454,7 +8476,7 @@
           <a:p>
             <a:pPr lvl="0"/>
             <a:r>
-              <a:rPr lang="zh-CN" altLang="en-US" smtClean="0">
+              <a:rPr lang="zh-CHS" altLang="en-US" smtClean="0">
                 <a:sym typeface="Open Sans Extrabold" charset="0"/>
               </a:rPr>
               <a:t>单击此处编辑母版标题样式</a:t>
@@ -8489,6 +8511,9 @@
           </a:ln>
           <a:effectLst/>
           <a:extLst>
+            <a:ext uri="{FAA26D3D-D897-4be2-8F04-BA451C77F1D7}">
+              <ma14:placeholderFlag xmlns:ma14="http://schemas.microsoft.com/office/mac/drawingml/2011/main" val="1"/>
+            </a:ext>
             <a:ext uri="{909E8E84-426E-40dd-AFC4-6F175D3DCCD1}">
               <a14:hiddenFill xmlns:a14="http://schemas.microsoft.com/office/drawing/2010/main" xmlns="">
                 <a:solidFill>
@@ -8517,9 +8542,6 @@
                 </a:effectLst>
               </a14:hiddenEffects>
             </a:ext>
-            <a:ext uri="{FAA26D3D-D897-4be2-8F04-BA451C77F1D7}">
-              <ma14:placeholderFlag xmlns:ma14="http://schemas.microsoft.com/office/mac/drawingml/2011/main" xmlns="" val="1"/>
-            </a:ext>
           </a:extLst>
         </p:spPr>
         <p:txBody>
@@ -8532,7 +8554,7 @@
           <a:p>
             <a:pPr lvl="0"/>
             <a:r>
-              <a:rPr lang="zh-CN" altLang="en-US" smtClean="0">
+              <a:rPr lang="zh-CHS" altLang="en-US" smtClean="0">
                 <a:sym typeface="Open Sans Light" charset="0"/>
               </a:rPr>
               <a:t>单击此处编辑母版文本样式</a:t>
@@ -8541,7 +8563,7 @@
           <a:p>
             <a:pPr lvl="1"/>
             <a:r>
-              <a:rPr lang="zh-CN" altLang="en-US" smtClean="0">
+              <a:rPr lang="zh-CHS" altLang="en-US" smtClean="0">
                 <a:sym typeface="Open Sans Light" charset="0"/>
               </a:rPr>
               <a:t>第二级</a:t>
@@ -8550,7 +8572,7 @@
           <a:p>
             <a:pPr lvl="2"/>
             <a:r>
-              <a:rPr lang="zh-CN" altLang="en-US" smtClean="0">
+              <a:rPr lang="zh-CHS" altLang="en-US" smtClean="0">
                 <a:sym typeface="Open Sans Light" charset="0"/>
               </a:rPr>
               <a:t>第三级</a:t>
@@ -8559,7 +8581,7 @@
           <a:p>
             <a:pPr lvl="3"/>
             <a:r>
-              <a:rPr lang="zh-CN" altLang="en-US" smtClean="0">
+              <a:rPr lang="zh-CHS" altLang="en-US" smtClean="0">
                 <a:sym typeface="Open Sans Light" charset="0"/>
               </a:rPr>
               <a:t>第四级</a:t>
@@ -8568,7 +8590,7 @@
           <a:p>
             <a:pPr lvl="4"/>
             <a:r>
-              <a:rPr lang="zh-CN" altLang="en-US" smtClean="0">
+              <a:rPr lang="zh-CHS" altLang="en-US" smtClean="0">
                 <a:sym typeface="Open Sans Light" charset="0"/>
               </a:rPr>
               <a:t>第五级</a:t>
@@ -9306,6 +9328,9 @@
           </a:ln>
           <a:effectLst/>
           <a:extLst>
+            <a:ext uri="{FAA26D3D-D897-4be2-8F04-BA451C77F1D7}">
+              <ma14:placeholderFlag xmlns:ma14="http://schemas.microsoft.com/office/mac/drawingml/2011/main" val="1"/>
+            </a:ext>
             <a:ext uri="{909E8E84-426E-40dd-AFC4-6F175D3DCCD1}">
               <a14:hiddenFill xmlns:a14="http://schemas.microsoft.com/office/drawing/2010/main" xmlns="">
                 <a:solidFill>
@@ -9334,9 +9359,6 @@
                 </a:effectLst>
               </a14:hiddenEffects>
             </a:ext>
-            <a:ext uri="{FAA26D3D-D897-4be2-8F04-BA451C77F1D7}">
-              <ma14:placeholderFlag xmlns:ma14="http://schemas.microsoft.com/office/mac/drawingml/2011/main" xmlns="" val="1"/>
-            </a:ext>
           </a:extLst>
         </p:spPr>
         <p:txBody>
@@ -9381,6 +9403,9 @@
           </a:ln>
           <a:effectLst/>
           <a:extLst>
+            <a:ext uri="{FAA26D3D-D897-4be2-8F04-BA451C77F1D7}">
+              <ma14:placeholderFlag xmlns:ma14="http://schemas.microsoft.com/office/mac/drawingml/2011/main" val="1"/>
+            </a:ext>
             <a:ext uri="{909E8E84-426E-40dd-AFC4-6F175D3DCCD1}">
               <a14:hiddenFill xmlns:a14="http://schemas.microsoft.com/office/drawing/2010/main" xmlns="">
                 <a:solidFill>
@@ -9408,9 +9433,6 @@
                   </a:outerShdw>
                 </a:effectLst>
               </a14:hiddenEffects>
-            </a:ext>
-            <a:ext uri="{FAA26D3D-D897-4be2-8F04-BA451C77F1D7}">
-              <ma14:placeholderFlag xmlns:ma14="http://schemas.microsoft.com/office/mac/drawingml/2011/main" xmlns="" val="1"/>
             </a:ext>
           </a:extLst>
         </p:spPr>
@@ -10204,6 +10226,9 @@
           </a:ln>
           <a:effectLst/>
           <a:extLst>
+            <a:ext uri="{FAA26D3D-D897-4be2-8F04-BA451C77F1D7}">
+              <ma14:placeholderFlag xmlns:ma14="http://schemas.microsoft.com/office/mac/drawingml/2011/main" val="1"/>
+            </a:ext>
             <a:ext uri="{909E8E84-426E-40dd-AFC4-6F175D3DCCD1}">
               <a14:hiddenFill xmlns:a14="http://schemas.microsoft.com/office/drawing/2010/main" xmlns="">
                 <a:solidFill>
@@ -10232,9 +10257,6 @@
                 </a:effectLst>
               </a14:hiddenEffects>
             </a:ext>
-            <a:ext uri="{FAA26D3D-D897-4be2-8F04-BA451C77F1D7}">
-              <ma14:placeholderFlag xmlns:ma14="http://schemas.microsoft.com/office/mac/drawingml/2011/main" xmlns="" val="1"/>
-            </a:ext>
           </a:extLst>
         </p:spPr>
         <p:txBody>
@@ -10279,6 +10301,9 @@
           </a:ln>
           <a:effectLst/>
           <a:extLst>
+            <a:ext uri="{FAA26D3D-D897-4be2-8F04-BA451C77F1D7}">
+              <ma14:placeholderFlag xmlns:ma14="http://schemas.microsoft.com/office/mac/drawingml/2011/main" val="1"/>
+            </a:ext>
             <a:ext uri="{909E8E84-426E-40dd-AFC4-6F175D3DCCD1}">
               <a14:hiddenFill xmlns:a14="http://schemas.microsoft.com/office/drawing/2010/main" xmlns="">
                 <a:solidFill>
@@ -10306,9 +10331,6 @@
                   </a:outerShdw>
                 </a:effectLst>
               </a14:hiddenEffects>
-            </a:ext>
-            <a:ext uri="{FAA26D3D-D897-4be2-8F04-BA451C77F1D7}">
-              <ma14:placeholderFlag xmlns:ma14="http://schemas.microsoft.com/office/mac/drawingml/2011/main" xmlns="" val="1"/>
             </a:ext>
           </a:extLst>
         </p:spPr>
@@ -11094,11 +11116,7 @@
             </a:r>
             <a:r>
               <a:rPr lang="en-US" dirty="0" smtClean="0"/>
-              <a:t> &amp; </a:t>
-            </a:r>
-            <a:r>
-              <a:rPr lang="en-US" dirty="0" err="1" smtClean="0"/>
-              <a:t>Gmock</a:t>
+              <a:t> Introduction</a:t>
             </a:r>
             <a:endParaRPr lang="en-US" dirty="0" smtClean="0"/>
           </a:p>
@@ -11138,8 +11156,8 @@
         </p:nvSpPr>
         <p:spPr>
           <a:xfrm>
-            <a:off x="4225435" y="2673404"/>
-            <a:ext cx="4566636" cy="757130"/>
+            <a:off x="4448255" y="2673404"/>
+            <a:ext cx="4121000" cy="757130"/>
           </a:xfrm>
         </p:spPr>
         <p:txBody>
@@ -11151,7 +11169,7 @@
             </a:pPr>
             <a:r>
               <a:rPr lang="en-US" dirty="0" smtClean="0"/>
-              <a:t>Unit Testing With</a:t>
+              <a:t>C++ Unit Testing</a:t>
             </a:r>
           </a:p>
         </p:txBody>
@@ -11162,6 +11180,13 @@
     <a:masterClrMapping/>
   </p:clrMapOvr>
   <p:transition/>
+  <p:timing>
+    <p:tnLst>
+      <p:par>
+        <p:cTn id="1" dur="indefinite" restart="never" nodeType="tmRoot"/>
+      </p:par>
+    </p:tnLst>
+  </p:timing>
 </p:sld>
 </file>
 
@@ -11199,10 +11224,10 @@
           <a:p>
             <a:pPr algn="ctr"/>
             <a:r>
-              <a:rPr lang="en-US" altLang="zh-CN" spc="-210" dirty="0" smtClean="0"/>
-              <a:t>USING GTEST</a:t>
-            </a:r>
-            <a:endParaRPr lang="zh-CN" altLang="en-US" dirty="0"/>
+              <a:rPr lang="en-US" altLang="zh-CHS" dirty="0" smtClean="0"/>
+              <a:t>TEST Fixture</a:t>
+            </a:r>
+            <a:endParaRPr lang="zh-CHS" altLang="en-US" dirty="0"/>
           </a:p>
         </p:txBody>
       </p:sp>
@@ -11221,69 +11246,27 @@
           <a:bodyPr/>
           <a:lstStyle/>
           <a:p>
-            <a:r>
-              <a:rPr lang="en-US" altLang="zh-CN" sz="3400" dirty="0" smtClean="0"/>
-              <a:t>include &lt;</a:t>
-            </a:r>
-            <a:r>
-              <a:rPr lang="en-US" altLang="zh-CN" sz="3400" dirty="0" err="1" smtClean="0"/>
-              <a:t>gtest</a:t>
-            </a:r>
-            <a:r>
-              <a:rPr lang="en-US" altLang="zh-CN" sz="3400" dirty="0" smtClean="0"/>
-              <a:t>/</a:t>
-            </a:r>
-            <a:r>
-              <a:rPr lang="en-US" altLang="zh-CN" sz="3400" dirty="0" err="1" smtClean="0"/>
-              <a:t>gtest.h</a:t>
-            </a:r>
-            <a:r>
-              <a:rPr lang="en-US" altLang="zh-CN" sz="3400" dirty="0" smtClean="0"/>
-              <a:t>&gt;</a:t>
-            </a:r>
-          </a:p>
-          <a:p>
-            <a:r>
-              <a:rPr lang="en-US" altLang="zh-CN" sz="3400" dirty="0" smtClean="0"/>
-              <a:t>write your tests in any source files</a:t>
-            </a:r>
-          </a:p>
-          <a:p>
-            <a:r>
-              <a:rPr lang="en-US" altLang="zh-CN" sz="3400" dirty="0" smtClean="0"/>
-              <a:t>initialize </a:t>
-            </a:r>
-            <a:r>
-              <a:rPr lang="en-US" altLang="zh-CN" sz="3400" dirty="0" err="1" smtClean="0"/>
-              <a:t>gtest</a:t>
-            </a:r>
-            <a:r>
-              <a:rPr lang="en-US" altLang="zh-CN" sz="3400" dirty="0" smtClean="0"/>
-              <a:t> by </a:t>
-            </a:r>
-            <a:r>
-              <a:rPr lang="en-US" altLang="zh-CN" sz="3400" dirty="0" err="1" smtClean="0"/>
-              <a:t>InitGoogleTest</a:t>
-            </a:r>
-            <a:r>
-              <a:rPr lang="en-US" altLang="zh-CN" sz="3400" dirty="0" smtClean="0"/>
-              <a:t>()</a:t>
-            </a:r>
-          </a:p>
-          <a:p>
-            <a:r>
-              <a:rPr lang="en-US" altLang="zh-CN" sz="3400" dirty="0" smtClean="0"/>
-              <a:t>call RUN_ALL_TESTS() in main() function</a:t>
-            </a:r>
-          </a:p>
-          <a:p>
-            <a:r>
-              <a:rPr lang="en-US" altLang="zh-CN" sz="3400" dirty="0" smtClean="0"/>
-              <a:t>compile and run</a:t>
-            </a:r>
-          </a:p>
-          <a:p>
-            <a:endParaRPr lang="zh-CN" altLang="en-US" sz="3400" dirty="0"/>
+            <a:pPr marL="0" lvl="0"/>
+            <a:r>
+              <a:rPr lang="en-US" altLang="zh-CHS" sz="4400" dirty="0" smtClean="0"/>
+              <a:t>A test fixture allows you to </a:t>
+            </a:r>
+            <a:r>
+              <a:rPr lang="en-US" altLang="zh-CHS" sz="4400" dirty="0" smtClean="0">
+                <a:solidFill>
+                  <a:srgbClr val="FF0000"/>
+                </a:solidFill>
+              </a:rPr>
+              <a:t>reuse</a:t>
+            </a:r>
+            <a:r>
+              <a:rPr lang="en-US" altLang="zh-CHS" sz="4400" dirty="0" smtClean="0"/>
+              <a:t> the same configuration of objects for several different tests</a:t>
+            </a:r>
+          </a:p>
+          <a:p>
+            <a:pPr marL="0"/>
+            <a:endParaRPr lang="zh-CHS" altLang="en-US" dirty="0"/>
           </a:p>
         </p:txBody>
       </p:sp>
@@ -11305,7 +11288,7 @@
             <a:pPr>
               <a:defRPr/>
             </a:pPr>
-            <a:fld id="{28FE6BA1-A7B4-7B4F-846F-93E3CD6980EB}" type="slidenum">
+            <a:fld id="{9FA9E053-A9C9-5E43-89F1-83E618EAF168}" type="slidenum">
               <a:rPr lang="en-US" smtClean="0"/>
               <a:pPr>
                 <a:defRPr/>
@@ -11318,7 +11301,7 @@
       </p:sp>
       <p:pic>
         <p:nvPicPr>
-          <p:cNvPr id="6149" name="Picture 5"/>
+          <p:cNvPr id="4100" name="Picture 4"/>
           <p:cNvPicPr>
             <a:picLocks noChangeAspect="1" noChangeArrowheads="1"/>
           </p:cNvPicPr>
@@ -11333,8 +11316,8 @@
         </p:blipFill>
         <p:spPr bwMode="auto">
           <a:xfrm>
-            <a:off x="1963738" y="6028928"/>
-            <a:ext cx="9077325" cy="2543175"/>
+            <a:off x="3406056" y="3767600"/>
+            <a:ext cx="6696744" cy="5365981"/>
           </a:xfrm>
           <a:prstGeom prst="rect">
             <a:avLst/>
@@ -11354,10 +11337,284 @@
     <a:masterClrMapping/>
   </p:clrMapOvr>
   <p:transition/>
+  <p:timing>
+    <p:tnLst>
+      <p:par>
+        <p:cTn id="1" dur="indefinite" restart="never" nodeType="tmRoot"/>
+      </p:par>
+    </p:tnLst>
+  </p:timing>
 </p:sld>
 </file>
 
 <file path=ppt/slides/slide11.xml><?xml version="1.0" encoding="utf-8"?>
+<p:sld xmlns:a="http://schemas.openxmlformats.org/drawingml/2006/main" xmlns:r="http://schemas.openxmlformats.org/officeDocument/2006/relationships" xmlns:p="http://schemas.openxmlformats.org/presentationml/2006/main">
+  <p:cSld>
+    <p:spTree>
+      <p:nvGrpSpPr>
+        <p:cNvPr id="1" name=""/>
+        <p:cNvGrpSpPr/>
+        <p:nvPr/>
+      </p:nvGrpSpPr>
+      <p:grpSpPr>
+        <a:xfrm>
+          <a:off x="0" y="0"/>
+          <a:ext cx="0" cy="0"/>
+          <a:chOff x="0" y="0"/>
+          <a:chExt cx="0" cy="0"/>
+        </a:xfrm>
+      </p:grpSpPr>
+      <p:sp>
+        <p:nvSpPr>
+          <p:cNvPr id="2" name="标题 1"/>
+          <p:cNvSpPr>
+            <a:spLocks noGrp="1"/>
+          </p:cNvSpPr>
+          <p:nvPr>
+            <p:ph type="title"/>
+          </p:nvPr>
+        </p:nvSpPr>
+        <p:spPr/>
+        <p:txBody>
+          <a:bodyPr/>
+          <a:lstStyle/>
+          <a:p>
+            <a:pPr algn="ctr"/>
+            <a:r>
+              <a:rPr lang="en-US" altLang="zh-CHS" dirty="0" smtClean="0"/>
+              <a:t>TEST FIXTURE Internals</a:t>
+            </a:r>
+            <a:endParaRPr lang="zh-CHS" altLang="en-US" dirty="0"/>
+          </a:p>
+        </p:txBody>
+      </p:sp>
+      <p:sp>
+        <p:nvSpPr>
+          <p:cNvPr id="3" name="内容占位符 2"/>
+          <p:cNvSpPr>
+            <a:spLocks noGrp="1"/>
+          </p:cNvSpPr>
+          <p:nvPr>
+            <p:ph idx="1"/>
+          </p:nvPr>
+        </p:nvSpPr>
+        <p:spPr>
+          <a:xfrm>
+            <a:off x="6502400" y="1708596"/>
+            <a:ext cx="6121400" cy="7632700"/>
+          </a:xfrm>
+        </p:spPr>
+        <p:txBody>
+          <a:bodyPr/>
+          <a:lstStyle/>
+          <a:p>
+            <a:pPr>
+              <a:buClr>
+                <a:schemeClr val="tx2"/>
+              </a:buClr>
+              <a:buFont typeface="Wingdings" pitchFamily="2" charset="2"/>
+              <a:buChar char="p"/>
+            </a:pPr>
+            <a:r>
+              <a:rPr lang="en-US" altLang="zh-CHS" sz="2800" dirty="0" smtClean="0">
+                <a:latin typeface="Open Sans Light"/>
+                <a:cs typeface="Calibri" pitchFamily="34" charset="0"/>
+              </a:rPr>
+              <a:t>Google Test constructs a </a:t>
+            </a:r>
+            <a:r>
+              <a:rPr lang="en-US" altLang="zh-CHS" sz="2800" dirty="0" err="1" smtClean="0">
+                <a:latin typeface="Open Sans Light"/>
+                <a:cs typeface="Calibri" pitchFamily="34" charset="0"/>
+              </a:rPr>
+              <a:t>BookSpec</a:t>
+            </a:r>
+            <a:r>
+              <a:rPr lang="en-US" altLang="zh-CHS" sz="2800" dirty="0" smtClean="0">
+                <a:latin typeface="Open Sans Light"/>
+                <a:cs typeface="Calibri" pitchFamily="34" charset="0"/>
+              </a:rPr>
+              <a:t> object (let's call it t1 ). </a:t>
+            </a:r>
+          </a:p>
+          <a:p>
+            <a:pPr>
+              <a:buClr>
+                <a:schemeClr val="tx2"/>
+              </a:buClr>
+              <a:buFont typeface="Wingdings" pitchFamily="2" charset="2"/>
+              <a:buChar char="p"/>
+            </a:pPr>
+            <a:r>
+              <a:rPr lang="en-US" altLang="zh-CHS" sz="2800" dirty="0" smtClean="0">
+                <a:latin typeface="Open Sans Light"/>
+                <a:cs typeface="Calibri" pitchFamily="34" charset="0"/>
+              </a:rPr>
+              <a:t>t1.SetUp() initializes t1 . </a:t>
+            </a:r>
+          </a:p>
+          <a:p>
+            <a:pPr>
+              <a:buClr>
+                <a:schemeClr val="tx2"/>
+              </a:buClr>
+              <a:buFont typeface="Wingdings" pitchFamily="2" charset="2"/>
+              <a:buChar char="p"/>
+            </a:pPr>
+            <a:r>
+              <a:rPr lang="en-US" altLang="zh-CHS" sz="2800" dirty="0" smtClean="0">
+                <a:latin typeface="Open Sans Light"/>
+                <a:cs typeface="Calibri" pitchFamily="34" charset="0"/>
+              </a:rPr>
+              <a:t>the test(</a:t>
+            </a:r>
+            <a:r>
+              <a:rPr lang="en-US" altLang="zh-CHS" sz="2400" dirty="0" err="1" smtClean="0">
+                <a:latin typeface="Open Sans Light"/>
+                <a:cs typeface="Calibri" pitchFamily="34" charset="0"/>
+              </a:rPr>
+              <a:t>ShouldAbleToBeCompared</a:t>
+            </a:r>
+            <a:r>
+              <a:rPr lang="en-US" altLang="zh-CHS" sz="2400" dirty="0" smtClean="0">
+                <a:latin typeface="Open Sans Light"/>
+                <a:cs typeface="Calibri" pitchFamily="34" charset="0"/>
+              </a:rPr>
+              <a:t>) </a:t>
+            </a:r>
+            <a:r>
+              <a:rPr lang="en-US" altLang="zh-CHS" sz="2800" dirty="0" smtClean="0">
+                <a:latin typeface="Open Sans Light"/>
+                <a:cs typeface="Calibri" pitchFamily="34" charset="0"/>
+              </a:rPr>
+              <a:t>runs on t1. </a:t>
+            </a:r>
+          </a:p>
+          <a:p>
+            <a:pPr>
+              <a:buClr>
+                <a:schemeClr val="tx2"/>
+              </a:buClr>
+              <a:buFont typeface="Wingdings" pitchFamily="2" charset="2"/>
+              <a:buChar char="p"/>
+            </a:pPr>
+            <a:r>
+              <a:rPr lang="en-US" altLang="zh-CHS" sz="2800" dirty="0" smtClean="0">
+                <a:latin typeface="Open Sans Light"/>
+                <a:cs typeface="Calibri" pitchFamily="34" charset="0"/>
+              </a:rPr>
+              <a:t>t1.TearDown() cleans up after the test finishes. </a:t>
+            </a:r>
+          </a:p>
+          <a:p>
+            <a:pPr>
+              <a:buClr>
+                <a:schemeClr val="tx2"/>
+              </a:buClr>
+              <a:buFont typeface="Wingdings" pitchFamily="2" charset="2"/>
+              <a:buChar char="p"/>
+            </a:pPr>
+            <a:r>
+              <a:rPr lang="en-US" altLang="zh-CHS" sz="2800" dirty="0" smtClean="0">
+                <a:latin typeface="Open Sans Light"/>
+                <a:cs typeface="Calibri" pitchFamily="34" charset="0"/>
+              </a:rPr>
+              <a:t>t1 is destructed. </a:t>
+            </a:r>
+          </a:p>
+          <a:p>
+            <a:pPr>
+              <a:buClr>
+                <a:schemeClr val="tx2"/>
+              </a:buClr>
+              <a:buFont typeface="Wingdings" pitchFamily="2" charset="2"/>
+              <a:buChar char="p"/>
+            </a:pPr>
+            <a:endParaRPr lang="zh-CHS" altLang="en-US" sz="2800" dirty="0">
+              <a:latin typeface="Calibri" pitchFamily="34" charset="0"/>
+              <a:cs typeface="Calibri" pitchFamily="34" charset="0"/>
+            </a:endParaRPr>
+          </a:p>
+        </p:txBody>
+      </p:sp>
+      <p:sp>
+        <p:nvSpPr>
+          <p:cNvPr id="4" name="灯片编号占位符 3"/>
+          <p:cNvSpPr>
+            <a:spLocks noGrp="1"/>
+          </p:cNvSpPr>
+          <p:nvPr>
+            <p:ph type="sldNum" sz="quarter" idx="10"/>
+          </p:nvPr>
+        </p:nvSpPr>
+        <p:spPr/>
+        <p:txBody>
+          <a:bodyPr/>
+          <a:lstStyle/>
+          <a:p>
+            <a:pPr>
+              <a:defRPr/>
+            </a:pPr>
+            <a:fld id="{47194DCD-506D-1D43-A52D-140307FFEF14}" type="slidenum">
+              <a:rPr lang="en-US" smtClean="0"/>
+              <a:pPr>
+                <a:defRPr/>
+              </a:pPr>
+              <a:t>11</a:t>
+            </a:fld>
+            <a:endParaRPr lang="en-US"/>
+          </a:p>
+        </p:txBody>
+      </p:sp>
+      <p:pic>
+        <p:nvPicPr>
+          <p:cNvPr id="5124" name="Picture 4"/>
+          <p:cNvPicPr>
+            <a:picLocks noChangeAspect="1" noChangeArrowheads="1"/>
+          </p:cNvPicPr>
+          <p:nvPr/>
+        </p:nvPicPr>
+        <p:blipFill>
+          <a:blip r:embed="rId2"/>
+          <a:srcRect/>
+          <a:stretch>
+            <a:fillRect/>
+          </a:stretch>
+        </p:blipFill>
+        <p:spPr bwMode="auto">
+          <a:xfrm>
+            <a:off x="669752" y="1839490"/>
+            <a:ext cx="5448300" cy="6419850"/>
+          </a:xfrm>
+          <a:prstGeom prst="rect">
+            <a:avLst/>
+          </a:prstGeom>
+          <a:noFill/>
+          <a:ln w="9525">
+            <a:noFill/>
+            <a:miter lim="800000"/>
+            <a:headEnd/>
+            <a:tailEnd/>
+          </a:ln>
+        </p:spPr>
+      </p:pic>
+    </p:spTree>
+  </p:cSld>
+  <p:clrMapOvr>
+    <a:masterClrMapping/>
+  </p:clrMapOvr>
+  <p:transition/>
+  <p:timing>
+    <p:tnLst>
+      <p:par>
+        <p:cTn id="1" dur="indefinite" restart="never" nodeType="tmRoot"/>
+      </p:par>
+    </p:tnLst>
+  </p:timing>
+</p:sld>
+</file>
+
+<file path=ppt/slides/slide12.xml><?xml version="1.0" encoding="utf-8"?>
 <p:sld xmlns:a="http://schemas.openxmlformats.org/drawingml/2006/main" xmlns:r="http://schemas.openxmlformats.org/officeDocument/2006/relationships" xmlns:p="http://schemas.openxmlformats.org/presentationml/2006/main">
   <p:cSld>
     <p:spTree>
@@ -11396,10 +11653,10 @@
           <a:p>
             <a:pPr algn="ctr"/>
             <a:r>
-              <a:rPr lang="en-US" altLang="zh-CN" sz="4800" dirty="0" smtClean="0"/>
+              <a:rPr lang="en-US" altLang="zh-CHS" sz="4800" dirty="0" smtClean="0"/>
               <a:t>EXERCISE</a:t>
             </a:r>
-            <a:endParaRPr lang="zh-CN" altLang="en-US" sz="4800" dirty="0"/>
+            <a:endParaRPr lang="zh-CHS" altLang="en-US" sz="4800" dirty="0"/>
           </a:p>
         </p:txBody>
       </p:sp>
@@ -11431,7 +11688,7 @@
               <a:buFont typeface="Wingdings" charset="2"/>
               <a:buChar char=""/>
             </a:pPr>
-            <a:endParaRPr lang="en-US" altLang="zh-CN" sz="3600" dirty="0" smtClean="0"/>
+            <a:endParaRPr lang="en-US" altLang="zh-CHS" sz="3600" dirty="0" smtClean="0"/>
           </a:p>
           <a:p>
             <a:pPr marL="520700" indent="-520700">
@@ -11448,15 +11705,15 @@
               <a:buChar char=""/>
             </a:pPr>
             <a:r>
-              <a:rPr lang="en-US" altLang="zh-CN" sz="3600" dirty="0" smtClean="0"/>
+              <a:rPr lang="en-US" altLang="zh-CHS" sz="3600" dirty="0" smtClean="0"/>
               <a:t>Open </a:t>
             </a:r>
             <a:r>
-              <a:rPr lang="en-US" altLang="zh-CN" sz="3600" dirty="0" err="1" smtClean="0"/>
+              <a:rPr lang="en-US" altLang="zh-CHS" sz="3600" dirty="0" err="1" smtClean="0"/>
               <a:t>gtest_sample</a:t>
             </a:r>
             <a:r>
-              <a:rPr lang="en-US" altLang="zh-CN" sz="3600" dirty="0" smtClean="0"/>
+              <a:rPr lang="en-US" altLang="zh-CHS" sz="3600" dirty="0" smtClean="0"/>
               <a:t>, Compile and run</a:t>
             </a:r>
           </a:p>
@@ -11474,7 +11731,7 @@
               <a:buFont typeface="Wingdings" charset="2"/>
               <a:buChar char=""/>
             </a:pPr>
-            <a:endParaRPr lang="en-US" altLang="zh-CN" sz="3600" dirty="0" smtClean="0"/>
+            <a:endParaRPr lang="en-US" altLang="zh-CHS" sz="3600" dirty="0" smtClean="0"/>
           </a:p>
           <a:p>
             <a:pPr marL="520700" indent="-520700">
@@ -11491,11 +11748,11 @@
               <a:buChar char=""/>
             </a:pPr>
             <a:r>
-              <a:rPr lang="en-US" altLang="zh-CN" sz="3600" dirty="0" err="1" smtClean="0"/>
+              <a:rPr lang="en-US" altLang="zh-CHS" sz="3600" dirty="0" err="1" smtClean="0"/>
               <a:t>SalesMan</a:t>
             </a:r>
             <a:r>
-              <a:rPr lang="en-US" altLang="zh-CN" sz="3600" dirty="0" smtClean="0"/>
+              <a:rPr lang="en-US" altLang="zh-CHS" sz="3600" dirty="0" smtClean="0"/>
               <a:t> should answer “see you” to “bye”</a:t>
             </a:r>
           </a:p>
@@ -11513,7 +11770,7 @@
               <a:buFont typeface="Wingdings" charset="2"/>
               <a:buChar char=""/>
             </a:pPr>
-            <a:endParaRPr lang="en-US" altLang="zh-CN" sz="3600" dirty="0" smtClean="0"/>
+            <a:endParaRPr lang="en-US" altLang="zh-CHS" sz="3600" dirty="0" smtClean="0"/>
           </a:p>
           <a:p>
             <a:pPr marL="520700" indent="-520700">
@@ -11530,14 +11787,14 @@
               <a:buChar char=""/>
             </a:pPr>
             <a:r>
-              <a:rPr lang="en-US" altLang="zh-CN" sz="3600" dirty="0" err="1" smtClean="0"/>
+              <a:rPr lang="en-US" altLang="zh-CHS" sz="3600" dirty="0" err="1" smtClean="0"/>
               <a:t>SalesMan</a:t>
             </a:r>
             <a:r>
-              <a:rPr lang="en-US" altLang="zh-CN" sz="3600" dirty="0" smtClean="0"/>
+              <a:rPr lang="en-US" altLang="zh-CHS" sz="3600" dirty="0" smtClean="0"/>
               <a:t> should throw an exception if question is empty</a:t>
             </a:r>
-            <a:endParaRPr lang="zh-CN" altLang="en-US" sz="3600" dirty="0"/>
+            <a:endParaRPr lang="zh-CHS" altLang="en-US" sz="3600" dirty="0"/>
           </a:p>
         </p:txBody>
       </p:sp>
@@ -11564,7 +11821,7 @@
               <a:pPr>
                 <a:defRPr/>
               </a:pPr>
-              <a:t>11</a:t>
+              <a:t>12</a:t>
             </a:fld>
             <a:endParaRPr lang="en-US"/>
           </a:p>
@@ -11613,118 +11870,6 @@
 </p:sld>
 </file>
 
-<file path=ppt/slides/slide12.xml><?xml version="1.0" encoding="utf-8"?>
-<p:sld xmlns:a="http://schemas.openxmlformats.org/drawingml/2006/main" xmlns:r="http://schemas.openxmlformats.org/officeDocument/2006/relationships" xmlns:p="http://schemas.openxmlformats.org/presentationml/2006/main">
-  <p:cSld>
-    <p:spTree>
-      <p:nvGrpSpPr>
-        <p:cNvPr id="1" name=""/>
-        <p:cNvGrpSpPr/>
-        <p:nvPr/>
-      </p:nvGrpSpPr>
-      <p:grpSpPr>
-        <a:xfrm>
-          <a:off x="0" y="0"/>
-          <a:ext cx="0" cy="0"/>
-          <a:chOff x="0" y="0"/>
-          <a:chExt cx="0" cy="0"/>
-        </a:xfrm>
-      </p:grpSpPr>
-      <p:sp>
-        <p:nvSpPr>
-          <p:cNvPr id="12289" name="Rectangle 1"/>
-          <p:cNvSpPr>
-            <a:spLocks noGrp="1" noChangeArrowheads="1"/>
-          </p:cNvSpPr>
-          <p:nvPr>
-            <p:ph type="title"/>
-          </p:nvPr>
-        </p:nvSpPr>
-        <p:spPr/>
-        <p:txBody>
-          <a:bodyPr/>
-          <a:lstStyle/>
-          <a:p>
-            <a:pPr>
-              <a:defRPr/>
-            </a:pPr>
-            <a:r>
-              <a:rPr lang="en-US" dirty="0" smtClean="0"/>
-              <a:t>MOCKING</a:t>
-            </a:r>
-          </a:p>
-        </p:txBody>
-      </p:sp>
-      <p:sp>
-        <p:nvSpPr>
-          <p:cNvPr id="12290" name="Rectangle 2"/>
-          <p:cNvSpPr>
-            <a:spLocks noGrp="1" noChangeArrowheads="1"/>
-          </p:cNvSpPr>
-          <p:nvPr>
-            <p:ph idx="1"/>
-          </p:nvPr>
-        </p:nvSpPr>
-        <p:spPr/>
-        <p:txBody>
-          <a:bodyPr/>
-          <a:lstStyle/>
-          <a:p>
-            <a:pPr marL="0" indent="0" eaLnBrk="1" hangingPunct="1">
-              <a:defRPr/>
-            </a:pPr>
-            <a:r>
-              <a:rPr lang="en-US" dirty="0" smtClean="0"/>
-              <a:t>With Google Mock</a:t>
-            </a:r>
-          </a:p>
-        </p:txBody>
-      </p:sp>
-      <p:sp>
-        <p:nvSpPr>
-          <p:cNvPr id="4" name="Slide Number Placeholder 3"/>
-          <p:cNvSpPr>
-            <a:spLocks noGrp="1"/>
-          </p:cNvSpPr>
-          <p:nvPr>
-            <p:ph type="sldNum" sz="quarter" idx="10"/>
-          </p:nvPr>
-        </p:nvSpPr>
-        <p:spPr/>
-        <p:txBody>
-          <a:bodyPr/>
-          <a:lstStyle/>
-          <a:p>
-            <a:pPr>
-              <a:defRPr/>
-            </a:pPr>
-            <a:fld id="{FF174A22-F644-8D40-AF6E-ACD99327719B}" type="slidenum">
-              <a:rPr lang="en-US"/>
-              <a:pPr>
-                <a:defRPr/>
-              </a:pPr>
-              <a:t>12</a:t>
-            </a:fld>
-            <a:endParaRPr lang="en-US"/>
-          </a:p>
-        </p:txBody>
-      </p:sp>
-    </p:spTree>
-  </p:cSld>
-  <p:clrMapOvr>
-    <a:masterClrMapping/>
-  </p:clrMapOvr>
-  <p:transition/>
-  <p:timing>
-    <p:tnLst>
-      <p:par>
-        <p:cTn id="1" dur="indefinite" restart="never" nodeType="tmRoot"/>
-      </p:par>
-    </p:tnLst>
-  </p:timing>
-</p:sld>
-</file>
-
 <file path=ppt/slides/slide13.xml><?xml version="1.0" encoding="utf-8"?>
 <p:sld xmlns:a="http://schemas.openxmlformats.org/drawingml/2006/main" xmlns:r="http://schemas.openxmlformats.org/officeDocument/2006/relationships" xmlns:p="http://schemas.openxmlformats.org/presentationml/2006/main">
   <p:cSld>
@@ -11744,9 +11889,9 @@
       </p:grpSpPr>
       <p:sp>
         <p:nvSpPr>
-          <p:cNvPr id="2" name="标题 1"/>
+          <p:cNvPr id="23554" name="Rectangle 2"/>
           <p:cNvSpPr>
-            <a:spLocks noGrp="1"/>
+            <a:spLocks noGrp="1" noChangeArrowheads="1"/>
           </p:cNvSpPr>
           <p:nvPr>
             <p:ph type="title"/>
@@ -11757,18 +11902,19 @@
           <a:bodyPr/>
           <a:lstStyle/>
           <a:p>
-            <a:pPr algn="ctr"/>
-            <a:r>
-              <a:rPr lang="en-US" altLang="zh-CN" dirty="0" smtClean="0"/>
-              <a:t>WHY GOOGLE MOCK</a:t>
-            </a:r>
-            <a:endParaRPr lang="zh-CN" altLang="en-US" dirty="0"/>
+            <a:pPr eaLnBrk="1" hangingPunct="1">
+              <a:defRPr/>
+            </a:pPr>
+            <a:r>
+              <a:rPr lang="en-US" smtClean="0"/>
+              <a:t>THANK YOU</a:t>
+            </a:r>
           </a:p>
         </p:txBody>
       </p:sp>
       <p:sp>
         <p:nvSpPr>
-          <p:cNvPr id="3" name="内容占位符 2"/>
+          <p:cNvPr id="60418" name="Content Placeholder 1"/>
           <p:cNvSpPr>
             <a:spLocks noGrp="1"/>
           </p:cNvSpPr>
@@ -11776,1285 +11922,84 @@
             <p:ph idx="1"/>
           </p:nvPr>
         </p:nvSpPr>
-        <p:spPr/>
-        <p:txBody>
-          <a:bodyPr/>
-          <a:lstStyle/>
-          <a:p>
-            <a:r>
-              <a:rPr lang="en-US" altLang="zh-CN" sz="3200" dirty="0" smtClean="0"/>
-              <a:t>You want to "mock out" your dependencies.</a:t>
-            </a:r>
-          </a:p>
-          <a:p>
-            <a:r>
-              <a:rPr lang="en-US" altLang="zh-CN" sz="3200" dirty="0" smtClean="0"/>
-              <a:t>Your tests are slow as they depend on too many libraries or use expensive resources (e.g. a database).</a:t>
-            </a:r>
-          </a:p>
-          <a:p>
-            <a:r>
-              <a:rPr lang="en-US" altLang="zh-CN" sz="3200" dirty="0" smtClean="0"/>
-              <a:t>Your tests are brittle as some resources they use are unreliable (e.g. the network, current time).</a:t>
-            </a:r>
-          </a:p>
-          <a:p>
-            <a:r>
-              <a:rPr lang="en-US" altLang="zh-CN" sz="3200" dirty="0" smtClean="0"/>
-              <a:t>You want to test how your code handles a failure which is not easy to trigger.</a:t>
-            </a:r>
-          </a:p>
-          <a:p>
-            <a:r>
-              <a:rPr lang="en-US" altLang="zh-CN" sz="3200" dirty="0" smtClean="0"/>
-              <a:t>You need to make sure that your module interacts with other modules in the right way.</a:t>
-            </a:r>
-          </a:p>
-          <a:p>
-            <a:r>
-              <a:rPr lang="en-US" altLang="zh-CN" sz="3200" dirty="0" smtClean="0"/>
-              <a:t>Dependent Interface Does not yet exist or may change behavior. </a:t>
-            </a:r>
-          </a:p>
-          <a:p>
-            <a:endParaRPr lang="zh-CN" altLang="en-US" sz="3200" dirty="0"/>
-          </a:p>
-        </p:txBody>
-      </p:sp>
-      <p:sp>
-        <p:nvSpPr>
-          <p:cNvPr id="4" name="灯片编号占位符 3"/>
-          <p:cNvSpPr>
-            <a:spLocks noGrp="1"/>
-          </p:cNvSpPr>
-          <p:nvPr>
-            <p:ph type="sldNum" sz="quarter" idx="10"/>
-          </p:nvPr>
-        </p:nvSpPr>
-        <p:spPr/>
-        <p:txBody>
-          <a:bodyPr/>
-          <a:lstStyle/>
-          <a:p>
-            <a:pPr>
-              <a:defRPr/>
-            </a:pPr>
-            <a:fld id="{28FE6BA1-A7B4-7B4F-846F-93E3CD6980EB}" type="slidenum">
-              <a:rPr lang="en-US" smtClean="0"/>
-              <a:pPr>
-                <a:defRPr/>
-              </a:pPr>
-              <a:t>13</a:t>
-            </a:fld>
-            <a:endParaRPr lang="en-US"/>
-          </a:p>
-        </p:txBody>
-      </p:sp>
-    </p:spTree>
-  </p:cSld>
-  <p:clrMapOvr>
-    <a:masterClrMapping/>
-  </p:clrMapOvr>
-  <p:transition/>
-</p:sld>
-</file>
-
-<file path=ppt/slides/slide14.xml><?xml version="1.0" encoding="utf-8"?>
-<p:sld xmlns:a="http://schemas.openxmlformats.org/drawingml/2006/main" xmlns:r="http://schemas.openxmlformats.org/officeDocument/2006/relationships" xmlns:p="http://schemas.openxmlformats.org/presentationml/2006/main">
-  <p:cSld>
-    <p:spTree>
-      <p:nvGrpSpPr>
-        <p:cNvPr id="1" name=""/>
-        <p:cNvGrpSpPr/>
-        <p:nvPr/>
-      </p:nvGrpSpPr>
-      <p:grpSpPr>
-        <a:xfrm>
-          <a:off x="0" y="0"/>
-          <a:ext cx="0" cy="0"/>
-          <a:chOff x="0" y="0"/>
-          <a:chExt cx="0" cy="0"/>
-        </a:xfrm>
-      </p:grpSpPr>
-      <p:sp>
-        <p:nvSpPr>
-          <p:cNvPr id="2" name="标题 1"/>
-          <p:cNvSpPr>
-            <a:spLocks noGrp="1"/>
-          </p:cNvSpPr>
-          <p:nvPr>
-            <p:ph type="title"/>
-          </p:nvPr>
-        </p:nvSpPr>
-        <p:spPr/>
-        <p:txBody>
-          <a:bodyPr/>
-          <a:lstStyle/>
-          <a:p>
-            <a:pPr algn="ctr"/>
-            <a:r>
-              <a:rPr lang="en-US" altLang="zh-CN" spc="-210" dirty="0" smtClean="0"/>
-              <a:t>MOCK Object</a:t>
-            </a:r>
-            <a:endParaRPr lang="zh-CN" altLang="en-US" dirty="0"/>
-          </a:p>
-        </p:txBody>
-      </p:sp>
-      <p:sp>
-        <p:nvSpPr>
-          <p:cNvPr id="3" name="内容占位符 2"/>
-          <p:cNvSpPr>
-            <a:spLocks noGrp="1"/>
-          </p:cNvSpPr>
-          <p:nvPr>
-            <p:ph idx="1"/>
-          </p:nvPr>
-        </p:nvSpPr>
-        <p:spPr/>
-        <p:txBody>
-          <a:bodyPr/>
-          <a:lstStyle/>
-          <a:p>
-            <a:pPr marL="0" lvl="0"/>
-            <a:r>
-              <a:rPr lang="en-US" altLang="zh-CN" sz="3600" dirty="0" smtClean="0">
-                <a:sym typeface="Calibri"/>
-              </a:rPr>
-              <a:t>A </a:t>
-            </a:r>
-            <a:r>
-              <a:rPr lang="en-US" altLang="zh-CN" sz="3600" dirty="0" smtClean="0">
-                <a:solidFill>
-                  <a:srgbClr val="FF2600"/>
-                </a:solidFill>
-                <a:sym typeface="Calibri"/>
-              </a:rPr>
-              <a:t>mock object</a:t>
-            </a:r>
-            <a:r>
-              <a:rPr lang="en-US" altLang="zh-CN" sz="3600" dirty="0" smtClean="0">
-                <a:sym typeface="Calibri"/>
-              </a:rPr>
-              <a:t> implements the same interface as a real object (so it can be used as one), but lets you specify at run time </a:t>
-            </a:r>
-            <a:r>
-              <a:rPr lang="en-US" altLang="zh-CN" sz="3600" dirty="0" smtClean="0">
-                <a:solidFill>
-                  <a:srgbClr val="FF0000"/>
-                </a:solidFill>
-                <a:sym typeface="Calibri"/>
-              </a:rPr>
-              <a:t>how it will be used</a:t>
-            </a:r>
-            <a:r>
-              <a:rPr lang="en-US" altLang="zh-CN" sz="3600" dirty="0" smtClean="0">
-                <a:sym typeface="Calibri"/>
-              </a:rPr>
-              <a:t> and </a:t>
-            </a:r>
-            <a:r>
-              <a:rPr lang="en-US" altLang="zh-CN" sz="3600" dirty="0" smtClean="0">
-                <a:solidFill>
-                  <a:srgbClr val="FF0000"/>
-                </a:solidFill>
-                <a:sym typeface="Calibri"/>
-              </a:rPr>
-              <a:t>what it should do</a:t>
-            </a:r>
-          </a:p>
-          <a:p>
-            <a:pPr marL="0"/>
-            <a:endParaRPr lang="zh-CN" altLang="en-US" sz="3600" dirty="0"/>
-          </a:p>
-        </p:txBody>
-      </p:sp>
-      <p:sp>
-        <p:nvSpPr>
-          <p:cNvPr id="4" name="灯片编号占位符 3"/>
-          <p:cNvSpPr>
-            <a:spLocks noGrp="1"/>
-          </p:cNvSpPr>
-          <p:nvPr>
-            <p:ph type="sldNum" sz="quarter" idx="10"/>
-          </p:nvPr>
-        </p:nvSpPr>
-        <p:spPr/>
-        <p:txBody>
-          <a:bodyPr/>
-          <a:lstStyle/>
-          <a:p>
-            <a:pPr>
-              <a:defRPr/>
-            </a:pPr>
-            <a:fld id="{9FA9E053-A9C9-5E43-89F1-83E618EAF168}" type="slidenum">
-              <a:rPr lang="en-US" smtClean="0"/>
-              <a:pPr>
-                <a:defRPr/>
-              </a:pPr>
-              <a:t>14</a:t>
-            </a:fld>
-            <a:endParaRPr lang="en-US"/>
-          </a:p>
-        </p:txBody>
-      </p:sp>
-      <p:pic>
-        <p:nvPicPr>
-          <p:cNvPr id="7170" name="Picture 2"/>
-          <p:cNvPicPr>
-            <a:picLocks noChangeAspect="1" noChangeArrowheads="1"/>
-          </p:cNvPicPr>
-          <p:nvPr/>
-        </p:nvPicPr>
-        <p:blipFill>
-          <a:blip r:embed="rId2"/>
-          <a:srcRect/>
-          <a:stretch>
-            <a:fillRect/>
-          </a:stretch>
-        </p:blipFill>
-        <p:spPr bwMode="auto">
-          <a:xfrm>
-            <a:off x="1605856" y="3436640"/>
-            <a:ext cx="9505056" cy="5834991"/>
-          </a:xfrm>
-          <a:prstGeom prst="rect">
-            <a:avLst/>
-          </a:prstGeom>
-          <a:noFill/>
-          <a:ln w="9525">
-            <a:noFill/>
-            <a:miter lim="800000"/>
-            <a:headEnd/>
-            <a:tailEnd/>
-          </a:ln>
-        </p:spPr>
-      </p:pic>
-    </p:spTree>
-  </p:cSld>
-  <p:clrMapOvr>
-    <a:masterClrMapping/>
-  </p:clrMapOvr>
-  <p:transition/>
-</p:sld>
-</file>
-
-<file path=ppt/slides/slide15.xml><?xml version="1.0" encoding="utf-8"?>
-<p:sld xmlns:a="http://schemas.openxmlformats.org/drawingml/2006/main" xmlns:r="http://schemas.openxmlformats.org/officeDocument/2006/relationships" xmlns:p="http://schemas.openxmlformats.org/presentationml/2006/main">
-  <p:cSld>
-    <p:spTree>
-      <p:nvGrpSpPr>
-        <p:cNvPr id="1" name=""/>
-        <p:cNvGrpSpPr/>
-        <p:nvPr/>
-      </p:nvGrpSpPr>
-      <p:grpSpPr>
-        <a:xfrm>
-          <a:off x="0" y="0"/>
-          <a:ext cx="0" cy="0"/>
-          <a:chOff x="0" y="0"/>
-          <a:chExt cx="0" cy="0"/>
-        </a:xfrm>
-      </p:grpSpPr>
-      <p:sp>
-        <p:nvSpPr>
-          <p:cNvPr id="2" name="标题 1"/>
-          <p:cNvSpPr>
-            <a:spLocks noGrp="1"/>
-          </p:cNvSpPr>
-          <p:nvPr>
-            <p:ph type="title"/>
-          </p:nvPr>
-        </p:nvSpPr>
-        <p:spPr/>
-        <p:txBody>
-          <a:bodyPr/>
-          <a:lstStyle/>
-          <a:p>
-            <a:pPr algn="ctr"/>
-            <a:r>
-              <a:rPr lang="en-US" altLang="zh-CN" dirty="0" smtClean="0"/>
-              <a:t>EXPECTATIONS</a:t>
-            </a:r>
-            <a:endParaRPr lang="zh-CN" altLang="en-US" dirty="0"/>
-          </a:p>
-        </p:txBody>
-      </p:sp>
-      <p:sp>
-        <p:nvSpPr>
-          <p:cNvPr id="3" name="内容占位符 2"/>
-          <p:cNvSpPr>
-            <a:spLocks noGrp="1"/>
-          </p:cNvSpPr>
-          <p:nvPr>
-            <p:ph idx="1"/>
-          </p:nvPr>
-        </p:nvSpPr>
-        <p:spPr/>
-        <p:txBody>
-          <a:bodyPr/>
-          <a:lstStyle/>
-          <a:p>
-            <a:pPr marL="0"/>
-            <a:r>
-              <a:rPr lang="en-US" altLang="zh-TW" dirty="0" smtClean="0"/>
-              <a:t>use the </a:t>
-            </a:r>
-            <a:r>
-              <a:rPr lang="en-US" altLang="zh-TW" dirty="0" smtClean="0">
-                <a:solidFill>
-                  <a:srgbClr val="FF0000"/>
-                </a:solidFill>
-              </a:rPr>
-              <a:t>EXPECT_CALL()</a:t>
-            </a:r>
-            <a:r>
-              <a:rPr lang="en-US" altLang="zh-TW" dirty="0" smtClean="0"/>
-              <a:t> macro to set an expectation on a mock method</a:t>
-            </a:r>
-          </a:p>
-        </p:txBody>
-      </p:sp>
-      <p:sp>
-        <p:nvSpPr>
-          <p:cNvPr id="4" name="灯片编号占位符 3"/>
-          <p:cNvSpPr>
-            <a:spLocks noGrp="1"/>
-          </p:cNvSpPr>
-          <p:nvPr>
-            <p:ph type="sldNum" sz="quarter" idx="10"/>
-          </p:nvPr>
-        </p:nvSpPr>
-        <p:spPr/>
-        <p:txBody>
-          <a:bodyPr/>
-          <a:lstStyle/>
-          <a:p>
-            <a:pPr>
-              <a:defRPr/>
-            </a:pPr>
-            <a:fld id="{9FA9E053-A9C9-5E43-89F1-83E618EAF168}" type="slidenum">
-              <a:rPr lang="en-US" smtClean="0"/>
-              <a:pPr>
-                <a:defRPr/>
-              </a:pPr>
-              <a:t>15</a:t>
-            </a:fld>
-            <a:endParaRPr lang="en-US"/>
-          </a:p>
-        </p:txBody>
-      </p:sp>
-      <p:pic>
-        <p:nvPicPr>
-          <p:cNvPr id="1026" name="Picture 2"/>
-          <p:cNvPicPr>
-            <a:picLocks noChangeAspect="1" noChangeArrowheads="1"/>
-          </p:cNvPicPr>
-          <p:nvPr/>
-        </p:nvPicPr>
-        <p:blipFill>
-          <a:blip r:embed="rId2"/>
-          <a:srcRect/>
-          <a:stretch>
-            <a:fillRect/>
-          </a:stretch>
-        </p:blipFill>
-        <p:spPr bwMode="auto">
-          <a:xfrm>
-            <a:off x="2011363" y="3652664"/>
-            <a:ext cx="8982075" cy="5067300"/>
-          </a:xfrm>
-          <a:prstGeom prst="rect">
-            <a:avLst/>
-          </a:prstGeom>
-          <a:noFill/>
-          <a:ln w="9525">
-            <a:noFill/>
-            <a:miter lim="800000"/>
-            <a:headEnd/>
-            <a:tailEnd/>
-          </a:ln>
-        </p:spPr>
-      </p:pic>
-    </p:spTree>
-  </p:cSld>
-  <p:clrMapOvr>
-    <a:masterClrMapping/>
-  </p:clrMapOvr>
-  <p:transition/>
-</p:sld>
-</file>
-
-<file path=ppt/slides/slide16.xml><?xml version="1.0" encoding="utf-8"?>
-<p:sld xmlns:a="http://schemas.openxmlformats.org/drawingml/2006/main" xmlns:r="http://schemas.openxmlformats.org/officeDocument/2006/relationships" xmlns:p="http://schemas.openxmlformats.org/presentationml/2006/main">
-  <p:cSld>
-    <p:spTree>
-      <p:nvGrpSpPr>
-        <p:cNvPr id="1" name=""/>
-        <p:cNvGrpSpPr/>
-        <p:nvPr/>
-      </p:nvGrpSpPr>
-      <p:grpSpPr>
-        <a:xfrm>
-          <a:off x="0" y="0"/>
-          <a:ext cx="0" cy="0"/>
-          <a:chOff x="0" y="0"/>
-          <a:chExt cx="0" cy="0"/>
-        </a:xfrm>
-      </p:grpSpPr>
-      <p:sp>
-        <p:nvSpPr>
-          <p:cNvPr id="2" name="标题 1"/>
-          <p:cNvSpPr>
-            <a:spLocks noGrp="1"/>
-          </p:cNvSpPr>
-          <p:nvPr>
-            <p:ph type="title"/>
-          </p:nvPr>
-        </p:nvSpPr>
-        <p:spPr/>
-        <p:txBody>
-          <a:bodyPr/>
-          <a:lstStyle/>
-          <a:p>
-            <a:pPr algn="ctr"/>
-            <a:r>
-              <a:rPr lang="en-US" altLang="zh-CN" dirty="0" smtClean="0"/>
-              <a:t>MATCHERS</a:t>
-            </a:r>
-            <a:endParaRPr lang="zh-CN" altLang="en-US" dirty="0"/>
-          </a:p>
-        </p:txBody>
-      </p:sp>
-      <p:sp>
-        <p:nvSpPr>
-          <p:cNvPr id="3" name="内容占位符 2"/>
-          <p:cNvSpPr>
-            <a:spLocks noGrp="1"/>
-          </p:cNvSpPr>
-          <p:nvPr>
-            <p:ph idx="1"/>
-          </p:nvPr>
-        </p:nvSpPr>
-        <p:spPr/>
-        <p:txBody>
-          <a:bodyPr/>
-          <a:lstStyle/>
-          <a:p>
-            <a:pPr marL="0"/>
-            <a:r>
-              <a:rPr lang="en-US" altLang="zh-TW" sz="4400" dirty="0" smtClean="0"/>
-              <a:t>When a mock function takes arguments, we must specify the expected arguments value</a:t>
-            </a:r>
-          </a:p>
-          <a:p>
-            <a:pPr marL="0"/>
-            <a:endParaRPr lang="en-US" altLang="zh-TW" sz="4400" dirty="0" smtClean="0"/>
-          </a:p>
-          <a:p>
-            <a:pPr marL="0"/>
-            <a:endParaRPr lang="en-US" altLang="zh-TW" sz="4400" dirty="0" smtClean="0"/>
-          </a:p>
-          <a:p>
-            <a:pPr marL="0"/>
-            <a:endParaRPr lang="en-US" altLang="zh-TW" sz="4400" dirty="0" smtClean="0"/>
-          </a:p>
-          <a:p>
-            <a:pPr marL="0"/>
-            <a:endParaRPr lang="en-US" altLang="zh-TW" sz="4400" dirty="0" smtClean="0"/>
-          </a:p>
-          <a:p>
-            <a:pPr marL="0"/>
-            <a:r>
-              <a:rPr lang="en-US" altLang="zh-TW" sz="4000" dirty="0" smtClean="0"/>
-              <a:t>	</a:t>
-            </a:r>
-            <a:r>
-              <a:rPr lang="en-US" altLang="zh-TW" sz="4000" dirty="0" smtClean="0">
-                <a:solidFill>
-                  <a:srgbClr val="FF0000"/>
-                </a:solidFill>
-              </a:rPr>
-              <a:t>testing::_ </a:t>
-            </a:r>
-            <a:r>
-              <a:rPr lang="en-US" altLang="zh-TW" sz="4000" dirty="0" smtClean="0"/>
-              <a:t>will match any input arguments</a:t>
-            </a:r>
-          </a:p>
-        </p:txBody>
-      </p:sp>
-      <p:sp>
-        <p:nvSpPr>
-          <p:cNvPr id="4" name="灯片编号占位符 3"/>
-          <p:cNvSpPr>
-            <a:spLocks noGrp="1"/>
-          </p:cNvSpPr>
-          <p:nvPr>
-            <p:ph type="sldNum" sz="quarter" idx="10"/>
-          </p:nvPr>
-        </p:nvSpPr>
-        <p:spPr/>
-        <p:txBody>
-          <a:bodyPr/>
-          <a:lstStyle/>
-          <a:p>
-            <a:pPr>
-              <a:defRPr/>
-            </a:pPr>
-            <a:fld id="{9FA9E053-A9C9-5E43-89F1-83E618EAF168}" type="slidenum">
-              <a:rPr lang="en-US" smtClean="0"/>
-              <a:pPr>
-                <a:defRPr/>
-              </a:pPr>
-              <a:t>16</a:t>
-            </a:fld>
-            <a:endParaRPr lang="en-US"/>
-          </a:p>
-        </p:txBody>
-      </p:sp>
-      <p:pic>
-        <p:nvPicPr>
-          <p:cNvPr id="9219" name="Picture 3"/>
-          <p:cNvPicPr>
-            <a:picLocks noChangeAspect="1" noChangeArrowheads="1"/>
-          </p:cNvPicPr>
-          <p:nvPr/>
-        </p:nvPicPr>
-        <p:blipFill>
-          <a:blip r:embed="rId2"/>
-          <a:srcRect/>
-          <a:stretch>
-            <a:fillRect/>
-          </a:stretch>
-        </p:blipFill>
-        <p:spPr bwMode="auto">
-          <a:xfrm>
-            <a:off x="1101800" y="3436640"/>
-            <a:ext cx="10629900" cy="4057650"/>
-          </a:xfrm>
-          <a:prstGeom prst="rect">
-            <a:avLst/>
-          </a:prstGeom>
-          <a:noFill/>
-          <a:ln w="9525">
-            <a:noFill/>
-            <a:miter lim="800000"/>
-            <a:headEnd/>
-            <a:tailEnd/>
-          </a:ln>
-        </p:spPr>
-      </p:pic>
-    </p:spTree>
-  </p:cSld>
-  <p:clrMapOvr>
-    <a:masterClrMapping/>
-  </p:clrMapOvr>
-  <p:transition/>
-</p:sld>
-</file>
-
-<file path=ppt/slides/slide17.xml><?xml version="1.0" encoding="utf-8"?>
-<p:sld xmlns:a="http://schemas.openxmlformats.org/drawingml/2006/main" xmlns:r="http://schemas.openxmlformats.org/officeDocument/2006/relationships" xmlns:p="http://schemas.openxmlformats.org/presentationml/2006/main">
-  <p:cSld>
-    <p:spTree>
-      <p:nvGrpSpPr>
-        <p:cNvPr id="1" name=""/>
-        <p:cNvGrpSpPr/>
-        <p:nvPr/>
-      </p:nvGrpSpPr>
-      <p:grpSpPr>
-        <a:xfrm>
-          <a:off x="0" y="0"/>
-          <a:ext cx="0" cy="0"/>
-          <a:chOff x="0" y="0"/>
-          <a:chExt cx="0" cy="0"/>
-        </a:xfrm>
-      </p:grpSpPr>
-      <p:sp>
-        <p:nvSpPr>
-          <p:cNvPr id="2" name="标题 1"/>
-          <p:cNvSpPr>
-            <a:spLocks noGrp="1"/>
-          </p:cNvSpPr>
-          <p:nvPr>
-            <p:ph type="title"/>
-          </p:nvPr>
-        </p:nvSpPr>
-        <p:spPr/>
-        <p:txBody>
-          <a:bodyPr/>
-          <a:lstStyle/>
-          <a:p>
-            <a:pPr algn="ctr"/>
-            <a:r>
-              <a:rPr lang="en-US" altLang="zh-CN" spc="-210" dirty="0" smtClean="0"/>
-              <a:t>ACTIONS</a:t>
-            </a:r>
-            <a:endParaRPr lang="zh-CN" altLang="en-US" dirty="0"/>
-          </a:p>
-        </p:txBody>
-      </p:sp>
-      <p:sp>
-        <p:nvSpPr>
-          <p:cNvPr id="3" name="内容占位符 2"/>
-          <p:cNvSpPr>
-            <a:spLocks noGrp="1"/>
-          </p:cNvSpPr>
-          <p:nvPr>
-            <p:ph idx="1"/>
-          </p:nvPr>
-        </p:nvSpPr>
-        <p:spPr/>
-        <p:txBody>
-          <a:bodyPr/>
-          <a:lstStyle/>
-          <a:p>
-            <a:pPr marL="0"/>
-            <a:r>
-              <a:rPr lang="en-US" altLang="zh-TW" sz="4400" dirty="0" smtClean="0"/>
-              <a:t>The return value of mock functions can be specified by </a:t>
-            </a:r>
-            <a:r>
-              <a:rPr lang="en-US" altLang="zh-TW" sz="4400" dirty="0" smtClean="0">
-                <a:solidFill>
-                  <a:srgbClr val="FF0000"/>
-                </a:solidFill>
-              </a:rPr>
-              <a:t>Will</a:t>
-            </a:r>
-            <a:r>
-              <a:rPr lang="en-US" altLang="zh-TW" sz="4400" dirty="0" smtClean="0"/>
-              <a:t> and </a:t>
-            </a:r>
-            <a:r>
-              <a:rPr lang="en-US" altLang="zh-TW" sz="4400" dirty="0" smtClean="0">
-                <a:solidFill>
-                  <a:srgbClr val="FF0000"/>
-                </a:solidFill>
-              </a:rPr>
-              <a:t>Return</a:t>
-            </a:r>
-            <a:r>
-              <a:rPr lang="en-US" altLang="zh-TW" sz="4400" dirty="0" smtClean="0"/>
-              <a:t> Statement</a:t>
-            </a:r>
-          </a:p>
-        </p:txBody>
-      </p:sp>
-      <p:sp>
-        <p:nvSpPr>
-          <p:cNvPr id="4" name="灯片编号占位符 3"/>
-          <p:cNvSpPr>
-            <a:spLocks noGrp="1"/>
-          </p:cNvSpPr>
-          <p:nvPr>
-            <p:ph type="sldNum" sz="quarter" idx="10"/>
-          </p:nvPr>
-        </p:nvSpPr>
-        <p:spPr/>
-        <p:txBody>
-          <a:bodyPr/>
-          <a:lstStyle/>
-          <a:p>
-            <a:pPr>
-              <a:defRPr/>
-            </a:pPr>
-            <a:fld id="{9FA9E053-A9C9-5E43-89F1-83E618EAF168}" type="slidenum">
-              <a:rPr lang="en-US" smtClean="0"/>
-              <a:pPr>
-                <a:defRPr/>
-              </a:pPr>
-              <a:t>17</a:t>
-            </a:fld>
-            <a:endParaRPr lang="en-US"/>
-          </a:p>
-        </p:txBody>
-      </p:sp>
-      <p:pic>
-        <p:nvPicPr>
-          <p:cNvPr id="10244" name="Picture 4"/>
-          <p:cNvPicPr>
-            <a:picLocks noChangeAspect="1" noChangeArrowheads="1"/>
-          </p:cNvPicPr>
-          <p:nvPr/>
-        </p:nvPicPr>
-        <p:blipFill>
-          <a:blip r:embed="rId2"/>
-          <a:srcRect/>
-          <a:stretch>
-            <a:fillRect/>
-          </a:stretch>
-        </p:blipFill>
-        <p:spPr bwMode="auto">
-          <a:xfrm>
-            <a:off x="1435100" y="3292624"/>
-            <a:ext cx="10134600" cy="5667375"/>
-          </a:xfrm>
-          <a:prstGeom prst="rect">
-            <a:avLst/>
-          </a:prstGeom>
-          <a:noFill/>
-          <a:ln w="9525">
-            <a:noFill/>
-            <a:miter lim="800000"/>
-            <a:headEnd/>
-            <a:tailEnd/>
-          </a:ln>
-        </p:spPr>
-      </p:pic>
-    </p:spTree>
-  </p:cSld>
-  <p:clrMapOvr>
-    <a:masterClrMapping/>
-  </p:clrMapOvr>
-  <p:transition/>
-</p:sld>
-</file>
-
-<file path=ppt/slides/slide18.xml><?xml version="1.0" encoding="utf-8"?>
-<p:sld xmlns:a="http://schemas.openxmlformats.org/drawingml/2006/main" xmlns:r="http://schemas.openxmlformats.org/officeDocument/2006/relationships" xmlns:p="http://schemas.openxmlformats.org/presentationml/2006/main">
-  <p:cSld>
-    <p:spTree>
-      <p:nvGrpSpPr>
-        <p:cNvPr id="1" name=""/>
-        <p:cNvGrpSpPr/>
-        <p:nvPr/>
-      </p:nvGrpSpPr>
-      <p:grpSpPr>
-        <a:xfrm>
-          <a:off x="0" y="0"/>
-          <a:ext cx="0" cy="0"/>
-          <a:chOff x="0" y="0"/>
-          <a:chExt cx="0" cy="0"/>
-        </a:xfrm>
-      </p:grpSpPr>
-      <p:sp>
-        <p:nvSpPr>
-          <p:cNvPr id="3" name="内容占位符 2"/>
-          <p:cNvSpPr>
-            <a:spLocks noGrp="1"/>
-          </p:cNvSpPr>
-          <p:nvPr>
-            <p:ph idx="1"/>
-          </p:nvPr>
-        </p:nvSpPr>
-        <p:spPr/>
-        <p:txBody>
-          <a:bodyPr/>
-          <a:lstStyle/>
-          <a:p>
-            <a:r>
-              <a:rPr lang="en-US" altLang="zh-CN" sz="3400" dirty="0" smtClean="0"/>
-              <a:t>include </a:t>
-            </a:r>
-            <a:r>
-              <a:rPr lang="en-US" altLang="zh-CN" sz="3400" dirty="0" smtClean="0">
-                <a:solidFill>
-                  <a:srgbClr val="FF0000"/>
-                </a:solidFill>
-              </a:rPr>
-              <a:t>&lt;</a:t>
-            </a:r>
-            <a:r>
-              <a:rPr lang="en-US" altLang="zh-CN" sz="3400" dirty="0" err="1" smtClean="0">
-                <a:solidFill>
-                  <a:srgbClr val="FF0000"/>
-                </a:solidFill>
-              </a:rPr>
-              <a:t>gmock</a:t>
-            </a:r>
-            <a:r>
-              <a:rPr lang="en-US" altLang="zh-CN" sz="3400" dirty="0" smtClean="0">
-                <a:solidFill>
-                  <a:srgbClr val="FF0000"/>
-                </a:solidFill>
-              </a:rPr>
-              <a:t>/</a:t>
-            </a:r>
-            <a:r>
-              <a:rPr lang="en-US" altLang="zh-CN" sz="3400" dirty="0" err="1" smtClean="0">
-                <a:solidFill>
-                  <a:srgbClr val="FF0000"/>
-                </a:solidFill>
-              </a:rPr>
-              <a:t>gmock.h</a:t>
-            </a:r>
-            <a:r>
-              <a:rPr lang="en-US" altLang="zh-CN" sz="3400" dirty="0" smtClean="0">
-                <a:solidFill>
-                  <a:srgbClr val="FF0000"/>
-                </a:solidFill>
-              </a:rPr>
-              <a:t>&gt;</a:t>
-            </a:r>
-          </a:p>
-          <a:p>
-            <a:r>
-              <a:rPr lang="en-US" altLang="zh-CN" sz="3400" dirty="0" smtClean="0"/>
-              <a:t>write your mocks and tests</a:t>
-            </a:r>
-          </a:p>
-          <a:p>
-            <a:r>
-              <a:rPr lang="en-US" altLang="zh-CN" sz="3400" dirty="0" smtClean="0"/>
-              <a:t>initialize </a:t>
-            </a:r>
-            <a:r>
-              <a:rPr lang="en-US" altLang="zh-CN" sz="3400" dirty="0" err="1" smtClean="0"/>
-              <a:t>gmock</a:t>
-            </a:r>
-            <a:r>
-              <a:rPr lang="en-US" altLang="zh-CN" sz="3400" dirty="0" smtClean="0"/>
-              <a:t> by </a:t>
-            </a:r>
-            <a:r>
-              <a:rPr lang="en-US" altLang="zh-CN" sz="3400" dirty="0" err="1" smtClean="0">
-                <a:solidFill>
-                  <a:srgbClr val="FF0000"/>
-                </a:solidFill>
-              </a:rPr>
-              <a:t>InitGoogleMock</a:t>
-            </a:r>
-            <a:r>
-              <a:rPr lang="en-US" altLang="zh-CN" sz="3400" dirty="0" smtClean="0">
-                <a:solidFill>
-                  <a:srgbClr val="FF0000"/>
-                </a:solidFill>
-              </a:rPr>
-              <a:t>()</a:t>
-            </a:r>
-          </a:p>
-          <a:p>
-            <a:r>
-              <a:rPr lang="en-US" altLang="zh-CN" sz="3400" dirty="0" smtClean="0"/>
-              <a:t>call RUN_ALL_TESTS() in main() function</a:t>
-            </a:r>
-          </a:p>
-          <a:p>
-            <a:r>
-              <a:rPr lang="en-US" altLang="zh-CN" sz="3400" dirty="0" smtClean="0"/>
-              <a:t>compile and run</a:t>
-            </a:r>
-          </a:p>
-          <a:p>
-            <a:endParaRPr lang="zh-CN" altLang="en-US" sz="3400" dirty="0"/>
-          </a:p>
-        </p:txBody>
-      </p:sp>
-      <p:pic>
-        <p:nvPicPr>
-          <p:cNvPr id="12291" name="Picture 3"/>
-          <p:cNvPicPr>
-            <a:picLocks noChangeAspect="1" noChangeArrowheads="1"/>
-          </p:cNvPicPr>
-          <p:nvPr/>
-        </p:nvPicPr>
-        <p:blipFill>
-          <a:blip r:embed="rId2"/>
-          <a:srcRect/>
-          <a:stretch>
-            <a:fillRect/>
-          </a:stretch>
-        </p:blipFill>
-        <p:spPr bwMode="auto">
-          <a:xfrm>
-            <a:off x="2001838" y="5452864"/>
-            <a:ext cx="9001125" cy="2562225"/>
-          </a:xfrm>
-          <a:prstGeom prst="rect">
-            <a:avLst/>
-          </a:prstGeom>
-          <a:noFill/>
-          <a:ln w="9525">
-            <a:noFill/>
-            <a:miter lim="800000"/>
-            <a:headEnd/>
-            <a:tailEnd/>
-          </a:ln>
-        </p:spPr>
-      </p:pic>
-      <p:sp>
-        <p:nvSpPr>
-          <p:cNvPr id="2" name="标题 1"/>
-          <p:cNvSpPr>
-            <a:spLocks noGrp="1"/>
-          </p:cNvSpPr>
-          <p:nvPr>
-            <p:ph type="title"/>
-          </p:nvPr>
-        </p:nvSpPr>
-        <p:spPr/>
-        <p:txBody>
-          <a:bodyPr/>
-          <a:lstStyle/>
-          <a:p>
-            <a:pPr algn="ctr"/>
-            <a:r>
-              <a:rPr lang="en-US" altLang="zh-CN" spc="-210" dirty="0" smtClean="0"/>
-              <a:t>USING GMOCK</a:t>
-            </a:r>
-            <a:endParaRPr lang="zh-CN" altLang="en-US" dirty="0"/>
-          </a:p>
-        </p:txBody>
-      </p:sp>
-      <p:sp>
-        <p:nvSpPr>
-          <p:cNvPr id="4" name="灯片编号占位符 3"/>
-          <p:cNvSpPr>
-            <a:spLocks noGrp="1"/>
-          </p:cNvSpPr>
-          <p:nvPr>
-            <p:ph type="sldNum" sz="quarter" idx="10"/>
-          </p:nvPr>
-        </p:nvSpPr>
-        <p:spPr/>
-        <p:txBody>
-          <a:bodyPr/>
-          <a:lstStyle/>
-          <a:p>
-            <a:pPr>
-              <a:defRPr/>
-            </a:pPr>
-            <a:fld id="{28FE6BA1-A7B4-7B4F-846F-93E3CD6980EB}" type="slidenum">
-              <a:rPr lang="en-US" smtClean="0"/>
-              <a:pPr>
-                <a:defRPr/>
-              </a:pPr>
-              <a:t>18</a:t>
-            </a:fld>
-            <a:endParaRPr lang="en-US"/>
-          </a:p>
-        </p:txBody>
-      </p:sp>
-      <p:sp>
-        <p:nvSpPr>
-          <p:cNvPr id="8" name="TextBox 7"/>
-          <p:cNvSpPr txBox="1"/>
-          <p:nvPr/>
-        </p:nvSpPr>
         <p:spPr>
           <a:xfrm>
-            <a:off x="1461840" y="8333184"/>
-            <a:ext cx="9926499" cy="523220"/>
-          </a:xfrm>
-          <a:prstGeom prst="rect">
-            <a:avLst/>
-          </a:prstGeom>
-          <a:noFill/>
-        </p:spPr>
-        <p:txBody>
-          <a:bodyPr wrap="none" rtlCol="0">
-            <a:spAutoFit/>
-          </a:bodyPr>
-          <a:lstStyle/>
-          <a:p>
-            <a:pPr>
-              <a:lnSpc>
-                <a:spcPct val="100000"/>
-              </a:lnSpc>
-            </a:pPr>
-            <a:r>
-              <a:rPr lang="en-US" altLang="zh-CN" sz="2800" dirty="0" err="1" smtClean="0"/>
-              <a:t>InitGoogleMock</a:t>
-            </a:r>
-            <a:r>
-              <a:rPr lang="en-US" altLang="zh-CN" sz="2800" dirty="0" smtClean="0"/>
-              <a:t>() will </a:t>
-            </a:r>
-            <a:r>
-              <a:rPr lang="en-US" altLang="zh-CN" sz="2800" dirty="0" smtClean="0">
-                <a:solidFill>
-                  <a:srgbClr val="FF0000"/>
-                </a:solidFill>
-              </a:rPr>
-              <a:t>automatically</a:t>
-            </a:r>
-            <a:r>
-              <a:rPr lang="en-US" altLang="zh-CN" sz="2800" dirty="0" smtClean="0"/>
-              <a:t> initialize Google Test</a:t>
-            </a:r>
-            <a:endParaRPr lang="zh-CN" altLang="en-US" sz="2800" dirty="0" smtClean="0"/>
-          </a:p>
-        </p:txBody>
-      </p:sp>
-    </p:spTree>
-  </p:cSld>
-  <p:clrMapOvr>
-    <a:masterClrMapping/>
-  </p:clrMapOvr>
-  <p:transition/>
-</p:sld>
-</file>
-
-<file path=ppt/slides/slide19.xml><?xml version="1.0" encoding="utf-8"?>
-<p:sld xmlns:a="http://schemas.openxmlformats.org/drawingml/2006/main" xmlns:r="http://schemas.openxmlformats.org/officeDocument/2006/relationships" xmlns:p="http://schemas.openxmlformats.org/presentationml/2006/main">
-  <p:cSld>
-    <p:spTree>
-      <p:nvGrpSpPr>
-        <p:cNvPr id="1" name=""/>
-        <p:cNvGrpSpPr/>
-        <p:nvPr/>
-      </p:nvGrpSpPr>
-      <p:grpSpPr>
-        <a:xfrm>
-          <a:off x="0" y="0"/>
-          <a:ext cx="0" cy="0"/>
-          <a:chOff x="0" y="0"/>
-          <a:chExt cx="0" cy="0"/>
-        </a:xfrm>
-      </p:grpSpPr>
-      <p:sp>
-        <p:nvSpPr>
-          <p:cNvPr id="2" name="标题 1"/>
-          <p:cNvSpPr>
-            <a:spLocks noGrp="1"/>
-          </p:cNvSpPr>
-          <p:nvPr>
-            <p:ph type="title"/>
-          </p:nvPr>
-        </p:nvSpPr>
-        <p:spPr>
-          <a:xfrm>
-            <a:off x="406400" y="700336"/>
-            <a:ext cx="3149600" cy="723900"/>
+            <a:off x="2616200" y="3284538"/>
+            <a:ext cx="7772400" cy="2529923"/>
           </a:xfrm>
         </p:spPr>
         <p:txBody>
           <a:bodyPr/>
           <a:lstStyle/>
           <a:p>
-            <a:pPr algn="ctr"/>
-            <a:r>
-              <a:rPr lang="en-US" altLang="zh-CN" sz="4800" dirty="0" smtClean="0"/>
-              <a:t>EXERCISE</a:t>
-            </a:r>
-            <a:endParaRPr lang="zh-CN" altLang="en-US" sz="4800" dirty="0"/>
+            <a:pPr>
+              <a:spcBef>
+                <a:spcPct val="0"/>
+              </a:spcBef>
+            </a:pPr>
+            <a:r>
+              <a:rPr lang="en-US" dirty="0">
+                <a:latin typeface="Open Sans Light" charset="0"/>
+                <a:ea typeface="ヒラギノ角ゴ ProN W3" charset="0"/>
+                <a:cs typeface="ヒラギノ角ゴ ProN W3" charset="0"/>
+              </a:rPr>
+              <a:t>For questions or suggestions:</a:t>
+            </a:r>
+          </a:p>
+          <a:p>
+            <a:pPr>
+              <a:spcBef>
+                <a:spcPct val="0"/>
+              </a:spcBef>
+            </a:pPr>
+            <a:endParaRPr lang="en-US" dirty="0">
+              <a:latin typeface="Open Sans Light" charset="0"/>
+              <a:ea typeface="ヒラギノ角ゴ ProN W3" charset="0"/>
+              <a:cs typeface="ヒラギノ角ゴ ProN W3" charset="0"/>
+            </a:endParaRPr>
+          </a:p>
+          <a:p>
+            <a:pPr>
+              <a:spcBef>
+                <a:spcPct val="0"/>
+              </a:spcBef>
+            </a:pPr>
+            <a:r>
+              <a:rPr lang="en-US" dirty="0" smtClean="0">
+                <a:latin typeface="Open Sans Light" charset="0"/>
+                <a:ea typeface="ヒラギノ角ゴ ProN W3" charset="0"/>
+                <a:cs typeface="ヒラギノ角ゴ ProN W3" charset="0"/>
+              </a:rPr>
+              <a:t>Wu Kun</a:t>
+            </a:r>
+            <a:endParaRPr lang="en-US" dirty="0">
+              <a:latin typeface="Open Sans Light" charset="0"/>
+              <a:ea typeface="ヒラギノ角ゴ ProN W3" charset="0"/>
+              <a:cs typeface="ヒラギノ角ゴ ProN W3" charset="0"/>
+            </a:endParaRPr>
+          </a:p>
+          <a:p>
+            <a:pPr>
+              <a:spcBef>
+                <a:spcPct val="0"/>
+              </a:spcBef>
+            </a:pPr>
+            <a:r>
+              <a:rPr lang="en-US" smtClean="0">
+                <a:latin typeface="Open Sans Light" charset="0"/>
+                <a:ea typeface="ヒラギノ角ゴ ProN W3" charset="0"/>
+                <a:cs typeface="ヒラギノ角ゴ ProN W3" charset="0"/>
+              </a:rPr>
+              <a:t>kunwu@thoughtworks.com</a:t>
+            </a:r>
+            <a:endParaRPr lang="en-US" dirty="0">
+              <a:latin typeface="Open Sans Light" charset="0"/>
+              <a:ea typeface="ヒラギノ角ゴ ProN W3" charset="0"/>
+              <a:cs typeface="ヒラギノ角ゴ ProN W3" charset="0"/>
+            </a:endParaRPr>
           </a:p>
         </p:txBody>
       </p:sp>
-      <p:sp>
-        <p:nvSpPr>
-          <p:cNvPr id="3" name="内容占位符 2"/>
-          <p:cNvSpPr>
-            <a:spLocks noGrp="1"/>
-          </p:cNvSpPr>
-          <p:nvPr>
-            <p:ph idx="1"/>
-          </p:nvPr>
-        </p:nvSpPr>
-        <p:spPr/>
-        <p:txBody>
-          <a:bodyPr/>
-          <a:lstStyle/>
-          <a:p>
-            <a:pPr marL="520700" indent="-520700">
-              <a:lnSpc>
-                <a:spcPct val="120000"/>
-              </a:lnSpc>
-              <a:spcBef>
-                <a:spcPts val="1200"/>
-              </a:spcBef>
-              <a:buClr>
-                <a:schemeClr val="tx2"/>
-              </a:buClr>
-              <a:buFont typeface="Wingdings" charset="2"/>
-              <a:buChar char=""/>
-            </a:pPr>
-            <a:endParaRPr lang="en-US" altLang="zh-CN" sz="3600" dirty="0" smtClean="0"/>
-          </a:p>
-          <a:p>
-            <a:pPr marL="520700" indent="-520700">
-              <a:lnSpc>
-                <a:spcPct val="120000"/>
-              </a:lnSpc>
-              <a:spcBef>
-                <a:spcPts val="1200"/>
-              </a:spcBef>
-              <a:buClr>
-                <a:schemeClr val="tx2"/>
-              </a:buClr>
-              <a:buFont typeface="Wingdings" charset="2"/>
-              <a:buChar char=""/>
-            </a:pPr>
-            <a:r>
-              <a:rPr lang="en-US" altLang="zh-CN" sz="3600" dirty="0" smtClean="0"/>
-              <a:t>Create a </a:t>
-            </a:r>
-            <a:r>
-              <a:rPr lang="en-US" altLang="zh-CN" sz="3600" dirty="0" err="1" smtClean="0"/>
-              <a:t>StoreMock</a:t>
-            </a:r>
-            <a:r>
-              <a:rPr lang="en-US" altLang="zh-CN" sz="3600" dirty="0" smtClean="0"/>
-              <a:t> class which implements </a:t>
-            </a:r>
-            <a:r>
-              <a:rPr lang="en-US" altLang="zh-CN" sz="3600" dirty="0" err="1" smtClean="0"/>
-              <a:t>IStore</a:t>
-            </a:r>
-            <a:endParaRPr lang="en-US" altLang="zh-CN" sz="3600" dirty="0" smtClean="0"/>
-          </a:p>
-          <a:p>
-            <a:pPr marL="520700" indent="-520700">
-              <a:lnSpc>
-                <a:spcPct val="120000"/>
-              </a:lnSpc>
-              <a:spcBef>
-                <a:spcPts val="1200"/>
-              </a:spcBef>
-              <a:buClr>
-                <a:schemeClr val="tx2"/>
-              </a:buClr>
-              <a:buFont typeface="Wingdings" charset="2"/>
-              <a:buChar char=""/>
-            </a:pPr>
-            <a:endParaRPr lang="en-US" altLang="zh-CN" sz="3600" dirty="0" smtClean="0"/>
-          </a:p>
-          <a:p>
-            <a:pPr marL="520700" indent="-520700">
-              <a:lnSpc>
-                <a:spcPct val="120000"/>
-              </a:lnSpc>
-              <a:spcBef>
-                <a:spcPts val="1200"/>
-              </a:spcBef>
-              <a:buClr>
-                <a:schemeClr val="tx2"/>
-              </a:buClr>
-              <a:buFont typeface="Wingdings" charset="2"/>
-              <a:buChar char=""/>
-            </a:pPr>
-            <a:r>
-              <a:rPr lang="en-US" altLang="zh-CN" sz="3600" dirty="0" smtClean="0"/>
-              <a:t>Set expectations on </a:t>
-            </a:r>
-            <a:r>
-              <a:rPr lang="en-US" altLang="zh-CN" sz="3600" dirty="0" err="1" smtClean="0"/>
-              <a:t>StoreMock</a:t>
-            </a:r>
-            <a:r>
-              <a:rPr lang="en-US" altLang="zh-CN" sz="3600" dirty="0" smtClean="0"/>
-              <a:t> object</a:t>
-            </a:r>
-          </a:p>
-          <a:p>
-            <a:pPr marL="520700" indent="-520700">
-              <a:lnSpc>
-                <a:spcPct val="120000"/>
-              </a:lnSpc>
-              <a:spcBef>
-                <a:spcPts val="1200"/>
-              </a:spcBef>
-              <a:buClr>
-                <a:schemeClr val="tx2"/>
-              </a:buClr>
-              <a:buFont typeface="Wingdings" charset="2"/>
-              <a:buChar char=""/>
-            </a:pPr>
-            <a:endParaRPr lang="en-US" altLang="zh-CN" sz="3600" dirty="0" smtClean="0"/>
-          </a:p>
-          <a:p>
-            <a:pPr marL="520700" indent="-520700">
-              <a:lnSpc>
-                <a:spcPct val="120000"/>
-              </a:lnSpc>
-              <a:spcBef>
-                <a:spcPts val="1200"/>
-              </a:spcBef>
-              <a:buClr>
-                <a:schemeClr val="tx2"/>
-              </a:buClr>
-              <a:buFont typeface="Wingdings" charset="2"/>
-              <a:buChar char=""/>
-            </a:pPr>
-            <a:r>
-              <a:rPr lang="en-US" altLang="zh-CN" sz="3600" dirty="0" smtClean="0"/>
-              <a:t>Verify </a:t>
-            </a:r>
-            <a:r>
-              <a:rPr lang="en-US" altLang="zh-CN" sz="3600" dirty="0" err="1" smtClean="0"/>
-              <a:t>SalesMan</a:t>
-            </a:r>
-            <a:r>
-              <a:rPr lang="en-US" altLang="zh-CN" sz="3600" dirty="0" smtClean="0"/>
-              <a:t>::</a:t>
-            </a:r>
-            <a:r>
-              <a:rPr lang="en-US" altLang="zh-CN" sz="3600" dirty="0" err="1" smtClean="0"/>
-              <a:t>findCheapest</a:t>
-            </a:r>
-            <a:r>
-              <a:rPr lang="en-US" altLang="zh-CN" sz="3600" dirty="0" smtClean="0"/>
-              <a:t>() via </a:t>
-            </a:r>
-            <a:r>
-              <a:rPr lang="en-US" altLang="zh-CN" sz="3600" dirty="0" err="1" smtClean="0"/>
-              <a:t>StoreMock</a:t>
-            </a:r>
-            <a:r>
-              <a:rPr lang="en-US" altLang="zh-CN" sz="3600" dirty="0" smtClean="0"/>
-              <a:t> Object</a:t>
-            </a:r>
-            <a:endParaRPr lang="zh-CN" altLang="en-US" sz="3600" dirty="0"/>
-          </a:p>
-        </p:txBody>
-      </p:sp>
-      <p:sp>
-        <p:nvSpPr>
-          <p:cNvPr id="4" name="灯片编号占位符 3"/>
-          <p:cNvSpPr>
-            <a:spLocks noGrp="1"/>
-          </p:cNvSpPr>
-          <p:nvPr>
-            <p:ph type="sldNum" sz="quarter" idx="10"/>
-          </p:nvPr>
-        </p:nvSpPr>
-        <p:spPr/>
-        <p:txBody>
-          <a:bodyPr/>
-          <a:lstStyle/>
-          <a:p>
-            <a:pPr>
-              <a:defRPr/>
-            </a:pPr>
-            <a:fld id="{6BD71149-C6B6-DA41-AB69-4C8E97C931F0}" type="slidenum">
-              <a:rPr lang="en-US" smtClean="0"/>
-              <a:pPr>
-                <a:defRPr/>
-              </a:pPr>
-              <a:t>19</a:t>
-            </a:fld>
-            <a:endParaRPr lang="en-US"/>
-          </a:p>
-        </p:txBody>
-      </p:sp>
-      <p:pic>
-        <p:nvPicPr>
-          <p:cNvPr id="5" name="Glyph Inventory 1_go-self-service.jpg"/>
-          <p:cNvPicPr/>
-          <p:nvPr/>
-        </p:nvPicPr>
-        <p:blipFill>
-          <a:blip r:embed="rId2">
-            <a:extLst/>
-          </a:blip>
-          <a:stretch>
-            <a:fillRect/>
-          </a:stretch>
-        </p:blipFill>
-        <p:spPr>
-          <a:xfrm>
-            <a:off x="385233" y="1078673"/>
-            <a:ext cx="3039534" cy="3039534"/>
-          </a:xfrm>
-          <a:prstGeom prst="rect">
-            <a:avLst/>
-          </a:prstGeom>
-          <a:ln w="12700">
-            <a:miter lim="400000"/>
-          </a:ln>
-        </p:spPr>
-      </p:pic>
     </p:spTree>
   </p:cSld>
   <p:clrMapOvr>
@@ -13173,303 +12118,13 @@
     <a:masterClrMapping/>
   </p:clrMapOvr>
   <p:transition/>
-</p:sld>
-</file>
-
-<file path=ppt/slides/slide20.xml><?xml version="1.0" encoding="utf-8"?>
-<p:sld xmlns:a="http://schemas.openxmlformats.org/drawingml/2006/main" xmlns:r="http://schemas.openxmlformats.org/officeDocument/2006/relationships" xmlns:p="http://schemas.openxmlformats.org/presentationml/2006/main">
-  <p:cSld>
-    <p:spTree>
-      <p:nvGrpSpPr>
-        <p:cNvPr id="1" name=""/>
-        <p:cNvGrpSpPr/>
-        <p:nvPr/>
-      </p:nvGrpSpPr>
-      <p:grpSpPr>
-        <a:xfrm>
-          <a:off x="0" y="0"/>
-          <a:ext cx="0" cy="0"/>
-          <a:chOff x="0" y="0"/>
-          <a:chExt cx="0" cy="0"/>
-        </a:xfrm>
-      </p:grpSpPr>
-      <p:sp>
-        <p:nvSpPr>
-          <p:cNvPr id="2" name="标题 1"/>
-          <p:cNvSpPr>
-            <a:spLocks noGrp="1"/>
-          </p:cNvSpPr>
-          <p:nvPr>
-            <p:ph type="title"/>
-          </p:nvPr>
-        </p:nvSpPr>
-        <p:spPr/>
-        <p:txBody>
-          <a:bodyPr/>
-          <a:lstStyle/>
-          <a:p>
-            <a:pPr algn="ctr"/>
-            <a:r>
-              <a:rPr lang="en-US" altLang="zh-CN" spc="-210" dirty="0" smtClean="0"/>
-              <a:t>MOCKING WITH AUTO_PTR</a:t>
-            </a:r>
-            <a:endParaRPr lang="zh-CN" altLang="en-US" dirty="0"/>
-          </a:p>
-        </p:txBody>
-      </p:sp>
-      <p:sp>
-        <p:nvSpPr>
-          <p:cNvPr id="3" name="内容占位符 2"/>
-          <p:cNvSpPr>
-            <a:spLocks noGrp="1"/>
-          </p:cNvSpPr>
-          <p:nvPr>
-            <p:ph idx="1"/>
-          </p:nvPr>
-        </p:nvSpPr>
-        <p:spPr/>
-        <p:txBody>
-          <a:bodyPr/>
-          <a:lstStyle/>
-          <a:p>
-            <a:pPr marL="0"/>
-            <a:r>
-              <a:rPr lang="en-US" altLang="zh-TW" sz="4400" dirty="0" smtClean="0"/>
-              <a:t>If mock function has </a:t>
-            </a:r>
-            <a:r>
-              <a:rPr lang="en-US" altLang="zh-TW" sz="4400" dirty="0" err="1" smtClean="0">
-                <a:solidFill>
-                  <a:srgbClr val="FF0000"/>
-                </a:solidFill>
-              </a:rPr>
-              <a:t>auto_ptr</a:t>
-            </a:r>
-            <a:r>
-              <a:rPr lang="en-US" altLang="zh-TW" sz="4400" dirty="0" smtClean="0"/>
-              <a:t> as arguments or return value, we need to setup the </a:t>
-            </a:r>
-            <a:r>
-              <a:rPr lang="en-US" altLang="zh-TW" sz="4400" dirty="0" smtClean="0">
-                <a:solidFill>
-                  <a:srgbClr val="FF0000"/>
-                </a:solidFill>
-              </a:rPr>
-              <a:t>proxy</a:t>
-            </a:r>
-            <a:r>
-              <a:rPr lang="en-US" altLang="zh-TW" sz="4400" dirty="0" smtClean="0"/>
-              <a:t>.</a:t>
-            </a:r>
-          </a:p>
-        </p:txBody>
-      </p:sp>
-      <p:sp>
-        <p:nvSpPr>
-          <p:cNvPr id="4" name="灯片编号占位符 3"/>
-          <p:cNvSpPr>
-            <a:spLocks noGrp="1"/>
-          </p:cNvSpPr>
-          <p:nvPr>
-            <p:ph type="sldNum" sz="quarter" idx="10"/>
-          </p:nvPr>
-        </p:nvSpPr>
-        <p:spPr/>
-        <p:txBody>
-          <a:bodyPr/>
-          <a:lstStyle/>
-          <a:p>
-            <a:pPr>
-              <a:defRPr/>
-            </a:pPr>
-            <a:fld id="{9FA9E053-A9C9-5E43-89F1-83E618EAF168}" type="slidenum">
-              <a:rPr lang="en-US" smtClean="0"/>
-              <a:pPr>
-                <a:defRPr/>
-              </a:pPr>
-              <a:t>20</a:t>
-            </a:fld>
-            <a:endParaRPr lang="en-US"/>
-          </a:p>
-        </p:txBody>
-      </p:sp>
-      <p:pic>
-        <p:nvPicPr>
-          <p:cNvPr id="11267" name="Picture 3"/>
-          <p:cNvPicPr>
-            <a:picLocks noChangeAspect="1" noChangeArrowheads="1"/>
-          </p:cNvPicPr>
-          <p:nvPr/>
-        </p:nvPicPr>
-        <p:blipFill>
-          <a:blip r:embed="rId2"/>
-          <a:srcRect/>
-          <a:stretch>
-            <a:fillRect/>
-          </a:stretch>
-        </p:blipFill>
-        <p:spPr bwMode="auto">
-          <a:xfrm>
-            <a:off x="1554163" y="3292624"/>
-            <a:ext cx="9896475" cy="5781675"/>
-          </a:xfrm>
-          <a:prstGeom prst="rect">
-            <a:avLst/>
-          </a:prstGeom>
-          <a:noFill/>
-          <a:ln w="9525">
-            <a:noFill/>
-            <a:miter lim="800000"/>
-            <a:headEnd/>
-            <a:tailEnd/>
-          </a:ln>
-        </p:spPr>
-      </p:pic>
-    </p:spTree>
-  </p:cSld>
-  <p:clrMapOvr>
-    <a:masterClrMapping/>
-  </p:clrMapOvr>
-  <p:transition/>
-</p:sld>
-</file>
-
-<file path=ppt/slides/slide21.xml><?xml version="1.0" encoding="utf-8"?>
-<p:sld xmlns:a="http://schemas.openxmlformats.org/drawingml/2006/main" xmlns:r="http://schemas.openxmlformats.org/officeDocument/2006/relationships" xmlns:p="http://schemas.openxmlformats.org/presentationml/2006/main">
-  <p:cSld>
-    <p:spTree>
-      <p:nvGrpSpPr>
-        <p:cNvPr id="1" name=""/>
-        <p:cNvGrpSpPr/>
-        <p:nvPr/>
-      </p:nvGrpSpPr>
-      <p:grpSpPr>
-        <a:xfrm>
-          <a:off x="0" y="0"/>
-          <a:ext cx="0" cy="0"/>
-          <a:chOff x="0" y="0"/>
-          <a:chExt cx="0" cy="0"/>
-        </a:xfrm>
-      </p:grpSpPr>
-      <p:sp>
-        <p:nvSpPr>
-          <p:cNvPr id="23554" name="Rectangle 2"/>
-          <p:cNvSpPr>
-            <a:spLocks noGrp="1" noChangeArrowheads="1"/>
-          </p:cNvSpPr>
-          <p:nvPr>
-            <p:ph type="title"/>
-          </p:nvPr>
-        </p:nvSpPr>
-        <p:spPr/>
-        <p:txBody>
-          <a:bodyPr/>
-          <a:lstStyle/>
-          <a:p>
-            <a:pPr eaLnBrk="1" hangingPunct="1">
-              <a:defRPr/>
-            </a:pPr>
-            <a:r>
-              <a:rPr lang="en-US" smtClean="0"/>
-              <a:t>THANK YOU</a:t>
-            </a:r>
-          </a:p>
-        </p:txBody>
-      </p:sp>
-      <p:sp>
-        <p:nvSpPr>
-          <p:cNvPr id="60418" name="Content Placeholder 1"/>
-          <p:cNvSpPr>
-            <a:spLocks noGrp="1"/>
-          </p:cNvSpPr>
-          <p:nvPr>
-            <p:ph idx="1"/>
-          </p:nvPr>
-        </p:nvSpPr>
-        <p:spPr>
-          <a:xfrm>
-            <a:off x="2616200" y="3284538"/>
-            <a:ext cx="7772400" cy="2529923"/>
-          </a:xfrm>
-        </p:spPr>
-        <p:txBody>
-          <a:bodyPr/>
-          <a:lstStyle/>
-          <a:p>
-            <a:pPr>
-              <a:spcBef>
-                <a:spcPct val="0"/>
-              </a:spcBef>
-            </a:pPr>
-            <a:r>
-              <a:rPr lang="en-US" dirty="0">
-                <a:latin typeface="Open Sans Light" charset="0"/>
-                <a:ea typeface="ヒラギノ角ゴ ProN W3" charset="0"/>
-                <a:cs typeface="ヒラギノ角ゴ ProN W3" charset="0"/>
-              </a:rPr>
-              <a:t>For questions or suggestions:</a:t>
-            </a:r>
-          </a:p>
-          <a:p>
-            <a:pPr>
-              <a:spcBef>
-                <a:spcPct val="0"/>
-              </a:spcBef>
-            </a:pPr>
-            <a:endParaRPr lang="en-US" dirty="0">
-              <a:latin typeface="Open Sans Light" charset="0"/>
-              <a:ea typeface="ヒラギノ角ゴ ProN W3" charset="0"/>
-              <a:cs typeface="ヒラギノ角ゴ ProN W3" charset="0"/>
-            </a:endParaRPr>
-          </a:p>
-          <a:p>
-            <a:pPr>
-              <a:spcBef>
-                <a:spcPct val="0"/>
-              </a:spcBef>
-            </a:pPr>
-            <a:r>
-              <a:rPr lang="en-US" dirty="0" smtClean="0">
-                <a:latin typeface="Open Sans Light" charset="0"/>
-                <a:ea typeface="ヒラギノ角ゴ ProN W3" charset="0"/>
-                <a:cs typeface="ヒラギノ角ゴ ProN W3" charset="0"/>
-              </a:rPr>
-              <a:t>Wu Kun</a:t>
-            </a:r>
-            <a:endParaRPr lang="en-US" dirty="0">
-              <a:latin typeface="Open Sans Light" charset="0"/>
-              <a:ea typeface="ヒラギノ角ゴ ProN W3" charset="0"/>
-              <a:cs typeface="ヒラギノ角ゴ ProN W3" charset="0"/>
-            </a:endParaRPr>
-          </a:p>
-          <a:p>
-            <a:pPr>
-              <a:spcBef>
-                <a:spcPct val="0"/>
-              </a:spcBef>
-            </a:pPr>
-            <a:r>
-              <a:rPr lang="en-US" smtClean="0">
-                <a:latin typeface="Open Sans Light" charset="0"/>
-                <a:ea typeface="ヒラギノ角ゴ ProN W3" charset="0"/>
-                <a:cs typeface="ヒラギノ角ゴ ProN W3" charset="0"/>
-              </a:rPr>
-              <a:t>kunwu@thoughtworks.com</a:t>
-            </a:r>
-            <a:endParaRPr lang="en-US" dirty="0">
-              <a:latin typeface="Open Sans Light" charset="0"/>
-              <a:ea typeface="ヒラギノ角ゴ ProN W3" charset="0"/>
-              <a:cs typeface="ヒラギノ角ゴ ProN W3" charset="0"/>
-            </a:endParaRPr>
-          </a:p>
-        </p:txBody>
-      </p:sp>
-    </p:spTree>
-  </p:cSld>
-  <p:clrMapOvr>
-    <a:masterClrMapping/>
-  </p:clrMapOvr>
-  <p:transition/>
+  <p:timing>
+    <p:tnLst>
+      <p:par>
+        <p:cTn id="1" dur="indefinite" restart="never" nodeType="tmRoot"/>
+      </p:par>
+    </p:tnLst>
+  </p:timing>
 </p:sld>
 </file>
 
@@ -13507,10 +12162,10 @@
           <a:p>
             <a:pPr algn="ctr"/>
             <a:r>
-              <a:rPr lang="en-US" altLang="zh-CN" dirty="0" smtClean="0"/>
+              <a:rPr lang="en-US" altLang="zh-CHS" dirty="0" smtClean="0"/>
               <a:t>Why Google Test</a:t>
             </a:r>
-            <a:endParaRPr lang="zh-CN" altLang="en-US" dirty="0"/>
+            <a:endParaRPr lang="zh-CHS" altLang="en-US" dirty="0"/>
           </a:p>
         </p:txBody>
       </p:sp>
@@ -13530,42 +12185,42 @@
           <a:lstStyle/>
           <a:p>
             <a:r>
-              <a:rPr lang="en-US" altLang="zh-CN" sz="3400" dirty="0" smtClean="0"/>
+              <a:rPr lang="en-US" altLang="zh-CHS" sz="3400" dirty="0" smtClean="0"/>
               <a:t>Google Test is designed to be portable</a:t>
             </a:r>
           </a:p>
           <a:p>
             <a:r>
-              <a:rPr lang="en-US" altLang="zh-CN" sz="3400" dirty="0" smtClean="0"/>
+              <a:rPr lang="en-US" altLang="zh-CHS" sz="3400" dirty="0" smtClean="0"/>
               <a:t>Google Test automatically detects your tests and doesn't require you to enumerate them in order to run them</a:t>
             </a:r>
           </a:p>
           <a:p>
             <a:r>
-              <a:rPr lang="en-US" altLang="zh-CN" sz="3400" dirty="0" smtClean="0"/>
+              <a:rPr lang="en-US" altLang="zh-CHS" sz="3400" dirty="0" smtClean="0"/>
               <a:t>Simple things are easy in Google Test, while hard things are possible</a:t>
             </a:r>
           </a:p>
           <a:p>
             <a:r>
-              <a:rPr lang="en-US" altLang="zh-CN" sz="3400" dirty="0" smtClean="0"/>
+              <a:rPr lang="en-US" altLang="zh-CHS" sz="3400" dirty="0" smtClean="0"/>
               <a:t>Easy to write assertions that generate informative messages</a:t>
             </a:r>
           </a:p>
           <a:p>
             <a:r>
-              <a:rPr lang="en-US" altLang="zh-CN" sz="3400" dirty="0" smtClean="0"/>
+              <a:rPr lang="en-US" altLang="zh-CHS" sz="3400" dirty="0" smtClean="0"/>
               <a:t>You can decide which tests to run using name patterns</a:t>
             </a:r>
           </a:p>
           <a:p>
             <a:r>
-              <a:rPr lang="en-US" altLang="zh-CN" sz="3400" dirty="0" smtClean="0"/>
+              <a:rPr lang="en-US" altLang="zh-CHS" sz="3400" dirty="0" smtClean="0"/>
               <a:t>Google Test can generate XML test result reports </a:t>
             </a:r>
           </a:p>
           <a:p>
-            <a:endParaRPr lang="zh-CN" altLang="en-US" sz="3400" dirty="0"/>
+            <a:endParaRPr lang="zh-CHS" altLang="en-US" sz="3400" dirty="0"/>
           </a:p>
         </p:txBody>
       </p:sp>
@@ -13604,6 +12259,13 @@
     <a:masterClrMapping/>
   </p:clrMapOvr>
   <p:transition/>
+  <p:timing>
+    <p:tnLst>
+      <p:par>
+        <p:cTn id="1" dur="indefinite" restart="never" nodeType="tmRoot"/>
+      </p:par>
+    </p:tnLst>
+  </p:timing>
 </p:sld>
 </file>
 
@@ -13641,10 +12303,10 @@
           <a:p>
             <a:pPr algn="ctr"/>
             <a:r>
-              <a:rPr lang="en-US" altLang="zh-CN" dirty="0" smtClean="0"/>
+              <a:rPr lang="en-US" altLang="zh-CHS" dirty="0" smtClean="0"/>
               <a:t>BASIC CONCEPTS</a:t>
             </a:r>
-            <a:endParaRPr lang="zh-CN" altLang="en-US" dirty="0"/>
+            <a:endParaRPr lang="zh-CHS" altLang="en-US" dirty="0"/>
           </a:p>
         </p:txBody>
       </p:sp>
@@ -13694,13 +12356,13 @@
           <a:p>
             <a:pPr marL="0" lvl="0"/>
             <a:r>
-              <a:rPr lang="en-US" altLang="zh-CN" sz="4400" dirty="0" smtClean="0">
+              <a:rPr lang="en-US" altLang="zh-CHS" sz="4400" dirty="0" smtClean="0">
                 <a:sym typeface="Calibri"/>
               </a:rPr>
               <a:t>Start by writing </a:t>
             </a:r>
             <a:r>
-              <a:rPr lang="en-US" altLang="zh-CN" sz="4400" dirty="0" smtClean="0">
+              <a:rPr lang="en-US" altLang="zh-CHS" sz="4400" dirty="0" smtClean="0">
                 <a:solidFill>
                   <a:srgbClr val="FF0000"/>
                 </a:solidFill>
@@ -13709,14 +12371,14 @@
               <a:t>assertions</a:t>
             </a:r>
             <a:r>
-              <a:rPr lang="en-US" altLang="zh-CN" sz="4400" dirty="0" smtClean="0">
+              <a:rPr lang="en-US" altLang="zh-CHS" sz="4400" dirty="0" smtClean="0">
                 <a:sym typeface="Calibri"/>
               </a:rPr>
               <a:t>. An assertion's result can be success, nonfatal failure, or fatal failure</a:t>
             </a:r>
           </a:p>
           <a:p>
-            <a:endParaRPr lang="zh-CN" altLang="en-US" sz="4400" dirty="0"/>
+            <a:endParaRPr lang="zh-CHS" altLang="en-US" sz="4400" dirty="0"/>
           </a:p>
         </p:txBody>
       </p:sp>
@@ -13758,6 +12420,13 @@
     <a:masterClrMapping/>
   </p:clrMapOvr>
   <p:transition/>
+  <p:timing>
+    <p:tnLst>
+      <p:par>
+        <p:cTn id="1" dur="indefinite" restart="never" nodeType="tmRoot"/>
+      </p:par>
+    </p:tnLst>
+  </p:timing>
 </p:sld>
 </file>
 
@@ -13795,10 +12464,10 @@
           <a:p>
             <a:pPr algn="ctr"/>
             <a:r>
-              <a:rPr lang="en-US" altLang="zh-CN" dirty="0" smtClean="0"/>
+              <a:rPr lang="en-US" altLang="zh-CHS" dirty="0" smtClean="0"/>
               <a:t>ASSERTIONS</a:t>
             </a:r>
-            <a:endParaRPr lang="zh-CN" altLang="en-US" dirty="0"/>
+            <a:endParaRPr lang="zh-CHS" altLang="en-US" dirty="0"/>
           </a:p>
         </p:txBody>
       </p:sp>
@@ -13818,17 +12487,17 @@
           <a:lstStyle/>
           <a:p>
             <a:r>
-              <a:rPr lang="en-US" altLang="zh-CN" sz="3400" dirty="0" smtClean="0"/>
+              <a:rPr lang="en-US" altLang="zh-CHS" sz="3400" dirty="0" smtClean="0"/>
               <a:t>EXPECT_* generate nonfatal failures, which don't abort the current function</a:t>
             </a:r>
           </a:p>
           <a:p>
             <a:r>
-              <a:rPr lang="en-US" altLang="zh-CN" sz="3400" dirty="0" smtClean="0"/>
+              <a:rPr lang="en-US" altLang="zh-CHS" sz="3400" dirty="0" smtClean="0"/>
               <a:t>ASSERT_* generate fatal failures when they fail, and </a:t>
             </a:r>
             <a:r>
-              <a:rPr lang="en-US" altLang="zh-CN" sz="3400" dirty="0" smtClean="0">
+              <a:rPr lang="en-US" altLang="zh-CHS" sz="3400" dirty="0" smtClean="0">
                 <a:solidFill>
                   <a:srgbClr val="FF0000"/>
                 </a:solidFill>
@@ -13837,7 +12506,7 @@
             </a:r>
           </a:p>
           <a:p>
-            <a:endParaRPr lang="zh-CN" altLang="en-US" sz="3400" dirty="0"/>
+            <a:endParaRPr lang="zh-CHS" altLang="en-US" sz="3400" dirty="0"/>
           </a:p>
         </p:txBody>
       </p:sp>
@@ -13902,6 +12571,13 @@
     <a:masterClrMapping/>
   </p:clrMapOvr>
   <p:transition/>
+  <p:timing>
+    <p:tnLst>
+      <p:par>
+        <p:cTn id="1" dur="indefinite" restart="never" nodeType="tmRoot"/>
+      </p:par>
+    </p:tnLst>
+  </p:timing>
 </p:sld>
 </file>
 
@@ -13939,10 +12615,10 @@
           <a:p>
             <a:pPr algn="ctr"/>
             <a:r>
-              <a:rPr lang="en-US" altLang="zh-CN" dirty="0" smtClean="0"/>
+              <a:rPr lang="en-US" altLang="zh-CHS" dirty="0" smtClean="0"/>
               <a:t>Requirement</a:t>
             </a:r>
-            <a:endParaRPr lang="zh-CN" altLang="en-US" dirty="0"/>
+            <a:endParaRPr lang="zh-CHS" altLang="en-US" dirty="0"/>
           </a:p>
         </p:txBody>
       </p:sp>
@@ -13962,23 +12638,23 @@
           <a:lstStyle/>
           <a:p>
             <a:r>
-              <a:rPr lang="en-US" altLang="zh-CN" sz="3400" dirty="0" smtClean="0"/>
+              <a:rPr lang="en-US" altLang="zh-CHS" sz="3400" dirty="0" smtClean="0"/>
               <a:t>Value arguments must be comparable by the assertion's comparison operator</a:t>
             </a:r>
           </a:p>
           <a:p>
             <a:r>
-              <a:rPr lang="en-US" altLang="zh-CN" sz="3400" dirty="0" smtClean="0"/>
+              <a:rPr lang="en-US" altLang="zh-CHS" sz="3400" dirty="0" smtClean="0"/>
               <a:t>Values must support the &lt;&lt; operator for streaming to an std::</a:t>
             </a:r>
             <a:r>
-              <a:rPr lang="en-US" altLang="zh-CN" sz="3400" dirty="0" err="1" smtClean="0"/>
+              <a:rPr lang="en-US" altLang="zh-CHS" sz="3400" dirty="0" err="1" smtClean="0"/>
               <a:t>ostream</a:t>
             </a:r>
-            <a:endParaRPr lang="en-US" altLang="zh-CN" sz="3400" dirty="0" smtClean="0"/>
-          </a:p>
-          <a:p>
-            <a:endParaRPr lang="zh-CN" altLang="en-US" sz="3400" dirty="0"/>
+            <a:endParaRPr lang="en-US" altLang="zh-CHS" sz="3400" dirty="0" smtClean="0"/>
+          </a:p>
+          <a:p>
+            <a:endParaRPr lang="zh-CHS" altLang="en-US" sz="3400" dirty="0"/>
           </a:p>
         </p:txBody>
       </p:sp>
@@ -14049,6 +12725,13 @@
     <a:masterClrMapping/>
   </p:clrMapOvr>
   <p:transition/>
+  <p:timing>
+    <p:tnLst>
+      <p:par>
+        <p:cTn id="1" dur="indefinite" restart="never" nodeType="tmRoot"/>
+      </p:par>
+    </p:tnLst>
+  </p:timing>
 </p:sld>
 </file>
 
@@ -14086,10 +12769,10 @@
           <a:p>
             <a:pPr algn="ctr"/>
             <a:r>
-              <a:rPr lang="en-US" altLang="zh-CN" dirty="0" smtClean="0"/>
+              <a:rPr lang="en-US" altLang="zh-CHS" dirty="0" smtClean="0"/>
               <a:t>TEST STRUCTURE</a:t>
             </a:r>
-            <a:endParaRPr lang="zh-CN" altLang="en-US" dirty="0"/>
+            <a:endParaRPr lang="zh-CHS" altLang="en-US" dirty="0"/>
           </a:p>
         </p:txBody>
       </p:sp>
@@ -14222,7 +12905,7 @@
             <a:effectLst/>
             <a:extLst>
               <a:ext uri="{C572A759-6A51-4108-AA02-DFA0A04FC94B}">
-                <ma14:wrappingTextBoxFlag xmlns:ma14="http://schemas.microsoft.com/office/mac/drawingml/2011/main" xmlns="" val="1"/>
+                <ma14:wrappingTextBoxFlag xmlns:ma14="http://schemas.microsoft.com/office/mac/drawingml/2011/main" val="1"/>
               </a:ext>
             </a:extLst>
           </p:spPr>
@@ -14513,7 +13196,7 @@
             <a:effectLst/>
             <a:extLst>
               <a:ext uri="{C572A759-6A51-4108-AA02-DFA0A04FC94B}">
-                <ma14:wrappingTextBoxFlag xmlns:ma14="http://schemas.microsoft.com/office/mac/drawingml/2011/main" xmlns="" val="1"/>
+                <ma14:wrappingTextBoxFlag xmlns:ma14="http://schemas.microsoft.com/office/mac/drawingml/2011/main" val="1"/>
               </a:ext>
             </a:extLst>
           </p:spPr>
@@ -14762,7 +13445,7 @@
             <a:effectLst/>
             <a:extLst>
               <a:ext uri="{C572A759-6A51-4108-AA02-DFA0A04FC94B}">
-                <ma14:wrappingTextBoxFlag xmlns:ma14="http://schemas.microsoft.com/office/mac/drawingml/2011/main" xmlns="" val="1"/>
+                <ma14:wrappingTextBoxFlag xmlns:ma14="http://schemas.microsoft.com/office/mac/drawingml/2011/main" val="1"/>
               </a:ext>
             </a:extLst>
           </p:spPr>
@@ -15011,7 +13694,7 @@
             <a:effectLst/>
             <a:extLst>
               <a:ext uri="{C572A759-6A51-4108-AA02-DFA0A04FC94B}">
-                <ma14:wrappingTextBoxFlag xmlns:ma14="http://schemas.microsoft.com/office/mac/drawingml/2011/main" xmlns="" val="1"/>
+                <ma14:wrappingTextBoxFlag xmlns:ma14="http://schemas.microsoft.com/office/mac/drawingml/2011/main" val="1"/>
               </a:ext>
             </a:extLst>
           </p:spPr>
@@ -15129,7 +13812,7 @@
             <a:effectLst/>
             <a:extLst>
               <a:ext uri="{C572A759-6A51-4108-AA02-DFA0A04FC94B}">
-                <ma14:wrappingTextBoxFlag xmlns:ma14="http://schemas.microsoft.com/office/mac/drawingml/2011/main" xmlns="" val="1"/>
+                <ma14:wrappingTextBoxFlag xmlns:ma14="http://schemas.microsoft.com/office/mac/drawingml/2011/main" val="1"/>
               </a:ext>
             </a:extLst>
           </p:spPr>
@@ -15247,7 +13930,7 @@
             <a:effectLst/>
             <a:extLst>
               <a:ext uri="{C572A759-6A51-4108-AA02-DFA0A04FC94B}">
-                <ma14:wrappingTextBoxFlag xmlns:ma14="http://schemas.microsoft.com/office/mac/drawingml/2011/main" xmlns="" val="1"/>
+                <ma14:wrappingTextBoxFlag xmlns:ma14="http://schemas.microsoft.com/office/mac/drawingml/2011/main" val="1"/>
               </a:ext>
             </a:extLst>
           </p:spPr>
@@ -15365,7 +14048,7 @@
             <a:effectLst/>
             <a:extLst>
               <a:ext uri="{C572A759-6A51-4108-AA02-DFA0A04FC94B}">
-                <ma14:wrappingTextBoxFlag xmlns:ma14="http://schemas.microsoft.com/office/mac/drawingml/2011/main" xmlns="" val="1"/>
+                <ma14:wrappingTextBoxFlag xmlns:ma14="http://schemas.microsoft.com/office/mac/drawingml/2011/main" val="1"/>
               </a:ext>
             </a:extLst>
           </p:spPr>
@@ -15483,7 +14166,7 @@
             <a:effectLst/>
             <a:extLst>
               <a:ext uri="{C572A759-6A51-4108-AA02-DFA0A04FC94B}">
-                <ma14:wrappingTextBoxFlag xmlns:ma14="http://schemas.microsoft.com/office/mac/drawingml/2011/main" xmlns="" val="1"/>
+                <ma14:wrappingTextBoxFlag xmlns:ma14="http://schemas.microsoft.com/office/mac/drawingml/2011/main" val="1"/>
               </a:ext>
             </a:extLst>
           </p:spPr>
@@ -15601,7 +14284,7 @@
             <a:effectLst/>
             <a:extLst>
               <a:ext uri="{C572A759-6A51-4108-AA02-DFA0A04FC94B}">
-                <ma14:wrappingTextBoxFlag xmlns:ma14="http://schemas.microsoft.com/office/mac/drawingml/2011/main" xmlns="" val="1"/>
+                <ma14:wrappingTextBoxFlag xmlns:ma14="http://schemas.microsoft.com/office/mac/drawingml/2011/main" val="1"/>
               </a:ext>
             </a:extLst>
           </p:spPr>
@@ -15719,7 +14402,7 @@
             <a:effectLst/>
             <a:extLst>
               <a:ext uri="{C572A759-6A51-4108-AA02-DFA0A04FC94B}">
-                <ma14:wrappingTextBoxFlag xmlns:ma14="http://schemas.microsoft.com/office/mac/drawingml/2011/main" xmlns="" val="1"/>
+                <ma14:wrappingTextBoxFlag xmlns:ma14="http://schemas.microsoft.com/office/mac/drawingml/2011/main" val="1"/>
               </a:ext>
             </a:extLst>
           </p:spPr>
@@ -15790,6 +14473,13 @@
     <a:masterClrMapping/>
   </p:clrMapOvr>
   <p:transition/>
+  <p:timing>
+    <p:tnLst>
+      <p:par>
+        <p:cTn id="1" dur="indefinite" restart="never" nodeType="tmRoot"/>
+      </p:par>
+    </p:tnLst>
+  </p:timing>
 </p:sld>
 </file>
 
@@ -15827,10 +14517,10 @@
           <a:p>
             <a:pPr algn="ctr"/>
             <a:r>
-              <a:rPr lang="en-US" altLang="zh-CN" dirty="0" smtClean="0"/>
-              <a:t>TEST Fixture</a:t>
-            </a:r>
-            <a:endParaRPr lang="zh-CN" altLang="en-US" dirty="0"/>
+              <a:rPr lang="en-US" altLang="zh-CHS" spc="-210" dirty="0" smtClean="0"/>
+              <a:t>USING GTEST</a:t>
+            </a:r>
+            <a:endParaRPr lang="zh-CHS" altLang="en-US" dirty="0"/>
           </a:p>
         </p:txBody>
       </p:sp>
@@ -15849,27 +14539,69 @@
           <a:bodyPr/>
           <a:lstStyle/>
           <a:p>
-            <a:pPr marL="0" lvl="0"/>
-            <a:r>
-              <a:rPr lang="en-US" altLang="zh-CN" sz="4400" dirty="0" smtClean="0"/>
-              <a:t>A test fixture allows you to </a:t>
-            </a:r>
-            <a:r>
-              <a:rPr lang="en-US" altLang="zh-CN" sz="4400" dirty="0" smtClean="0">
-                <a:solidFill>
-                  <a:srgbClr val="FF0000"/>
-                </a:solidFill>
-              </a:rPr>
-              <a:t>reuse</a:t>
-            </a:r>
-            <a:r>
-              <a:rPr lang="en-US" altLang="zh-CN" sz="4400" dirty="0" smtClean="0"/>
-              <a:t> the same configuration of objects for several different tests</a:t>
-            </a:r>
-          </a:p>
-          <a:p>
-            <a:pPr marL="0"/>
-            <a:endParaRPr lang="zh-CN" altLang="en-US" dirty="0"/>
+            <a:r>
+              <a:rPr lang="en-US" altLang="zh-CHS" sz="3400" dirty="0" smtClean="0"/>
+              <a:t>include &lt;</a:t>
+            </a:r>
+            <a:r>
+              <a:rPr lang="en-US" altLang="zh-CHS" sz="3400" dirty="0" err="1" smtClean="0"/>
+              <a:t>gtest</a:t>
+            </a:r>
+            <a:r>
+              <a:rPr lang="en-US" altLang="zh-CHS" sz="3400" dirty="0" smtClean="0"/>
+              <a:t>/</a:t>
+            </a:r>
+            <a:r>
+              <a:rPr lang="en-US" altLang="zh-CHS" sz="3400" dirty="0" err="1" smtClean="0"/>
+              <a:t>gtest.h</a:t>
+            </a:r>
+            <a:r>
+              <a:rPr lang="en-US" altLang="zh-CHS" sz="3400" dirty="0" smtClean="0"/>
+              <a:t>&gt;</a:t>
+            </a:r>
+          </a:p>
+          <a:p>
+            <a:r>
+              <a:rPr lang="en-US" altLang="zh-CHS" sz="3400" dirty="0" smtClean="0"/>
+              <a:t>write your tests in any source files</a:t>
+            </a:r>
+          </a:p>
+          <a:p>
+            <a:r>
+              <a:rPr lang="en-US" altLang="zh-CHS" sz="3400" dirty="0" smtClean="0"/>
+              <a:t>initialize </a:t>
+            </a:r>
+            <a:r>
+              <a:rPr lang="en-US" altLang="zh-CHS" sz="3400" dirty="0" err="1" smtClean="0"/>
+              <a:t>gtest</a:t>
+            </a:r>
+            <a:r>
+              <a:rPr lang="en-US" altLang="zh-CHS" sz="3400" dirty="0" smtClean="0"/>
+              <a:t> by </a:t>
+            </a:r>
+            <a:r>
+              <a:rPr lang="en-US" altLang="zh-CHS" sz="3400" dirty="0" err="1" smtClean="0"/>
+              <a:t>InitGoogleTest</a:t>
+            </a:r>
+            <a:r>
+              <a:rPr lang="en-US" altLang="zh-CHS" sz="3400" dirty="0" smtClean="0"/>
+              <a:t>()</a:t>
+            </a:r>
+          </a:p>
+          <a:p>
+            <a:r>
+              <a:rPr lang="en-US" altLang="zh-CHS" sz="3400" dirty="0" smtClean="0"/>
+              <a:t>call RUN_ALL_TESTS() in main() function</a:t>
+            </a:r>
+          </a:p>
+          <a:p>
+            <a:r>
+              <a:rPr lang="en-US" altLang="zh-CHS" sz="3400" dirty="0" smtClean="0"/>
+              <a:t>compile and run</a:t>
+            </a:r>
+          </a:p>
+          <a:p>
+            <a:endParaRPr lang="zh-CHS" altLang="en-US" sz="3400" dirty="0"/>
           </a:p>
         </p:txBody>
       </p:sp>
@@ -15891,7 +14623,7 @@
             <a:pPr>
               <a:defRPr/>
             </a:pPr>
-            <a:fld id="{9FA9E053-A9C9-5E43-89F1-83E618EAF168}" type="slidenum">
+            <a:fld id="{28FE6BA1-A7B4-7B4F-846F-93E3CD6980EB}" type="slidenum">
               <a:rPr lang="en-US" smtClean="0"/>
               <a:pPr>
                 <a:defRPr/>
@@ -15904,7 +14636,7 @@
       </p:sp>
       <p:pic>
         <p:nvPicPr>
-          <p:cNvPr id="4100" name="Picture 4"/>
+          <p:cNvPr id="6149" name="Picture 5"/>
           <p:cNvPicPr>
             <a:picLocks noChangeAspect="1" noChangeArrowheads="1"/>
           </p:cNvPicPr>
@@ -15919,8 +14651,8 @@
         </p:blipFill>
         <p:spPr bwMode="auto">
           <a:xfrm>
-            <a:off x="3406056" y="3767600"/>
-            <a:ext cx="6696744" cy="5365981"/>
+            <a:off x="1963738" y="6028928"/>
+            <a:ext cx="9077325" cy="2543175"/>
           </a:xfrm>
           <a:prstGeom prst="rect">
             <a:avLst/>
@@ -15940,6 +14672,13 @@
     <a:masterClrMapping/>
   </p:clrMapOvr>
   <p:transition/>
+  <p:timing>
+    <p:tnLst>
+      <p:par>
+        <p:cTn id="1" dur="indefinite" restart="never" nodeType="tmRoot"/>
+      </p:par>
+    </p:tnLst>
+  </p:timing>
 </p:sld>
 </file>
 
@@ -15970,17 +14709,22 @@
             <p:ph type="title"/>
           </p:nvPr>
         </p:nvSpPr>
-        <p:spPr/>
+        <p:spPr>
+          <a:xfrm>
+            <a:off x="406400" y="700336"/>
+            <a:ext cx="3149600" cy="723900"/>
+          </a:xfrm>
+        </p:spPr>
         <p:txBody>
           <a:bodyPr/>
           <a:lstStyle/>
           <a:p>
             <a:pPr algn="ctr"/>
             <a:r>
-              <a:rPr lang="en-US" altLang="zh-CN" dirty="0" smtClean="0"/>
-              <a:t>TEST FIXTURE Internals</a:t>
-            </a:r>
-            <a:endParaRPr lang="zh-CN" altLang="en-US" dirty="0"/>
+              <a:rPr lang="en-US" altLang="zh-CHS" sz="4800" dirty="0" smtClean="0"/>
+              <a:t>EXERCISE</a:t>
+            </a:r>
+            <a:endParaRPr lang="zh-CHS" altLang="en-US" sz="4800" dirty="0"/>
           </a:p>
         </p:txBody>
       </p:sp>
@@ -15994,142 +14738,131 @@
             <p:ph idx="1"/>
           </p:nvPr>
         </p:nvSpPr>
-        <p:spPr>
-          <a:xfrm>
-            <a:off x="6502400" y="1708596"/>
-            <a:ext cx="6121400" cy="7632700"/>
-          </a:xfrm>
-        </p:spPr>
+        <p:spPr/>
         <p:txBody>
           <a:bodyPr/>
           <a:lstStyle/>
           <a:p>
-            <a:pPr>
+            <a:pPr marL="520700" indent="-520700">
+              <a:lnSpc>
+                <a:spcPct val="120000"/>
+              </a:lnSpc>
+              <a:spcBef>
+                <a:spcPts val="1200"/>
+              </a:spcBef>
               <a:buClr>
                 <a:schemeClr val="tx2"/>
               </a:buClr>
-              <a:buFont typeface="Wingdings" pitchFamily="2" charset="2"/>
-              <a:buChar char="p"/>
+              <a:buFont typeface="Wingdings" charset="2"/>
+              <a:buChar char=""/>
             </a:pPr>
-            <a:r>
-              <a:rPr lang="en-US" altLang="zh-CN" sz="2800" dirty="0" smtClean="0">
-                <a:latin typeface="Open Sans Light"/>
-                <a:cs typeface="Calibri" pitchFamily="34" charset="0"/>
-              </a:rPr>
-              <a:t>Google Test constructs a </a:t>
-            </a:r>
-            <a:r>
-              <a:rPr lang="en-US" altLang="zh-CN" sz="2800" dirty="0" err="1" smtClean="0">
-                <a:latin typeface="Open Sans Light"/>
-                <a:cs typeface="Calibri" pitchFamily="34" charset="0"/>
-              </a:rPr>
-              <a:t>BookSpec</a:t>
-            </a:r>
-            <a:r>
-              <a:rPr lang="en-US" altLang="zh-CN" sz="2800" dirty="0" smtClean="0">
-                <a:latin typeface="Open Sans Light"/>
-                <a:cs typeface="Calibri" pitchFamily="34" charset="0"/>
-              </a:rPr>
-              <a:t> object (let's call it t1 ). </a:t>
-            </a:r>
-          </a:p>
-          <a:p>
-            <a:pPr>
+            <a:endParaRPr lang="en-US" altLang="zh-CHS" sz="3600" dirty="0" smtClean="0"/>
+          </a:p>
+          <a:p>
+            <a:pPr marL="520700" indent="-520700">
+              <a:lnSpc>
+                <a:spcPct val="120000"/>
+              </a:lnSpc>
+              <a:spcBef>
+                <a:spcPts val="1200"/>
+              </a:spcBef>
               <a:buClr>
                 <a:schemeClr val="tx2"/>
               </a:buClr>
-              <a:buFont typeface="Wingdings" pitchFamily="2" charset="2"/>
-              <a:buChar char="p"/>
+              <a:buFont typeface="Wingdings" charset="2"/>
+              <a:buChar char=""/>
             </a:pPr>
             <a:r>
-              <a:rPr lang="en-US" altLang="zh-CN" sz="2800" dirty="0" smtClean="0">
-                <a:latin typeface="Open Sans Light"/>
-                <a:cs typeface="Calibri" pitchFamily="34" charset="0"/>
-              </a:rPr>
-              <a:t>t1.SetUp() initializes t1 . </a:t>
-            </a:r>
-          </a:p>
-          <a:p>
-            <a:pPr>
+              <a:rPr lang="en-US" altLang="zh-CHS" sz="3600" dirty="0" smtClean="0"/>
+              <a:t>Open </a:t>
+            </a:r>
+            <a:r>
+              <a:rPr lang="en-US" altLang="zh-CHS" sz="3600" dirty="0" err="1" smtClean="0"/>
+              <a:t>gtest_sample</a:t>
+            </a:r>
+            <a:r>
+              <a:rPr lang="en-US" altLang="zh-CHS" sz="3600" dirty="0" smtClean="0"/>
+              <a:t>, Compile and run</a:t>
+            </a:r>
+          </a:p>
+          <a:p>
+            <a:pPr marL="520700" indent="-520700">
+              <a:lnSpc>
+                <a:spcPct val="120000"/>
+              </a:lnSpc>
+              <a:spcBef>
+                <a:spcPts val="1200"/>
+              </a:spcBef>
               <a:buClr>
                 <a:schemeClr val="tx2"/>
               </a:buClr>
-              <a:buFont typeface="Wingdings" pitchFamily="2" charset="2"/>
-              <a:buChar char="p"/>
+              <a:buFont typeface="Wingdings" charset="2"/>
+              <a:buChar char=""/>
             </a:pPr>
-            <a:r>
-              <a:rPr lang="en-US" altLang="zh-CN" sz="2800" dirty="0" smtClean="0">
-                <a:latin typeface="Open Sans Light"/>
-                <a:cs typeface="Calibri" pitchFamily="34" charset="0"/>
-              </a:rPr>
-              <a:t>the test(</a:t>
-            </a:r>
-            <a:r>
-              <a:rPr lang="en-US" altLang="zh-CN" sz="2400" dirty="0" err="1" smtClean="0">
-                <a:latin typeface="Open Sans Light"/>
-                <a:cs typeface="Calibri" pitchFamily="34" charset="0"/>
-              </a:rPr>
-              <a:t>ShouldAbleToBeCompared</a:t>
-            </a:r>
-            <a:r>
-              <a:rPr lang="en-US" altLang="zh-CN" sz="2400" dirty="0" smtClean="0">
-                <a:latin typeface="Open Sans Light"/>
-                <a:cs typeface="Calibri" pitchFamily="34" charset="0"/>
-              </a:rPr>
-              <a:t>) </a:t>
-            </a:r>
-            <a:r>
-              <a:rPr lang="en-US" altLang="zh-CN" sz="2800" dirty="0" smtClean="0">
-                <a:latin typeface="Open Sans Light"/>
-                <a:cs typeface="Calibri" pitchFamily="34" charset="0"/>
-              </a:rPr>
-              <a:t>runs on t1. </a:t>
-            </a:r>
-          </a:p>
-          <a:p>
-            <a:pPr>
+            <a:endParaRPr lang="en-US" altLang="zh-CHS" sz="3600" dirty="0" smtClean="0"/>
+          </a:p>
+          <a:p>
+            <a:pPr marL="520700" indent="-520700">
+              <a:lnSpc>
+                <a:spcPct val="120000"/>
+              </a:lnSpc>
+              <a:spcBef>
+                <a:spcPts val="1200"/>
+              </a:spcBef>
               <a:buClr>
                 <a:schemeClr val="tx2"/>
               </a:buClr>
-              <a:buFont typeface="Wingdings" pitchFamily="2" charset="2"/>
-              <a:buChar char="p"/>
+              <a:buFont typeface="Wingdings" charset="2"/>
+              <a:buChar char=""/>
             </a:pPr>
             <a:r>
-              <a:rPr lang="en-US" altLang="zh-CN" sz="2800" dirty="0" smtClean="0">
-                <a:latin typeface="Open Sans Light"/>
-                <a:cs typeface="Calibri" pitchFamily="34" charset="0"/>
-              </a:rPr>
-              <a:t>t1.TearDown() cleans up after the test finishes. </a:t>
-            </a:r>
-          </a:p>
-          <a:p>
-            <a:pPr>
+              <a:rPr lang="en-US" altLang="zh-CHS" sz="3600" dirty="0" err="1" smtClean="0"/>
+              <a:t>SalesMan</a:t>
+            </a:r>
+            <a:r>
+              <a:rPr lang="en-US" altLang="zh-CHS" sz="3600" dirty="0" smtClean="0"/>
+              <a:t> should answer “see you” to “bye”</a:t>
+            </a:r>
+          </a:p>
+          <a:p>
+            <a:pPr marL="520700" indent="-520700">
+              <a:lnSpc>
+                <a:spcPct val="120000"/>
+              </a:lnSpc>
+              <a:spcBef>
+                <a:spcPts val="1200"/>
+              </a:spcBef>
               <a:buClr>
                 <a:schemeClr val="tx2"/>
               </a:buClr>
-              <a:buFont typeface="Wingdings" pitchFamily="2" charset="2"/>
-              <a:buChar char="p"/>
+              <a:buFont typeface="Wingdings" charset="2"/>
+              <a:buChar char=""/>
             </a:pPr>
-            <a:r>
-              <a:rPr lang="en-US" altLang="zh-CN" sz="2800" dirty="0" smtClean="0">
-                <a:latin typeface="Open Sans Light"/>
-                <a:cs typeface="Calibri" pitchFamily="34" charset="0"/>
-              </a:rPr>
-              <a:t>t1 is destructed. </a:t>
-            </a:r>
-          </a:p>
-          <a:p>
-            <a:pPr>
+            <a:endParaRPr lang="en-US" altLang="zh-CHS" sz="3600" dirty="0" smtClean="0"/>
+          </a:p>
+          <a:p>
+            <a:pPr marL="520700" indent="-520700">
+              <a:lnSpc>
+                <a:spcPct val="120000"/>
+              </a:lnSpc>
+              <a:spcBef>
+                <a:spcPts val="1200"/>
+              </a:spcBef>
               <a:buClr>
                 <a:schemeClr val="tx2"/>
               </a:buClr>
-              <a:buFont typeface="Wingdings" pitchFamily="2" charset="2"/>
-              <a:buChar char="p"/>
+              <a:buFont typeface="Wingdings" charset="2"/>
+              <a:buChar char=""/>
             </a:pPr>
-            <a:endParaRPr lang="zh-CN" altLang="en-US" sz="2800" dirty="0">
-              <a:latin typeface="Calibri" pitchFamily="34" charset="0"/>
-              <a:cs typeface="Calibri" pitchFamily="34" charset="0"/>
-            </a:endParaRPr>
+            <a:r>
+              <a:rPr lang="en-US" altLang="zh-CHS" sz="3600" dirty="0" err="1" smtClean="0"/>
+              <a:t>SalesMan</a:t>
+            </a:r>
+            <a:r>
+              <a:rPr lang="en-US" altLang="zh-CHS" sz="3600" dirty="0" smtClean="0"/>
+              <a:t> should throw an exception if question is empty</a:t>
+            </a:r>
+            <a:endParaRPr lang="zh-CHS" altLang="en-US" sz="3600" dirty="0"/>
           </a:p>
         </p:txBody>
       </p:sp>
@@ -16151,7 +14884,7 @@
             <a:pPr>
               <a:defRPr/>
             </a:pPr>
-            <a:fld id="{47194DCD-506D-1D43-A52D-140307FFEF14}" type="slidenum">
+            <a:fld id="{6BD71149-C6B6-DA41-AB69-4C8E97C931F0}" type="slidenum">
               <a:rPr lang="en-US" smtClean="0"/>
               <a:pPr>
                 <a:defRPr/>
@@ -16164,42 +14897,49 @@
       </p:sp>
       <p:pic>
         <p:nvPicPr>
-          <p:cNvPr id="5124" name="Picture 4"/>
-          <p:cNvPicPr>
-            <a:picLocks noChangeAspect="1" noChangeArrowheads="1"/>
-          </p:cNvPicPr>
+          <p:cNvPr id="5" name="Glyph Inventory 1_go-self-service.jpg"/>
+          <p:cNvPicPr/>
           <p:nvPr/>
         </p:nvPicPr>
         <p:blipFill>
-          <a:blip r:embed="rId2"/>
-          <a:srcRect/>
+          <a:blip r:embed="rId2">
+            <a:extLst/>
+          </a:blip>
           <a:stretch>
             <a:fillRect/>
           </a:stretch>
         </p:blipFill>
-        <p:spPr bwMode="auto">
+        <p:spPr>
           <a:xfrm>
-            <a:off x="669752" y="1839490"/>
-            <a:ext cx="5448300" cy="6419850"/>
+            <a:off x="385233" y="1078673"/>
+            <a:ext cx="3039534" cy="3039534"/>
           </a:xfrm>
           <a:prstGeom prst="rect">
             <a:avLst/>
           </a:prstGeom>
-          <a:noFill/>
-          <a:ln w="9525">
-            <a:noFill/>
-            <a:miter lim="800000"/>
-            <a:headEnd/>
-            <a:tailEnd/>
+          <a:ln w="12700">
+            <a:miter lim="400000"/>
           </a:ln>
         </p:spPr>
       </p:pic>
     </p:spTree>
+    <p:extLst>
+      <p:ext uri="{BB962C8B-B14F-4D97-AF65-F5344CB8AC3E}">
+        <p14:creationId xmlns:p14="http://schemas.microsoft.com/office/powerpoint/2010/main" val="1984210012"/>
+      </p:ext>
+    </p:extLst>
   </p:cSld>
   <p:clrMapOvr>
     <a:masterClrMapping/>
   </p:clrMapOvr>
   <p:transition/>
+  <p:timing>
+    <p:tnLst>
+      <p:par>
+        <p:cTn id="1" dur="indefinite" restart="never" nodeType="tmRoot"/>
+      </p:par>
+    </p:tnLst>
+  </p:timing>
 </p:sld>
 </file>
 

--- a/.slides/01-introduction-to-gtest.pptx
+++ b/.slides/01-introduction-to-gtest.pptx
@@ -299,7 +299,7 @@
               <a:pPr>
                 <a:defRPr/>
               </a:pPr>
-              <a:t>3/29/15</a:t>
+              <a:t>3/30/2015</a:t>
             </a:fld>
             <a:endParaRPr lang="en-US"/>
           </a:p>
@@ -650,7 +650,7 @@
           </a:ln>
           <a:extLst>
             <a:ext uri="{909E8E84-426E-40dd-AFC4-6F175D3DCCD1}">
-              <a14:hiddenFill xmlns:a14="http://schemas.microsoft.com/office/drawing/2010/main" xmlns="">
+              <a14:hiddenFill xmlns="" xmlns:a14="http://schemas.microsoft.com/office/drawing/2010/main">
                 <a:noFill/>
               </a14:hiddenFill>
             </a:ext>
@@ -694,7 +694,7 @@
           </a:ln>
           <a:extLst>
             <a:ext uri="{909E8E84-426E-40dd-AFC4-6F175D3DCCD1}">
-              <a14:hiddenFill xmlns:a14="http://schemas.microsoft.com/office/drawing/2010/main" xmlns="">
+              <a14:hiddenFill xmlns="" xmlns:a14="http://schemas.microsoft.com/office/drawing/2010/main">
                 <a:noFill/>
               </a14:hiddenFill>
             </a:ext>
@@ -743,14 +743,14 @@
           </a:ln>
           <a:extLst>
             <a:ext uri="{909E8E84-426E-40dd-AFC4-6F175D3DCCD1}">
-              <a14:hiddenFill xmlns:a14="http://schemas.microsoft.com/office/drawing/2010/main" xmlns="">
+              <a14:hiddenFill xmlns="" xmlns:a14="http://schemas.microsoft.com/office/drawing/2010/main">
                 <a:solidFill>
                   <a:srgbClr val="FFFFFF"/>
                 </a:solidFill>
               </a14:hiddenFill>
             </a:ext>
             <a:ext uri="{91240B29-F687-4f45-9708-019B960494DF}">
-              <a14:hiddenLine xmlns:a14="http://schemas.microsoft.com/office/drawing/2010/main" xmlns="" w="9525">
+              <a14:hiddenLine xmlns="" xmlns:a14="http://schemas.microsoft.com/office/drawing/2010/main" w="9525">
                 <a:solidFill>
                   <a:srgbClr val="000000"/>
                 </a:solidFill>
@@ -789,7 +789,7 @@
           </a:lstStyle>
           <a:p>
             <a:r>
-              <a:rPr lang="zh-CHS" altLang="en-US" smtClean="0"/>
+              <a:rPr lang="zh-Hans" altLang="en-US" smtClean="0"/>
               <a:t>单击此处编辑母版标题样式</a:t>
             </a:r>
             <a:endParaRPr lang="en-US" dirty="0"/>
@@ -849,35 +849,35 @@
           <a:p>
             <a:pPr lvl="0"/>
             <a:r>
-              <a:rPr lang="zh-CHS" altLang="en-US" smtClean="0"/>
+              <a:rPr lang="zh-Hans" altLang="en-US" smtClean="0"/>
               <a:t>单击此处编辑母版文本样式</a:t>
             </a:r>
           </a:p>
           <a:p>
             <a:pPr lvl="1"/>
             <a:r>
-              <a:rPr lang="zh-CHS" altLang="en-US" smtClean="0"/>
+              <a:rPr lang="zh-Hans" altLang="en-US" smtClean="0"/>
               <a:t>第二级</a:t>
             </a:r>
           </a:p>
           <a:p>
             <a:pPr lvl="2"/>
             <a:r>
-              <a:rPr lang="zh-CHS" altLang="en-US" smtClean="0"/>
+              <a:rPr lang="zh-Hans" altLang="en-US" smtClean="0"/>
               <a:t>第三级</a:t>
             </a:r>
           </a:p>
           <a:p>
             <a:pPr lvl="3"/>
             <a:r>
-              <a:rPr lang="zh-CHS" altLang="en-US" smtClean="0"/>
+              <a:rPr lang="zh-Hans" altLang="en-US" smtClean="0"/>
               <a:t>第四级</a:t>
             </a:r>
           </a:p>
           <a:p>
             <a:pPr lvl="4"/>
             <a:r>
-              <a:rPr lang="zh-CHS" altLang="en-US" smtClean="0"/>
+              <a:rPr lang="zh-Hans" altLang="en-US" smtClean="0"/>
               <a:t>第五级</a:t>
             </a:r>
             <a:endParaRPr lang="en-US" dirty="0"/>
@@ -960,7 +960,7 @@
           <a:p>
             <a:pPr lvl="0"/>
             <a:r>
-              <a:rPr lang="zh-CHS" altLang="en-US" smtClean="0"/>
+              <a:rPr lang="zh-Hans" altLang="en-US" smtClean="0"/>
               <a:t>单击此处编辑母版文本样式</a:t>
             </a:r>
           </a:p>
@@ -1095,7 +1095,7 @@
           </a:ln>
           <a:extLst>
             <a:ext uri="{909E8E84-426E-40dd-AFC4-6F175D3DCCD1}">
-              <a14:hiddenFill xmlns:a14="http://schemas.microsoft.com/office/drawing/2010/main" xmlns="">
+              <a14:hiddenFill xmlns="" xmlns:a14="http://schemas.microsoft.com/office/drawing/2010/main">
                 <a:noFill/>
               </a14:hiddenFill>
             </a:ext>
@@ -1144,14 +1144,14 @@
           </a:ln>
           <a:extLst>
             <a:ext uri="{909E8E84-426E-40dd-AFC4-6F175D3DCCD1}">
-              <a14:hiddenFill xmlns:a14="http://schemas.microsoft.com/office/drawing/2010/main" xmlns="">
+              <a14:hiddenFill xmlns="" xmlns:a14="http://schemas.microsoft.com/office/drawing/2010/main">
                 <a:solidFill>
                   <a:srgbClr val="FFFFFF"/>
                 </a:solidFill>
               </a14:hiddenFill>
             </a:ext>
             <a:ext uri="{91240B29-F687-4f45-9708-019B960494DF}">
-              <a14:hiddenLine xmlns:a14="http://schemas.microsoft.com/office/drawing/2010/main" xmlns="" w="9525">
+              <a14:hiddenLine xmlns="" xmlns:a14="http://schemas.microsoft.com/office/drawing/2010/main" w="9525">
                 <a:solidFill>
                   <a:srgbClr val="000000"/>
                 </a:solidFill>
@@ -1190,7 +1190,7 @@
           </a:lstStyle>
           <a:p>
             <a:r>
-              <a:rPr lang="zh-CHS" altLang="en-US" smtClean="0"/>
+              <a:rPr lang="zh-Hans" altLang="en-US" smtClean="0"/>
               <a:t>单击此处编辑母版标题样式</a:t>
             </a:r>
             <a:endParaRPr lang="en-US" dirty="0"/>
@@ -1285,35 +1285,35 @@
           <a:p>
             <a:pPr lvl="0"/>
             <a:r>
-              <a:rPr lang="zh-CHS" altLang="en-US" smtClean="0"/>
+              <a:rPr lang="zh-Hans" altLang="en-US" smtClean="0"/>
               <a:t>单击此处编辑母版文本样式</a:t>
             </a:r>
           </a:p>
           <a:p>
             <a:pPr lvl="1"/>
             <a:r>
-              <a:rPr lang="zh-CHS" altLang="en-US" smtClean="0"/>
+              <a:rPr lang="zh-Hans" altLang="en-US" smtClean="0"/>
               <a:t>第二级</a:t>
             </a:r>
           </a:p>
           <a:p>
             <a:pPr lvl="2"/>
             <a:r>
-              <a:rPr lang="zh-CHS" altLang="en-US" smtClean="0"/>
+              <a:rPr lang="zh-Hans" altLang="en-US" smtClean="0"/>
               <a:t>第三级</a:t>
             </a:r>
           </a:p>
           <a:p>
             <a:pPr lvl="3"/>
             <a:r>
-              <a:rPr lang="zh-CHS" altLang="en-US" smtClean="0"/>
+              <a:rPr lang="zh-Hans" altLang="en-US" smtClean="0"/>
               <a:t>第四级</a:t>
             </a:r>
           </a:p>
           <a:p>
             <a:pPr lvl="4"/>
             <a:r>
-              <a:rPr lang="zh-CHS" altLang="en-US" smtClean="0"/>
+              <a:rPr lang="zh-Hans" altLang="en-US" smtClean="0"/>
               <a:t>第五级</a:t>
             </a:r>
             <a:endParaRPr lang="en-US" dirty="0"/>
@@ -1378,7 +1378,7 @@
           </a:ln>
           <a:extLst>
             <a:ext uri="{909E8E84-426E-40dd-AFC4-6F175D3DCCD1}">
-              <a14:hiddenFill xmlns:a14="http://schemas.microsoft.com/office/drawing/2010/main" xmlns="">
+              <a14:hiddenFill xmlns="" xmlns:a14="http://schemas.microsoft.com/office/drawing/2010/main">
                 <a:noFill/>
               </a14:hiddenFill>
             </a:ext>
@@ -1422,7 +1422,7 @@
           </a:ln>
           <a:extLst>
             <a:ext uri="{909E8E84-426E-40dd-AFC4-6F175D3DCCD1}">
-              <a14:hiddenFill xmlns:a14="http://schemas.microsoft.com/office/drawing/2010/main" xmlns="">
+              <a14:hiddenFill xmlns="" xmlns:a14="http://schemas.microsoft.com/office/drawing/2010/main">
                 <a:noFill/>
               </a14:hiddenFill>
             </a:ext>
@@ -1471,14 +1471,14 @@
           </a:ln>
           <a:extLst>
             <a:ext uri="{909E8E84-426E-40dd-AFC4-6F175D3DCCD1}">
-              <a14:hiddenFill xmlns:a14="http://schemas.microsoft.com/office/drawing/2010/main" xmlns="">
+              <a14:hiddenFill xmlns="" xmlns:a14="http://schemas.microsoft.com/office/drawing/2010/main">
                 <a:solidFill>
                   <a:srgbClr val="FFFFFF"/>
                 </a:solidFill>
               </a14:hiddenFill>
             </a:ext>
             <a:ext uri="{91240B29-F687-4f45-9708-019B960494DF}">
-              <a14:hiddenLine xmlns:a14="http://schemas.microsoft.com/office/drawing/2010/main" xmlns="" w="9525">
+              <a14:hiddenLine xmlns="" xmlns:a14="http://schemas.microsoft.com/office/drawing/2010/main" w="9525">
                 <a:solidFill>
                   <a:srgbClr val="000000"/>
                 </a:solidFill>
@@ -1752,7 +1752,7 @@
           </a:ln>
           <a:extLst>
             <a:ext uri="{909E8E84-426E-40dd-AFC4-6F175D3DCCD1}">
-              <a14:hiddenFill xmlns:a14="http://schemas.microsoft.com/office/drawing/2010/main" xmlns="">
+              <a14:hiddenFill xmlns="" xmlns:a14="http://schemas.microsoft.com/office/drawing/2010/main">
                 <a:noFill/>
               </a14:hiddenFill>
             </a:ext>
@@ -1957,7 +1957,7 @@
           </a:ln>
           <a:extLst>
             <a:ext uri="{909E8E84-426E-40dd-AFC4-6F175D3DCCD1}">
-              <a14:hiddenFill xmlns:a14="http://schemas.microsoft.com/office/drawing/2010/main" xmlns="">
+              <a14:hiddenFill xmlns="" xmlns:a14="http://schemas.microsoft.com/office/drawing/2010/main">
                 <a:noFill/>
               </a14:hiddenFill>
             </a:ext>
@@ -2167,7 +2167,7 @@
           </a:ln>
           <a:extLst>
             <a:ext uri="{909E8E84-426E-40dd-AFC4-6F175D3DCCD1}">
-              <a14:hiddenFill xmlns:a14="http://schemas.microsoft.com/office/drawing/2010/main" xmlns="">
+              <a14:hiddenFill xmlns="" xmlns:a14="http://schemas.microsoft.com/office/drawing/2010/main">
                 <a:noFill/>
               </a14:hiddenFill>
             </a:ext>
@@ -2418,7 +2418,7 @@
           </a:ln>
           <a:extLst>
             <a:ext uri="{909E8E84-426E-40dd-AFC4-6F175D3DCCD1}">
-              <a14:hiddenFill xmlns:a14="http://schemas.microsoft.com/office/drawing/2010/main" xmlns="">
+              <a14:hiddenFill xmlns="" xmlns:a14="http://schemas.microsoft.com/office/drawing/2010/main">
                 <a:noFill/>
               </a14:hiddenFill>
             </a:ext>
@@ -2467,14 +2467,14 @@
           </a:ln>
           <a:extLst>
             <a:ext uri="{909E8E84-426E-40dd-AFC4-6F175D3DCCD1}">
-              <a14:hiddenFill xmlns:a14="http://schemas.microsoft.com/office/drawing/2010/main" xmlns="">
+              <a14:hiddenFill xmlns="" xmlns:a14="http://schemas.microsoft.com/office/drawing/2010/main">
                 <a:solidFill>
                   <a:srgbClr val="FFFFFF"/>
                 </a:solidFill>
               </a14:hiddenFill>
             </a:ext>
             <a:ext uri="{91240B29-F687-4f45-9708-019B960494DF}">
-              <a14:hiddenLine xmlns:a14="http://schemas.microsoft.com/office/drawing/2010/main" xmlns="" w="9525">
+              <a14:hiddenLine xmlns="" xmlns:a14="http://schemas.microsoft.com/office/drawing/2010/main" w="9525">
                 <a:solidFill>
                   <a:srgbClr val="000000"/>
                 </a:solidFill>
@@ -2736,7 +2736,7 @@
           </a:ln>
           <a:extLst>
             <a:ext uri="{909E8E84-426E-40dd-AFC4-6F175D3DCCD1}">
-              <a14:hiddenFill xmlns:a14="http://schemas.microsoft.com/office/drawing/2010/main" xmlns="">
+              <a14:hiddenFill xmlns="" xmlns:a14="http://schemas.microsoft.com/office/drawing/2010/main">
                 <a:noFill/>
               </a14:hiddenFill>
             </a:ext>
@@ -2785,14 +2785,14 @@
           </a:ln>
           <a:extLst>
             <a:ext uri="{909E8E84-426E-40dd-AFC4-6F175D3DCCD1}">
-              <a14:hiddenFill xmlns:a14="http://schemas.microsoft.com/office/drawing/2010/main" xmlns="">
+              <a14:hiddenFill xmlns="" xmlns:a14="http://schemas.microsoft.com/office/drawing/2010/main">
                 <a:solidFill>
                   <a:srgbClr val="FFFFFF"/>
                 </a:solidFill>
               </a14:hiddenFill>
             </a:ext>
             <a:ext uri="{91240B29-F687-4f45-9708-019B960494DF}">
-              <a14:hiddenLine xmlns:a14="http://schemas.microsoft.com/office/drawing/2010/main" xmlns="" w="9525">
+              <a14:hiddenLine xmlns="" xmlns:a14="http://schemas.microsoft.com/office/drawing/2010/main" w="9525">
                 <a:solidFill>
                   <a:srgbClr val="000000"/>
                 </a:solidFill>
@@ -3437,7 +3437,7 @@
           </a:ln>
           <a:extLst>
             <a:ext uri="{909E8E84-426E-40dd-AFC4-6F175D3DCCD1}">
-              <a14:hiddenFill xmlns:a14="http://schemas.microsoft.com/office/drawing/2010/main" xmlns="">
+              <a14:hiddenFill xmlns="" xmlns:a14="http://schemas.microsoft.com/office/drawing/2010/main">
                 <a:noFill/>
               </a14:hiddenFill>
             </a:ext>
@@ -3467,7 +3467,7 @@
           <a:lstStyle/>
           <a:p>
             <a:r>
-              <a:rPr lang="zh-CHS" altLang="en-US" smtClean="0"/>
+              <a:rPr lang="zh-Hans" altLang="en-US" smtClean="0"/>
               <a:t>单击此处编辑母版标题样式</a:t>
             </a:r>
             <a:endParaRPr lang="en-US"/>
@@ -3504,35 +3504,35 @@
           <a:p>
             <a:pPr lvl="0"/>
             <a:r>
-              <a:rPr lang="zh-CHS" altLang="en-US" smtClean="0"/>
+              <a:rPr lang="zh-Hans" altLang="en-US" smtClean="0"/>
               <a:t>单击此处编辑母版文本样式</a:t>
             </a:r>
           </a:p>
           <a:p>
             <a:pPr lvl="1"/>
             <a:r>
-              <a:rPr lang="zh-CHS" altLang="en-US" smtClean="0"/>
+              <a:rPr lang="zh-Hans" altLang="en-US" smtClean="0"/>
               <a:t>第二级</a:t>
             </a:r>
           </a:p>
           <a:p>
             <a:pPr lvl="2"/>
             <a:r>
-              <a:rPr lang="zh-CHS" altLang="en-US" smtClean="0"/>
+              <a:rPr lang="zh-Hans" altLang="en-US" smtClean="0"/>
               <a:t>第三级</a:t>
             </a:r>
           </a:p>
           <a:p>
             <a:pPr lvl="3"/>
             <a:r>
-              <a:rPr lang="zh-CHS" altLang="en-US" smtClean="0"/>
+              <a:rPr lang="zh-Hans" altLang="en-US" smtClean="0"/>
               <a:t>第四级</a:t>
             </a:r>
           </a:p>
           <a:p>
             <a:pPr lvl="4"/>
             <a:r>
-              <a:rPr lang="zh-CHS" altLang="en-US" smtClean="0"/>
+              <a:rPr lang="zh-Hans" altLang="en-US" smtClean="0"/>
               <a:t>第五级</a:t>
             </a:r>
             <a:endParaRPr lang="en-US" dirty="0"/>
@@ -3630,7 +3630,7 @@
           </a:ln>
           <a:extLst>
             <a:ext uri="{909E8E84-426E-40dd-AFC4-6F175D3DCCD1}">
-              <a14:hiddenFill xmlns:a14="http://schemas.microsoft.com/office/drawing/2010/main" xmlns="">
+              <a14:hiddenFill xmlns="" xmlns:a14="http://schemas.microsoft.com/office/drawing/2010/main">
                 <a:noFill/>
               </a14:hiddenFill>
             </a:ext>
@@ -3671,7 +3671,7 @@
           </a:ln>
           <a:extLst>
             <a:ext uri="{909E8E84-426E-40dd-AFC4-6F175D3DCCD1}">
-              <a14:hiddenFill xmlns:a14="http://schemas.microsoft.com/office/drawing/2010/main" xmlns="">
+              <a14:hiddenFill xmlns="" xmlns:a14="http://schemas.microsoft.com/office/drawing/2010/main">
                 <a:noFill/>
               </a14:hiddenFill>
             </a:ext>
@@ -3882,7 +3882,7 @@
           </a:ln>
           <a:extLst>
             <a:ext uri="{909E8E84-426E-40dd-AFC4-6F175D3DCCD1}">
-              <a14:hiddenFill xmlns:a14="http://schemas.microsoft.com/office/drawing/2010/main" xmlns="">
+              <a14:hiddenFill xmlns="" xmlns:a14="http://schemas.microsoft.com/office/drawing/2010/main">
                 <a:noFill/>
               </a14:hiddenFill>
             </a:ext>
@@ -3931,14 +3931,14 @@
           </a:ln>
           <a:extLst>
             <a:ext uri="{909E8E84-426E-40dd-AFC4-6F175D3DCCD1}">
-              <a14:hiddenFill xmlns:a14="http://schemas.microsoft.com/office/drawing/2010/main" xmlns="">
+              <a14:hiddenFill xmlns="" xmlns:a14="http://schemas.microsoft.com/office/drawing/2010/main">
                 <a:solidFill>
                   <a:srgbClr val="FFFFFF"/>
                 </a:solidFill>
               </a14:hiddenFill>
             </a:ext>
             <a:ext uri="{91240B29-F687-4f45-9708-019B960494DF}">
-              <a14:hiddenLine xmlns:a14="http://schemas.microsoft.com/office/drawing/2010/main" xmlns="" w="9525">
+              <a14:hiddenLine xmlns="" xmlns:a14="http://schemas.microsoft.com/office/drawing/2010/main" w="9525">
                 <a:solidFill>
                   <a:srgbClr val="000000"/>
                 </a:solidFill>
@@ -4169,7 +4169,7 @@
           </a:ln>
           <a:extLst>
             <a:ext uri="{909E8E84-426E-40dd-AFC4-6F175D3DCCD1}">
-              <a14:hiddenFill xmlns:a14="http://schemas.microsoft.com/office/drawing/2010/main" xmlns="">
+              <a14:hiddenFill xmlns="" xmlns:a14="http://schemas.microsoft.com/office/drawing/2010/main">
                 <a:noFill/>
               </a14:hiddenFill>
             </a:ext>
@@ -4213,7 +4213,7 @@
           </a:ln>
           <a:extLst>
             <a:ext uri="{909E8E84-426E-40dd-AFC4-6F175D3DCCD1}">
-              <a14:hiddenFill xmlns:a14="http://schemas.microsoft.com/office/drawing/2010/main" xmlns="">
+              <a14:hiddenFill xmlns="" xmlns:a14="http://schemas.microsoft.com/office/drawing/2010/main">
                 <a:noFill/>
               </a14:hiddenFill>
             </a:ext>
@@ -4262,14 +4262,14 @@
           </a:ln>
           <a:extLst>
             <a:ext uri="{909E8E84-426E-40dd-AFC4-6F175D3DCCD1}">
-              <a14:hiddenFill xmlns:a14="http://schemas.microsoft.com/office/drawing/2010/main" xmlns="">
+              <a14:hiddenFill xmlns="" xmlns:a14="http://schemas.microsoft.com/office/drawing/2010/main">
                 <a:solidFill>
                   <a:srgbClr val="FFFFFF"/>
                 </a:solidFill>
               </a14:hiddenFill>
             </a:ext>
             <a:ext uri="{91240B29-F687-4f45-9708-019B960494DF}">
-              <a14:hiddenLine xmlns:a14="http://schemas.microsoft.com/office/drawing/2010/main" xmlns="" w="9525">
+              <a14:hiddenLine xmlns="" xmlns:a14="http://schemas.microsoft.com/office/drawing/2010/main" w="9525">
                 <a:solidFill>
                   <a:srgbClr val="000000"/>
                 </a:solidFill>
@@ -4543,7 +4543,7 @@
           </a:ln>
           <a:extLst>
             <a:ext uri="{909E8E84-426E-40dd-AFC4-6F175D3DCCD1}">
-              <a14:hiddenFill xmlns:a14="http://schemas.microsoft.com/office/drawing/2010/main" xmlns="">
+              <a14:hiddenFill xmlns="" xmlns:a14="http://schemas.microsoft.com/office/drawing/2010/main">
                 <a:noFill/>
               </a14:hiddenFill>
             </a:ext>
@@ -4757,7 +4757,7 @@
           </a:ln>
           <a:extLst>
             <a:ext uri="{909E8E84-426E-40dd-AFC4-6F175D3DCCD1}">
-              <a14:hiddenFill xmlns:a14="http://schemas.microsoft.com/office/drawing/2010/main" xmlns="">
+              <a14:hiddenFill xmlns="" xmlns:a14="http://schemas.microsoft.com/office/drawing/2010/main">
                 <a:noFill/>
               </a14:hiddenFill>
             </a:ext>
@@ -4976,7 +4976,7 @@
           </a:ln>
           <a:extLst>
             <a:ext uri="{909E8E84-426E-40dd-AFC4-6F175D3DCCD1}">
-              <a14:hiddenFill xmlns:a14="http://schemas.microsoft.com/office/drawing/2010/main" xmlns="">
+              <a14:hiddenFill xmlns="" xmlns:a14="http://schemas.microsoft.com/office/drawing/2010/main">
                 <a:noFill/>
               </a14:hiddenFill>
             </a:ext>
@@ -5227,7 +5227,7 @@
           </a:ln>
           <a:extLst>
             <a:ext uri="{909E8E84-426E-40dd-AFC4-6F175D3DCCD1}">
-              <a14:hiddenFill xmlns:a14="http://schemas.microsoft.com/office/drawing/2010/main" xmlns="">
+              <a14:hiddenFill xmlns="" xmlns:a14="http://schemas.microsoft.com/office/drawing/2010/main">
                 <a:noFill/>
               </a14:hiddenFill>
             </a:ext>
@@ -5276,14 +5276,14 @@
           </a:ln>
           <a:extLst>
             <a:ext uri="{909E8E84-426E-40dd-AFC4-6F175D3DCCD1}">
-              <a14:hiddenFill xmlns:a14="http://schemas.microsoft.com/office/drawing/2010/main" xmlns="">
+              <a14:hiddenFill xmlns="" xmlns:a14="http://schemas.microsoft.com/office/drawing/2010/main">
                 <a:solidFill>
                   <a:srgbClr val="FFFFFF"/>
                 </a:solidFill>
               </a14:hiddenFill>
             </a:ext>
             <a:ext uri="{91240B29-F687-4f45-9708-019B960494DF}">
-              <a14:hiddenLine xmlns:a14="http://schemas.microsoft.com/office/drawing/2010/main" xmlns="" w="9525">
+              <a14:hiddenLine xmlns="" xmlns:a14="http://schemas.microsoft.com/office/drawing/2010/main" w="9525">
                 <a:solidFill>
                   <a:srgbClr val="000000"/>
                 </a:solidFill>
@@ -5545,7 +5545,7 @@
           </a:ln>
           <a:extLst>
             <a:ext uri="{909E8E84-426E-40dd-AFC4-6F175D3DCCD1}">
-              <a14:hiddenFill xmlns:a14="http://schemas.microsoft.com/office/drawing/2010/main" xmlns="">
+              <a14:hiddenFill xmlns="" xmlns:a14="http://schemas.microsoft.com/office/drawing/2010/main">
                 <a:noFill/>
               </a14:hiddenFill>
             </a:ext>
@@ -5594,14 +5594,14 @@
           </a:ln>
           <a:extLst>
             <a:ext uri="{909E8E84-426E-40dd-AFC4-6F175D3DCCD1}">
-              <a14:hiddenFill xmlns:a14="http://schemas.microsoft.com/office/drawing/2010/main" xmlns="">
+              <a14:hiddenFill xmlns="" xmlns:a14="http://schemas.microsoft.com/office/drawing/2010/main">
                 <a:solidFill>
                   <a:srgbClr val="FFFFFF"/>
                 </a:solidFill>
               </a14:hiddenFill>
             </a:ext>
             <a:ext uri="{91240B29-F687-4f45-9708-019B960494DF}">
-              <a14:hiddenLine xmlns:a14="http://schemas.microsoft.com/office/drawing/2010/main" xmlns="" w="9525">
+              <a14:hiddenLine xmlns="" xmlns:a14="http://schemas.microsoft.com/office/drawing/2010/main" w="9525">
                 <a:solidFill>
                   <a:srgbClr val="000000"/>
                 </a:solidFill>
@@ -6071,7 +6071,7 @@
           </a:ln>
           <a:extLst>
             <a:ext uri="{909E8E84-426E-40dd-AFC4-6F175D3DCCD1}">
-              <a14:hiddenFill xmlns:a14="http://schemas.microsoft.com/office/drawing/2010/main" xmlns="">
+              <a14:hiddenFill xmlns="" xmlns:a14="http://schemas.microsoft.com/office/drawing/2010/main">
                 <a:noFill/>
               </a14:hiddenFill>
             </a:ext>
@@ -6101,7 +6101,7 @@
           <a:lstStyle/>
           <a:p>
             <a:r>
-              <a:rPr lang="zh-CHS" altLang="en-US" smtClean="0"/>
+              <a:rPr lang="zh-Hans" altLang="en-US" smtClean="0"/>
               <a:t>单击此处编辑母版标题样式</a:t>
             </a:r>
             <a:endParaRPr lang="en-US"/>
@@ -6143,35 +6143,35 @@
           <a:p>
             <a:pPr lvl="0"/>
             <a:r>
-              <a:rPr lang="zh-CHS" altLang="en-US" smtClean="0"/>
+              <a:rPr lang="zh-Hans" altLang="en-US" smtClean="0"/>
               <a:t>单击此处编辑母版文本样式</a:t>
             </a:r>
           </a:p>
           <a:p>
             <a:pPr lvl="1"/>
             <a:r>
-              <a:rPr lang="zh-CHS" altLang="en-US" smtClean="0"/>
+              <a:rPr lang="zh-Hans" altLang="en-US" smtClean="0"/>
               <a:t>第二级</a:t>
             </a:r>
           </a:p>
           <a:p>
             <a:pPr lvl="2"/>
             <a:r>
-              <a:rPr lang="zh-CHS" altLang="en-US" smtClean="0"/>
+              <a:rPr lang="zh-Hans" altLang="en-US" smtClean="0"/>
               <a:t>第三级</a:t>
             </a:r>
           </a:p>
           <a:p>
             <a:pPr lvl="3"/>
             <a:r>
-              <a:rPr lang="zh-CHS" altLang="en-US" smtClean="0"/>
+              <a:rPr lang="zh-Hans" altLang="en-US" smtClean="0"/>
               <a:t>第四级</a:t>
             </a:r>
           </a:p>
           <a:p>
             <a:pPr lvl="4"/>
             <a:r>
-              <a:rPr lang="zh-CHS" altLang="en-US" smtClean="0"/>
+              <a:rPr lang="zh-Hans" altLang="en-US" smtClean="0"/>
               <a:t>第五级</a:t>
             </a:r>
             <a:endParaRPr lang="en-US" dirty="0"/>
@@ -6450,7 +6450,7 @@
           </a:ln>
           <a:extLst>
             <a:ext uri="{909E8E84-426E-40dd-AFC4-6F175D3DCCD1}">
-              <a14:hiddenFill xmlns:a14="http://schemas.microsoft.com/office/drawing/2010/main" xmlns="">
+              <a14:hiddenFill xmlns="" xmlns:a14="http://schemas.microsoft.com/office/drawing/2010/main">
                 <a:noFill/>
               </a14:hiddenFill>
             </a:ext>
@@ -6491,7 +6491,7 @@
           </a:ln>
           <a:extLst>
             <a:ext uri="{909E8E84-426E-40dd-AFC4-6F175D3DCCD1}">
-              <a14:hiddenFill xmlns:a14="http://schemas.microsoft.com/office/drawing/2010/main" xmlns="">
+              <a14:hiddenFill xmlns="" xmlns:a14="http://schemas.microsoft.com/office/drawing/2010/main">
                 <a:noFill/>
               </a14:hiddenFill>
             </a:ext>
@@ -6702,7 +6702,7 @@
           </a:ln>
           <a:extLst>
             <a:ext uri="{909E8E84-426E-40dd-AFC4-6F175D3DCCD1}">
-              <a14:hiddenFill xmlns:a14="http://schemas.microsoft.com/office/drawing/2010/main" xmlns="">
+              <a14:hiddenFill xmlns="" xmlns:a14="http://schemas.microsoft.com/office/drawing/2010/main">
                 <a:noFill/>
               </a14:hiddenFill>
             </a:ext>
@@ -6751,14 +6751,14 @@
           </a:ln>
           <a:extLst>
             <a:ext uri="{909E8E84-426E-40dd-AFC4-6F175D3DCCD1}">
-              <a14:hiddenFill xmlns:a14="http://schemas.microsoft.com/office/drawing/2010/main" xmlns="">
+              <a14:hiddenFill xmlns="" xmlns:a14="http://schemas.microsoft.com/office/drawing/2010/main">
                 <a:solidFill>
                   <a:srgbClr val="FFFFFF"/>
                 </a:solidFill>
               </a14:hiddenFill>
             </a:ext>
             <a:ext uri="{91240B29-F687-4f45-9708-019B960494DF}">
-              <a14:hiddenLine xmlns:a14="http://schemas.microsoft.com/office/drawing/2010/main" xmlns="" w="9525">
+              <a14:hiddenLine xmlns="" xmlns:a14="http://schemas.microsoft.com/office/drawing/2010/main" w="9525">
                 <a:solidFill>
                   <a:srgbClr val="000000"/>
                 </a:solidFill>
@@ -6989,7 +6989,7 @@
           </a:ln>
           <a:extLst>
             <a:ext uri="{909E8E84-426E-40dd-AFC4-6F175D3DCCD1}">
-              <a14:hiddenFill xmlns:a14="http://schemas.microsoft.com/office/drawing/2010/main" xmlns="">
+              <a14:hiddenFill xmlns="" xmlns:a14="http://schemas.microsoft.com/office/drawing/2010/main">
                 <a:noFill/>
               </a14:hiddenFill>
             </a:ext>
@@ -7019,7 +7019,7 @@
           <a:lstStyle/>
           <a:p>
             <a:r>
-              <a:rPr lang="zh-CHS" altLang="en-US" smtClean="0"/>
+              <a:rPr lang="zh-Hans" altLang="en-US" smtClean="0"/>
               <a:t>单击此处编辑母版标题样式</a:t>
             </a:r>
             <a:endParaRPr lang="en-US"/>
@@ -7114,35 +7114,35 @@
           <a:p>
             <a:pPr lvl="0"/>
             <a:r>
-              <a:rPr lang="zh-CHS" altLang="en-US" smtClean="0"/>
+              <a:rPr lang="zh-Hans" altLang="en-US" smtClean="0"/>
               <a:t>单击此处编辑母版文本样式</a:t>
             </a:r>
           </a:p>
           <a:p>
             <a:pPr lvl="1"/>
             <a:r>
-              <a:rPr lang="zh-CHS" altLang="en-US" smtClean="0"/>
+              <a:rPr lang="zh-Hans" altLang="en-US" smtClean="0"/>
               <a:t>第二级</a:t>
             </a:r>
           </a:p>
           <a:p>
             <a:pPr lvl="2"/>
             <a:r>
-              <a:rPr lang="zh-CHS" altLang="en-US" smtClean="0"/>
+              <a:rPr lang="zh-Hans" altLang="en-US" smtClean="0"/>
               <a:t>第三级</a:t>
             </a:r>
           </a:p>
           <a:p>
             <a:pPr lvl="3"/>
             <a:r>
-              <a:rPr lang="zh-CHS" altLang="en-US" smtClean="0"/>
+              <a:rPr lang="zh-Hans" altLang="en-US" smtClean="0"/>
               <a:t>第四级</a:t>
             </a:r>
           </a:p>
           <a:p>
             <a:pPr lvl="4"/>
             <a:r>
-              <a:rPr lang="zh-CHS" altLang="en-US" smtClean="0"/>
+              <a:rPr lang="zh-Hans" altLang="en-US" smtClean="0"/>
               <a:t>第五级</a:t>
             </a:r>
             <a:endParaRPr lang="en-US" dirty="0"/>
@@ -7240,7 +7240,7 @@
           </a:ln>
           <a:extLst>
             <a:ext uri="{909E8E84-426E-40dd-AFC4-6F175D3DCCD1}">
-              <a14:hiddenFill xmlns:a14="http://schemas.microsoft.com/office/drawing/2010/main" xmlns="">
+              <a14:hiddenFill xmlns="" xmlns:a14="http://schemas.microsoft.com/office/drawing/2010/main">
                 <a:noFill/>
               </a14:hiddenFill>
             </a:ext>
@@ -7289,14 +7289,14 @@
           </a:ln>
           <a:extLst>
             <a:ext uri="{909E8E84-426E-40dd-AFC4-6F175D3DCCD1}">
-              <a14:hiddenFill xmlns:a14="http://schemas.microsoft.com/office/drawing/2010/main" xmlns="">
+              <a14:hiddenFill xmlns="" xmlns:a14="http://schemas.microsoft.com/office/drawing/2010/main">
                 <a:solidFill>
                   <a:srgbClr val="FFFFFF"/>
                 </a:solidFill>
               </a14:hiddenFill>
             </a:ext>
             <a:ext uri="{91240B29-F687-4f45-9708-019B960494DF}">
-              <a14:hiddenLine xmlns:a14="http://schemas.microsoft.com/office/drawing/2010/main" xmlns="" w="9525">
+              <a14:hiddenLine xmlns="" xmlns:a14="http://schemas.microsoft.com/office/drawing/2010/main" w="9525">
                 <a:solidFill>
                   <a:srgbClr val="000000"/>
                 </a:solidFill>
@@ -7347,7 +7347,7 @@
           </a:lstStyle>
           <a:p>
             <a:r>
-              <a:rPr lang="zh-CHS" altLang="en-US" noProof="0" smtClean="0">
+              <a:rPr lang="zh-Hans" altLang="en-US" noProof="0" smtClean="0">
                 <a:sym typeface="Open Sans Extrabold" charset="0"/>
               </a:rPr>
               <a:t>单击此处编辑母版标题样式</a:t>
@@ -7424,35 +7424,35 @@
           <a:p>
             <a:pPr lvl="0"/>
             <a:r>
-              <a:rPr lang="zh-CHS" altLang="en-US" smtClean="0"/>
+              <a:rPr lang="zh-Hans" altLang="en-US" smtClean="0"/>
               <a:t>单击此处编辑母版文本样式</a:t>
             </a:r>
           </a:p>
           <a:p>
             <a:pPr lvl="1"/>
             <a:r>
-              <a:rPr lang="zh-CHS" altLang="en-US" smtClean="0"/>
+              <a:rPr lang="zh-Hans" altLang="en-US" smtClean="0"/>
               <a:t>第二级</a:t>
             </a:r>
           </a:p>
           <a:p>
             <a:pPr lvl="2"/>
             <a:r>
-              <a:rPr lang="zh-CHS" altLang="en-US" smtClean="0"/>
+              <a:rPr lang="zh-Hans" altLang="en-US" smtClean="0"/>
               <a:t>第三级</a:t>
             </a:r>
           </a:p>
           <a:p>
             <a:pPr lvl="3"/>
             <a:r>
-              <a:rPr lang="zh-CHS" altLang="en-US" smtClean="0"/>
+              <a:rPr lang="zh-Hans" altLang="en-US" smtClean="0"/>
               <a:t>第四级</a:t>
             </a:r>
           </a:p>
           <a:p>
             <a:pPr lvl="4"/>
             <a:r>
-              <a:rPr lang="zh-CHS" altLang="en-US" smtClean="0"/>
+              <a:rPr lang="zh-Hans" altLang="en-US" smtClean="0"/>
               <a:t>第五级</a:t>
             </a:r>
             <a:endParaRPr lang="en-US" dirty="0"/>
@@ -7558,7 +7558,7 @@
           </a:ln>
           <a:extLst>
             <a:ext uri="{909E8E84-426E-40dd-AFC4-6F175D3DCCD1}">
-              <a14:hiddenFill xmlns:a14="http://schemas.microsoft.com/office/drawing/2010/main" xmlns="">
+              <a14:hiddenFill xmlns="" xmlns:a14="http://schemas.microsoft.com/office/drawing/2010/main">
                 <a:noFill/>
               </a14:hiddenFill>
             </a:ext>
@@ -7607,14 +7607,14 @@
           </a:ln>
           <a:extLst>
             <a:ext uri="{909E8E84-426E-40dd-AFC4-6F175D3DCCD1}">
-              <a14:hiddenFill xmlns:a14="http://schemas.microsoft.com/office/drawing/2010/main" xmlns="">
+              <a14:hiddenFill xmlns="" xmlns:a14="http://schemas.microsoft.com/office/drawing/2010/main">
                 <a:solidFill>
                   <a:srgbClr val="FFFFFF"/>
                 </a:solidFill>
               </a14:hiddenFill>
             </a:ext>
             <a:ext uri="{91240B29-F687-4f45-9708-019B960494DF}">
-              <a14:hiddenLine xmlns:a14="http://schemas.microsoft.com/office/drawing/2010/main" xmlns="" w="9525">
+              <a14:hiddenLine xmlns="" xmlns:a14="http://schemas.microsoft.com/office/drawing/2010/main" w="9525">
                 <a:solidFill>
                   <a:srgbClr val="000000"/>
                 </a:solidFill>
@@ -7669,7 +7669,7 @@
           </a:lstStyle>
           <a:p>
             <a:r>
-              <a:rPr lang="zh-CHS" altLang="en-US" noProof="0" smtClean="0">
+              <a:rPr lang="zh-Hans" altLang="en-US" noProof="0" smtClean="0">
                 <a:sym typeface="Open Sans Extrabold" charset="0"/>
               </a:rPr>
               <a:t>单击此处编辑母版标题样式</a:t>
@@ -7761,35 +7761,35 @@
           <a:p>
             <a:pPr lvl="0"/>
             <a:r>
-              <a:rPr lang="zh-CHS" altLang="en-US" smtClean="0"/>
+              <a:rPr lang="zh-Hans" altLang="en-US" smtClean="0"/>
               <a:t>单击此处编辑母版文本样式</a:t>
             </a:r>
           </a:p>
           <a:p>
             <a:pPr lvl="1"/>
             <a:r>
-              <a:rPr lang="zh-CHS" altLang="en-US" smtClean="0"/>
+              <a:rPr lang="zh-Hans" altLang="en-US" smtClean="0"/>
               <a:t>第二级</a:t>
             </a:r>
           </a:p>
           <a:p>
             <a:pPr lvl="2"/>
             <a:r>
-              <a:rPr lang="zh-CHS" altLang="en-US" smtClean="0"/>
+              <a:rPr lang="zh-Hans" altLang="en-US" smtClean="0"/>
               <a:t>第三级</a:t>
             </a:r>
           </a:p>
           <a:p>
             <a:pPr lvl="3"/>
             <a:r>
-              <a:rPr lang="zh-CHS" altLang="en-US" smtClean="0"/>
+              <a:rPr lang="zh-Hans" altLang="en-US" smtClean="0"/>
               <a:t>第四级</a:t>
             </a:r>
           </a:p>
           <a:p>
             <a:pPr lvl="4"/>
             <a:r>
-              <a:rPr lang="zh-CHS" altLang="en-US" smtClean="0"/>
+              <a:rPr lang="zh-Hans" altLang="en-US" smtClean="0"/>
               <a:t>第五级</a:t>
             </a:r>
             <a:endParaRPr lang="en-US" dirty="0"/>
@@ -7881,7 +7881,7 @@
           <a:lstStyle/>
           <a:p>
             <a:r>
-              <a:rPr lang="zh-CHS" altLang="en-US" smtClean="0"/>
+              <a:rPr lang="zh-Hans" altLang="en-US" smtClean="0"/>
               <a:t>单击此处编辑母版标题样式</a:t>
             </a:r>
             <a:endParaRPr lang="en-US" dirty="0"/>
@@ -7941,35 +7941,35 @@
           <a:p>
             <a:pPr lvl="0"/>
             <a:r>
-              <a:rPr lang="zh-CHS" altLang="en-US" smtClean="0"/>
+              <a:rPr lang="zh-Hans" altLang="en-US" smtClean="0"/>
               <a:t>单击此处编辑母版文本样式</a:t>
             </a:r>
           </a:p>
           <a:p>
             <a:pPr lvl="1"/>
             <a:r>
-              <a:rPr lang="zh-CHS" altLang="en-US" smtClean="0"/>
+              <a:rPr lang="zh-Hans" altLang="en-US" smtClean="0"/>
               <a:t>第二级</a:t>
             </a:r>
           </a:p>
           <a:p>
             <a:pPr lvl="2"/>
             <a:r>
-              <a:rPr lang="zh-CHS" altLang="en-US" smtClean="0"/>
+              <a:rPr lang="zh-Hans" altLang="en-US" smtClean="0"/>
               <a:t>第三级</a:t>
             </a:r>
           </a:p>
           <a:p>
             <a:pPr lvl="3"/>
             <a:r>
-              <a:rPr lang="zh-CHS" altLang="en-US" smtClean="0"/>
+              <a:rPr lang="zh-Hans" altLang="en-US" smtClean="0"/>
               <a:t>第四级</a:t>
             </a:r>
           </a:p>
           <a:p>
             <a:pPr lvl="4"/>
             <a:r>
-              <a:rPr lang="zh-CHS" altLang="en-US" smtClean="0"/>
+              <a:rPr lang="zh-Hans" altLang="en-US" smtClean="0"/>
               <a:t>第五级</a:t>
             </a:r>
             <a:endParaRPr lang="en-US" dirty="0"/>
@@ -8122,35 +8122,35 @@
           <a:p>
             <a:pPr lvl="0"/>
             <a:r>
-              <a:rPr lang="zh-CHS" altLang="en-US" smtClean="0"/>
+              <a:rPr lang="zh-Hans" altLang="en-US" smtClean="0"/>
               <a:t>单击此处编辑母版文本样式</a:t>
             </a:r>
           </a:p>
           <a:p>
             <a:pPr lvl="1"/>
             <a:r>
-              <a:rPr lang="zh-CHS" altLang="en-US" smtClean="0"/>
+              <a:rPr lang="zh-Hans" altLang="en-US" smtClean="0"/>
               <a:t>第二级</a:t>
             </a:r>
           </a:p>
           <a:p>
             <a:pPr lvl="2"/>
             <a:r>
-              <a:rPr lang="zh-CHS" altLang="en-US" smtClean="0"/>
+              <a:rPr lang="zh-Hans" altLang="en-US" smtClean="0"/>
               <a:t>第三级</a:t>
             </a:r>
           </a:p>
           <a:p>
             <a:pPr lvl="3"/>
             <a:r>
-              <a:rPr lang="zh-CHS" altLang="en-US" smtClean="0"/>
+              <a:rPr lang="zh-Hans" altLang="en-US" smtClean="0"/>
               <a:t>第四级</a:t>
             </a:r>
           </a:p>
           <a:p>
             <a:pPr lvl="4"/>
             <a:r>
-              <a:rPr lang="zh-CHS" altLang="en-US" smtClean="0"/>
+              <a:rPr lang="zh-Hans" altLang="en-US" smtClean="0"/>
               <a:t>第五级</a:t>
             </a:r>
             <a:endParaRPr lang="en-US" dirty="0"/>
@@ -8250,7 +8250,7 @@
           </a:ln>
           <a:extLst>
             <a:ext uri="{909E8E84-426E-40dd-AFC4-6F175D3DCCD1}">
-              <a14:hiddenFill xmlns:a14="http://schemas.microsoft.com/office/drawing/2010/main" xmlns="">
+              <a14:hiddenFill xmlns="" xmlns:a14="http://schemas.microsoft.com/office/drawing/2010/main">
                 <a:noFill/>
               </a14:hiddenFill>
             </a:ext>
@@ -8291,7 +8291,7 @@
           </a:ln>
           <a:extLst>
             <a:ext uri="{909E8E84-426E-40dd-AFC4-6F175D3DCCD1}">
-              <a14:hiddenFill xmlns:a14="http://schemas.microsoft.com/office/drawing/2010/main" xmlns="">
+              <a14:hiddenFill xmlns="" xmlns:a14="http://schemas.microsoft.com/office/drawing/2010/main">
                 <a:noFill/>
               </a14:hiddenFill>
             </a:ext>
@@ -8330,7 +8330,7 @@
           </a:lstStyle>
           <a:p>
             <a:r>
-              <a:rPr lang="zh-CHS" altLang="en-US" smtClean="0"/>
+              <a:rPr lang="zh-Hans" altLang="en-US" smtClean="0"/>
               <a:t>单击此处编辑母版标题样式</a:t>
             </a:r>
             <a:endParaRPr lang="en-US" dirty="0"/>
@@ -8434,17 +8434,17 @@
           <a:effectLst/>
           <a:extLst>
             <a:ext uri="{FAA26D3D-D897-4be2-8F04-BA451C77F1D7}">
-              <ma14:placeholderFlag xmlns:ma14="http://schemas.microsoft.com/office/mac/drawingml/2011/main" val="1"/>
+              <ma14:placeholderFlag xmlns:ma14="http://schemas.microsoft.com/office/mac/drawingml/2011/main" xmlns="" val="1"/>
             </a:ext>
             <a:ext uri="{909E8E84-426E-40dd-AFC4-6F175D3DCCD1}">
-              <a14:hiddenFill xmlns:a14="http://schemas.microsoft.com/office/drawing/2010/main" xmlns="">
+              <a14:hiddenFill xmlns="" xmlns:a14="http://schemas.microsoft.com/office/drawing/2010/main">
                 <a:solidFill>
                   <a:srgbClr val="FFFFFF"/>
                 </a:solidFill>
               </a14:hiddenFill>
             </a:ext>
             <a:ext uri="{91240B29-F687-4f45-9708-019B960494DF}">
-              <a14:hiddenLine xmlns:a14="http://schemas.microsoft.com/office/drawing/2010/main" xmlns="" w="12700">
+              <a14:hiddenLine xmlns="" xmlns:a14="http://schemas.microsoft.com/office/drawing/2010/main" w="12700">
                 <a:solidFill>
                   <a:schemeClr val="tx1"/>
                 </a:solidFill>
@@ -8454,7 +8454,7 @@
               </a14:hiddenLine>
             </a:ext>
             <a:ext uri="{AF507438-7753-43e0-B8FC-AC1667EBCBE1}">
-              <a14:hiddenEffects xmlns:a14="http://schemas.microsoft.com/office/drawing/2010/main" xmlns="">
+              <a14:hiddenEffects xmlns="" xmlns:a14="http://schemas.microsoft.com/office/drawing/2010/main">
                 <a:effectLst>
                   <a:outerShdw blurRad="63500" dist="38099" dir="2700000" algn="ctr" rotWithShape="0">
                     <a:srgbClr val="000000">
@@ -8476,7 +8476,7 @@
           <a:p>
             <a:pPr lvl="0"/>
             <a:r>
-              <a:rPr lang="zh-CHS" altLang="en-US" smtClean="0">
+              <a:rPr lang="zh-Hans" altLang="en-US" smtClean="0">
                 <a:sym typeface="Open Sans Extrabold" charset="0"/>
               </a:rPr>
               <a:t>单击此处编辑母版标题样式</a:t>
@@ -8512,17 +8512,17 @@
           <a:effectLst/>
           <a:extLst>
             <a:ext uri="{FAA26D3D-D897-4be2-8F04-BA451C77F1D7}">
-              <ma14:placeholderFlag xmlns:ma14="http://schemas.microsoft.com/office/mac/drawingml/2011/main" val="1"/>
+              <ma14:placeholderFlag xmlns:ma14="http://schemas.microsoft.com/office/mac/drawingml/2011/main" xmlns="" val="1"/>
             </a:ext>
             <a:ext uri="{909E8E84-426E-40dd-AFC4-6F175D3DCCD1}">
-              <a14:hiddenFill xmlns:a14="http://schemas.microsoft.com/office/drawing/2010/main" xmlns="">
+              <a14:hiddenFill xmlns="" xmlns:a14="http://schemas.microsoft.com/office/drawing/2010/main">
                 <a:solidFill>
                   <a:srgbClr val="FFFFFF"/>
                 </a:solidFill>
               </a14:hiddenFill>
             </a:ext>
             <a:ext uri="{91240B29-F687-4f45-9708-019B960494DF}">
-              <a14:hiddenLine xmlns:a14="http://schemas.microsoft.com/office/drawing/2010/main" xmlns="" w="12700">
+              <a14:hiddenLine xmlns="" xmlns:a14="http://schemas.microsoft.com/office/drawing/2010/main" w="12700">
                 <a:solidFill>
                   <a:schemeClr val="tx1"/>
                 </a:solidFill>
@@ -8532,7 +8532,7 @@
               </a14:hiddenLine>
             </a:ext>
             <a:ext uri="{AF507438-7753-43e0-B8FC-AC1667EBCBE1}">
-              <a14:hiddenEffects xmlns:a14="http://schemas.microsoft.com/office/drawing/2010/main" xmlns="">
+              <a14:hiddenEffects xmlns="" xmlns:a14="http://schemas.microsoft.com/office/drawing/2010/main">
                 <a:effectLst>
                   <a:outerShdw blurRad="63500" dist="38099" dir="2700000" algn="ctr" rotWithShape="0">
                     <a:srgbClr val="000000">
@@ -8554,7 +8554,7 @@
           <a:p>
             <a:pPr lvl="0"/>
             <a:r>
-              <a:rPr lang="zh-CHS" altLang="en-US" smtClean="0">
+              <a:rPr lang="zh-Hans" altLang="en-US" smtClean="0">
                 <a:sym typeface="Open Sans Light" charset="0"/>
               </a:rPr>
               <a:t>单击此处编辑母版文本样式</a:t>
@@ -8563,7 +8563,7 @@
           <a:p>
             <a:pPr lvl="1"/>
             <a:r>
-              <a:rPr lang="zh-CHS" altLang="en-US" smtClean="0">
+              <a:rPr lang="zh-Hans" altLang="en-US" smtClean="0">
                 <a:sym typeface="Open Sans Light" charset="0"/>
               </a:rPr>
               <a:t>第二级</a:t>
@@ -8572,7 +8572,7 @@
           <a:p>
             <a:pPr lvl="2"/>
             <a:r>
-              <a:rPr lang="zh-CHS" altLang="en-US" smtClean="0">
+              <a:rPr lang="zh-Hans" altLang="en-US" smtClean="0">
                 <a:sym typeface="Open Sans Light" charset="0"/>
               </a:rPr>
               <a:t>第三级</a:t>
@@ -8581,7 +8581,7 @@
           <a:p>
             <a:pPr lvl="3"/>
             <a:r>
-              <a:rPr lang="zh-CHS" altLang="en-US" smtClean="0">
+              <a:rPr lang="zh-Hans" altLang="en-US" smtClean="0">
                 <a:sym typeface="Open Sans Light" charset="0"/>
               </a:rPr>
               <a:t>第四级</a:t>
@@ -8590,7 +8590,7 @@
           <a:p>
             <a:pPr lvl="4"/>
             <a:r>
-              <a:rPr lang="zh-CHS" altLang="en-US" smtClean="0">
+              <a:rPr lang="zh-Hans" altLang="en-US" smtClean="0">
                 <a:sym typeface="Open Sans Light" charset="0"/>
               </a:rPr>
               <a:t>第五级</a:t>
@@ -8626,14 +8626,14 @@
           <a:effectLst/>
           <a:extLst>
             <a:ext uri="{909E8E84-426E-40dd-AFC4-6F175D3DCCD1}">
-              <a14:hiddenFill xmlns:a14="http://schemas.microsoft.com/office/drawing/2010/main" xmlns="">
+              <a14:hiddenFill xmlns="" xmlns:a14="http://schemas.microsoft.com/office/drawing/2010/main">
                 <a:solidFill>
                   <a:srgbClr val="FFFFFF"/>
                 </a:solidFill>
               </a14:hiddenFill>
             </a:ext>
             <a:ext uri="{91240B29-F687-4f45-9708-019B960494DF}">
-              <a14:hiddenLine xmlns:a14="http://schemas.microsoft.com/office/drawing/2010/main" xmlns="" w="12700">
+              <a14:hiddenLine xmlns="" xmlns:a14="http://schemas.microsoft.com/office/drawing/2010/main" w="12700">
                 <a:solidFill>
                   <a:schemeClr val="tx1"/>
                 </a:solidFill>
@@ -8643,7 +8643,7 @@
               </a14:hiddenLine>
             </a:ext>
             <a:ext uri="{AF507438-7753-43e0-B8FC-AC1667EBCBE1}">
-              <a14:hiddenEffects xmlns:a14="http://schemas.microsoft.com/office/drawing/2010/main" xmlns="">
+              <a14:hiddenEffects xmlns="" xmlns:a14="http://schemas.microsoft.com/office/drawing/2010/main">
                 <a:effectLst>
                   <a:outerShdw blurRad="63500" dist="38099" dir="2700000" algn="ctr" rotWithShape="0">
                     <a:srgbClr val="000000">
@@ -9329,17 +9329,17 @@
           <a:effectLst/>
           <a:extLst>
             <a:ext uri="{FAA26D3D-D897-4be2-8F04-BA451C77F1D7}">
-              <ma14:placeholderFlag xmlns:ma14="http://schemas.microsoft.com/office/mac/drawingml/2011/main" val="1"/>
+              <ma14:placeholderFlag xmlns:ma14="http://schemas.microsoft.com/office/mac/drawingml/2011/main" xmlns="" val="1"/>
             </a:ext>
             <a:ext uri="{909E8E84-426E-40dd-AFC4-6F175D3DCCD1}">
-              <a14:hiddenFill xmlns:a14="http://schemas.microsoft.com/office/drawing/2010/main" xmlns="">
+              <a14:hiddenFill xmlns="" xmlns:a14="http://schemas.microsoft.com/office/drawing/2010/main">
                 <a:solidFill>
                   <a:srgbClr val="FFFFFF"/>
                 </a:solidFill>
               </a14:hiddenFill>
             </a:ext>
             <a:ext uri="{91240B29-F687-4f45-9708-019B960494DF}">
-              <a14:hiddenLine xmlns:a14="http://schemas.microsoft.com/office/drawing/2010/main" xmlns="" w="12700">
+              <a14:hiddenLine xmlns="" xmlns:a14="http://schemas.microsoft.com/office/drawing/2010/main" w="12700">
                 <a:solidFill>
                   <a:schemeClr val="tx1"/>
                 </a:solidFill>
@@ -9349,7 +9349,7 @@
               </a14:hiddenLine>
             </a:ext>
             <a:ext uri="{AF507438-7753-43e0-B8FC-AC1667EBCBE1}">
-              <a14:hiddenEffects xmlns:a14="http://schemas.microsoft.com/office/drawing/2010/main" xmlns="">
+              <a14:hiddenEffects xmlns="" xmlns:a14="http://schemas.microsoft.com/office/drawing/2010/main">
                 <a:effectLst>
                   <a:outerShdw blurRad="63500" dist="38099" dir="2700000" algn="ctr" rotWithShape="0">
                     <a:srgbClr val="000000">
@@ -9404,17 +9404,17 @@
           <a:effectLst/>
           <a:extLst>
             <a:ext uri="{FAA26D3D-D897-4be2-8F04-BA451C77F1D7}">
-              <ma14:placeholderFlag xmlns:ma14="http://schemas.microsoft.com/office/mac/drawingml/2011/main" val="1"/>
+              <ma14:placeholderFlag xmlns:ma14="http://schemas.microsoft.com/office/mac/drawingml/2011/main" xmlns="" val="1"/>
             </a:ext>
             <a:ext uri="{909E8E84-426E-40dd-AFC4-6F175D3DCCD1}">
-              <a14:hiddenFill xmlns:a14="http://schemas.microsoft.com/office/drawing/2010/main" xmlns="">
+              <a14:hiddenFill xmlns="" xmlns:a14="http://schemas.microsoft.com/office/drawing/2010/main">
                 <a:solidFill>
                   <a:srgbClr val="FFFFFF"/>
                 </a:solidFill>
               </a14:hiddenFill>
             </a:ext>
             <a:ext uri="{91240B29-F687-4f45-9708-019B960494DF}">
-              <a14:hiddenLine xmlns:a14="http://schemas.microsoft.com/office/drawing/2010/main" xmlns="" w="12700">
+              <a14:hiddenLine xmlns="" xmlns:a14="http://schemas.microsoft.com/office/drawing/2010/main" w="12700">
                 <a:solidFill>
                   <a:schemeClr val="tx1"/>
                 </a:solidFill>
@@ -9424,7 +9424,7 @@
               </a14:hiddenLine>
             </a:ext>
             <a:ext uri="{AF507438-7753-43e0-B8FC-AC1667EBCBE1}">
-              <a14:hiddenEffects xmlns:a14="http://schemas.microsoft.com/office/drawing/2010/main" xmlns="">
+              <a14:hiddenEffects xmlns="" xmlns:a14="http://schemas.microsoft.com/office/drawing/2010/main">
                 <a:effectLst>
                   <a:outerShdw blurRad="63500" dist="38099" dir="2700000" algn="ctr" rotWithShape="0">
                     <a:srgbClr val="000000">
@@ -9515,14 +9515,14 @@
           <a:effectLst/>
           <a:extLst>
             <a:ext uri="{909E8E84-426E-40dd-AFC4-6F175D3DCCD1}">
-              <a14:hiddenFill xmlns:a14="http://schemas.microsoft.com/office/drawing/2010/main" xmlns="">
+              <a14:hiddenFill xmlns="" xmlns:a14="http://schemas.microsoft.com/office/drawing/2010/main">
                 <a:solidFill>
                   <a:srgbClr val="FFFFFF"/>
                 </a:solidFill>
               </a14:hiddenFill>
             </a:ext>
             <a:ext uri="{91240B29-F687-4f45-9708-019B960494DF}">
-              <a14:hiddenLine xmlns:a14="http://schemas.microsoft.com/office/drawing/2010/main" xmlns="" w="12700">
+              <a14:hiddenLine xmlns="" xmlns:a14="http://schemas.microsoft.com/office/drawing/2010/main" w="12700">
                 <a:solidFill>
                   <a:schemeClr val="tx1"/>
                 </a:solidFill>
@@ -9532,7 +9532,7 @@
               </a14:hiddenLine>
             </a:ext>
             <a:ext uri="{AF507438-7753-43e0-B8FC-AC1667EBCBE1}">
-              <a14:hiddenEffects xmlns:a14="http://schemas.microsoft.com/office/drawing/2010/main" xmlns="">
+              <a14:hiddenEffects xmlns="" xmlns:a14="http://schemas.microsoft.com/office/drawing/2010/main">
                 <a:effectLst>
                   <a:outerShdw blurRad="63500" dist="38099" dir="2700000" algn="ctr" rotWithShape="0">
                     <a:srgbClr val="000000">
@@ -10227,17 +10227,17 @@
           <a:effectLst/>
           <a:extLst>
             <a:ext uri="{FAA26D3D-D897-4be2-8F04-BA451C77F1D7}">
-              <ma14:placeholderFlag xmlns:ma14="http://schemas.microsoft.com/office/mac/drawingml/2011/main" val="1"/>
+              <ma14:placeholderFlag xmlns:ma14="http://schemas.microsoft.com/office/mac/drawingml/2011/main" xmlns="" val="1"/>
             </a:ext>
             <a:ext uri="{909E8E84-426E-40dd-AFC4-6F175D3DCCD1}">
-              <a14:hiddenFill xmlns:a14="http://schemas.microsoft.com/office/drawing/2010/main" xmlns="">
+              <a14:hiddenFill xmlns="" xmlns:a14="http://schemas.microsoft.com/office/drawing/2010/main">
                 <a:solidFill>
                   <a:srgbClr val="FFFFFF"/>
                 </a:solidFill>
               </a14:hiddenFill>
             </a:ext>
             <a:ext uri="{91240B29-F687-4f45-9708-019B960494DF}">
-              <a14:hiddenLine xmlns:a14="http://schemas.microsoft.com/office/drawing/2010/main" xmlns="" w="12700">
+              <a14:hiddenLine xmlns="" xmlns:a14="http://schemas.microsoft.com/office/drawing/2010/main" w="12700">
                 <a:solidFill>
                   <a:schemeClr val="tx1"/>
                 </a:solidFill>
@@ -10247,7 +10247,7 @@
               </a14:hiddenLine>
             </a:ext>
             <a:ext uri="{AF507438-7753-43e0-B8FC-AC1667EBCBE1}">
-              <a14:hiddenEffects xmlns:a14="http://schemas.microsoft.com/office/drawing/2010/main" xmlns="">
+              <a14:hiddenEffects xmlns="" xmlns:a14="http://schemas.microsoft.com/office/drawing/2010/main">
                 <a:effectLst>
                   <a:outerShdw blurRad="63500" dist="38099" dir="2700000" algn="ctr" rotWithShape="0">
                     <a:srgbClr val="000000">
@@ -10302,17 +10302,17 @@
           <a:effectLst/>
           <a:extLst>
             <a:ext uri="{FAA26D3D-D897-4be2-8F04-BA451C77F1D7}">
-              <ma14:placeholderFlag xmlns:ma14="http://schemas.microsoft.com/office/mac/drawingml/2011/main" val="1"/>
+              <ma14:placeholderFlag xmlns:ma14="http://schemas.microsoft.com/office/mac/drawingml/2011/main" xmlns="" val="1"/>
             </a:ext>
             <a:ext uri="{909E8E84-426E-40dd-AFC4-6F175D3DCCD1}">
-              <a14:hiddenFill xmlns:a14="http://schemas.microsoft.com/office/drawing/2010/main" xmlns="">
+              <a14:hiddenFill xmlns="" xmlns:a14="http://schemas.microsoft.com/office/drawing/2010/main">
                 <a:solidFill>
                   <a:srgbClr val="FFFFFF"/>
                 </a:solidFill>
               </a14:hiddenFill>
             </a:ext>
             <a:ext uri="{91240B29-F687-4f45-9708-019B960494DF}">
-              <a14:hiddenLine xmlns:a14="http://schemas.microsoft.com/office/drawing/2010/main" xmlns="" w="12700">
+              <a14:hiddenLine xmlns="" xmlns:a14="http://schemas.microsoft.com/office/drawing/2010/main" w="12700">
                 <a:solidFill>
                   <a:schemeClr val="tx1"/>
                 </a:solidFill>
@@ -10322,7 +10322,7 @@
               </a14:hiddenLine>
             </a:ext>
             <a:ext uri="{AF507438-7753-43e0-B8FC-AC1667EBCBE1}">
-              <a14:hiddenEffects xmlns:a14="http://schemas.microsoft.com/office/drawing/2010/main" xmlns="">
+              <a14:hiddenEffects xmlns="" xmlns:a14="http://schemas.microsoft.com/office/drawing/2010/main">
                 <a:effectLst>
                   <a:outerShdw blurRad="63500" dist="38099" dir="2700000" algn="ctr" rotWithShape="0">
                     <a:srgbClr val="000000">
@@ -10413,14 +10413,14 @@
           <a:effectLst/>
           <a:extLst>
             <a:ext uri="{909E8E84-426E-40dd-AFC4-6F175D3DCCD1}">
-              <a14:hiddenFill xmlns:a14="http://schemas.microsoft.com/office/drawing/2010/main" xmlns="">
+              <a14:hiddenFill xmlns="" xmlns:a14="http://schemas.microsoft.com/office/drawing/2010/main">
                 <a:solidFill>
                   <a:srgbClr val="FFFFFF"/>
                 </a:solidFill>
               </a14:hiddenFill>
             </a:ext>
             <a:ext uri="{91240B29-F687-4f45-9708-019B960494DF}">
-              <a14:hiddenLine xmlns:a14="http://schemas.microsoft.com/office/drawing/2010/main" xmlns="" w="12700">
+              <a14:hiddenLine xmlns="" xmlns:a14="http://schemas.microsoft.com/office/drawing/2010/main" w="12700">
                 <a:solidFill>
                   <a:schemeClr val="tx1"/>
                 </a:solidFill>
@@ -10430,7 +10430,7 @@
               </a14:hiddenLine>
             </a:ext>
             <a:ext uri="{AF507438-7753-43e0-B8FC-AC1667EBCBE1}">
-              <a14:hiddenEffects xmlns:a14="http://schemas.microsoft.com/office/drawing/2010/main" xmlns="">
+              <a14:hiddenEffects xmlns="" xmlns:a14="http://schemas.microsoft.com/office/drawing/2010/main">
                 <a:effectLst>
                   <a:outerShdw blurRad="63500" dist="38099" dir="2700000" algn="ctr" rotWithShape="0">
                     <a:srgbClr val="000000">
@@ -11111,14 +11111,14 @@
               <a:defRPr/>
             </a:pPr>
             <a:r>
-              <a:rPr lang="en-US" dirty="0" err="1" smtClean="0"/>
-              <a:t>Gtest</a:t>
-            </a:r>
-            <a:r>
-              <a:rPr lang="en-US" dirty="0" smtClean="0"/>
-              <a:t> Introduction</a:t>
-            </a:r>
-            <a:endParaRPr lang="en-US" dirty="0" smtClean="0"/>
+              <a:rPr lang="en-US" cap="none" dirty="0" smtClean="0"/>
+              <a:t>Introduction To </a:t>
+            </a:r>
+            <a:r>
+              <a:rPr lang="en-US" cap="none" dirty="0" err="1" smtClean="0"/>
+              <a:t>GTest</a:t>
+            </a:r>
+            <a:endParaRPr lang="en-US" cap="none" dirty="0" smtClean="0"/>
           </a:p>
         </p:txBody>
       </p:sp>
@@ -11224,10 +11224,10 @@
           <a:p>
             <a:pPr algn="ctr"/>
             <a:r>
-              <a:rPr lang="en-US" altLang="zh-CHS" dirty="0" smtClean="0"/>
+              <a:rPr lang="en-US" altLang="zh-Hans" dirty="0" smtClean="0"/>
               <a:t>TEST Fixture</a:t>
             </a:r>
-            <a:endParaRPr lang="zh-CHS" altLang="en-US" dirty="0"/>
+            <a:endParaRPr lang="zh-Hans" altLang="en-US" dirty="0"/>
           </a:p>
         </p:txBody>
       </p:sp>
@@ -11248,11 +11248,11 @@
           <a:p>
             <a:pPr marL="0" lvl="0"/>
             <a:r>
-              <a:rPr lang="en-US" altLang="zh-CHS" sz="4400" dirty="0" smtClean="0"/>
+              <a:rPr lang="en-US" altLang="zh-Hans" sz="4400" dirty="0" smtClean="0"/>
               <a:t>A test fixture allows you to </a:t>
             </a:r>
             <a:r>
-              <a:rPr lang="en-US" altLang="zh-CHS" sz="4400" dirty="0" smtClean="0">
+              <a:rPr lang="en-US" altLang="zh-Hans" sz="4400" dirty="0" smtClean="0">
                 <a:solidFill>
                   <a:srgbClr val="FF0000"/>
                 </a:solidFill>
@@ -11260,13 +11260,13 @@
               <a:t>reuse</a:t>
             </a:r>
             <a:r>
-              <a:rPr lang="en-US" altLang="zh-CHS" sz="4400" dirty="0" smtClean="0"/>
+              <a:rPr lang="en-US" altLang="zh-Hans" sz="4400" dirty="0" smtClean="0"/>
               <a:t> the same configuration of objects for several different tests</a:t>
             </a:r>
           </a:p>
           <a:p>
             <a:pPr marL="0"/>
-            <a:endParaRPr lang="zh-CHS" altLang="en-US" dirty="0"/>
+            <a:endParaRPr lang="zh-Hans" altLang="en-US" dirty="0"/>
           </a:p>
         </p:txBody>
       </p:sp>
@@ -11381,10 +11381,10 @@
           <a:p>
             <a:pPr algn="ctr"/>
             <a:r>
-              <a:rPr lang="en-US" altLang="zh-CHS" dirty="0" smtClean="0"/>
+              <a:rPr lang="en-US" altLang="zh-Hans" dirty="0" smtClean="0"/>
               <a:t>TEST FIXTURE Internals</a:t>
             </a:r>
-            <a:endParaRPr lang="zh-CHS" altLang="en-US" dirty="0"/>
+            <a:endParaRPr lang="zh-Hans" altLang="en-US" dirty="0"/>
           </a:p>
         </p:txBody>
       </p:sp>
@@ -11416,21 +11416,21 @@
               <a:buChar char="p"/>
             </a:pPr>
             <a:r>
-              <a:rPr lang="en-US" altLang="zh-CHS" sz="2800" dirty="0" smtClean="0">
+              <a:rPr lang="en-US" altLang="zh-Hans" sz="2800" dirty="0" smtClean="0">
                 <a:latin typeface="Open Sans Light"/>
                 <a:cs typeface="Calibri" pitchFamily="34" charset="0"/>
               </a:rPr>
               <a:t>Google Test constructs a </a:t>
             </a:r>
             <a:r>
-              <a:rPr lang="en-US" altLang="zh-CHS" sz="2800" dirty="0" err="1" smtClean="0">
+              <a:rPr lang="en-US" altLang="zh-Hans" sz="2800" dirty="0" err="1" smtClean="0">
                 <a:latin typeface="Open Sans Light"/>
                 <a:cs typeface="Calibri" pitchFamily="34" charset="0"/>
               </a:rPr>
               <a:t>BookSpec</a:t>
             </a:r>
             <a:r>
-              <a:rPr lang="en-US" altLang="zh-CHS" sz="2800" dirty="0" smtClean="0">
+              <a:rPr lang="en-US" altLang="zh-Hans" sz="2800" dirty="0" smtClean="0">
                 <a:latin typeface="Open Sans Light"/>
                 <a:cs typeface="Calibri" pitchFamily="34" charset="0"/>
               </a:rPr>
@@ -11446,7 +11446,7 @@
               <a:buChar char="p"/>
             </a:pPr>
             <a:r>
-              <a:rPr lang="en-US" altLang="zh-CHS" sz="2800" dirty="0" smtClean="0">
+              <a:rPr lang="en-US" altLang="zh-Hans" sz="2800" dirty="0" smtClean="0">
                 <a:latin typeface="Open Sans Light"/>
                 <a:cs typeface="Calibri" pitchFamily="34" charset="0"/>
               </a:rPr>
@@ -11462,28 +11462,28 @@
               <a:buChar char="p"/>
             </a:pPr>
             <a:r>
-              <a:rPr lang="en-US" altLang="zh-CHS" sz="2800" dirty="0" smtClean="0">
+              <a:rPr lang="en-US" altLang="zh-Hans" sz="2800" dirty="0" smtClean="0">
                 <a:latin typeface="Open Sans Light"/>
                 <a:cs typeface="Calibri" pitchFamily="34" charset="0"/>
               </a:rPr>
               <a:t>the test(</a:t>
             </a:r>
             <a:r>
-              <a:rPr lang="en-US" altLang="zh-CHS" sz="2400" dirty="0" err="1" smtClean="0">
+              <a:rPr lang="en-US" altLang="zh-Hans" sz="2400" dirty="0" err="1" smtClean="0">
                 <a:latin typeface="Open Sans Light"/>
                 <a:cs typeface="Calibri" pitchFamily="34" charset="0"/>
               </a:rPr>
               <a:t>ShouldAbleToBeCompared</a:t>
             </a:r>
             <a:r>
-              <a:rPr lang="en-US" altLang="zh-CHS" sz="2400" dirty="0" smtClean="0">
+              <a:rPr lang="en-US" altLang="zh-Hans" sz="2400" dirty="0" smtClean="0">
                 <a:latin typeface="Open Sans Light"/>
                 <a:cs typeface="Calibri" pitchFamily="34" charset="0"/>
               </a:rPr>
               <a:t>) </a:t>
             </a:r>
             <a:r>
-              <a:rPr lang="en-US" altLang="zh-CHS" sz="2800" dirty="0" smtClean="0">
+              <a:rPr lang="en-US" altLang="zh-Hans" sz="2800" dirty="0" smtClean="0">
                 <a:latin typeface="Open Sans Light"/>
                 <a:cs typeface="Calibri" pitchFamily="34" charset="0"/>
               </a:rPr>
@@ -11499,7 +11499,7 @@
               <a:buChar char="p"/>
             </a:pPr>
             <a:r>
-              <a:rPr lang="en-US" altLang="zh-CHS" sz="2800" dirty="0" smtClean="0">
+              <a:rPr lang="en-US" altLang="zh-Hans" sz="2800" dirty="0" smtClean="0">
                 <a:latin typeface="Open Sans Light"/>
                 <a:cs typeface="Calibri" pitchFamily="34" charset="0"/>
               </a:rPr>
@@ -11515,7 +11515,7 @@
               <a:buChar char="p"/>
             </a:pPr>
             <a:r>
-              <a:rPr lang="en-US" altLang="zh-CHS" sz="2800" dirty="0" smtClean="0">
+              <a:rPr lang="en-US" altLang="zh-Hans" sz="2800" dirty="0" smtClean="0">
                 <a:latin typeface="Open Sans Light"/>
                 <a:cs typeface="Calibri" pitchFamily="34" charset="0"/>
               </a:rPr>
@@ -11530,7 +11530,7 @@
               <a:buFont typeface="Wingdings" pitchFamily="2" charset="2"/>
               <a:buChar char="p"/>
             </a:pPr>
-            <a:endParaRPr lang="zh-CHS" altLang="en-US" sz="2800" dirty="0">
+            <a:endParaRPr lang="zh-Hans" altLang="en-US" sz="2800" dirty="0">
               <a:latin typeface="Calibri" pitchFamily="34" charset="0"/>
               <a:cs typeface="Calibri" pitchFamily="34" charset="0"/>
             </a:endParaRPr>
@@ -11653,10 +11653,10 @@
           <a:p>
             <a:pPr algn="ctr"/>
             <a:r>
-              <a:rPr lang="en-US" altLang="zh-CHS" sz="4800" dirty="0" smtClean="0"/>
+              <a:rPr lang="en-US" altLang="zh-Hans" sz="4800" dirty="0" smtClean="0"/>
               <a:t>EXERCISE</a:t>
             </a:r>
-            <a:endParaRPr lang="zh-CHS" altLang="en-US" sz="4800" dirty="0"/>
+            <a:endParaRPr lang="zh-Hans" altLang="en-US" sz="4800" dirty="0"/>
           </a:p>
         </p:txBody>
       </p:sp>
@@ -11688,7 +11688,7 @@
               <a:buFont typeface="Wingdings" charset="2"/>
               <a:buChar char=""/>
             </a:pPr>
-            <a:endParaRPr lang="en-US" altLang="zh-CHS" sz="3600" dirty="0" smtClean="0"/>
+            <a:endParaRPr lang="en-US" altLang="zh-Hans" sz="3600" dirty="0" smtClean="0"/>
           </a:p>
           <a:p>
             <a:pPr marL="520700" indent="-520700">
@@ -11705,15 +11705,15 @@
               <a:buChar char=""/>
             </a:pPr>
             <a:r>
-              <a:rPr lang="en-US" altLang="zh-CHS" sz="3600" dirty="0" smtClean="0"/>
+              <a:rPr lang="en-US" altLang="zh-Hans" sz="3600" dirty="0" smtClean="0"/>
               <a:t>Open </a:t>
             </a:r>
             <a:r>
-              <a:rPr lang="en-US" altLang="zh-CHS" sz="3600" dirty="0" err="1" smtClean="0"/>
+              <a:rPr lang="en-US" altLang="zh-Hans" sz="3600" dirty="0" err="1" smtClean="0"/>
               <a:t>gtest_sample</a:t>
             </a:r>
             <a:r>
-              <a:rPr lang="en-US" altLang="zh-CHS" sz="3600" dirty="0" smtClean="0"/>
+              <a:rPr lang="en-US" altLang="zh-Hans" sz="3600" dirty="0" smtClean="0"/>
               <a:t>, Compile and run</a:t>
             </a:r>
           </a:p>
@@ -11731,7 +11731,7 @@
               <a:buFont typeface="Wingdings" charset="2"/>
               <a:buChar char=""/>
             </a:pPr>
-            <a:endParaRPr lang="en-US" altLang="zh-CHS" sz="3600" dirty="0" smtClean="0"/>
+            <a:endParaRPr lang="en-US" altLang="zh-Hans" sz="3600" dirty="0" smtClean="0"/>
           </a:p>
           <a:p>
             <a:pPr marL="520700" indent="-520700">
@@ -11748,11 +11748,11 @@
               <a:buChar char=""/>
             </a:pPr>
             <a:r>
-              <a:rPr lang="en-US" altLang="zh-CHS" sz="3600" dirty="0" err="1" smtClean="0"/>
+              <a:rPr lang="en-US" altLang="zh-Hans" sz="3600" dirty="0" err="1" smtClean="0"/>
               <a:t>SalesMan</a:t>
             </a:r>
             <a:r>
-              <a:rPr lang="en-US" altLang="zh-CHS" sz="3600" dirty="0" smtClean="0"/>
+              <a:rPr lang="en-US" altLang="zh-Hans" sz="3600" dirty="0" smtClean="0"/>
               <a:t> should answer “see you” to “bye”</a:t>
             </a:r>
           </a:p>
@@ -11770,7 +11770,7 @@
               <a:buFont typeface="Wingdings" charset="2"/>
               <a:buChar char=""/>
             </a:pPr>
-            <a:endParaRPr lang="en-US" altLang="zh-CHS" sz="3600" dirty="0" smtClean="0"/>
+            <a:endParaRPr lang="en-US" altLang="zh-Hans" sz="3600" dirty="0" smtClean="0"/>
           </a:p>
           <a:p>
             <a:pPr marL="520700" indent="-520700">
@@ -11787,14 +11787,14 @@
               <a:buChar char=""/>
             </a:pPr>
             <a:r>
-              <a:rPr lang="en-US" altLang="zh-CHS" sz="3600" dirty="0" err="1" smtClean="0"/>
+              <a:rPr lang="en-US" altLang="zh-Hans" sz="3600" dirty="0" err="1" smtClean="0"/>
               <a:t>SalesMan</a:t>
             </a:r>
             <a:r>
-              <a:rPr lang="en-US" altLang="zh-CHS" sz="3600" dirty="0" smtClean="0"/>
+              <a:rPr lang="en-US" altLang="zh-Hans" sz="3600" dirty="0" smtClean="0"/>
               <a:t> should throw an exception if question is empty</a:t>
             </a:r>
-            <a:endParaRPr lang="zh-CHS" altLang="en-US" sz="3600" dirty="0"/>
+            <a:endParaRPr lang="zh-Hans" altLang="en-US" sz="3600" dirty="0"/>
           </a:p>
         </p:txBody>
       </p:sp>
@@ -12162,10 +12162,10 @@
           <a:p>
             <a:pPr algn="ctr"/>
             <a:r>
-              <a:rPr lang="en-US" altLang="zh-CHS" dirty="0" smtClean="0"/>
+              <a:rPr lang="en-US" altLang="zh-Hans" dirty="0" smtClean="0"/>
               <a:t>Why Google Test</a:t>
             </a:r>
-            <a:endParaRPr lang="zh-CHS" altLang="en-US" dirty="0"/>
+            <a:endParaRPr lang="zh-Hans" altLang="en-US" dirty="0"/>
           </a:p>
         </p:txBody>
       </p:sp>
@@ -12185,42 +12185,42 @@
           <a:lstStyle/>
           <a:p>
             <a:r>
-              <a:rPr lang="en-US" altLang="zh-CHS" sz="3400" dirty="0" smtClean="0"/>
+              <a:rPr lang="en-US" altLang="zh-Hans" sz="3400" dirty="0" smtClean="0"/>
               <a:t>Google Test is designed to be portable</a:t>
             </a:r>
           </a:p>
           <a:p>
             <a:r>
-              <a:rPr lang="en-US" altLang="zh-CHS" sz="3400" dirty="0" smtClean="0"/>
+              <a:rPr lang="en-US" altLang="zh-Hans" sz="3400" dirty="0" smtClean="0"/>
               <a:t>Google Test automatically detects your tests and doesn't require you to enumerate them in order to run them</a:t>
             </a:r>
           </a:p>
           <a:p>
             <a:r>
-              <a:rPr lang="en-US" altLang="zh-CHS" sz="3400" dirty="0" smtClean="0"/>
+              <a:rPr lang="en-US" altLang="zh-Hans" sz="3400" dirty="0" smtClean="0"/>
               <a:t>Simple things are easy in Google Test, while hard things are possible</a:t>
             </a:r>
           </a:p>
           <a:p>
             <a:r>
-              <a:rPr lang="en-US" altLang="zh-CHS" sz="3400" dirty="0" smtClean="0"/>
+              <a:rPr lang="en-US" altLang="zh-Hans" sz="3400" dirty="0" smtClean="0"/>
               <a:t>Easy to write assertions that generate informative messages</a:t>
             </a:r>
           </a:p>
           <a:p>
             <a:r>
-              <a:rPr lang="en-US" altLang="zh-CHS" sz="3400" dirty="0" smtClean="0"/>
+              <a:rPr lang="en-US" altLang="zh-Hans" sz="3400" dirty="0" smtClean="0"/>
               <a:t>You can decide which tests to run using name patterns</a:t>
             </a:r>
           </a:p>
           <a:p>
             <a:r>
-              <a:rPr lang="en-US" altLang="zh-CHS" sz="3400" dirty="0" smtClean="0"/>
+              <a:rPr lang="en-US" altLang="zh-Hans" sz="3400" dirty="0" smtClean="0"/>
               <a:t>Google Test can generate XML test result reports </a:t>
             </a:r>
           </a:p>
           <a:p>
-            <a:endParaRPr lang="zh-CHS" altLang="en-US" sz="3400" dirty="0"/>
+            <a:endParaRPr lang="zh-Hans" altLang="en-US" sz="3400" dirty="0"/>
           </a:p>
         </p:txBody>
       </p:sp>
@@ -12303,10 +12303,10 @@
           <a:p>
             <a:pPr algn="ctr"/>
             <a:r>
-              <a:rPr lang="en-US" altLang="zh-CHS" dirty="0" smtClean="0"/>
+              <a:rPr lang="en-US" altLang="zh-Hans" dirty="0" smtClean="0"/>
               <a:t>BASIC CONCEPTS</a:t>
             </a:r>
-            <a:endParaRPr lang="zh-CHS" altLang="en-US" dirty="0"/>
+            <a:endParaRPr lang="zh-Hans" altLang="en-US" dirty="0"/>
           </a:p>
         </p:txBody>
       </p:sp>
@@ -12356,13 +12356,13 @@
           <a:p>
             <a:pPr marL="0" lvl="0"/>
             <a:r>
-              <a:rPr lang="en-US" altLang="zh-CHS" sz="4400" dirty="0" smtClean="0">
+              <a:rPr lang="en-US" altLang="zh-Hans" sz="4400" dirty="0" smtClean="0">
                 <a:sym typeface="Calibri"/>
               </a:rPr>
               <a:t>Start by writing </a:t>
             </a:r>
             <a:r>
-              <a:rPr lang="en-US" altLang="zh-CHS" sz="4400" dirty="0" smtClean="0">
+              <a:rPr lang="en-US" altLang="zh-Hans" sz="4400" dirty="0" smtClean="0">
                 <a:solidFill>
                   <a:srgbClr val="FF0000"/>
                 </a:solidFill>
@@ -12371,14 +12371,14 @@
               <a:t>assertions</a:t>
             </a:r>
             <a:r>
-              <a:rPr lang="en-US" altLang="zh-CHS" sz="4400" dirty="0" smtClean="0">
+              <a:rPr lang="en-US" altLang="zh-Hans" sz="4400" dirty="0" smtClean="0">
                 <a:sym typeface="Calibri"/>
               </a:rPr>
               <a:t>. An assertion's result can be success, nonfatal failure, or fatal failure</a:t>
             </a:r>
           </a:p>
           <a:p>
-            <a:endParaRPr lang="zh-CHS" altLang="en-US" sz="4400" dirty="0"/>
+            <a:endParaRPr lang="zh-Hans" altLang="en-US" sz="4400" dirty="0"/>
           </a:p>
         </p:txBody>
       </p:sp>
@@ -12464,10 +12464,10 @@
           <a:p>
             <a:pPr algn="ctr"/>
             <a:r>
-              <a:rPr lang="en-US" altLang="zh-CHS" dirty="0" smtClean="0"/>
+              <a:rPr lang="en-US" altLang="zh-Hans" dirty="0" smtClean="0"/>
               <a:t>ASSERTIONS</a:t>
             </a:r>
-            <a:endParaRPr lang="zh-CHS" altLang="en-US" dirty="0"/>
+            <a:endParaRPr lang="zh-Hans" altLang="en-US" dirty="0"/>
           </a:p>
         </p:txBody>
       </p:sp>
@@ -12487,17 +12487,17 @@
           <a:lstStyle/>
           <a:p>
             <a:r>
-              <a:rPr lang="en-US" altLang="zh-CHS" sz="3400" dirty="0" smtClean="0"/>
+              <a:rPr lang="en-US" altLang="zh-Hans" sz="3400" dirty="0" smtClean="0"/>
               <a:t>EXPECT_* generate nonfatal failures, which don't abort the current function</a:t>
             </a:r>
           </a:p>
           <a:p>
             <a:r>
-              <a:rPr lang="en-US" altLang="zh-CHS" sz="3400" dirty="0" smtClean="0"/>
+              <a:rPr lang="en-US" altLang="zh-Hans" sz="3400" dirty="0" smtClean="0"/>
               <a:t>ASSERT_* generate fatal failures when they fail, and </a:t>
             </a:r>
             <a:r>
-              <a:rPr lang="en-US" altLang="zh-CHS" sz="3400" dirty="0" smtClean="0">
+              <a:rPr lang="en-US" altLang="zh-Hans" sz="3400" dirty="0" smtClean="0">
                 <a:solidFill>
                   <a:srgbClr val="FF0000"/>
                 </a:solidFill>
@@ -12506,7 +12506,7 @@
             </a:r>
           </a:p>
           <a:p>
-            <a:endParaRPr lang="zh-CHS" altLang="en-US" sz="3400" dirty="0"/>
+            <a:endParaRPr lang="zh-Hans" altLang="en-US" sz="3400" dirty="0"/>
           </a:p>
         </p:txBody>
       </p:sp>
@@ -12615,10 +12615,10 @@
           <a:p>
             <a:pPr algn="ctr"/>
             <a:r>
-              <a:rPr lang="en-US" altLang="zh-CHS" dirty="0" smtClean="0"/>
+              <a:rPr lang="en-US" altLang="zh-Hans" dirty="0" smtClean="0"/>
               <a:t>Requirement</a:t>
             </a:r>
-            <a:endParaRPr lang="zh-CHS" altLang="en-US" dirty="0"/>
+            <a:endParaRPr lang="zh-Hans" altLang="en-US" dirty="0"/>
           </a:p>
         </p:txBody>
       </p:sp>
@@ -12638,23 +12638,23 @@
           <a:lstStyle/>
           <a:p>
             <a:r>
-              <a:rPr lang="en-US" altLang="zh-CHS" sz="3400" dirty="0" smtClean="0"/>
+              <a:rPr lang="en-US" altLang="zh-Hans" sz="3400" dirty="0" smtClean="0"/>
               <a:t>Value arguments must be comparable by the assertion's comparison operator</a:t>
             </a:r>
           </a:p>
           <a:p>
             <a:r>
-              <a:rPr lang="en-US" altLang="zh-CHS" sz="3400" dirty="0" smtClean="0"/>
+              <a:rPr lang="en-US" altLang="zh-Hans" sz="3400" dirty="0" smtClean="0"/>
               <a:t>Values must support the &lt;&lt; operator for streaming to an std::</a:t>
             </a:r>
             <a:r>
-              <a:rPr lang="en-US" altLang="zh-CHS" sz="3400" dirty="0" err="1" smtClean="0"/>
+              <a:rPr lang="en-US" altLang="zh-Hans" sz="3400" dirty="0" err="1" smtClean="0"/>
               <a:t>ostream</a:t>
             </a:r>
-            <a:endParaRPr lang="en-US" altLang="zh-CHS" sz="3400" dirty="0" smtClean="0"/>
-          </a:p>
-          <a:p>
-            <a:endParaRPr lang="zh-CHS" altLang="en-US" sz="3400" dirty="0"/>
+            <a:endParaRPr lang="en-US" altLang="zh-Hans" sz="3400" dirty="0" smtClean="0"/>
+          </a:p>
+          <a:p>
+            <a:endParaRPr lang="zh-Hans" altLang="en-US" sz="3400" dirty="0"/>
           </a:p>
         </p:txBody>
       </p:sp>
@@ -12769,10 +12769,10 @@
           <a:p>
             <a:pPr algn="ctr"/>
             <a:r>
-              <a:rPr lang="en-US" altLang="zh-CHS" dirty="0" smtClean="0"/>
+              <a:rPr lang="en-US" altLang="zh-Hans" dirty="0" smtClean="0"/>
               <a:t>TEST STRUCTURE</a:t>
             </a:r>
-            <a:endParaRPr lang="zh-CHS" altLang="en-US" dirty="0"/>
+            <a:endParaRPr lang="zh-Hans" altLang="en-US" dirty="0"/>
           </a:p>
         </p:txBody>
       </p:sp>
@@ -12905,7 +12905,7 @@
             <a:effectLst/>
             <a:extLst>
               <a:ext uri="{C572A759-6A51-4108-AA02-DFA0A04FC94B}">
-                <ma14:wrappingTextBoxFlag xmlns:ma14="http://schemas.microsoft.com/office/mac/drawingml/2011/main" val="1"/>
+                <ma14:wrappingTextBoxFlag xmlns:ma14="http://schemas.microsoft.com/office/mac/drawingml/2011/main" xmlns="" val="1"/>
               </a:ext>
             </a:extLst>
           </p:spPr>
@@ -13196,7 +13196,7 @@
             <a:effectLst/>
             <a:extLst>
               <a:ext uri="{C572A759-6A51-4108-AA02-DFA0A04FC94B}">
-                <ma14:wrappingTextBoxFlag xmlns:ma14="http://schemas.microsoft.com/office/mac/drawingml/2011/main" val="1"/>
+                <ma14:wrappingTextBoxFlag xmlns:ma14="http://schemas.microsoft.com/office/mac/drawingml/2011/main" xmlns="" val="1"/>
               </a:ext>
             </a:extLst>
           </p:spPr>
@@ -13445,7 +13445,7 @@
             <a:effectLst/>
             <a:extLst>
               <a:ext uri="{C572A759-6A51-4108-AA02-DFA0A04FC94B}">
-                <ma14:wrappingTextBoxFlag xmlns:ma14="http://schemas.microsoft.com/office/mac/drawingml/2011/main" val="1"/>
+                <ma14:wrappingTextBoxFlag xmlns:ma14="http://schemas.microsoft.com/office/mac/drawingml/2011/main" xmlns="" val="1"/>
               </a:ext>
             </a:extLst>
           </p:spPr>
@@ -13694,7 +13694,7 @@
             <a:effectLst/>
             <a:extLst>
               <a:ext uri="{C572A759-6A51-4108-AA02-DFA0A04FC94B}">
-                <ma14:wrappingTextBoxFlag xmlns:ma14="http://schemas.microsoft.com/office/mac/drawingml/2011/main" val="1"/>
+                <ma14:wrappingTextBoxFlag xmlns:ma14="http://schemas.microsoft.com/office/mac/drawingml/2011/main" xmlns="" val="1"/>
               </a:ext>
             </a:extLst>
           </p:spPr>
@@ -13812,7 +13812,7 @@
             <a:effectLst/>
             <a:extLst>
               <a:ext uri="{C572A759-6A51-4108-AA02-DFA0A04FC94B}">
-                <ma14:wrappingTextBoxFlag xmlns:ma14="http://schemas.microsoft.com/office/mac/drawingml/2011/main" val="1"/>
+                <ma14:wrappingTextBoxFlag xmlns:ma14="http://schemas.microsoft.com/office/mac/drawingml/2011/main" xmlns="" val="1"/>
               </a:ext>
             </a:extLst>
           </p:spPr>
@@ -13930,7 +13930,7 @@
             <a:effectLst/>
             <a:extLst>
               <a:ext uri="{C572A759-6A51-4108-AA02-DFA0A04FC94B}">
-                <ma14:wrappingTextBoxFlag xmlns:ma14="http://schemas.microsoft.com/office/mac/drawingml/2011/main" val="1"/>
+                <ma14:wrappingTextBoxFlag xmlns:ma14="http://schemas.microsoft.com/office/mac/drawingml/2011/main" xmlns="" val="1"/>
               </a:ext>
             </a:extLst>
           </p:spPr>
@@ -14048,7 +14048,7 @@
             <a:effectLst/>
             <a:extLst>
               <a:ext uri="{C572A759-6A51-4108-AA02-DFA0A04FC94B}">
-                <ma14:wrappingTextBoxFlag xmlns:ma14="http://schemas.microsoft.com/office/mac/drawingml/2011/main" val="1"/>
+                <ma14:wrappingTextBoxFlag xmlns:ma14="http://schemas.microsoft.com/office/mac/drawingml/2011/main" xmlns="" val="1"/>
               </a:ext>
             </a:extLst>
           </p:spPr>
@@ -14166,7 +14166,7 @@
             <a:effectLst/>
             <a:extLst>
               <a:ext uri="{C572A759-6A51-4108-AA02-DFA0A04FC94B}">
-                <ma14:wrappingTextBoxFlag xmlns:ma14="http://schemas.microsoft.com/office/mac/drawingml/2011/main" val="1"/>
+                <ma14:wrappingTextBoxFlag xmlns:ma14="http://schemas.microsoft.com/office/mac/drawingml/2011/main" xmlns="" val="1"/>
               </a:ext>
             </a:extLst>
           </p:spPr>
@@ -14284,7 +14284,7 @@
             <a:effectLst/>
             <a:extLst>
               <a:ext uri="{C572A759-6A51-4108-AA02-DFA0A04FC94B}">
-                <ma14:wrappingTextBoxFlag xmlns:ma14="http://schemas.microsoft.com/office/mac/drawingml/2011/main" val="1"/>
+                <ma14:wrappingTextBoxFlag xmlns:ma14="http://schemas.microsoft.com/office/mac/drawingml/2011/main" xmlns="" val="1"/>
               </a:ext>
             </a:extLst>
           </p:spPr>
@@ -14402,7 +14402,7 @@
             <a:effectLst/>
             <a:extLst>
               <a:ext uri="{C572A759-6A51-4108-AA02-DFA0A04FC94B}">
-                <ma14:wrappingTextBoxFlag xmlns:ma14="http://schemas.microsoft.com/office/mac/drawingml/2011/main" val="1"/>
+                <ma14:wrappingTextBoxFlag xmlns:ma14="http://schemas.microsoft.com/office/mac/drawingml/2011/main" xmlns="" val="1"/>
               </a:ext>
             </a:extLst>
           </p:spPr>
@@ -14517,10 +14517,10 @@
           <a:p>
             <a:pPr algn="ctr"/>
             <a:r>
-              <a:rPr lang="en-US" altLang="zh-CHS" spc="-210" dirty="0" smtClean="0"/>
+              <a:rPr lang="en-US" altLang="zh-Hans" spc="-210" dirty="0" smtClean="0"/>
               <a:t>USING GTEST</a:t>
             </a:r>
-            <a:endParaRPr lang="zh-CHS" altLang="en-US" dirty="0"/>
+            <a:endParaRPr lang="zh-Hans" altLang="en-US" dirty="0"/>
           </a:p>
         </p:txBody>
       </p:sp>
@@ -14540,68 +14540,68 @@
           <a:lstStyle/>
           <a:p>
             <a:r>
-              <a:rPr lang="en-US" altLang="zh-CHS" sz="3400" dirty="0" smtClean="0"/>
+              <a:rPr lang="en-US" altLang="zh-Hans" sz="3400" dirty="0" smtClean="0"/>
               <a:t>include &lt;</a:t>
             </a:r>
             <a:r>
-              <a:rPr lang="en-US" altLang="zh-CHS" sz="3400" dirty="0" err="1" smtClean="0"/>
+              <a:rPr lang="en-US" altLang="zh-Hans" sz="3400" dirty="0" err="1" smtClean="0"/>
               <a:t>gtest</a:t>
             </a:r>
             <a:r>
-              <a:rPr lang="en-US" altLang="zh-CHS" sz="3400" dirty="0" smtClean="0"/>
+              <a:rPr lang="en-US" altLang="zh-Hans" sz="3400" dirty="0" smtClean="0"/>
               <a:t>/</a:t>
             </a:r>
             <a:r>
-              <a:rPr lang="en-US" altLang="zh-CHS" sz="3400" dirty="0" err="1" smtClean="0"/>
+              <a:rPr lang="en-US" altLang="zh-Hans" sz="3400" dirty="0" err="1" smtClean="0"/>
               <a:t>gtest.h</a:t>
             </a:r>
             <a:r>
-              <a:rPr lang="en-US" altLang="zh-CHS" sz="3400" dirty="0" smtClean="0"/>
+              <a:rPr lang="en-US" altLang="zh-Hans" sz="3400" dirty="0" smtClean="0"/>
               <a:t>&gt;</a:t>
             </a:r>
           </a:p>
           <a:p>
             <a:r>
-              <a:rPr lang="en-US" altLang="zh-CHS" sz="3400" dirty="0" smtClean="0"/>
+              <a:rPr lang="en-US" altLang="zh-Hans" sz="3400" dirty="0" smtClean="0"/>
               <a:t>write your tests in any source files</a:t>
             </a:r>
           </a:p>
           <a:p>
             <a:r>
-              <a:rPr lang="en-US" altLang="zh-CHS" sz="3400" dirty="0" smtClean="0"/>
+              <a:rPr lang="en-US" altLang="zh-Hans" sz="3400" dirty="0" smtClean="0"/>
               <a:t>initialize </a:t>
             </a:r>
             <a:r>
-              <a:rPr lang="en-US" altLang="zh-CHS" sz="3400" dirty="0" err="1" smtClean="0"/>
+              <a:rPr lang="en-US" altLang="zh-Hans" sz="3400" dirty="0" err="1" smtClean="0"/>
               <a:t>gtest</a:t>
             </a:r>
             <a:r>
-              <a:rPr lang="en-US" altLang="zh-CHS" sz="3400" dirty="0" smtClean="0"/>
+              <a:rPr lang="en-US" altLang="zh-Hans" sz="3400" dirty="0" smtClean="0"/>
               <a:t> by </a:t>
             </a:r>
             <a:r>
-              <a:rPr lang="en-US" altLang="zh-CHS" sz="3400" dirty="0" err="1" smtClean="0"/>
+              <a:rPr lang="en-US" altLang="zh-Hans" sz="3400" dirty="0" err="1" smtClean="0"/>
               <a:t>InitGoogleTest</a:t>
             </a:r>
             <a:r>
-              <a:rPr lang="en-US" altLang="zh-CHS" sz="3400" dirty="0" smtClean="0"/>
+              <a:rPr lang="en-US" altLang="zh-Hans" sz="3400" dirty="0" smtClean="0"/>
               <a:t>()</a:t>
             </a:r>
           </a:p>
           <a:p>
             <a:r>
-              <a:rPr lang="en-US" altLang="zh-CHS" sz="3400" dirty="0" smtClean="0"/>
+              <a:rPr lang="en-US" altLang="zh-Hans" sz="3400" dirty="0" smtClean="0"/>
               <a:t>call RUN_ALL_TESTS() in main() function</a:t>
             </a:r>
           </a:p>
           <a:p>
             <a:r>
-              <a:rPr lang="en-US" altLang="zh-CHS" sz="3400" dirty="0" smtClean="0"/>
+              <a:rPr lang="en-US" altLang="zh-Hans" sz="3400" dirty="0" smtClean="0"/>
               <a:t>compile and run</a:t>
             </a:r>
           </a:p>
           <a:p>
-            <a:endParaRPr lang="zh-CHS" altLang="en-US" sz="3400" dirty="0"/>
+            <a:endParaRPr lang="zh-Hans" altLang="en-US" sz="3400" dirty="0"/>
           </a:p>
         </p:txBody>
       </p:sp>
@@ -14721,10 +14721,10 @@
           <a:p>
             <a:pPr algn="ctr"/>
             <a:r>
-              <a:rPr lang="en-US" altLang="zh-CHS" sz="4800" dirty="0" smtClean="0"/>
+              <a:rPr lang="en-US" altLang="zh-Hans" sz="4800" dirty="0" smtClean="0"/>
               <a:t>EXERCISE</a:t>
             </a:r>
-            <a:endParaRPr lang="zh-CHS" altLang="en-US" sz="4800" dirty="0"/>
+            <a:endParaRPr lang="zh-Hans" altLang="en-US" sz="4800" dirty="0"/>
           </a:p>
         </p:txBody>
       </p:sp>
@@ -14756,7 +14756,7 @@
               <a:buFont typeface="Wingdings" charset="2"/>
               <a:buChar char=""/>
             </a:pPr>
-            <a:endParaRPr lang="en-US" altLang="zh-CHS" sz="3600" dirty="0" smtClean="0"/>
+            <a:endParaRPr lang="en-US" altLang="zh-Hans" sz="3600" dirty="0" smtClean="0"/>
           </a:p>
           <a:p>
             <a:pPr marL="520700" indent="-520700">
@@ -14773,15 +14773,15 @@
               <a:buChar char=""/>
             </a:pPr>
             <a:r>
-              <a:rPr lang="en-US" altLang="zh-CHS" sz="3600" dirty="0" smtClean="0"/>
+              <a:rPr lang="en-US" altLang="zh-Hans" sz="3600" dirty="0" smtClean="0"/>
               <a:t>Open </a:t>
             </a:r>
             <a:r>
-              <a:rPr lang="en-US" altLang="zh-CHS" sz="3600" dirty="0" err="1" smtClean="0"/>
+              <a:rPr lang="en-US" altLang="zh-Hans" sz="3600" dirty="0" err="1" smtClean="0"/>
               <a:t>gtest_sample</a:t>
             </a:r>
             <a:r>
-              <a:rPr lang="en-US" altLang="zh-CHS" sz="3600" dirty="0" smtClean="0"/>
+              <a:rPr lang="en-US" altLang="zh-Hans" sz="3600" dirty="0" smtClean="0"/>
               <a:t>, Compile and run</a:t>
             </a:r>
           </a:p>
@@ -14799,7 +14799,7 @@
               <a:buFont typeface="Wingdings" charset="2"/>
               <a:buChar char=""/>
             </a:pPr>
-            <a:endParaRPr lang="en-US" altLang="zh-CHS" sz="3600" dirty="0" smtClean="0"/>
+            <a:endParaRPr lang="en-US" altLang="zh-Hans" sz="3600" dirty="0" smtClean="0"/>
           </a:p>
           <a:p>
             <a:pPr marL="520700" indent="-520700">
@@ -14816,11 +14816,11 @@
               <a:buChar char=""/>
             </a:pPr>
             <a:r>
-              <a:rPr lang="en-US" altLang="zh-CHS" sz="3600" dirty="0" err="1" smtClean="0"/>
+              <a:rPr lang="en-US" altLang="zh-Hans" sz="3600" dirty="0" err="1" smtClean="0"/>
               <a:t>SalesMan</a:t>
             </a:r>
             <a:r>
-              <a:rPr lang="en-US" altLang="zh-CHS" sz="3600" dirty="0" smtClean="0"/>
+              <a:rPr lang="en-US" altLang="zh-Hans" sz="3600" dirty="0" smtClean="0"/>
               <a:t> should answer “see you” to “bye”</a:t>
             </a:r>
           </a:p>
@@ -14838,7 +14838,7 @@
               <a:buFont typeface="Wingdings" charset="2"/>
               <a:buChar char=""/>
             </a:pPr>
-            <a:endParaRPr lang="en-US" altLang="zh-CHS" sz="3600" dirty="0" smtClean="0"/>
+            <a:endParaRPr lang="en-US" altLang="zh-Hans" sz="3600" dirty="0" smtClean="0"/>
           </a:p>
           <a:p>
             <a:pPr marL="520700" indent="-520700">
@@ -14855,14 +14855,14 @@
               <a:buChar char=""/>
             </a:pPr>
             <a:r>
-              <a:rPr lang="en-US" altLang="zh-CHS" sz="3600" dirty="0" err="1" smtClean="0"/>
+              <a:rPr lang="en-US" altLang="zh-Hans" sz="3600" dirty="0" err="1" smtClean="0"/>
               <a:t>SalesMan</a:t>
             </a:r>
             <a:r>
-              <a:rPr lang="en-US" altLang="zh-CHS" sz="3600" dirty="0" smtClean="0"/>
+              <a:rPr lang="en-US" altLang="zh-Hans" sz="3600" dirty="0" smtClean="0"/>
               <a:t> should throw an exception if question is empty</a:t>
             </a:r>
-            <a:endParaRPr lang="zh-CHS" altLang="en-US" sz="3600" dirty="0"/>
+            <a:endParaRPr lang="zh-Hans" altLang="en-US" sz="3600" dirty="0"/>
           </a:p>
         </p:txBody>
       </p:sp>
@@ -15207,7 +15207,7 @@
         <a:effectLst/>
         <a:extLst>
           <a:ext uri="{91240B29-F687-4f45-9708-019B960494DF}">
-            <a14:hiddenLine xmlns:a14="http://schemas.microsoft.com/office/drawing/2010/main" xmlns="" w="25400" cap="flat" cmpd="sng" algn="ctr">
+            <a14:hiddenLine xmlns="" xmlns:a14="http://schemas.microsoft.com/office/drawing/2010/main" w="25400" cap="flat" cmpd="sng" algn="ctr">
               <a:solidFill>
                 <a:srgbClr val="000000"/>
               </a:solidFill>
@@ -15218,7 +15218,7 @@
             </a14:hiddenLine>
           </a:ext>
           <a:ext uri="{AF507438-7753-43e0-B8FC-AC1667EBCBE1}">
-            <a14:hiddenEffects xmlns:a14="http://schemas.microsoft.com/office/drawing/2010/main" xmlns="">
+            <a14:hiddenEffects xmlns="" xmlns:a14="http://schemas.microsoft.com/office/drawing/2010/main">
               <a:effectLst>
                 <a:outerShdw blurRad="63500" dist="38099" dir="2700000" algn="ctr" rotWithShape="0">
                   <a:schemeClr val="bg2">
@@ -15594,7 +15594,7 @@
         <a:effectLst/>
         <a:extLst>
           <a:ext uri="{91240B29-F687-4f45-9708-019B960494DF}">
-            <a14:hiddenLine xmlns:a14="http://schemas.microsoft.com/office/drawing/2010/main" xmlns="" w="25400" cap="flat" cmpd="sng" algn="ctr">
+            <a14:hiddenLine xmlns="" xmlns:a14="http://schemas.microsoft.com/office/drawing/2010/main" w="25400" cap="flat" cmpd="sng" algn="ctr">
               <a:solidFill>
                 <a:srgbClr val="000000"/>
               </a:solidFill>
@@ -15605,7 +15605,7 @@
             </a14:hiddenLine>
           </a:ext>
           <a:ext uri="{AF507438-7753-43e0-B8FC-AC1667EBCBE1}">
-            <a14:hiddenEffects xmlns:a14="http://schemas.microsoft.com/office/drawing/2010/main" xmlns="">
+            <a14:hiddenEffects xmlns="" xmlns:a14="http://schemas.microsoft.com/office/drawing/2010/main">
               <a:effectLst>
                 <a:outerShdw blurRad="63500" dist="38099" dir="2700000" algn="ctr" rotWithShape="0">
                   <a:schemeClr val="bg2">
@@ -15981,7 +15981,7 @@
         <a:effectLst/>
         <a:extLst>
           <a:ext uri="{91240B29-F687-4f45-9708-019B960494DF}">
-            <a14:hiddenLine xmlns:a14="http://schemas.microsoft.com/office/drawing/2010/main" xmlns="" w="25400" cap="flat" cmpd="sng" algn="ctr">
+            <a14:hiddenLine xmlns="" xmlns:a14="http://schemas.microsoft.com/office/drawing/2010/main" w="25400" cap="flat" cmpd="sng" algn="ctr">
               <a:solidFill>
                 <a:srgbClr val="000000"/>
               </a:solidFill>
@@ -15992,7 +15992,7 @@
             </a14:hiddenLine>
           </a:ext>
           <a:ext uri="{AF507438-7753-43e0-B8FC-AC1667EBCBE1}">
-            <a14:hiddenEffects xmlns:a14="http://schemas.microsoft.com/office/drawing/2010/main" xmlns="">
+            <a14:hiddenEffects xmlns="" xmlns:a14="http://schemas.microsoft.com/office/drawing/2010/main">
               <a:effectLst>
                 <a:outerShdw blurRad="63500" dist="38099" dir="2700000" algn="ctr" rotWithShape="0">
                   <a:schemeClr val="bg2">

--- a/.slides/01-introduction-to-gtest.pptx
+++ b/.slides/01-introduction-to-gtest.pptx
@@ -7,7 +7,7 @@
     <p:sldMasterId id="2147483864" r:id="rId3"/>
   </p:sldMasterIdLst>
   <p:notesMasterIdLst>
-    <p:notesMasterId r:id="rId17"/>
+    <p:notesMasterId r:id="rId19"/>
   </p:notesMasterIdLst>
   <p:sldIdLst>
     <p:sldId id="262" r:id="rId4"/>
@@ -19,10 +19,12 @@
     <p:sldId id="288" r:id="rId10"/>
     <p:sldId id="291" r:id="rId11"/>
     <p:sldId id="293" r:id="rId12"/>
-    <p:sldId id="289" r:id="rId13"/>
-    <p:sldId id="290" r:id="rId14"/>
-    <p:sldId id="292" r:id="rId15"/>
-    <p:sldId id="256" r:id="rId16"/>
+    <p:sldId id="294" r:id="rId13"/>
+    <p:sldId id="289" r:id="rId14"/>
+    <p:sldId id="290" r:id="rId15"/>
+    <p:sldId id="292" r:id="rId16"/>
+    <p:sldId id="295" r:id="rId17"/>
+    <p:sldId id="256" r:id="rId18"/>
   </p:sldIdLst>
   <p:sldSz cx="13004800" cy="9753600"/>
   <p:notesSz cx="6858000" cy="9144000"/>
@@ -299,7 +301,7 @@
               <a:pPr>
                 <a:defRPr/>
               </a:pPr>
-              <a:t>3/30/2015</a:t>
+              <a:t>3/31/15</a:t>
             </a:fld>
             <a:endParaRPr lang="en-US"/>
           </a:p>
@@ -650,7 +652,7 @@
           </a:ln>
           <a:extLst>
             <a:ext uri="{909E8E84-426E-40dd-AFC4-6F175D3DCCD1}">
-              <a14:hiddenFill xmlns="" xmlns:a14="http://schemas.microsoft.com/office/drawing/2010/main">
+              <a14:hiddenFill xmlns:a14="http://schemas.microsoft.com/office/drawing/2010/main" xmlns="">
                 <a:noFill/>
               </a14:hiddenFill>
             </a:ext>
@@ -694,7 +696,7 @@
           </a:ln>
           <a:extLst>
             <a:ext uri="{909E8E84-426E-40dd-AFC4-6F175D3DCCD1}">
-              <a14:hiddenFill xmlns="" xmlns:a14="http://schemas.microsoft.com/office/drawing/2010/main">
+              <a14:hiddenFill xmlns:a14="http://schemas.microsoft.com/office/drawing/2010/main" xmlns="">
                 <a:noFill/>
               </a14:hiddenFill>
             </a:ext>
@@ -743,14 +745,14 @@
           </a:ln>
           <a:extLst>
             <a:ext uri="{909E8E84-426E-40dd-AFC4-6F175D3DCCD1}">
-              <a14:hiddenFill xmlns="" xmlns:a14="http://schemas.microsoft.com/office/drawing/2010/main">
+              <a14:hiddenFill xmlns:a14="http://schemas.microsoft.com/office/drawing/2010/main" xmlns="">
                 <a:solidFill>
                   <a:srgbClr val="FFFFFF"/>
                 </a:solidFill>
               </a14:hiddenFill>
             </a:ext>
             <a:ext uri="{91240B29-F687-4f45-9708-019B960494DF}">
-              <a14:hiddenLine xmlns="" xmlns:a14="http://schemas.microsoft.com/office/drawing/2010/main" w="9525">
+              <a14:hiddenLine xmlns:a14="http://schemas.microsoft.com/office/drawing/2010/main" xmlns="" w="9525">
                 <a:solidFill>
                   <a:srgbClr val="000000"/>
                 </a:solidFill>
@@ -789,7 +791,7 @@
           </a:lstStyle>
           <a:p>
             <a:r>
-              <a:rPr lang="zh-Hans" altLang="en-US" smtClean="0"/>
+              <a:rPr lang="zh-CHS" altLang="en-US" smtClean="0"/>
               <a:t>单击此处编辑母版标题样式</a:t>
             </a:r>
             <a:endParaRPr lang="en-US" dirty="0"/>
@@ -849,35 +851,35 @@
           <a:p>
             <a:pPr lvl="0"/>
             <a:r>
-              <a:rPr lang="zh-Hans" altLang="en-US" smtClean="0"/>
+              <a:rPr lang="zh-CHS" altLang="en-US" smtClean="0"/>
               <a:t>单击此处编辑母版文本样式</a:t>
             </a:r>
           </a:p>
           <a:p>
             <a:pPr lvl="1"/>
             <a:r>
-              <a:rPr lang="zh-Hans" altLang="en-US" smtClean="0"/>
+              <a:rPr lang="zh-CHS" altLang="en-US" smtClean="0"/>
               <a:t>第二级</a:t>
             </a:r>
           </a:p>
           <a:p>
             <a:pPr lvl="2"/>
             <a:r>
-              <a:rPr lang="zh-Hans" altLang="en-US" smtClean="0"/>
+              <a:rPr lang="zh-CHS" altLang="en-US" smtClean="0"/>
               <a:t>第三级</a:t>
             </a:r>
           </a:p>
           <a:p>
             <a:pPr lvl="3"/>
             <a:r>
-              <a:rPr lang="zh-Hans" altLang="en-US" smtClean="0"/>
+              <a:rPr lang="zh-CHS" altLang="en-US" smtClean="0"/>
               <a:t>第四级</a:t>
             </a:r>
           </a:p>
           <a:p>
             <a:pPr lvl="4"/>
             <a:r>
-              <a:rPr lang="zh-Hans" altLang="en-US" smtClean="0"/>
+              <a:rPr lang="zh-CHS" altLang="en-US" smtClean="0"/>
               <a:t>第五级</a:t>
             </a:r>
             <a:endParaRPr lang="en-US" dirty="0"/>
@@ -960,7 +962,7 @@
           <a:p>
             <a:pPr lvl="0"/>
             <a:r>
-              <a:rPr lang="zh-Hans" altLang="en-US" smtClean="0"/>
+              <a:rPr lang="zh-CHS" altLang="en-US" smtClean="0"/>
               <a:t>单击此处编辑母版文本样式</a:t>
             </a:r>
           </a:p>
@@ -1095,7 +1097,7 @@
           </a:ln>
           <a:extLst>
             <a:ext uri="{909E8E84-426E-40dd-AFC4-6F175D3DCCD1}">
-              <a14:hiddenFill xmlns="" xmlns:a14="http://schemas.microsoft.com/office/drawing/2010/main">
+              <a14:hiddenFill xmlns:a14="http://schemas.microsoft.com/office/drawing/2010/main" xmlns="">
                 <a:noFill/>
               </a14:hiddenFill>
             </a:ext>
@@ -1144,14 +1146,14 @@
           </a:ln>
           <a:extLst>
             <a:ext uri="{909E8E84-426E-40dd-AFC4-6F175D3DCCD1}">
-              <a14:hiddenFill xmlns="" xmlns:a14="http://schemas.microsoft.com/office/drawing/2010/main">
+              <a14:hiddenFill xmlns:a14="http://schemas.microsoft.com/office/drawing/2010/main" xmlns="">
                 <a:solidFill>
                   <a:srgbClr val="FFFFFF"/>
                 </a:solidFill>
               </a14:hiddenFill>
             </a:ext>
             <a:ext uri="{91240B29-F687-4f45-9708-019B960494DF}">
-              <a14:hiddenLine xmlns="" xmlns:a14="http://schemas.microsoft.com/office/drawing/2010/main" w="9525">
+              <a14:hiddenLine xmlns:a14="http://schemas.microsoft.com/office/drawing/2010/main" xmlns="" w="9525">
                 <a:solidFill>
                   <a:srgbClr val="000000"/>
                 </a:solidFill>
@@ -1190,7 +1192,7 @@
           </a:lstStyle>
           <a:p>
             <a:r>
-              <a:rPr lang="zh-Hans" altLang="en-US" smtClean="0"/>
+              <a:rPr lang="zh-CHS" altLang="en-US" smtClean="0"/>
               <a:t>单击此处编辑母版标题样式</a:t>
             </a:r>
             <a:endParaRPr lang="en-US" dirty="0"/>
@@ -1285,35 +1287,35 @@
           <a:p>
             <a:pPr lvl="0"/>
             <a:r>
-              <a:rPr lang="zh-Hans" altLang="en-US" smtClean="0"/>
+              <a:rPr lang="zh-CHS" altLang="en-US" smtClean="0"/>
               <a:t>单击此处编辑母版文本样式</a:t>
             </a:r>
           </a:p>
           <a:p>
             <a:pPr lvl="1"/>
             <a:r>
-              <a:rPr lang="zh-Hans" altLang="en-US" smtClean="0"/>
+              <a:rPr lang="zh-CHS" altLang="en-US" smtClean="0"/>
               <a:t>第二级</a:t>
             </a:r>
           </a:p>
           <a:p>
             <a:pPr lvl="2"/>
             <a:r>
-              <a:rPr lang="zh-Hans" altLang="en-US" smtClean="0"/>
+              <a:rPr lang="zh-CHS" altLang="en-US" smtClean="0"/>
               <a:t>第三级</a:t>
             </a:r>
           </a:p>
           <a:p>
             <a:pPr lvl="3"/>
             <a:r>
-              <a:rPr lang="zh-Hans" altLang="en-US" smtClean="0"/>
+              <a:rPr lang="zh-CHS" altLang="en-US" smtClean="0"/>
               <a:t>第四级</a:t>
             </a:r>
           </a:p>
           <a:p>
             <a:pPr lvl="4"/>
             <a:r>
-              <a:rPr lang="zh-Hans" altLang="en-US" smtClean="0"/>
+              <a:rPr lang="zh-CHS" altLang="en-US" smtClean="0"/>
               <a:t>第五级</a:t>
             </a:r>
             <a:endParaRPr lang="en-US" dirty="0"/>
@@ -1378,7 +1380,7 @@
           </a:ln>
           <a:extLst>
             <a:ext uri="{909E8E84-426E-40dd-AFC4-6F175D3DCCD1}">
-              <a14:hiddenFill xmlns="" xmlns:a14="http://schemas.microsoft.com/office/drawing/2010/main">
+              <a14:hiddenFill xmlns:a14="http://schemas.microsoft.com/office/drawing/2010/main" xmlns="">
                 <a:noFill/>
               </a14:hiddenFill>
             </a:ext>
@@ -1422,7 +1424,7 @@
           </a:ln>
           <a:extLst>
             <a:ext uri="{909E8E84-426E-40dd-AFC4-6F175D3DCCD1}">
-              <a14:hiddenFill xmlns="" xmlns:a14="http://schemas.microsoft.com/office/drawing/2010/main">
+              <a14:hiddenFill xmlns:a14="http://schemas.microsoft.com/office/drawing/2010/main" xmlns="">
                 <a:noFill/>
               </a14:hiddenFill>
             </a:ext>
@@ -1471,14 +1473,14 @@
           </a:ln>
           <a:extLst>
             <a:ext uri="{909E8E84-426E-40dd-AFC4-6F175D3DCCD1}">
-              <a14:hiddenFill xmlns="" xmlns:a14="http://schemas.microsoft.com/office/drawing/2010/main">
+              <a14:hiddenFill xmlns:a14="http://schemas.microsoft.com/office/drawing/2010/main" xmlns="">
                 <a:solidFill>
                   <a:srgbClr val="FFFFFF"/>
                 </a:solidFill>
               </a14:hiddenFill>
             </a:ext>
             <a:ext uri="{91240B29-F687-4f45-9708-019B960494DF}">
-              <a14:hiddenLine xmlns="" xmlns:a14="http://schemas.microsoft.com/office/drawing/2010/main" w="9525">
+              <a14:hiddenLine xmlns:a14="http://schemas.microsoft.com/office/drawing/2010/main" xmlns="" w="9525">
                 <a:solidFill>
                   <a:srgbClr val="000000"/>
                 </a:solidFill>
@@ -1752,7 +1754,7 @@
           </a:ln>
           <a:extLst>
             <a:ext uri="{909E8E84-426E-40dd-AFC4-6F175D3DCCD1}">
-              <a14:hiddenFill xmlns="" xmlns:a14="http://schemas.microsoft.com/office/drawing/2010/main">
+              <a14:hiddenFill xmlns:a14="http://schemas.microsoft.com/office/drawing/2010/main" xmlns="">
                 <a:noFill/>
               </a14:hiddenFill>
             </a:ext>
@@ -1957,7 +1959,7 @@
           </a:ln>
           <a:extLst>
             <a:ext uri="{909E8E84-426E-40dd-AFC4-6F175D3DCCD1}">
-              <a14:hiddenFill xmlns="" xmlns:a14="http://schemas.microsoft.com/office/drawing/2010/main">
+              <a14:hiddenFill xmlns:a14="http://schemas.microsoft.com/office/drawing/2010/main" xmlns="">
                 <a:noFill/>
               </a14:hiddenFill>
             </a:ext>
@@ -2167,7 +2169,7 @@
           </a:ln>
           <a:extLst>
             <a:ext uri="{909E8E84-426E-40dd-AFC4-6F175D3DCCD1}">
-              <a14:hiddenFill xmlns="" xmlns:a14="http://schemas.microsoft.com/office/drawing/2010/main">
+              <a14:hiddenFill xmlns:a14="http://schemas.microsoft.com/office/drawing/2010/main" xmlns="">
                 <a:noFill/>
               </a14:hiddenFill>
             </a:ext>
@@ -2418,7 +2420,7 @@
           </a:ln>
           <a:extLst>
             <a:ext uri="{909E8E84-426E-40dd-AFC4-6F175D3DCCD1}">
-              <a14:hiddenFill xmlns="" xmlns:a14="http://schemas.microsoft.com/office/drawing/2010/main">
+              <a14:hiddenFill xmlns:a14="http://schemas.microsoft.com/office/drawing/2010/main" xmlns="">
                 <a:noFill/>
               </a14:hiddenFill>
             </a:ext>
@@ -2467,14 +2469,14 @@
           </a:ln>
           <a:extLst>
             <a:ext uri="{909E8E84-426E-40dd-AFC4-6F175D3DCCD1}">
-              <a14:hiddenFill xmlns="" xmlns:a14="http://schemas.microsoft.com/office/drawing/2010/main">
+              <a14:hiddenFill xmlns:a14="http://schemas.microsoft.com/office/drawing/2010/main" xmlns="">
                 <a:solidFill>
                   <a:srgbClr val="FFFFFF"/>
                 </a:solidFill>
               </a14:hiddenFill>
             </a:ext>
             <a:ext uri="{91240B29-F687-4f45-9708-019B960494DF}">
-              <a14:hiddenLine xmlns="" xmlns:a14="http://schemas.microsoft.com/office/drawing/2010/main" w="9525">
+              <a14:hiddenLine xmlns:a14="http://schemas.microsoft.com/office/drawing/2010/main" xmlns="" w="9525">
                 <a:solidFill>
                   <a:srgbClr val="000000"/>
                 </a:solidFill>
@@ -2736,7 +2738,7 @@
           </a:ln>
           <a:extLst>
             <a:ext uri="{909E8E84-426E-40dd-AFC4-6F175D3DCCD1}">
-              <a14:hiddenFill xmlns="" xmlns:a14="http://schemas.microsoft.com/office/drawing/2010/main">
+              <a14:hiddenFill xmlns:a14="http://schemas.microsoft.com/office/drawing/2010/main" xmlns="">
                 <a:noFill/>
               </a14:hiddenFill>
             </a:ext>
@@ -2785,14 +2787,14 @@
           </a:ln>
           <a:extLst>
             <a:ext uri="{909E8E84-426E-40dd-AFC4-6F175D3DCCD1}">
-              <a14:hiddenFill xmlns="" xmlns:a14="http://schemas.microsoft.com/office/drawing/2010/main">
+              <a14:hiddenFill xmlns:a14="http://schemas.microsoft.com/office/drawing/2010/main" xmlns="">
                 <a:solidFill>
                   <a:srgbClr val="FFFFFF"/>
                 </a:solidFill>
               </a14:hiddenFill>
             </a:ext>
             <a:ext uri="{91240B29-F687-4f45-9708-019B960494DF}">
-              <a14:hiddenLine xmlns="" xmlns:a14="http://schemas.microsoft.com/office/drawing/2010/main" w="9525">
+              <a14:hiddenLine xmlns:a14="http://schemas.microsoft.com/office/drawing/2010/main" xmlns="" w="9525">
                 <a:solidFill>
                   <a:srgbClr val="000000"/>
                 </a:solidFill>
@@ -3437,7 +3439,7 @@
           </a:ln>
           <a:extLst>
             <a:ext uri="{909E8E84-426E-40dd-AFC4-6F175D3DCCD1}">
-              <a14:hiddenFill xmlns="" xmlns:a14="http://schemas.microsoft.com/office/drawing/2010/main">
+              <a14:hiddenFill xmlns:a14="http://schemas.microsoft.com/office/drawing/2010/main" xmlns="">
                 <a:noFill/>
               </a14:hiddenFill>
             </a:ext>
@@ -3467,7 +3469,7 @@
           <a:lstStyle/>
           <a:p>
             <a:r>
-              <a:rPr lang="zh-Hans" altLang="en-US" smtClean="0"/>
+              <a:rPr lang="zh-CHS" altLang="en-US" smtClean="0"/>
               <a:t>单击此处编辑母版标题样式</a:t>
             </a:r>
             <a:endParaRPr lang="en-US"/>
@@ -3504,35 +3506,35 @@
           <a:p>
             <a:pPr lvl="0"/>
             <a:r>
-              <a:rPr lang="zh-Hans" altLang="en-US" smtClean="0"/>
+              <a:rPr lang="zh-CHS" altLang="en-US" smtClean="0"/>
               <a:t>单击此处编辑母版文本样式</a:t>
             </a:r>
           </a:p>
           <a:p>
             <a:pPr lvl="1"/>
             <a:r>
-              <a:rPr lang="zh-Hans" altLang="en-US" smtClean="0"/>
+              <a:rPr lang="zh-CHS" altLang="en-US" smtClean="0"/>
               <a:t>第二级</a:t>
             </a:r>
           </a:p>
           <a:p>
             <a:pPr lvl="2"/>
             <a:r>
-              <a:rPr lang="zh-Hans" altLang="en-US" smtClean="0"/>
+              <a:rPr lang="zh-CHS" altLang="en-US" smtClean="0"/>
               <a:t>第三级</a:t>
             </a:r>
           </a:p>
           <a:p>
             <a:pPr lvl="3"/>
             <a:r>
-              <a:rPr lang="zh-Hans" altLang="en-US" smtClean="0"/>
+              <a:rPr lang="zh-CHS" altLang="en-US" smtClean="0"/>
               <a:t>第四级</a:t>
             </a:r>
           </a:p>
           <a:p>
             <a:pPr lvl="4"/>
             <a:r>
-              <a:rPr lang="zh-Hans" altLang="en-US" smtClean="0"/>
+              <a:rPr lang="zh-CHS" altLang="en-US" smtClean="0"/>
               <a:t>第五级</a:t>
             </a:r>
             <a:endParaRPr lang="en-US" dirty="0"/>
@@ -3630,7 +3632,7 @@
           </a:ln>
           <a:extLst>
             <a:ext uri="{909E8E84-426E-40dd-AFC4-6F175D3DCCD1}">
-              <a14:hiddenFill xmlns="" xmlns:a14="http://schemas.microsoft.com/office/drawing/2010/main">
+              <a14:hiddenFill xmlns:a14="http://schemas.microsoft.com/office/drawing/2010/main" xmlns="">
                 <a:noFill/>
               </a14:hiddenFill>
             </a:ext>
@@ -3671,7 +3673,7 @@
           </a:ln>
           <a:extLst>
             <a:ext uri="{909E8E84-426E-40dd-AFC4-6F175D3DCCD1}">
-              <a14:hiddenFill xmlns="" xmlns:a14="http://schemas.microsoft.com/office/drawing/2010/main">
+              <a14:hiddenFill xmlns:a14="http://schemas.microsoft.com/office/drawing/2010/main" xmlns="">
                 <a:noFill/>
               </a14:hiddenFill>
             </a:ext>
@@ -3882,7 +3884,7 @@
           </a:ln>
           <a:extLst>
             <a:ext uri="{909E8E84-426E-40dd-AFC4-6F175D3DCCD1}">
-              <a14:hiddenFill xmlns="" xmlns:a14="http://schemas.microsoft.com/office/drawing/2010/main">
+              <a14:hiddenFill xmlns:a14="http://schemas.microsoft.com/office/drawing/2010/main" xmlns="">
                 <a:noFill/>
               </a14:hiddenFill>
             </a:ext>
@@ -3931,14 +3933,14 @@
           </a:ln>
           <a:extLst>
             <a:ext uri="{909E8E84-426E-40dd-AFC4-6F175D3DCCD1}">
-              <a14:hiddenFill xmlns="" xmlns:a14="http://schemas.microsoft.com/office/drawing/2010/main">
+              <a14:hiddenFill xmlns:a14="http://schemas.microsoft.com/office/drawing/2010/main" xmlns="">
                 <a:solidFill>
                   <a:srgbClr val="FFFFFF"/>
                 </a:solidFill>
               </a14:hiddenFill>
             </a:ext>
             <a:ext uri="{91240B29-F687-4f45-9708-019B960494DF}">
-              <a14:hiddenLine xmlns="" xmlns:a14="http://schemas.microsoft.com/office/drawing/2010/main" w="9525">
+              <a14:hiddenLine xmlns:a14="http://schemas.microsoft.com/office/drawing/2010/main" xmlns="" w="9525">
                 <a:solidFill>
                   <a:srgbClr val="000000"/>
                 </a:solidFill>
@@ -4169,7 +4171,7 @@
           </a:ln>
           <a:extLst>
             <a:ext uri="{909E8E84-426E-40dd-AFC4-6F175D3DCCD1}">
-              <a14:hiddenFill xmlns="" xmlns:a14="http://schemas.microsoft.com/office/drawing/2010/main">
+              <a14:hiddenFill xmlns:a14="http://schemas.microsoft.com/office/drawing/2010/main" xmlns="">
                 <a:noFill/>
               </a14:hiddenFill>
             </a:ext>
@@ -4213,7 +4215,7 @@
           </a:ln>
           <a:extLst>
             <a:ext uri="{909E8E84-426E-40dd-AFC4-6F175D3DCCD1}">
-              <a14:hiddenFill xmlns="" xmlns:a14="http://schemas.microsoft.com/office/drawing/2010/main">
+              <a14:hiddenFill xmlns:a14="http://schemas.microsoft.com/office/drawing/2010/main" xmlns="">
                 <a:noFill/>
               </a14:hiddenFill>
             </a:ext>
@@ -4262,14 +4264,14 @@
           </a:ln>
           <a:extLst>
             <a:ext uri="{909E8E84-426E-40dd-AFC4-6F175D3DCCD1}">
-              <a14:hiddenFill xmlns="" xmlns:a14="http://schemas.microsoft.com/office/drawing/2010/main">
+              <a14:hiddenFill xmlns:a14="http://schemas.microsoft.com/office/drawing/2010/main" xmlns="">
                 <a:solidFill>
                   <a:srgbClr val="FFFFFF"/>
                 </a:solidFill>
               </a14:hiddenFill>
             </a:ext>
             <a:ext uri="{91240B29-F687-4f45-9708-019B960494DF}">
-              <a14:hiddenLine xmlns="" xmlns:a14="http://schemas.microsoft.com/office/drawing/2010/main" w="9525">
+              <a14:hiddenLine xmlns:a14="http://schemas.microsoft.com/office/drawing/2010/main" xmlns="" w="9525">
                 <a:solidFill>
                   <a:srgbClr val="000000"/>
                 </a:solidFill>
@@ -4543,7 +4545,7 @@
           </a:ln>
           <a:extLst>
             <a:ext uri="{909E8E84-426E-40dd-AFC4-6F175D3DCCD1}">
-              <a14:hiddenFill xmlns="" xmlns:a14="http://schemas.microsoft.com/office/drawing/2010/main">
+              <a14:hiddenFill xmlns:a14="http://schemas.microsoft.com/office/drawing/2010/main" xmlns="">
                 <a:noFill/>
               </a14:hiddenFill>
             </a:ext>
@@ -4757,7 +4759,7 @@
           </a:ln>
           <a:extLst>
             <a:ext uri="{909E8E84-426E-40dd-AFC4-6F175D3DCCD1}">
-              <a14:hiddenFill xmlns="" xmlns:a14="http://schemas.microsoft.com/office/drawing/2010/main">
+              <a14:hiddenFill xmlns:a14="http://schemas.microsoft.com/office/drawing/2010/main" xmlns="">
                 <a:noFill/>
               </a14:hiddenFill>
             </a:ext>
@@ -4976,7 +4978,7 @@
           </a:ln>
           <a:extLst>
             <a:ext uri="{909E8E84-426E-40dd-AFC4-6F175D3DCCD1}">
-              <a14:hiddenFill xmlns="" xmlns:a14="http://schemas.microsoft.com/office/drawing/2010/main">
+              <a14:hiddenFill xmlns:a14="http://schemas.microsoft.com/office/drawing/2010/main" xmlns="">
                 <a:noFill/>
               </a14:hiddenFill>
             </a:ext>
@@ -5227,7 +5229,7 @@
           </a:ln>
           <a:extLst>
             <a:ext uri="{909E8E84-426E-40dd-AFC4-6F175D3DCCD1}">
-              <a14:hiddenFill xmlns="" xmlns:a14="http://schemas.microsoft.com/office/drawing/2010/main">
+              <a14:hiddenFill xmlns:a14="http://schemas.microsoft.com/office/drawing/2010/main" xmlns="">
                 <a:noFill/>
               </a14:hiddenFill>
             </a:ext>
@@ -5276,14 +5278,14 @@
           </a:ln>
           <a:extLst>
             <a:ext uri="{909E8E84-426E-40dd-AFC4-6F175D3DCCD1}">
-              <a14:hiddenFill xmlns="" xmlns:a14="http://schemas.microsoft.com/office/drawing/2010/main">
+              <a14:hiddenFill xmlns:a14="http://schemas.microsoft.com/office/drawing/2010/main" xmlns="">
                 <a:solidFill>
                   <a:srgbClr val="FFFFFF"/>
                 </a:solidFill>
               </a14:hiddenFill>
             </a:ext>
             <a:ext uri="{91240B29-F687-4f45-9708-019B960494DF}">
-              <a14:hiddenLine xmlns="" xmlns:a14="http://schemas.microsoft.com/office/drawing/2010/main" w="9525">
+              <a14:hiddenLine xmlns:a14="http://schemas.microsoft.com/office/drawing/2010/main" xmlns="" w="9525">
                 <a:solidFill>
                   <a:srgbClr val="000000"/>
                 </a:solidFill>
@@ -5545,7 +5547,7 @@
           </a:ln>
           <a:extLst>
             <a:ext uri="{909E8E84-426E-40dd-AFC4-6F175D3DCCD1}">
-              <a14:hiddenFill xmlns="" xmlns:a14="http://schemas.microsoft.com/office/drawing/2010/main">
+              <a14:hiddenFill xmlns:a14="http://schemas.microsoft.com/office/drawing/2010/main" xmlns="">
                 <a:noFill/>
               </a14:hiddenFill>
             </a:ext>
@@ -5594,14 +5596,14 @@
           </a:ln>
           <a:extLst>
             <a:ext uri="{909E8E84-426E-40dd-AFC4-6F175D3DCCD1}">
-              <a14:hiddenFill xmlns="" xmlns:a14="http://schemas.microsoft.com/office/drawing/2010/main">
+              <a14:hiddenFill xmlns:a14="http://schemas.microsoft.com/office/drawing/2010/main" xmlns="">
                 <a:solidFill>
                   <a:srgbClr val="FFFFFF"/>
                 </a:solidFill>
               </a14:hiddenFill>
             </a:ext>
             <a:ext uri="{91240B29-F687-4f45-9708-019B960494DF}">
-              <a14:hiddenLine xmlns="" xmlns:a14="http://schemas.microsoft.com/office/drawing/2010/main" w="9525">
+              <a14:hiddenLine xmlns:a14="http://schemas.microsoft.com/office/drawing/2010/main" xmlns="" w="9525">
                 <a:solidFill>
                   <a:srgbClr val="000000"/>
                 </a:solidFill>
@@ -6071,7 +6073,7 @@
           </a:ln>
           <a:extLst>
             <a:ext uri="{909E8E84-426E-40dd-AFC4-6F175D3DCCD1}">
-              <a14:hiddenFill xmlns="" xmlns:a14="http://schemas.microsoft.com/office/drawing/2010/main">
+              <a14:hiddenFill xmlns:a14="http://schemas.microsoft.com/office/drawing/2010/main" xmlns="">
                 <a:noFill/>
               </a14:hiddenFill>
             </a:ext>
@@ -6101,7 +6103,7 @@
           <a:lstStyle/>
           <a:p>
             <a:r>
-              <a:rPr lang="zh-Hans" altLang="en-US" smtClean="0"/>
+              <a:rPr lang="zh-CHS" altLang="en-US" smtClean="0"/>
               <a:t>单击此处编辑母版标题样式</a:t>
             </a:r>
             <a:endParaRPr lang="en-US"/>
@@ -6143,35 +6145,35 @@
           <a:p>
             <a:pPr lvl="0"/>
             <a:r>
-              <a:rPr lang="zh-Hans" altLang="en-US" smtClean="0"/>
+              <a:rPr lang="zh-CHS" altLang="en-US" smtClean="0"/>
               <a:t>单击此处编辑母版文本样式</a:t>
             </a:r>
           </a:p>
           <a:p>
             <a:pPr lvl="1"/>
             <a:r>
-              <a:rPr lang="zh-Hans" altLang="en-US" smtClean="0"/>
+              <a:rPr lang="zh-CHS" altLang="en-US" smtClean="0"/>
               <a:t>第二级</a:t>
             </a:r>
           </a:p>
           <a:p>
             <a:pPr lvl="2"/>
             <a:r>
-              <a:rPr lang="zh-Hans" altLang="en-US" smtClean="0"/>
+              <a:rPr lang="zh-CHS" altLang="en-US" smtClean="0"/>
               <a:t>第三级</a:t>
             </a:r>
           </a:p>
           <a:p>
             <a:pPr lvl="3"/>
             <a:r>
-              <a:rPr lang="zh-Hans" altLang="en-US" smtClean="0"/>
+              <a:rPr lang="zh-CHS" altLang="en-US" smtClean="0"/>
               <a:t>第四级</a:t>
             </a:r>
           </a:p>
           <a:p>
             <a:pPr lvl="4"/>
             <a:r>
-              <a:rPr lang="zh-Hans" altLang="en-US" smtClean="0"/>
+              <a:rPr lang="zh-CHS" altLang="en-US" smtClean="0"/>
               <a:t>第五级</a:t>
             </a:r>
             <a:endParaRPr lang="en-US" dirty="0"/>
@@ -6450,7 +6452,7 @@
           </a:ln>
           <a:extLst>
             <a:ext uri="{909E8E84-426E-40dd-AFC4-6F175D3DCCD1}">
-              <a14:hiddenFill xmlns="" xmlns:a14="http://schemas.microsoft.com/office/drawing/2010/main">
+              <a14:hiddenFill xmlns:a14="http://schemas.microsoft.com/office/drawing/2010/main" xmlns="">
                 <a:noFill/>
               </a14:hiddenFill>
             </a:ext>
@@ -6491,7 +6493,7 @@
           </a:ln>
           <a:extLst>
             <a:ext uri="{909E8E84-426E-40dd-AFC4-6F175D3DCCD1}">
-              <a14:hiddenFill xmlns="" xmlns:a14="http://schemas.microsoft.com/office/drawing/2010/main">
+              <a14:hiddenFill xmlns:a14="http://schemas.microsoft.com/office/drawing/2010/main" xmlns="">
                 <a:noFill/>
               </a14:hiddenFill>
             </a:ext>
@@ -6702,7 +6704,7 @@
           </a:ln>
           <a:extLst>
             <a:ext uri="{909E8E84-426E-40dd-AFC4-6F175D3DCCD1}">
-              <a14:hiddenFill xmlns="" xmlns:a14="http://schemas.microsoft.com/office/drawing/2010/main">
+              <a14:hiddenFill xmlns:a14="http://schemas.microsoft.com/office/drawing/2010/main" xmlns="">
                 <a:noFill/>
               </a14:hiddenFill>
             </a:ext>
@@ -6751,14 +6753,14 @@
           </a:ln>
           <a:extLst>
             <a:ext uri="{909E8E84-426E-40dd-AFC4-6F175D3DCCD1}">
-              <a14:hiddenFill xmlns="" xmlns:a14="http://schemas.microsoft.com/office/drawing/2010/main">
+              <a14:hiddenFill xmlns:a14="http://schemas.microsoft.com/office/drawing/2010/main" xmlns="">
                 <a:solidFill>
                   <a:srgbClr val="FFFFFF"/>
                 </a:solidFill>
               </a14:hiddenFill>
             </a:ext>
             <a:ext uri="{91240B29-F687-4f45-9708-019B960494DF}">
-              <a14:hiddenLine xmlns="" xmlns:a14="http://schemas.microsoft.com/office/drawing/2010/main" w="9525">
+              <a14:hiddenLine xmlns:a14="http://schemas.microsoft.com/office/drawing/2010/main" xmlns="" w="9525">
                 <a:solidFill>
                   <a:srgbClr val="000000"/>
                 </a:solidFill>
@@ -6989,7 +6991,7 @@
           </a:ln>
           <a:extLst>
             <a:ext uri="{909E8E84-426E-40dd-AFC4-6F175D3DCCD1}">
-              <a14:hiddenFill xmlns="" xmlns:a14="http://schemas.microsoft.com/office/drawing/2010/main">
+              <a14:hiddenFill xmlns:a14="http://schemas.microsoft.com/office/drawing/2010/main" xmlns="">
                 <a:noFill/>
               </a14:hiddenFill>
             </a:ext>
@@ -7019,7 +7021,7 @@
           <a:lstStyle/>
           <a:p>
             <a:r>
-              <a:rPr lang="zh-Hans" altLang="en-US" smtClean="0"/>
+              <a:rPr lang="zh-CHS" altLang="en-US" smtClean="0"/>
               <a:t>单击此处编辑母版标题样式</a:t>
             </a:r>
             <a:endParaRPr lang="en-US"/>
@@ -7114,35 +7116,35 @@
           <a:p>
             <a:pPr lvl="0"/>
             <a:r>
-              <a:rPr lang="zh-Hans" altLang="en-US" smtClean="0"/>
+              <a:rPr lang="zh-CHS" altLang="en-US" smtClean="0"/>
               <a:t>单击此处编辑母版文本样式</a:t>
             </a:r>
           </a:p>
           <a:p>
             <a:pPr lvl="1"/>
             <a:r>
-              <a:rPr lang="zh-Hans" altLang="en-US" smtClean="0"/>
+              <a:rPr lang="zh-CHS" altLang="en-US" smtClean="0"/>
               <a:t>第二级</a:t>
             </a:r>
           </a:p>
           <a:p>
             <a:pPr lvl="2"/>
             <a:r>
-              <a:rPr lang="zh-Hans" altLang="en-US" smtClean="0"/>
+              <a:rPr lang="zh-CHS" altLang="en-US" smtClean="0"/>
               <a:t>第三级</a:t>
             </a:r>
           </a:p>
           <a:p>
             <a:pPr lvl="3"/>
             <a:r>
-              <a:rPr lang="zh-Hans" altLang="en-US" smtClean="0"/>
+              <a:rPr lang="zh-CHS" altLang="en-US" smtClean="0"/>
               <a:t>第四级</a:t>
             </a:r>
           </a:p>
           <a:p>
             <a:pPr lvl="4"/>
             <a:r>
-              <a:rPr lang="zh-Hans" altLang="en-US" smtClean="0"/>
+              <a:rPr lang="zh-CHS" altLang="en-US" smtClean="0"/>
               <a:t>第五级</a:t>
             </a:r>
             <a:endParaRPr lang="en-US" dirty="0"/>
@@ -7240,7 +7242,7 @@
           </a:ln>
           <a:extLst>
             <a:ext uri="{909E8E84-426E-40dd-AFC4-6F175D3DCCD1}">
-              <a14:hiddenFill xmlns="" xmlns:a14="http://schemas.microsoft.com/office/drawing/2010/main">
+              <a14:hiddenFill xmlns:a14="http://schemas.microsoft.com/office/drawing/2010/main" xmlns="">
                 <a:noFill/>
               </a14:hiddenFill>
             </a:ext>
@@ -7289,14 +7291,14 @@
           </a:ln>
           <a:extLst>
             <a:ext uri="{909E8E84-426E-40dd-AFC4-6F175D3DCCD1}">
-              <a14:hiddenFill xmlns="" xmlns:a14="http://schemas.microsoft.com/office/drawing/2010/main">
+              <a14:hiddenFill xmlns:a14="http://schemas.microsoft.com/office/drawing/2010/main" xmlns="">
                 <a:solidFill>
                   <a:srgbClr val="FFFFFF"/>
                 </a:solidFill>
               </a14:hiddenFill>
             </a:ext>
             <a:ext uri="{91240B29-F687-4f45-9708-019B960494DF}">
-              <a14:hiddenLine xmlns="" xmlns:a14="http://schemas.microsoft.com/office/drawing/2010/main" w="9525">
+              <a14:hiddenLine xmlns:a14="http://schemas.microsoft.com/office/drawing/2010/main" xmlns="" w="9525">
                 <a:solidFill>
                   <a:srgbClr val="000000"/>
                 </a:solidFill>
@@ -7347,7 +7349,7 @@
           </a:lstStyle>
           <a:p>
             <a:r>
-              <a:rPr lang="zh-Hans" altLang="en-US" noProof="0" smtClean="0">
+              <a:rPr lang="zh-CHS" altLang="en-US" noProof="0" smtClean="0">
                 <a:sym typeface="Open Sans Extrabold" charset="0"/>
               </a:rPr>
               <a:t>单击此处编辑母版标题样式</a:t>
@@ -7424,35 +7426,35 @@
           <a:p>
             <a:pPr lvl="0"/>
             <a:r>
-              <a:rPr lang="zh-Hans" altLang="en-US" smtClean="0"/>
+              <a:rPr lang="zh-CHS" altLang="en-US" smtClean="0"/>
               <a:t>单击此处编辑母版文本样式</a:t>
             </a:r>
           </a:p>
           <a:p>
             <a:pPr lvl="1"/>
             <a:r>
-              <a:rPr lang="zh-Hans" altLang="en-US" smtClean="0"/>
+              <a:rPr lang="zh-CHS" altLang="en-US" smtClean="0"/>
               <a:t>第二级</a:t>
             </a:r>
           </a:p>
           <a:p>
             <a:pPr lvl="2"/>
             <a:r>
-              <a:rPr lang="zh-Hans" altLang="en-US" smtClean="0"/>
+              <a:rPr lang="zh-CHS" altLang="en-US" smtClean="0"/>
               <a:t>第三级</a:t>
             </a:r>
           </a:p>
           <a:p>
             <a:pPr lvl="3"/>
             <a:r>
-              <a:rPr lang="zh-Hans" altLang="en-US" smtClean="0"/>
+              <a:rPr lang="zh-CHS" altLang="en-US" smtClean="0"/>
               <a:t>第四级</a:t>
             </a:r>
           </a:p>
           <a:p>
             <a:pPr lvl="4"/>
             <a:r>
-              <a:rPr lang="zh-Hans" altLang="en-US" smtClean="0"/>
+              <a:rPr lang="zh-CHS" altLang="en-US" smtClean="0"/>
               <a:t>第五级</a:t>
             </a:r>
             <a:endParaRPr lang="en-US" dirty="0"/>
@@ -7558,7 +7560,7 @@
           </a:ln>
           <a:extLst>
             <a:ext uri="{909E8E84-426E-40dd-AFC4-6F175D3DCCD1}">
-              <a14:hiddenFill xmlns="" xmlns:a14="http://schemas.microsoft.com/office/drawing/2010/main">
+              <a14:hiddenFill xmlns:a14="http://schemas.microsoft.com/office/drawing/2010/main" xmlns="">
                 <a:noFill/>
               </a14:hiddenFill>
             </a:ext>
@@ -7607,14 +7609,14 @@
           </a:ln>
           <a:extLst>
             <a:ext uri="{909E8E84-426E-40dd-AFC4-6F175D3DCCD1}">
-              <a14:hiddenFill xmlns="" xmlns:a14="http://schemas.microsoft.com/office/drawing/2010/main">
+              <a14:hiddenFill xmlns:a14="http://schemas.microsoft.com/office/drawing/2010/main" xmlns="">
                 <a:solidFill>
                   <a:srgbClr val="FFFFFF"/>
                 </a:solidFill>
               </a14:hiddenFill>
             </a:ext>
             <a:ext uri="{91240B29-F687-4f45-9708-019B960494DF}">
-              <a14:hiddenLine xmlns="" xmlns:a14="http://schemas.microsoft.com/office/drawing/2010/main" w="9525">
+              <a14:hiddenLine xmlns:a14="http://schemas.microsoft.com/office/drawing/2010/main" xmlns="" w="9525">
                 <a:solidFill>
                   <a:srgbClr val="000000"/>
                 </a:solidFill>
@@ -7669,7 +7671,7 @@
           </a:lstStyle>
           <a:p>
             <a:r>
-              <a:rPr lang="zh-Hans" altLang="en-US" noProof="0" smtClean="0">
+              <a:rPr lang="zh-CHS" altLang="en-US" noProof="0" smtClean="0">
                 <a:sym typeface="Open Sans Extrabold" charset="0"/>
               </a:rPr>
               <a:t>单击此处编辑母版标题样式</a:t>
@@ -7761,35 +7763,35 @@
           <a:p>
             <a:pPr lvl="0"/>
             <a:r>
-              <a:rPr lang="zh-Hans" altLang="en-US" smtClean="0"/>
+              <a:rPr lang="zh-CHS" altLang="en-US" smtClean="0"/>
               <a:t>单击此处编辑母版文本样式</a:t>
             </a:r>
           </a:p>
           <a:p>
             <a:pPr lvl="1"/>
             <a:r>
-              <a:rPr lang="zh-Hans" altLang="en-US" smtClean="0"/>
+              <a:rPr lang="zh-CHS" altLang="en-US" smtClean="0"/>
               <a:t>第二级</a:t>
             </a:r>
           </a:p>
           <a:p>
             <a:pPr lvl="2"/>
             <a:r>
-              <a:rPr lang="zh-Hans" altLang="en-US" smtClean="0"/>
+              <a:rPr lang="zh-CHS" altLang="en-US" smtClean="0"/>
               <a:t>第三级</a:t>
             </a:r>
           </a:p>
           <a:p>
             <a:pPr lvl="3"/>
             <a:r>
-              <a:rPr lang="zh-Hans" altLang="en-US" smtClean="0"/>
+              <a:rPr lang="zh-CHS" altLang="en-US" smtClean="0"/>
               <a:t>第四级</a:t>
             </a:r>
           </a:p>
           <a:p>
             <a:pPr lvl="4"/>
             <a:r>
-              <a:rPr lang="zh-Hans" altLang="en-US" smtClean="0"/>
+              <a:rPr lang="zh-CHS" altLang="en-US" smtClean="0"/>
               <a:t>第五级</a:t>
             </a:r>
             <a:endParaRPr lang="en-US" dirty="0"/>
@@ -7881,7 +7883,7 @@
           <a:lstStyle/>
           <a:p>
             <a:r>
-              <a:rPr lang="zh-Hans" altLang="en-US" smtClean="0"/>
+              <a:rPr lang="zh-CHS" altLang="en-US" smtClean="0"/>
               <a:t>单击此处编辑母版标题样式</a:t>
             </a:r>
             <a:endParaRPr lang="en-US" dirty="0"/>
@@ -7941,35 +7943,35 @@
           <a:p>
             <a:pPr lvl="0"/>
             <a:r>
-              <a:rPr lang="zh-Hans" altLang="en-US" smtClean="0"/>
+              <a:rPr lang="zh-CHS" altLang="en-US" smtClean="0"/>
               <a:t>单击此处编辑母版文本样式</a:t>
             </a:r>
           </a:p>
           <a:p>
             <a:pPr lvl="1"/>
             <a:r>
-              <a:rPr lang="zh-Hans" altLang="en-US" smtClean="0"/>
+              <a:rPr lang="zh-CHS" altLang="en-US" smtClean="0"/>
               <a:t>第二级</a:t>
             </a:r>
           </a:p>
           <a:p>
             <a:pPr lvl="2"/>
             <a:r>
-              <a:rPr lang="zh-Hans" altLang="en-US" smtClean="0"/>
+              <a:rPr lang="zh-CHS" altLang="en-US" smtClean="0"/>
               <a:t>第三级</a:t>
             </a:r>
           </a:p>
           <a:p>
             <a:pPr lvl="3"/>
             <a:r>
-              <a:rPr lang="zh-Hans" altLang="en-US" smtClean="0"/>
+              <a:rPr lang="zh-CHS" altLang="en-US" smtClean="0"/>
               <a:t>第四级</a:t>
             </a:r>
           </a:p>
           <a:p>
             <a:pPr lvl="4"/>
             <a:r>
-              <a:rPr lang="zh-Hans" altLang="en-US" smtClean="0"/>
+              <a:rPr lang="zh-CHS" altLang="en-US" smtClean="0"/>
               <a:t>第五级</a:t>
             </a:r>
             <a:endParaRPr lang="en-US" dirty="0"/>
@@ -8122,35 +8124,35 @@
           <a:p>
             <a:pPr lvl="0"/>
             <a:r>
-              <a:rPr lang="zh-Hans" altLang="en-US" smtClean="0"/>
+              <a:rPr lang="zh-CHS" altLang="en-US" smtClean="0"/>
               <a:t>单击此处编辑母版文本样式</a:t>
             </a:r>
           </a:p>
           <a:p>
             <a:pPr lvl="1"/>
             <a:r>
-              <a:rPr lang="zh-Hans" altLang="en-US" smtClean="0"/>
+              <a:rPr lang="zh-CHS" altLang="en-US" smtClean="0"/>
               <a:t>第二级</a:t>
             </a:r>
           </a:p>
           <a:p>
             <a:pPr lvl="2"/>
             <a:r>
-              <a:rPr lang="zh-Hans" altLang="en-US" smtClean="0"/>
+              <a:rPr lang="zh-CHS" altLang="en-US" smtClean="0"/>
               <a:t>第三级</a:t>
             </a:r>
           </a:p>
           <a:p>
             <a:pPr lvl="3"/>
             <a:r>
-              <a:rPr lang="zh-Hans" altLang="en-US" smtClean="0"/>
+              <a:rPr lang="zh-CHS" altLang="en-US" smtClean="0"/>
               <a:t>第四级</a:t>
             </a:r>
           </a:p>
           <a:p>
             <a:pPr lvl="4"/>
             <a:r>
-              <a:rPr lang="zh-Hans" altLang="en-US" smtClean="0"/>
+              <a:rPr lang="zh-CHS" altLang="en-US" smtClean="0"/>
               <a:t>第五级</a:t>
             </a:r>
             <a:endParaRPr lang="en-US" dirty="0"/>
@@ -8250,7 +8252,7 @@
           </a:ln>
           <a:extLst>
             <a:ext uri="{909E8E84-426E-40dd-AFC4-6F175D3DCCD1}">
-              <a14:hiddenFill xmlns="" xmlns:a14="http://schemas.microsoft.com/office/drawing/2010/main">
+              <a14:hiddenFill xmlns:a14="http://schemas.microsoft.com/office/drawing/2010/main" xmlns="">
                 <a:noFill/>
               </a14:hiddenFill>
             </a:ext>
@@ -8291,7 +8293,7 @@
           </a:ln>
           <a:extLst>
             <a:ext uri="{909E8E84-426E-40dd-AFC4-6F175D3DCCD1}">
-              <a14:hiddenFill xmlns="" xmlns:a14="http://schemas.microsoft.com/office/drawing/2010/main">
+              <a14:hiddenFill xmlns:a14="http://schemas.microsoft.com/office/drawing/2010/main" xmlns="">
                 <a:noFill/>
               </a14:hiddenFill>
             </a:ext>
@@ -8330,7 +8332,7 @@
           </a:lstStyle>
           <a:p>
             <a:r>
-              <a:rPr lang="zh-Hans" altLang="en-US" smtClean="0"/>
+              <a:rPr lang="zh-CHS" altLang="en-US" smtClean="0"/>
               <a:t>单击此处编辑母版标题样式</a:t>
             </a:r>
             <a:endParaRPr lang="en-US" dirty="0"/>
@@ -8434,17 +8436,17 @@
           <a:effectLst/>
           <a:extLst>
             <a:ext uri="{FAA26D3D-D897-4be2-8F04-BA451C77F1D7}">
-              <ma14:placeholderFlag xmlns:ma14="http://schemas.microsoft.com/office/mac/drawingml/2011/main" xmlns="" val="1"/>
+              <ma14:placeholderFlag xmlns:ma14="http://schemas.microsoft.com/office/mac/drawingml/2011/main" val="1"/>
             </a:ext>
             <a:ext uri="{909E8E84-426E-40dd-AFC4-6F175D3DCCD1}">
-              <a14:hiddenFill xmlns="" xmlns:a14="http://schemas.microsoft.com/office/drawing/2010/main">
+              <a14:hiddenFill xmlns:a14="http://schemas.microsoft.com/office/drawing/2010/main" xmlns="">
                 <a:solidFill>
                   <a:srgbClr val="FFFFFF"/>
                 </a:solidFill>
               </a14:hiddenFill>
             </a:ext>
             <a:ext uri="{91240B29-F687-4f45-9708-019B960494DF}">
-              <a14:hiddenLine xmlns="" xmlns:a14="http://schemas.microsoft.com/office/drawing/2010/main" w="12700">
+              <a14:hiddenLine xmlns:a14="http://schemas.microsoft.com/office/drawing/2010/main" xmlns="" w="12700">
                 <a:solidFill>
                   <a:schemeClr val="tx1"/>
                 </a:solidFill>
@@ -8454,7 +8456,7 @@
               </a14:hiddenLine>
             </a:ext>
             <a:ext uri="{AF507438-7753-43e0-B8FC-AC1667EBCBE1}">
-              <a14:hiddenEffects xmlns="" xmlns:a14="http://schemas.microsoft.com/office/drawing/2010/main">
+              <a14:hiddenEffects xmlns:a14="http://schemas.microsoft.com/office/drawing/2010/main" xmlns="">
                 <a:effectLst>
                   <a:outerShdw blurRad="63500" dist="38099" dir="2700000" algn="ctr" rotWithShape="0">
                     <a:srgbClr val="000000">
@@ -8476,7 +8478,7 @@
           <a:p>
             <a:pPr lvl="0"/>
             <a:r>
-              <a:rPr lang="zh-Hans" altLang="en-US" smtClean="0">
+              <a:rPr lang="zh-CHS" altLang="en-US" smtClean="0">
                 <a:sym typeface="Open Sans Extrabold" charset="0"/>
               </a:rPr>
               <a:t>单击此处编辑母版标题样式</a:t>
@@ -8512,17 +8514,17 @@
           <a:effectLst/>
           <a:extLst>
             <a:ext uri="{FAA26D3D-D897-4be2-8F04-BA451C77F1D7}">
-              <ma14:placeholderFlag xmlns:ma14="http://schemas.microsoft.com/office/mac/drawingml/2011/main" xmlns="" val="1"/>
+              <ma14:placeholderFlag xmlns:ma14="http://schemas.microsoft.com/office/mac/drawingml/2011/main" val="1"/>
             </a:ext>
             <a:ext uri="{909E8E84-426E-40dd-AFC4-6F175D3DCCD1}">
-              <a14:hiddenFill xmlns="" xmlns:a14="http://schemas.microsoft.com/office/drawing/2010/main">
+              <a14:hiddenFill xmlns:a14="http://schemas.microsoft.com/office/drawing/2010/main" xmlns="">
                 <a:solidFill>
                   <a:srgbClr val="FFFFFF"/>
                 </a:solidFill>
               </a14:hiddenFill>
             </a:ext>
             <a:ext uri="{91240B29-F687-4f45-9708-019B960494DF}">
-              <a14:hiddenLine xmlns="" xmlns:a14="http://schemas.microsoft.com/office/drawing/2010/main" w="12700">
+              <a14:hiddenLine xmlns:a14="http://schemas.microsoft.com/office/drawing/2010/main" xmlns="" w="12700">
                 <a:solidFill>
                   <a:schemeClr val="tx1"/>
                 </a:solidFill>
@@ -8532,7 +8534,7 @@
               </a14:hiddenLine>
             </a:ext>
             <a:ext uri="{AF507438-7753-43e0-B8FC-AC1667EBCBE1}">
-              <a14:hiddenEffects xmlns="" xmlns:a14="http://schemas.microsoft.com/office/drawing/2010/main">
+              <a14:hiddenEffects xmlns:a14="http://schemas.microsoft.com/office/drawing/2010/main" xmlns="">
                 <a:effectLst>
                   <a:outerShdw blurRad="63500" dist="38099" dir="2700000" algn="ctr" rotWithShape="0">
                     <a:srgbClr val="000000">
@@ -8554,7 +8556,7 @@
           <a:p>
             <a:pPr lvl="0"/>
             <a:r>
-              <a:rPr lang="zh-Hans" altLang="en-US" smtClean="0">
+              <a:rPr lang="zh-CHS" altLang="en-US" smtClean="0">
                 <a:sym typeface="Open Sans Light" charset="0"/>
               </a:rPr>
               <a:t>单击此处编辑母版文本样式</a:t>
@@ -8563,7 +8565,7 @@
           <a:p>
             <a:pPr lvl="1"/>
             <a:r>
-              <a:rPr lang="zh-Hans" altLang="en-US" smtClean="0">
+              <a:rPr lang="zh-CHS" altLang="en-US" smtClean="0">
                 <a:sym typeface="Open Sans Light" charset="0"/>
               </a:rPr>
               <a:t>第二级</a:t>
@@ -8572,7 +8574,7 @@
           <a:p>
             <a:pPr lvl="2"/>
             <a:r>
-              <a:rPr lang="zh-Hans" altLang="en-US" smtClean="0">
+              <a:rPr lang="zh-CHS" altLang="en-US" smtClean="0">
                 <a:sym typeface="Open Sans Light" charset="0"/>
               </a:rPr>
               <a:t>第三级</a:t>
@@ -8581,7 +8583,7 @@
           <a:p>
             <a:pPr lvl="3"/>
             <a:r>
-              <a:rPr lang="zh-Hans" altLang="en-US" smtClean="0">
+              <a:rPr lang="zh-CHS" altLang="en-US" smtClean="0">
                 <a:sym typeface="Open Sans Light" charset="0"/>
               </a:rPr>
               <a:t>第四级</a:t>
@@ -8590,7 +8592,7 @@
           <a:p>
             <a:pPr lvl="4"/>
             <a:r>
-              <a:rPr lang="zh-Hans" altLang="en-US" smtClean="0">
+              <a:rPr lang="zh-CHS" altLang="en-US" smtClean="0">
                 <a:sym typeface="Open Sans Light" charset="0"/>
               </a:rPr>
               <a:t>第五级</a:t>
@@ -8626,14 +8628,14 @@
           <a:effectLst/>
           <a:extLst>
             <a:ext uri="{909E8E84-426E-40dd-AFC4-6F175D3DCCD1}">
-              <a14:hiddenFill xmlns="" xmlns:a14="http://schemas.microsoft.com/office/drawing/2010/main">
+              <a14:hiddenFill xmlns:a14="http://schemas.microsoft.com/office/drawing/2010/main" xmlns="">
                 <a:solidFill>
                   <a:srgbClr val="FFFFFF"/>
                 </a:solidFill>
               </a14:hiddenFill>
             </a:ext>
             <a:ext uri="{91240B29-F687-4f45-9708-019B960494DF}">
-              <a14:hiddenLine xmlns="" xmlns:a14="http://schemas.microsoft.com/office/drawing/2010/main" w="12700">
+              <a14:hiddenLine xmlns:a14="http://schemas.microsoft.com/office/drawing/2010/main" xmlns="" w="12700">
                 <a:solidFill>
                   <a:schemeClr val="tx1"/>
                 </a:solidFill>
@@ -8643,7 +8645,7 @@
               </a14:hiddenLine>
             </a:ext>
             <a:ext uri="{AF507438-7753-43e0-B8FC-AC1667EBCBE1}">
-              <a14:hiddenEffects xmlns="" xmlns:a14="http://schemas.microsoft.com/office/drawing/2010/main">
+              <a14:hiddenEffects xmlns:a14="http://schemas.microsoft.com/office/drawing/2010/main" xmlns="">
                 <a:effectLst>
                   <a:outerShdw blurRad="63500" dist="38099" dir="2700000" algn="ctr" rotWithShape="0">
                     <a:srgbClr val="000000">
@@ -9329,17 +9331,17 @@
           <a:effectLst/>
           <a:extLst>
             <a:ext uri="{FAA26D3D-D897-4be2-8F04-BA451C77F1D7}">
-              <ma14:placeholderFlag xmlns:ma14="http://schemas.microsoft.com/office/mac/drawingml/2011/main" xmlns="" val="1"/>
+              <ma14:placeholderFlag xmlns:ma14="http://schemas.microsoft.com/office/mac/drawingml/2011/main" val="1"/>
             </a:ext>
             <a:ext uri="{909E8E84-426E-40dd-AFC4-6F175D3DCCD1}">
-              <a14:hiddenFill xmlns="" xmlns:a14="http://schemas.microsoft.com/office/drawing/2010/main">
+              <a14:hiddenFill xmlns:a14="http://schemas.microsoft.com/office/drawing/2010/main" xmlns="">
                 <a:solidFill>
                   <a:srgbClr val="FFFFFF"/>
                 </a:solidFill>
               </a14:hiddenFill>
             </a:ext>
             <a:ext uri="{91240B29-F687-4f45-9708-019B960494DF}">
-              <a14:hiddenLine xmlns="" xmlns:a14="http://schemas.microsoft.com/office/drawing/2010/main" w="12700">
+              <a14:hiddenLine xmlns:a14="http://schemas.microsoft.com/office/drawing/2010/main" xmlns="" w="12700">
                 <a:solidFill>
                   <a:schemeClr val="tx1"/>
                 </a:solidFill>
@@ -9349,7 +9351,7 @@
               </a14:hiddenLine>
             </a:ext>
             <a:ext uri="{AF507438-7753-43e0-B8FC-AC1667EBCBE1}">
-              <a14:hiddenEffects xmlns="" xmlns:a14="http://schemas.microsoft.com/office/drawing/2010/main">
+              <a14:hiddenEffects xmlns:a14="http://schemas.microsoft.com/office/drawing/2010/main" xmlns="">
                 <a:effectLst>
                   <a:outerShdw blurRad="63500" dist="38099" dir="2700000" algn="ctr" rotWithShape="0">
                     <a:srgbClr val="000000">
@@ -9404,17 +9406,17 @@
           <a:effectLst/>
           <a:extLst>
             <a:ext uri="{FAA26D3D-D897-4be2-8F04-BA451C77F1D7}">
-              <ma14:placeholderFlag xmlns:ma14="http://schemas.microsoft.com/office/mac/drawingml/2011/main" xmlns="" val="1"/>
+              <ma14:placeholderFlag xmlns:ma14="http://schemas.microsoft.com/office/mac/drawingml/2011/main" val="1"/>
             </a:ext>
             <a:ext uri="{909E8E84-426E-40dd-AFC4-6F175D3DCCD1}">
-              <a14:hiddenFill xmlns="" xmlns:a14="http://schemas.microsoft.com/office/drawing/2010/main">
+              <a14:hiddenFill xmlns:a14="http://schemas.microsoft.com/office/drawing/2010/main" xmlns="">
                 <a:solidFill>
                   <a:srgbClr val="FFFFFF"/>
                 </a:solidFill>
               </a14:hiddenFill>
             </a:ext>
             <a:ext uri="{91240B29-F687-4f45-9708-019B960494DF}">
-              <a14:hiddenLine xmlns="" xmlns:a14="http://schemas.microsoft.com/office/drawing/2010/main" w="12700">
+              <a14:hiddenLine xmlns:a14="http://schemas.microsoft.com/office/drawing/2010/main" xmlns="" w="12700">
                 <a:solidFill>
                   <a:schemeClr val="tx1"/>
                 </a:solidFill>
@@ -9424,7 +9426,7 @@
               </a14:hiddenLine>
             </a:ext>
             <a:ext uri="{AF507438-7753-43e0-B8FC-AC1667EBCBE1}">
-              <a14:hiddenEffects xmlns="" xmlns:a14="http://schemas.microsoft.com/office/drawing/2010/main">
+              <a14:hiddenEffects xmlns:a14="http://schemas.microsoft.com/office/drawing/2010/main" xmlns="">
                 <a:effectLst>
                   <a:outerShdw blurRad="63500" dist="38099" dir="2700000" algn="ctr" rotWithShape="0">
                     <a:srgbClr val="000000">
@@ -9515,14 +9517,14 @@
           <a:effectLst/>
           <a:extLst>
             <a:ext uri="{909E8E84-426E-40dd-AFC4-6F175D3DCCD1}">
-              <a14:hiddenFill xmlns="" xmlns:a14="http://schemas.microsoft.com/office/drawing/2010/main">
+              <a14:hiddenFill xmlns:a14="http://schemas.microsoft.com/office/drawing/2010/main" xmlns="">
                 <a:solidFill>
                   <a:srgbClr val="FFFFFF"/>
                 </a:solidFill>
               </a14:hiddenFill>
             </a:ext>
             <a:ext uri="{91240B29-F687-4f45-9708-019B960494DF}">
-              <a14:hiddenLine xmlns="" xmlns:a14="http://schemas.microsoft.com/office/drawing/2010/main" w="12700">
+              <a14:hiddenLine xmlns:a14="http://schemas.microsoft.com/office/drawing/2010/main" xmlns="" w="12700">
                 <a:solidFill>
                   <a:schemeClr val="tx1"/>
                 </a:solidFill>
@@ -9532,7 +9534,7 @@
               </a14:hiddenLine>
             </a:ext>
             <a:ext uri="{AF507438-7753-43e0-B8FC-AC1667EBCBE1}">
-              <a14:hiddenEffects xmlns="" xmlns:a14="http://schemas.microsoft.com/office/drawing/2010/main">
+              <a14:hiddenEffects xmlns:a14="http://schemas.microsoft.com/office/drawing/2010/main" xmlns="">
                 <a:effectLst>
                   <a:outerShdw blurRad="63500" dist="38099" dir="2700000" algn="ctr" rotWithShape="0">
                     <a:srgbClr val="000000">
@@ -10227,17 +10229,17 @@
           <a:effectLst/>
           <a:extLst>
             <a:ext uri="{FAA26D3D-D897-4be2-8F04-BA451C77F1D7}">
-              <ma14:placeholderFlag xmlns:ma14="http://schemas.microsoft.com/office/mac/drawingml/2011/main" xmlns="" val="1"/>
+              <ma14:placeholderFlag xmlns:ma14="http://schemas.microsoft.com/office/mac/drawingml/2011/main" val="1"/>
             </a:ext>
             <a:ext uri="{909E8E84-426E-40dd-AFC4-6F175D3DCCD1}">
-              <a14:hiddenFill xmlns="" xmlns:a14="http://schemas.microsoft.com/office/drawing/2010/main">
+              <a14:hiddenFill xmlns:a14="http://schemas.microsoft.com/office/drawing/2010/main" xmlns="">
                 <a:solidFill>
                   <a:srgbClr val="FFFFFF"/>
                 </a:solidFill>
               </a14:hiddenFill>
             </a:ext>
             <a:ext uri="{91240B29-F687-4f45-9708-019B960494DF}">
-              <a14:hiddenLine xmlns="" xmlns:a14="http://schemas.microsoft.com/office/drawing/2010/main" w="12700">
+              <a14:hiddenLine xmlns:a14="http://schemas.microsoft.com/office/drawing/2010/main" xmlns="" w="12700">
                 <a:solidFill>
                   <a:schemeClr val="tx1"/>
                 </a:solidFill>
@@ -10247,7 +10249,7 @@
               </a14:hiddenLine>
             </a:ext>
             <a:ext uri="{AF507438-7753-43e0-B8FC-AC1667EBCBE1}">
-              <a14:hiddenEffects xmlns="" xmlns:a14="http://schemas.microsoft.com/office/drawing/2010/main">
+              <a14:hiddenEffects xmlns:a14="http://schemas.microsoft.com/office/drawing/2010/main" xmlns="">
                 <a:effectLst>
                   <a:outerShdw blurRad="63500" dist="38099" dir="2700000" algn="ctr" rotWithShape="0">
                     <a:srgbClr val="000000">
@@ -10302,17 +10304,17 @@
           <a:effectLst/>
           <a:extLst>
             <a:ext uri="{FAA26D3D-D897-4be2-8F04-BA451C77F1D7}">
-              <ma14:placeholderFlag xmlns:ma14="http://schemas.microsoft.com/office/mac/drawingml/2011/main" xmlns="" val="1"/>
+              <ma14:placeholderFlag xmlns:ma14="http://schemas.microsoft.com/office/mac/drawingml/2011/main" val="1"/>
             </a:ext>
             <a:ext uri="{909E8E84-426E-40dd-AFC4-6F175D3DCCD1}">
-              <a14:hiddenFill xmlns="" xmlns:a14="http://schemas.microsoft.com/office/drawing/2010/main">
+              <a14:hiddenFill xmlns:a14="http://schemas.microsoft.com/office/drawing/2010/main" xmlns="">
                 <a:solidFill>
                   <a:srgbClr val="FFFFFF"/>
                 </a:solidFill>
               </a14:hiddenFill>
             </a:ext>
             <a:ext uri="{91240B29-F687-4f45-9708-019B960494DF}">
-              <a14:hiddenLine xmlns="" xmlns:a14="http://schemas.microsoft.com/office/drawing/2010/main" w="12700">
+              <a14:hiddenLine xmlns:a14="http://schemas.microsoft.com/office/drawing/2010/main" xmlns="" w="12700">
                 <a:solidFill>
                   <a:schemeClr val="tx1"/>
                 </a:solidFill>
@@ -10322,7 +10324,7 @@
               </a14:hiddenLine>
             </a:ext>
             <a:ext uri="{AF507438-7753-43e0-B8FC-AC1667EBCBE1}">
-              <a14:hiddenEffects xmlns="" xmlns:a14="http://schemas.microsoft.com/office/drawing/2010/main">
+              <a14:hiddenEffects xmlns:a14="http://schemas.microsoft.com/office/drawing/2010/main" xmlns="">
                 <a:effectLst>
                   <a:outerShdw blurRad="63500" dist="38099" dir="2700000" algn="ctr" rotWithShape="0">
                     <a:srgbClr val="000000">
@@ -10413,14 +10415,14 @@
           <a:effectLst/>
           <a:extLst>
             <a:ext uri="{909E8E84-426E-40dd-AFC4-6F175D3DCCD1}">
-              <a14:hiddenFill xmlns="" xmlns:a14="http://schemas.microsoft.com/office/drawing/2010/main">
+              <a14:hiddenFill xmlns:a14="http://schemas.microsoft.com/office/drawing/2010/main" xmlns="">
                 <a:solidFill>
                   <a:srgbClr val="FFFFFF"/>
                 </a:solidFill>
               </a14:hiddenFill>
             </a:ext>
             <a:ext uri="{91240B29-F687-4f45-9708-019B960494DF}">
-              <a14:hiddenLine xmlns="" xmlns:a14="http://schemas.microsoft.com/office/drawing/2010/main" w="12700">
+              <a14:hiddenLine xmlns:a14="http://schemas.microsoft.com/office/drawing/2010/main" xmlns="" w="12700">
                 <a:solidFill>
                   <a:schemeClr val="tx1"/>
                 </a:solidFill>
@@ -10430,7 +10432,7 @@
               </a14:hiddenLine>
             </a:ext>
             <a:ext uri="{AF507438-7753-43e0-B8FC-AC1667EBCBE1}">
-              <a14:hiddenEffects xmlns="" xmlns:a14="http://schemas.microsoft.com/office/drawing/2010/main">
+              <a14:hiddenEffects xmlns:a14="http://schemas.microsoft.com/office/drawing/2010/main" xmlns="">
                 <a:effectLst>
                   <a:outerShdw blurRad="63500" dist="38099" dir="2700000" algn="ctr" rotWithShape="0">
                     <a:srgbClr val="000000">
@@ -11224,52 +11226,39 @@
           <a:p>
             <a:pPr algn="ctr"/>
             <a:r>
-              <a:rPr lang="en-US" altLang="zh-Hans" dirty="0" smtClean="0"/>
-              <a:t>TEST Fixture</a:t>
-            </a:r>
-            <a:endParaRPr lang="zh-Hans" altLang="en-US" dirty="0"/>
+              <a:rPr lang="en-US" altLang="zh-CHS" dirty="0" smtClean="0"/>
+              <a:t>Test-Driven Development</a:t>
+            </a:r>
+            <a:endParaRPr lang="zh-CHS" altLang="en-US" dirty="0"/>
           </a:p>
         </p:txBody>
       </p:sp>
-      <p:sp>
-        <p:nvSpPr>
-          <p:cNvPr id="3" name="内容占位符 2"/>
-          <p:cNvSpPr>
-            <a:spLocks noGrp="1"/>
-          </p:cNvSpPr>
+      <p:pic>
+        <p:nvPicPr>
+          <p:cNvPr id="5" name="Content Placeholder 4"/>
+          <p:cNvPicPr>
+            <a:picLocks noGrp="1" noChangeAspect="1"/>
+          </p:cNvPicPr>
           <p:nvPr>
             <p:ph idx="1"/>
           </p:nvPr>
-        </p:nvSpPr>
-        <p:spPr/>
-        <p:txBody>
-          <a:bodyPr/>
-          <a:lstStyle/>
-          <a:p>
-            <a:pPr marL="0" lvl="0"/>
-            <a:r>
-              <a:rPr lang="en-US" altLang="zh-Hans" sz="4400" dirty="0" smtClean="0"/>
-              <a:t>A test fixture allows you to </a:t>
-            </a:r>
-            <a:r>
-              <a:rPr lang="en-US" altLang="zh-Hans" sz="4400" dirty="0" smtClean="0">
-                <a:solidFill>
-                  <a:srgbClr val="FF0000"/>
-                </a:solidFill>
-              </a:rPr>
-              <a:t>reuse</a:t>
-            </a:r>
-            <a:r>
-              <a:rPr lang="en-US" altLang="zh-Hans" sz="4400" dirty="0" smtClean="0"/>
-              <a:t> the same configuration of objects for several different tests</a:t>
-            </a:r>
-          </a:p>
-          <a:p>
-            <a:pPr marL="0"/>
-            <a:endParaRPr lang="zh-Hans" altLang="en-US" dirty="0"/>
-          </a:p>
-        </p:txBody>
-      </p:sp>
+        </p:nvPicPr>
+        <p:blipFill>
+          <a:blip r:embed="rId2"/>
+          <a:stretch>
+            <a:fillRect/>
+          </a:stretch>
+        </p:blipFill>
+        <p:spPr>
+          <a:xfrm>
+            <a:off x="2825589" y="1551103"/>
+            <a:ext cx="7353622" cy="7684460"/>
+          </a:xfrm>
+          <a:prstGeom prst="rect">
+            <a:avLst/>
+          </a:prstGeom>
+        </p:spPr>
+      </p:pic>
       <p:sp>
         <p:nvSpPr>
           <p:cNvPr id="4" name="灯片编号占位符 3"/>
@@ -11299,39 +11288,12 @@
           </a:p>
         </p:txBody>
       </p:sp>
-      <p:pic>
-        <p:nvPicPr>
-          <p:cNvPr id="4100" name="Picture 4"/>
-          <p:cNvPicPr>
-            <a:picLocks noChangeAspect="1" noChangeArrowheads="1"/>
-          </p:cNvPicPr>
-          <p:nvPr/>
-        </p:nvPicPr>
-        <p:blipFill>
-          <a:blip r:embed="rId2"/>
-          <a:srcRect/>
-          <a:stretch>
-            <a:fillRect/>
-          </a:stretch>
-        </p:blipFill>
-        <p:spPr bwMode="auto">
-          <a:xfrm>
-            <a:off x="3406056" y="3767600"/>
-            <a:ext cx="6696744" cy="5365981"/>
-          </a:xfrm>
-          <a:prstGeom prst="rect">
-            <a:avLst/>
-          </a:prstGeom>
-          <a:noFill/>
-          <a:ln w="9525">
-            <a:noFill/>
-            <a:miter lim="800000"/>
-            <a:headEnd/>
-            <a:tailEnd/>
-          </a:ln>
-        </p:spPr>
-      </p:pic>
     </p:spTree>
+    <p:extLst>
+      <p:ext uri="{BB962C8B-B14F-4D97-AF65-F5344CB8AC3E}">
+        <p14:creationId xmlns:p14="http://schemas.microsoft.com/office/powerpoint/2010/main" val="501772890"/>
+      </p:ext>
+    </p:extLst>
   </p:cSld>
   <p:clrMapOvr>
     <a:masterClrMapping/>
@@ -11381,10 +11343,10 @@
           <a:p>
             <a:pPr algn="ctr"/>
             <a:r>
-              <a:rPr lang="en-US" altLang="zh-Hans" dirty="0" smtClean="0"/>
-              <a:t>TEST FIXTURE Internals</a:t>
-            </a:r>
-            <a:endParaRPr lang="zh-Hans" altLang="en-US" dirty="0"/>
+              <a:rPr lang="en-US" altLang="zh-CHS" dirty="0" smtClean="0"/>
+              <a:t>TEST Fixture</a:t>
+            </a:r>
+            <a:endParaRPr lang="zh-CHS" altLang="en-US" dirty="0"/>
           </a:p>
         </p:txBody>
       </p:sp>
@@ -11398,142 +11360,32 @@
             <p:ph idx="1"/>
           </p:nvPr>
         </p:nvSpPr>
-        <p:spPr>
-          <a:xfrm>
-            <a:off x="6502400" y="1708596"/>
-            <a:ext cx="6121400" cy="7632700"/>
-          </a:xfrm>
-        </p:spPr>
+        <p:spPr/>
         <p:txBody>
           <a:bodyPr/>
           <a:lstStyle/>
           <a:p>
-            <a:pPr>
-              <a:buClr>
-                <a:schemeClr val="tx2"/>
-              </a:buClr>
-              <a:buFont typeface="Wingdings" pitchFamily="2" charset="2"/>
-              <a:buChar char="p"/>
-            </a:pPr>
-            <a:r>
-              <a:rPr lang="en-US" altLang="zh-Hans" sz="2800" dirty="0" smtClean="0">
-                <a:latin typeface="Open Sans Light"/>
-                <a:cs typeface="Calibri" pitchFamily="34" charset="0"/>
+            <a:pPr marL="0" lvl="0"/>
+            <a:r>
+              <a:rPr lang="en-US" altLang="zh-CHS" sz="4400" dirty="0" smtClean="0"/>
+              <a:t>A test fixture allows you to </a:t>
+            </a:r>
+            <a:r>
+              <a:rPr lang="en-US" altLang="zh-CHS" sz="4400" dirty="0" smtClean="0">
+                <a:solidFill>
+                  <a:srgbClr val="FF0000"/>
+                </a:solidFill>
               </a:rPr>
-              <a:t>Google Test constructs a </a:t>
-            </a:r>
-            <a:r>
-              <a:rPr lang="en-US" altLang="zh-Hans" sz="2800" dirty="0" err="1" smtClean="0">
-                <a:latin typeface="Open Sans Light"/>
-                <a:cs typeface="Calibri" pitchFamily="34" charset="0"/>
-              </a:rPr>
-              <a:t>BookSpec</a:t>
-            </a:r>
-            <a:r>
-              <a:rPr lang="en-US" altLang="zh-Hans" sz="2800" dirty="0" smtClean="0">
-                <a:latin typeface="Open Sans Light"/>
-                <a:cs typeface="Calibri" pitchFamily="34" charset="0"/>
-              </a:rPr>
-              <a:t> object (let's call it t1 ). </a:t>
-            </a:r>
-          </a:p>
-          <a:p>
-            <a:pPr>
-              <a:buClr>
-                <a:schemeClr val="tx2"/>
-              </a:buClr>
-              <a:buFont typeface="Wingdings" pitchFamily="2" charset="2"/>
-              <a:buChar char="p"/>
-            </a:pPr>
-            <a:r>
-              <a:rPr lang="en-US" altLang="zh-Hans" sz="2800" dirty="0" smtClean="0">
-                <a:latin typeface="Open Sans Light"/>
-                <a:cs typeface="Calibri" pitchFamily="34" charset="0"/>
-              </a:rPr>
-              <a:t>t1.SetUp() initializes t1 . </a:t>
-            </a:r>
-          </a:p>
-          <a:p>
-            <a:pPr>
-              <a:buClr>
-                <a:schemeClr val="tx2"/>
-              </a:buClr>
-              <a:buFont typeface="Wingdings" pitchFamily="2" charset="2"/>
-              <a:buChar char="p"/>
-            </a:pPr>
-            <a:r>
-              <a:rPr lang="en-US" altLang="zh-Hans" sz="2800" dirty="0" smtClean="0">
-                <a:latin typeface="Open Sans Light"/>
-                <a:cs typeface="Calibri" pitchFamily="34" charset="0"/>
-              </a:rPr>
-              <a:t>the test(</a:t>
-            </a:r>
-            <a:r>
-              <a:rPr lang="en-US" altLang="zh-Hans" sz="2400" dirty="0" err="1" smtClean="0">
-                <a:latin typeface="Open Sans Light"/>
-                <a:cs typeface="Calibri" pitchFamily="34" charset="0"/>
-              </a:rPr>
-              <a:t>ShouldAbleToBeCompared</a:t>
-            </a:r>
-            <a:r>
-              <a:rPr lang="en-US" altLang="zh-Hans" sz="2400" dirty="0" smtClean="0">
-                <a:latin typeface="Open Sans Light"/>
-                <a:cs typeface="Calibri" pitchFamily="34" charset="0"/>
-              </a:rPr>
-              <a:t>) </a:t>
-            </a:r>
-            <a:r>
-              <a:rPr lang="en-US" altLang="zh-Hans" sz="2800" dirty="0" smtClean="0">
-                <a:latin typeface="Open Sans Light"/>
-                <a:cs typeface="Calibri" pitchFamily="34" charset="0"/>
-              </a:rPr>
-              <a:t>runs on t1. </a:t>
-            </a:r>
-          </a:p>
-          <a:p>
-            <a:pPr>
-              <a:buClr>
-                <a:schemeClr val="tx2"/>
-              </a:buClr>
-              <a:buFont typeface="Wingdings" pitchFamily="2" charset="2"/>
-              <a:buChar char="p"/>
-            </a:pPr>
-            <a:r>
-              <a:rPr lang="en-US" altLang="zh-Hans" sz="2800" dirty="0" smtClean="0">
-                <a:latin typeface="Open Sans Light"/>
-                <a:cs typeface="Calibri" pitchFamily="34" charset="0"/>
-              </a:rPr>
-              <a:t>t1.TearDown() cleans up after the test finishes. </a:t>
-            </a:r>
-          </a:p>
-          <a:p>
-            <a:pPr>
-              <a:buClr>
-                <a:schemeClr val="tx2"/>
-              </a:buClr>
-              <a:buFont typeface="Wingdings" pitchFamily="2" charset="2"/>
-              <a:buChar char="p"/>
-            </a:pPr>
-            <a:r>
-              <a:rPr lang="en-US" altLang="zh-Hans" sz="2800" dirty="0" smtClean="0">
-                <a:latin typeface="Open Sans Light"/>
-                <a:cs typeface="Calibri" pitchFamily="34" charset="0"/>
-              </a:rPr>
-              <a:t>t1 is destructed. </a:t>
-            </a:r>
-          </a:p>
-          <a:p>
-            <a:pPr>
-              <a:buClr>
-                <a:schemeClr val="tx2"/>
-              </a:buClr>
-              <a:buFont typeface="Wingdings" pitchFamily="2" charset="2"/>
-              <a:buChar char="p"/>
-            </a:pPr>
-            <a:endParaRPr lang="zh-Hans" altLang="en-US" sz="2800" dirty="0">
-              <a:latin typeface="Calibri" pitchFamily="34" charset="0"/>
-              <a:cs typeface="Calibri" pitchFamily="34" charset="0"/>
-            </a:endParaRPr>
+              <a:t>reuse</a:t>
+            </a:r>
+            <a:r>
+              <a:rPr lang="en-US" altLang="zh-CHS" sz="4400" dirty="0" smtClean="0"/>
+              <a:t> the same configuration of objects for several different tests</a:t>
+            </a:r>
+          </a:p>
+          <a:p>
+            <a:pPr marL="0"/>
+            <a:endParaRPr lang="zh-CHS" altLang="en-US" dirty="0"/>
           </a:p>
         </p:txBody>
       </p:sp>
@@ -11555,7 +11407,7 @@
             <a:pPr>
               <a:defRPr/>
             </a:pPr>
-            <a:fld id="{47194DCD-506D-1D43-A52D-140307FFEF14}" type="slidenum">
+            <a:fld id="{9FA9E053-A9C9-5E43-89F1-83E618EAF168}" type="slidenum">
               <a:rPr lang="en-US" smtClean="0"/>
               <a:pPr>
                 <a:defRPr/>
@@ -11568,7 +11420,7 @@
       </p:sp>
       <p:pic>
         <p:nvPicPr>
-          <p:cNvPr id="5124" name="Picture 4"/>
+          <p:cNvPr id="4100" name="Picture 4"/>
           <p:cNvPicPr>
             <a:picLocks noChangeAspect="1" noChangeArrowheads="1"/>
           </p:cNvPicPr>
@@ -11583,8 +11435,8 @@
         </p:blipFill>
         <p:spPr bwMode="auto">
           <a:xfrm>
-            <a:off x="669752" y="1839490"/>
-            <a:ext cx="5448300" cy="6419850"/>
+            <a:off x="3406056" y="3767600"/>
+            <a:ext cx="6696744" cy="5365981"/>
           </a:xfrm>
           <a:prstGeom prst="rect">
             <a:avLst/>
@@ -11641,22 +11493,17 @@
             <p:ph type="title"/>
           </p:nvPr>
         </p:nvSpPr>
-        <p:spPr>
-          <a:xfrm>
-            <a:off x="406400" y="700336"/>
-            <a:ext cx="3149600" cy="723900"/>
-          </a:xfrm>
-        </p:spPr>
+        <p:spPr/>
         <p:txBody>
           <a:bodyPr/>
           <a:lstStyle/>
           <a:p>
             <a:pPr algn="ctr"/>
             <a:r>
-              <a:rPr lang="en-US" altLang="zh-Hans" sz="4800" dirty="0" smtClean="0"/>
-              <a:t>EXERCISE</a:t>
-            </a:r>
-            <a:endParaRPr lang="zh-Hans" altLang="en-US" sz="4800" dirty="0"/>
+              <a:rPr lang="en-US" altLang="zh-CHS" dirty="0" smtClean="0"/>
+              <a:t>TEST FIXTURE Internals</a:t>
+            </a:r>
+            <a:endParaRPr lang="zh-CHS" altLang="en-US" dirty="0"/>
           </a:p>
         </p:txBody>
       </p:sp>
@@ -11670,131 +11517,142 @@
             <p:ph idx="1"/>
           </p:nvPr>
         </p:nvSpPr>
-        <p:spPr/>
+        <p:spPr>
+          <a:xfrm>
+            <a:off x="6502400" y="1708596"/>
+            <a:ext cx="6121400" cy="7632700"/>
+          </a:xfrm>
+        </p:spPr>
         <p:txBody>
           <a:bodyPr/>
           <a:lstStyle/>
           <a:p>
-            <a:pPr marL="520700" indent="-520700">
-              <a:lnSpc>
-                <a:spcPct val="120000"/>
-              </a:lnSpc>
-              <a:spcBef>
-                <a:spcPts val="1200"/>
-              </a:spcBef>
+            <a:pPr>
               <a:buClr>
                 <a:schemeClr val="tx2"/>
               </a:buClr>
-              <a:buFont typeface="Wingdings" charset="2"/>
-              <a:buChar char=""/>
+              <a:buFont typeface="Wingdings" pitchFamily="2" charset="2"/>
+              <a:buChar char="p"/>
             </a:pPr>
-            <a:endParaRPr lang="en-US" altLang="zh-Hans" sz="3600" dirty="0" smtClean="0"/>
-          </a:p>
-          <a:p>
-            <a:pPr marL="520700" indent="-520700">
-              <a:lnSpc>
-                <a:spcPct val="120000"/>
-              </a:lnSpc>
-              <a:spcBef>
-                <a:spcPts val="1200"/>
-              </a:spcBef>
+            <a:r>
+              <a:rPr lang="en-US" altLang="zh-CHS" sz="2800" dirty="0" smtClean="0">
+                <a:latin typeface="Open Sans Light"/>
+                <a:cs typeface="Calibri" pitchFamily="34" charset="0"/>
+              </a:rPr>
+              <a:t>Google Test constructs a </a:t>
+            </a:r>
+            <a:r>
+              <a:rPr lang="en-US" altLang="zh-CHS" sz="2800" dirty="0" err="1" smtClean="0">
+                <a:latin typeface="Open Sans Light"/>
+                <a:cs typeface="Calibri" pitchFamily="34" charset="0"/>
+              </a:rPr>
+              <a:t>BookSpec</a:t>
+            </a:r>
+            <a:r>
+              <a:rPr lang="en-US" altLang="zh-CHS" sz="2800" dirty="0" smtClean="0">
+                <a:latin typeface="Open Sans Light"/>
+                <a:cs typeface="Calibri" pitchFamily="34" charset="0"/>
+              </a:rPr>
+              <a:t> object (let's call it t1 ). </a:t>
+            </a:r>
+          </a:p>
+          <a:p>
+            <a:pPr>
               <a:buClr>
                 <a:schemeClr val="tx2"/>
               </a:buClr>
-              <a:buFont typeface="Wingdings" charset="2"/>
-              <a:buChar char=""/>
+              <a:buFont typeface="Wingdings" pitchFamily="2" charset="2"/>
+              <a:buChar char="p"/>
             </a:pPr>
             <a:r>
-              <a:rPr lang="en-US" altLang="zh-Hans" sz="3600" dirty="0" smtClean="0"/>
-              <a:t>Open </a:t>
-            </a:r>
-            <a:r>
-              <a:rPr lang="en-US" altLang="zh-Hans" sz="3600" dirty="0" err="1" smtClean="0"/>
-              <a:t>gtest_sample</a:t>
-            </a:r>
-            <a:r>
-              <a:rPr lang="en-US" altLang="zh-Hans" sz="3600" dirty="0" smtClean="0"/>
-              <a:t>, Compile and run</a:t>
-            </a:r>
-          </a:p>
-          <a:p>
-            <a:pPr marL="520700" indent="-520700">
-              <a:lnSpc>
-                <a:spcPct val="120000"/>
-              </a:lnSpc>
-              <a:spcBef>
-                <a:spcPts val="1200"/>
-              </a:spcBef>
+              <a:rPr lang="en-US" altLang="zh-CHS" sz="2800" dirty="0" smtClean="0">
+                <a:latin typeface="Open Sans Light"/>
+                <a:cs typeface="Calibri" pitchFamily="34" charset="0"/>
+              </a:rPr>
+              <a:t>t1.SetUp() initializes t1 . </a:t>
+            </a:r>
+          </a:p>
+          <a:p>
+            <a:pPr>
               <a:buClr>
                 <a:schemeClr val="tx2"/>
               </a:buClr>
-              <a:buFont typeface="Wingdings" charset="2"/>
-              <a:buChar char=""/>
+              <a:buFont typeface="Wingdings" pitchFamily="2" charset="2"/>
+              <a:buChar char="p"/>
             </a:pPr>
-            <a:endParaRPr lang="en-US" altLang="zh-Hans" sz="3600" dirty="0" smtClean="0"/>
-          </a:p>
-          <a:p>
-            <a:pPr marL="520700" indent="-520700">
-              <a:lnSpc>
-                <a:spcPct val="120000"/>
-              </a:lnSpc>
-              <a:spcBef>
-                <a:spcPts val="1200"/>
-              </a:spcBef>
+            <a:r>
+              <a:rPr lang="en-US" altLang="zh-CHS" sz="2800" dirty="0" smtClean="0">
+                <a:latin typeface="Open Sans Light"/>
+                <a:cs typeface="Calibri" pitchFamily="34" charset="0"/>
+              </a:rPr>
+              <a:t>the test(</a:t>
+            </a:r>
+            <a:r>
+              <a:rPr lang="en-US" altLang="zh-CHS" sz="2400" dirty="0" err="1" smtClean="0">
+                <a:latin typeface="Open Sans Light"/>
+                <a:cs typeface="Calibri" pitchFamily="34" charset="0"/>
+              </a:rPr>
+              <a:t>ShouldAbleToBeCompared</a:t>
+            </a:r>
+            <a:r>
+              <a:rPr lang="en-US" altLang="zh-CHS" sz="2400" dirty="0" smtClean="0">
+                <a:latin typeface="Open Sans Light"/>
+                <a:cs typeface="Calibri" pitchFamily="34" charset="0"/>
+              </a:rPr>
+              <a:t>) </a:t>
+            </a:r>
+            <a:r>
+              <a:rPr lang="en-US" altLang="zh-CHS" sz="2800" dirty="0" smtClean="0">
+                <a:latin typeface="Open Sans Light"/>
+                <a:cs typeface="Calibri" pitchFamily="34" charset="0"/>
+              </a:rPr>
+              <a:t>runs on t1. </a:t>
+            </a:r>
+          </a:p>
+          <a:p>
+            <a:pPr>
               <a:buClr>
                 <a:schemeClr val="tx2"/>
               </a:buClr>
-              <a:buFont typeface="Wingdings" charset="2"/>
-              <a:buChar char=""/>
+              <a:buFont typeface="Wingdings" pitchFamily="2" charset="2"/>
+              <a:buChar char="p"/>
             </a:pPr>
             <a:r>
-              <a:rPr lang="en-US" altLang="zh-Hans" sz="3600" dirty="0" err="1" smtClean="0"/>
-              <a:t>SalesMan</a:t>
-            </a:r>
-            <a:r>
-              <a:rPr lang="en-US" altLang="zh-Hans" sz="3600" dirty="0" smtClean="0"/>
-              <a:t> should answer “see you” to “bye”</a:t>
-            </a:r>
-          </a:p>
-          <a:p>
-            <a:pPr marL="520700" indent="-520700">
-              <a:lnSpc>
-                <a:spcPct val="120000"/>
-              </a:lnSpc>
-              <a:spcBef>
-                <a:spcPts val="1200"/>
-              </a:spcBef>
+              <a:rPr lang="en-US" altLang="zh-CHS" sz="2800" dirty="0" smtClean="0">
+                <a:latin typeface="Open Sans Light"/>
+                <a:cs typeface="Calibri" pitchFamily="34" charset="0"/>
+              </a:rPr>
+              <a:t>t1.TearDown() cleans up after the test finishes. </a:t>
+            </a:r>
+          </a:p>
+          <a:p>
+            <a:pPr>
               <a:buClr>
                 <a:schemeClr val="tx2"/>
               </a:buClr>
-              <a:buFont typeface="Wingdings" charset="2"/>
-              <a:buChar char=""/>
+              <a:buFont typeface="Wingdings" pitchFamily="2" charset="2"/>
+              <a:buChar char="p"/>
             </a:pPr>
-            <a:endParaRPr lang="en-US" altLang="zh-Hans" sz="3600" dirty="0" smtClean="0"/>
-          </a:p>
-          <a:p>
-            <a:pPr marL="520700" indent="-520700">
-              <a:lnSpc>
-                <a:spcPct val="120000"/>
-              </a:lnSpc>
-              <a:spcBef>
-                <a:spcPts val="1200"/>
-              </a:spcBef>
+            <a:r>
+              <a:rPr lang="en-US" altLang="zh-CHS" sz="2800" dirty="0" smtClean="0">
+                <a:latin typeface="Open Sans Light"/>
+                <a:cs typeface="Calibri" pitchFamily="34" charset="0"/>
+              </a:rPr>
+              <a:t>t1 is destructed. </a:t>
+            </a:r>
+          </a:p>
+          <a:p>
+            <a:pPr>
               <a:buClr>
                 <a:schemeClr val="tx2"/>
               </a:buClr>
-              <a:buFont typeface="Wingdings" charset="2"/>
-              <a:buChar char=""/>
+              <a:buFont typeface="Wingdings" pitchFamily="2" charset="2"/>
+              <a:buChar char="p"/>
             </a:pPr>
-            <a:r>
-              <a:rPr lang="en-US" altLang="zh-Hans" sz="3600" dirty="0" err="1" smtClean="0"/>
-              <a:t>SalesMan</a:t>
-            </a:r>
-            <a:r>
-              <a:rPr lang="en-US" altLang="zh-Hans" sz="3600" dirty="0" smtClean="0"/>
-              <a:t> should throw an exception if question is empty</a:t>
-            </a:r>
-            <a:endParaRPr lang="zh-Hans" altLang="en-US" sz="3600" dirty="0"/>
+            <a:endParaRPr lang="zh-CHS" altLang="en-US" sz="2800" dirty="0">
+              <a:latin typeface="Calibri" pitchFamily="34" charset="0"/>
+              <a:cs typeface="Calibri" pitchFamily="34" charset="0"/>
+            </a:endParaRPr>
           </a:p>
         </p:txBody>
       </p:sp>
@@ -11816,7 +11674,7 @@
             <a:pPr>
               <a:defRPr/>
             </a:pPr>
-            <a:fld id="{6BD71149-C6B6-DA41-AB69-4C8E97C931F0}" type="slidenum">
+            <a:fld id="{47194DCD-506D-1D43-A52D-140307FFEF14}" type="slidenum">
               <a:rPr lang="en-US" smtClean="0"/>
               <a:pPr>
                 <a:defRPr/>
@@ -11829,28 +11687,33 @@
       </p:sp>
       <p:pic>
         <p:nvPicPr>
-          <p:cNvPr id="5" name="Glyph Inventory 1_go-self-service.jpg"/>
-          <p:cNvPicPr/>
+          <p:cNvPr id="5124" name="Picture 4"/>
+          <p:cNvPicPr>
+            <a:picLocks noChangeAspect="1" noChangeArrowheads="1"/>
+          </p:cNvPicPr>
           <p:nvPr/>
         </p:nvPicPr>
         <p:blipFill>
-          <a:blip r:embed="rId2">
-            <a:extLst/>
-          </a:blip>
+          <a:blip r:embed="rId2"/>
+          <a:srcRect/>
           <a:stretch>
             <a:fillRect/>
           </a:stretch>
         </p:blipFill>
-        <p:spPr>
+        <p:spPr bwMode="auto">
           <a:xfrm>
-            <a:off x="385233" y="1078673"/>
-            <a:ext cx="3039534" cy="3039534"/>
+            <a:off x="669752" y="1839490"/>
+            <a:ext cx="5448300" cy="6419850"/>
           </a:xfrm>
           <a:prstGeom prst="rect">
             <a:avLst/>
           </a:prstGeom>
-          <a:ln w="12700">
-            <a:miter lim="400000"/>
+          <a:noFill/>
+          <a:ln w="9525">
+            <a:noFill/>
+            <a:miter lim="800000"/>
+            <a:headEnd/>
+            <a:tailEnd/>
           </a:ln>
         </p:spPr>
       </p:pic>
@@ -11889,6 +11752,418 @@
       </p:grpSpPr>
       <p:sp>
         <p:nvSpPr>
+          <p:cNvPr id="2" name="标题 1"/>
+          <p:cNvSpPr>
+            <a:spLocks noGrp="1"/>
+          </p:cNvSpPr>
+          <p:nvPr>
+            <p:ph type="title"/>
+          </p:nvPr>
+        </p:nvSpPr>
+        <p:spPr>
+          <a:xfrm>
+            <a:off x="406400" y="700336"/>
+            <a:ext cx="3149600" cy="723900"/>
+          </a:xfrm>
+        </p:spPr>
+        <p:txBody>
+          <a:bodyPr/>
+          <a:lstStyle/>
+          <a:p>
+            <a:pPr algn="ctr"/>
+            <a:r>
+              <a:rPr lang="en-US" altLang="zh-CHS" sz="4800" dirty="0" smtClean="0"/>
+              <a:t>EXERCISE</a:t>
+            </a:r>
+            <a:endParaRPr lang="zh-CHS" altLang="en-US" sz="4800" dirty="0"/>
+          </a:p>
+        </p:txBody>
+      </p:sp>
+      <p:sp>
+        <p:nvSpPr>
+          <p:cNvPr id="3" name="内容占位符 2"/>
+          <p:cNvSpPr>
+            <a:spLocks noGrp="1"/>
+          </p:cNvSpPr>
+          <p:nvPr>
+            <p:ph idx="1"/>
+          </p:nvPr>
+        </p:nvSpPr>
+        <p:spPr/>
+        <p:txBody>
+          <a:bodyPr/>
+          <a:lstStyle/>
+          <a:p>
+            <a:pPr marL="0" indent="0">
+              <a:lnSpc>
+                <a:spcPct val="120000"/>
+              </a:lnSpc>
+              <a:spcBef>
+                <a:spcPts val="1200"/>
+              </a:spcBef>
+              <a:buClr>
+                <a:schemeClr val="tx2"/>
+              </a:buClr>
+            </a:pPr>
+            <a:endParaRPr lang="zh-CHS" altLang="en-US" sz="3600" dirty="0"/>
+          </a:p>
+          <a:p>
+            <a:pPr marL="520700" indent="-520700">
+              <a:lnSpc>
+                <a:spcPct val="120000"/>
+              </a:lnSpc>
+              <a:spcBef>
+                <a:spcPts val="1200"/>
+              </a:spcBef>
+              <a:buClr>
+                <a:schemeClr val="tx2"/>
+              </a:buClr>
+              <a:buFont typeface="Wingdings" charset="2"/>
+              <a:buChar char=""/>
+            </a:pPr>
+            <a:r>
+              <a:rPr lang="zh-CHS" altLang="en-US" sz="3600" dirty="0" smtClean="0"/>
+              <a:t>使用</a:t>
+            </a:r>
+            <a:r>
+              <a:rPr lang="en-US" altLang="zh-CHS" sz="3600" dirty="0"/>
+              <a:t>Test Fixture</a:t>
+            </a:r>
+            <a:r>
+              <a:rPr lang="zh-CHS" altLang="en-US" sz="3600" dirty="0"/>
+              <a:t>对测试代码进行</a:t>
+            </a:r>
+            <a:r>
+              <a:rPr lang="zh-CHS" altLang="en-US" sz="3600" dirty="0" smtClean="0"/>
+              <a:t>重构</a:t>
+            </a:r>
+            <a:r>
+              <a:rPr lang="en-US" altLang="zh-CHS" sz="3600" dirty="0" smtClean="0"/>
+              <a:t>, </a:t>
+            </a:r>
+            <a:r>
+              <a:rPr lang="zh-CHS" altLang="en-US" sz="3600" dirty="0" smtClean="0"/>
+              <a:t>提取公共的准备逻辑</a:t>
+            </a:r>
+            <a:endParaRPr lang="en-US" altLang="zh-CHS" sz="800" dirty="0"/>
+          </a:p>
+          <a:p>
+            <a:pPr marL="520700" indent="-520700">
+              <a:lnSpc>
+                <a:spcPct val="120000"/>
+              </a:lnSpc>
+              <a:spcBef>
+                <a:spcPts val="1200"/>
+              </a:spcBef>
+              <a:buClr>
+                <a:schemeClr val="tx2"/>
+              </a:buClr>
+              <a:buFont typeface="Wingdings" charset="2"/>
+              <a:buChar char=""/>
+            </a:pPr>
+            <a:endParaRPr lang="zh-CHS" altLang="en-US" sz="3600" dirty="0" smtClean="0"/>
+          </a:p>
+          <a:p>
+            <a:pPr marL="520700" indent="-520700">
+              <a:lnSpc>
+                <a:spcPct val="120000"/>
+              </a:lnSpc>
+              <a:spcBef>
+                <a:spcPts val="1200"/>
+              </a:spcBef>
+              <a:buClr>
+                <a:schemeClr val="tx2"/>
+              </a:buClr>
+              <a:buFont typeface="Wingdings" charset="2"/>
+              <a:buChar char=""/>
+            </a:pPr>
+            <a:r>
+              <a:rPr lang="zh-CHS" altLang="en-US" sz="3600" dirty="0" smtClean="0"/>
+              <a:t>将代码通过</a:t>
+            </a:r>
+            <a:r>
+              <a:rPr lang="en-US" altLang="zh-CHS" sz="3600" dirty="0" smtClean="0"/>
+              <a:t>push</a:t>
+            </a:r>
+            <a:r>
+              <a:rPr lang="zh-CHS" altLang="en-US" sz="3600" dirty="0" smtClean="0"/>
+              <a:t>到</a:t>
+            </a:r>
+            <a:r>
+              <a:rPr lang="en-US" altLang="zh-CHS" sz="3600" dirty="0" err="1" smtClean="0"/>
+              <a:t>gitlab</a:t>
+            </a:r>
+            <a:r>
+              <a:rPr lang="zh-CHS" altLang="en-US" sz="3600" dirty="0" smtClean="0"/>
+              <a:t>自己的账号下</a:t>
+            </a:r>
+            <a:endParaRPr lang="zh-CHS" altLang="en-US" sz="3600" dirty="0"/>
+          </a:p>
+        </p:txBody>
+      </p:sp>
+      <p:sp>
+        <p:nvSpPr>
+          <p:cNvPr id="4" name="灯片编号占位符 3"/>
+          <p:cNvSpPr>
+            <a:spLocks noGrp="1"/>
+          </p:cNvSpPr>
+          <p:nvPr>
+            <p:ph type="sldNum" sz="quarter" idx="10"/>
+          </p:nvPr>
+        </p:nvSpPr>
+        <p:spPr/>
+        <p:txBody>
+          <a:bodyPr/>
+          <a:lstStyle/>
+          <a:p>
+            <a:pPr>
+              <a:defRPr/>
+            </a:pPr>
+            <a:fld id="{6BD71149-C6B6-DA41-AB69-4C8E97C931F0}" type="slidenum">
+              <a:rPr lang="en-US" smtClean="0"/>
+              <a:pPr>
+                <a:defRPr/>
+              </a:pPr>
+              <a:t>13</a:t>
+            </a:fld>
+            <a:endParaRPr lang="en-US"/>
+          </a:p>
+        </p:txBody>
+      </p:sp>
+      <p:pic>
+        <p:nvPicPr>
+          <p:cNvPr id="5" name="Glyph Inventory 1_go-self-service.jpg"/>
+          <p:cNvPicPr/>
+          <p:nvPr/>
+        </p:nvPicPr>
+        <p:blipFill>
+          <a:blip r:embed="rId2">
+            <a:extLst/>
+          </a:blip>
+          <a:stretch>
+            <a:fillRect/>
+          </a:stretch>
+        </p:blipFill>
+        <p:spPr>
+          <a:xfrm>
+            <a:off x="385233" y="1189194"/>
+            <a:ext cx="3039534" cy="3039534"/>
+          </a:xfrm>
+          <a:prstGeom prst="rect">
+            <a:avLst/>
+          </a:prstGeom>
+          <a:ln w="12700">
+            <a:miter lim="400000"/>
+          </a:ln>
+        </p:spPr>
+      </p:pic>
+    </p:spTree>
+  </p:cSld>
+  <p:clrMapOvr>
+    <a:masterClrMapping/>
+  </p:clrMapOvr>
+  <p:transition/>
+  <p:timing>
+    <p:tnLst>
+      <p:par>
+        <p:cTn id="1" dur="indefinite" restart="never" nodeType="tmRoot"/>
+      </p:par>
+    </p:tnLst>
+  </p:timing>
+</p:sld>
+</file>
+
+<file path=ppt/slides/slide14.xml><?xml version="1.0" encoding="utf-8"?>
+<p:sld xmlns:a="http://schemas.openxmlformats.org/drawingml/2006/main" xmlns:r="http://schemas.openxmlformats.org/officeDocument/2006/relationships" xmlns:p="http://schemas.openxmlformats.org/presentationml/2006/main">
+  <p:cSld>
+    <p:spTree>
+      <p:nvGrpSpPr>
+        <p:cNvPr id="1" name=""/>
+        <p:cNvGrpSpPr/>
+        <p:nvPr/>
+      </p:nvGrpSpPr>
+      <p:grpSpPr>
+        <a:xfrm>
+          <a:off x="0" y="0"/>
+          <a:ext cx="0" cy="0"/>
+          <a:chOff x="0" y="0"/>
+          <a:chExt cx="0" cy="0"/>
+        </a:xfrm>
+      </p:grpSpPr>
+      <p:sp>
+        <p:nvSpPr>
+          <p:cNvPr id="2" name="Title 1"/>
+          <p:cNvSpPr>
+            <a:spLocks noGrp="1"/>
+          </p:cNvSpPr>
+          <p:nvPr>
+            <p:ph type="title"/>
+          </p:nvPr>
+        </p:nvSpPr>
+        <p:spPr/>
+        <p:txBody>
+          <a:bodyPr/>
+          <a:lstStyle/>
+          <a:p>
+            <a:pPr algn="ctr"/>
+            <a:r>
+              <a:rPr lang="en-US" dirty="0" smtClean="0"/>
+              <a:t>References</a:t>
+            </a:r>
+            <a:endParaRPr lang="en-US" dirty="0"/>
+          </a:p>
+        </p:txBody>
+      </p:sp>
+      <p:sp>
+        <p:nvSpPr>
+          <p:cNvPr id="3" name="Content Placeholder 2"/>
+          <p:cNvSpPr>
+            <a:spLocks noGrp="1"/>
+          </p:cNvSpPr>
+          <p:nvPr>
+            <p:ph idx="1"/>
+          </p:nvPr>
+        </p:nvSpPr>
+        <p:spPr/>
+        <p:txBody>
+          <a:bodyPr/>
+          <a:lstStyle/>
+          <a:p>
+            <a:r>
+              <a:rPr lang="en-US" dirty="0">
+                <a:hlinkClick r:id="rId2"/>
+              </a:rPr>
+              <a:t>https://github.com/coney/cpp-unit-testing/tree/master/01-GTest</a:t>
+            </a:r>
+          </a:p>
+          <a:p>
+            <a:r>
+              <a:rPr lang="en-US" dirty="0" smtClean="0">
+                <a:hlinkClick r:id="rId2"/>
+              </a:rPr>
+              <a:t>https</a:t>
+            </a:r>
+            <a:r>
+              <a:rPr lang="en-US" dirty="0">
+                <a:hlinkClick r:id="rId2"/>
+              </a:rPr>
+              <a:t>://</a:t>
+            </a:r>
+            <a:r>
+              <a:rPr lang="en-US" dirty="0" smtClean="0">
+                <a:hlinkClick r:id="rId2"/>
+              </a:rPr>
+              <a:t>code.google.com/p/googletest/wiki/Primer</a:t>
+            </a:r>
+            <a:endParaRPr lang="en-US" dirty="0" smtClean="0"/>
+          </a:p>
+          <a:p>
+            <a:r>
+              <a:rPr lang="en-US" dirty="0">
+                <a:hlinkClick r:id="rId3"/>
+              </a:rPr>
+              <a:t>https://</a:t>
+            </a:r>
+            <a:r>
+              <a:rPr lang="en-US" dirty="0" smtClean="0">
+                <a:hlinkClick r:id="rId3"/>
+              </a:rPr>
+              <a:t>code.google.com/p/googletest/wiki/AdvancedGuide</a:t>
+            </a:r>
+            <a:endParaRPr lang="en-US" dirty="0" smtClean="0"/>
+          </a:p>
+          <a:p>
+            <a:r>
+              <a:rPr lang="en-US" dirty="0">
+                <a:hlinkClick r:id="rId4"/>
+              </a:rPr>
+              <a:t>https://</a:t>
+            </a:r>
+            <a:r>
+              <a:rPr lang="en-US" dirty="0" smtClean="0">
+                <a:hlinkClick r:id="rId4"/>
+              </a:rPr>
+              <a:t>code.google.com/p/googletest/wiki/FAQ</a:t>
+            </a:r>
+            <a:endParaRPr lang="en-US" dirty="0" smtClean="0"/>
+          </a:p>
+          <a:p>
+            <a:pPr marL="0" indent="0">
+              <a:buNone/>
+            </a:pPr>
+            <a:endParaRPr lang="en-US" dirty="0"/>
+          </a:p>
+        </p:txBody>
+      </p:sp>
+      <p:sp>
+        <p:nvSpPr>
+          <p:cNvPr id="4" name="Slide Number Placeholder 3"/>
+          <p:cNvSpPr>
+            <a:spLocks noGrp="1"/>
+          </p:cNvSpPr>
+          <p:nvPr>
+            <p:ph type="sldNum" sz="quarter" idx="10"/>
+          </p:nvPr>
+        </p:nvSpPr>
+        <p:spPr/>
+        <p:txBody>
+          <a:bodyPr/>
+          <a:lstStyle/>
+          <a:p>
+            <a:pPr>
+              <a:defRPr/>
+            </a:pPr>
+            <a:fld id="{28FE6BA1-A7B4-7B4F-846F-93E3CD6980EB}" type="slidenum">
+              <a:rPr lang="en-US" smtClean="0"/>
+              <a:pPr>
+                <a:defRPr/>
+              </a:pPr>
+              <a:t>14</a:t>
+            </a:fld>
+            <a:endParaRPr lang="en-US"/>
+          </a:p>
+        </p:txBody>
+      </p:sp>
+    </p:spTree>
+    <p:extLst>
+      <p:ext uri="{BB962C8B-B14F-4D97-AF65-F5344CB8AC3E}">
+        <p14:creationId xmlns:p14="http://schemas.microsoft.com/office/powerpoint/2010/main" val="219544266"/>
+      </p:ext>
+    </p:extLst>
+  </p:cSld>
+  <p:clrMapOvr>
+    <a:masterClrMapping/>
+  </p:clrMapOvr>
+  <p:transition/>
+  <p:timing>
+    <p:tnLst>
+      <p:par>
+        <p:cTn id="1" dur="indefinite" restart="never" nodeType="tmRoot"/>
+      </p:par>
+    </p:tnLst>
+  </p:timing>
+</p:sld>
+</file>
+
+<file path=ppt/slides/slide15.xml><?xml version="1.0" encoding="utf-8"?>
+<p:sld xmlns:a="http://schemas.openxmlformats.org/drawingml/2006/main" xmlns:r="http://schemas.openxmlformats.org/officeDocument/2006/relationships" xmlns:p="http://schemas.openxmlformats.org/presentationml/2006/main">
+  <p:cSld>
+    <p:spTree>
+      <p:nvGrpSpPr>
+        <p:cNvPr id="1" name=""/>
+        <p:cNvGrpSpPr/>
+        <p:nvPr/>
+      </p:nvGrpSpPr>
+      <p:grpSpPr>
+        <a:xfrm>
+          <a:off x="0" y="0"/>
+          <a:ext cx="0" cy="0"/>
+          <a:chOff x="0" y="0"/>
+          <a:chExt cx="0" cy="0"/>
+        </a:xfrm>
+      </p:grpSpPr>
+      <p:sp>
+        <p:nvSpPr>
           <p:cNvPr id="23554" name="Rectangle 2"/>
           <p:cNvSpPr>
             <a:spLocks noGrp="1" noChangeArrowheads="1"/>
@@ -11985,7 +12260,7 @@
               </a:spcBef>
             </a:pPr>
             <a:r>
-              <a:rPr lang="en-US" smtClean="0">
+              <a:rPr lang="en-US" dirty="0" err="1" smtClean="0">
                 <a:latin typeface="Open Sans Light" charset="0"/>
                 <a:ea typeface="ヒラギノ角ゴ ProN W3" charset="0"/>
                 <a:cs typeface="ヒラギノ角ゴ ProN W3" charset="0"/>
@@ -12162,10 +12437,10 @@
           <a:p>
             <a:pPr algn="ctr"/>
             <a:r>
-              <a:rPr lang="en-US" altLang="zh-Hans" dirty="0" smtClean="0"/>
+              <a:rPr lang="en-US" altLang="zh-CHS" dirty="0" smtClean="0"/>
               <a:t>Why Google Test</a:t>
             </a:r>
-            <a:endParaRPr lang="zh-Hans" altLang="en-US" dirty="0"/>
+            <a:endParaRPr lang="zh-CHS" altLang="en-US" dirty="0"/>
           </a:p>
         </p:txBody>
       </p:sp>
@@ -12185,42 +12460,46 @@
           <a:lstStyle/>
           <a:p>
             <a:r>
-              <a:rPr lang="en-US" altLang="zh-Hans" sz="3400" dirty="0" smtClean="0"/>
+              <a:rPr lang="en-US" altLang="zh-CHS" sz="3400" dirty="0" smtClean="0"/>
               <a:t>Google Test is designed to be portable</a:t>
             </a:r>
           </a:p>
           <a:p>
             <a:r>
-              <a:rPr lang="en-US" altLang="zh-Hans" sz="3400" dirty="0" smtClean="0"/>
+              <a:rPr lang="en-US" altLang="zh-CHS" sz="3400" dirty="0" smtClean="0"/>
+              <a:t>You can decide which tests to run using name patterns</a:t>
+            </a:r>
+          </a:p>
+          <a:p>
+            <a:r>
+              <a:rPr lang="en-US" altLang="zh-CHS" sz="3400" dirty="0" smtClean="0"/>
+              <a:t>Google Test can generate XML test result reports </a:t>
+            </a:r>
+          </a:p>
+          <a:p>
+            <a:r>
+              <a:rPr lang="en-US" altLang="zh-CHS" sz="3400" dirty="0"/>
+              <a:t>Easy to write assertions that generate informative </a:t>
+            </a:r>
+            <a:r>
+              <a:rPr lang="en-US" altLang="zh-CHS" sz="3400" dirty="0" smtClean="0"/>
+              <a:t>messages</a:t>
+            </a:r>
+          </a:p>
+          <a:p>
+            <a:r>
+              <a:rPr lang="en-US" altLang="zh-CHS" sz="3400" dirty="0"/>
               <a:t>Google Test automatically detects your tests and doesn't require you to enumerate them in order to run them</a:t>
             </a:r>
           </a:p>
           <a:p>
             <a:r>
-              <a:rPr lang="en-US" altLang="zh-Hans" sz="3400" dirty="0" smtClean="0"/>
+              <a:rPr lang="en-US" altLang="zh-CHS" sz="3400" dirty="0"/>
               <a:t>Simple things are easy in Google Test, while hard things are possible</a:t>
             </a:r>
           </a:p>
           <a:p>
-            <a:r>
-              <a:rPr lang="en-US" altLang="zh-Hans" sz="3400" dirty="0" smtClean="0"/>
-              <a:t>Easy to write assertions that generate informative messages</a:t>
-            </a:r>
-          </a:p>
-          <a:p>
-            <a:r>
-              <a:rPr lang="en-US" altLang="zh-Hans" sz="3400" dirty="0" smtClean="0"/>
-              <a:t>You can decide which tests to run using name patterns</a:t>
-            </a:r>
-          </a:p>
-          <a:p>
-            <a:r>
-              <a:rPr lang="en-US" altLang="zh-Hans" sz="3400" dirty="0" smtClean="0"/>
-              <a:t>Google Test can generate XML test result reports </a:t>
-            </a:r>
-          </a:p>
-          <a:p>
-            <a:endParaRPr lang="zh-Hans" altLang="en-US" sz="3400" dirty="0"/>
+            <a:endParaRPr lang="zh-CHS" altLang="en-US" sz="3400" dirty="0"/>
           </a:p>
         </p:txBody>
       </p:sp>
@@ -12262,9 +12541,473 @@
   <p:timing>
     <p:tnLst>
       <p:par>
-        <p:cTn id="1" dur="indefinite" restart="never" nodeType="tmRoot"/>
+        <p:cTn id="1" dur="indefinite" restart="never" nodeType="tmRoot">
+          <p:childTnLst>
+            <p:seq concurrent="1" nextAc="seek">
+              <p:cTn id="2" dur="indefinite" nodeType="mainSeq">
+                <p:childTnLst>
+                  <p:par>
+                    <p:cTn id="3" fill="hold">
+                      <p:stCondLst>
+                        <p:cond delay="indefinite"/>
+                      </p:stCondLst>
+                      <p:childTnLst>
+                        <p:par>
+                          <p:cTn id="4" fill="hold">
+                            <p:stCondLst>
+                              <p:cond delay="0"/>
+                            </p:stCondLst>
+                            <p:childTnLst>
+                              <p:par>
+                                <p:cTn id="5" presetID="9" presetClass="entr" presetSubtype="0" fill="hold" grpId="0" nodeType="clickEffect">
+                                  <p:stCondLst>
+                                    <p:cond delay="0"/>
+                                  </p:stCondLst>
+                                  <p:childTnLst>
+                                    <p:set>
+                                      <p:cBhvr>
+                                        <p:cTn id="6" dur="1" fill="hold">
+                                          <p:stCondLst>
+                                            <p:cond delay="0"/>
+                                          </p:stCondLst>
+                                        </p:cTn>
+                                        <p:tgtEl>
+                                          <p:spTgt spid="3">
+                                            <p:txEl>
+                                              <p:pRg st="0" end="0"/>
+                                            </p:txEl>
+                                          </p:spTgt>
+                                        </p:tgtEl>
+                                        <p:attrNameLst>
+                                          <p:attrName>style.visibility</p:attrName>
+                                        </p:attrNameLst>
+                                      </p:cBhvr>
+                                      <p:to>
+                                        <p:strVal val="visible"/>
+                                      </p:to>
+                                    </p:set>
+                                    <p:animEffect transition="in" filter="dissolve">
+                                      <p:cBhvr>
+                                        <p:cTn id="7" dur="500"/>
+                                        <p:tgtEl>
+                                          <p:spTgt spid="3">
+                                            <p:txEl>
+                                              <p:pRg st="0" end="0"/>
+                                            </p:txEl>
+                                          </p:spTgt>
+                                        </p:tgtEl>
+                                      </p:cBhvr>
+                                    </p:animEffect>
+                                  </p:childTnLst>
+                                </p:cTn>
+                              </p:par>
+                            </p:childTnLst>
+                          </p:cTn>
+                        </p:par>
+                      </p:childTnLst>
+                    </p:cTn>
+                  </p:par>
+                  <p:par>
+                    <p:cTn id="8" fill="hold">
+                      <p:stCondLst>
+                        <p:cond delay="indefinite"/>
+                      </p:stCondLst>
+                      <p:childTnLst>
+                        <p:par>
+                          <p:cTn id="9" fill="hold">
+                            <p:stCondLst>
+                              <p:cond delay="0"/>
+                            </p:stCondLst>
+                            <p:childTnLst>
+                              <p:par>
+                                <p:cTn id="10" presetID="9" presetClass="entr" presetSubtype="0" fill="hold" grpId="0" nodeType="clickEffect">
+                                  <p:stCondLst>
+                                    <p:cond delay="0"/>
+                                  </p:stCondLst>
+                                  <p:childTnLst>
+                                    <p:set>
+                                      <p:cBhvr>
+                                        <p:cTn id="11" dur="1" fill="hold">
+                                          <p:stCondLst>
+                                            <p:cond delay="0"/>
+                                          </p:stCondLst>
+                                        </p:cTn>
+                                        <p:tgtEl>
+                                          <p:spTgt spid="3">
+                                            <p:txEl>
+                                              <p:pRg st="1" end="1"/>
+                                            </p:txEl>
+                                          </p:spTgt>
+                                        </p:tgtEl>
+                                        <p:attrNameLst>
+                                          <p:attrName>style.visibility</p:attrName>
+                                        </p:attrNameLst>
+                                      </p:cBhvr>
+                                      <p:to>
+                                        <p:strVal val="visible"/>
+                                      </p:to>
+                                    </p:set>
+                                    <p:animEffect transition="in" filter="dissolve">
+                                      <p:cBhvr>
+                                        <p:cTn id="12" dur="500"/>
+                                        <p:tgtEl>
+                                          <p:spTgt spid="3">
+                                            <p:txEl>
+                                              <p:pRg st="1" end="1"/>
+                                            </p:txEl>
+                                          </p:spTgt>
+                                        </p:tgtEl>
+                                      </p:cBhvr>
+                                    </p:animEffect>
+                                  </p:childTnLst>
+                                </p:cTn>
+                              </p:par>
+                            </p:childTnLst>
+                          </p:cTn>
+                        </p:par>
+                      </p:childTnLst>
+                    </p:cTn>
+                  </p:par>
+                  <p:par>
+                    <p:cTn id="13" fill="hold">
+                      <p:stCondLst>
+                        <p:cond delay="indefinite"/>
+                      </p:stCondLst>
+                      <p:childTnLst>
+                        <p:par>
+                          <p:cTn id="14" fill="hold">
+                            <p:stCondLst>
+                              <p:cond delay="0"/>
+                            </p:stCondLst>
+                            <p:childTnLst>
+                              <p:par>
+                                <p:cTn id="15" presetID="9" presetClass="entr" presetSubtype="0" fill="hold" grpId="0" nodeType="clickEffect">
+                                  <p:stCondLst>
+                                    <p:cond delay="0"/>
+                                  </p:stCondLst>
+                                  <p:childTnLst>
+                                    <p:set>
+                                      <p:cBhvr>
+                                        <p:cTn id="16" dur="1" fill="hold">
+                                          <p:stCondLst>
+                                            <p:cond delay="0"/>
+                                          </p:stCondLst>
+                                        </p:cTn>
+                                        <p:tgtEl>
+                                          <p:spTgt spid="3">
+                                            <p:txEl>
+                                              <p:pRg st="2" end="2"/>
+                                            </p:txEl>
+                                          </p:spTgt>
+                                        </p:tgtEl>
+                                        <p:attrNameLst>
+                                          <p:attrName>style.visibility</p:attrName>
+                                        </p:attrNameLst>
+                                      </p:cBhvr>
+                                      <p:to>
+                                        <p:strVal val="visible"/>
+                                      </p:to>
+                                    </p:set>
+                                    <p:animEffect transition="in" filter="dissolve">
+                                      <p:cBhvr>
+                                        <p:cTn id="17" dur="500"/>
+                                        <p:tgtEl>
+                                          <p:spTgt spid="3">
+                                            <p:txEl>
+                                              <p:pRg st="2" end="2"/>
+                                            </p:txEl>
+                                          </p:spTgt>
+                                        </p:tgtEl>
+                                      </p:cBhvr>
+                                    </p:animEffect>
+                                  </p:childTnLst>
+                                </p:cTn>
+                              </p:par>
+                            </p:childTnLst>
+                          </p:cTn>
+                        </p:par>
+                      </p:childTnLst>
+                    </p:cTn>
+                  </p:par>
+                  <p:par>
+                    <p:cTn id="18" fill="hold">
+                      <p:stCondLst>
+                        <p:cond delay="indefinite"/>
+                      </p:stCondLst>
+                      <p:childTnLst>
+                        <p:par>
+                          <p:cTn id="19" fill="hold">
+                            <p:stCondLst>
+                              <p:cond delay="0"/>
+                            </p:stCondLst>
+                            <p:childTnLst>
+                              <p:par>
+                                <p:cTn id="20" presetID="9" presetClass="entr" presetSubtype="0" fill="hold" grpId="0" nodeType="clickEffect">
+                                  <p:stCondLst>
+                                    <p:cond delay="0"/>
+                                  </p:stCondLst>
+                                  <p:childTnLst>
+                                    <p:set>
+                                      <p:cBhvr>
+                                        <p:cTn id="21" dur="1" fill="hold">
+                                          <p:stCondLst>
+                                            <p:cond delay="0"/>
+                                          </p:stCondLst>
+                                        </p:cTn>
+                                        <p:tgtEl>
+                                          <p:spTgt spid="3">
+                                            <p:txEl>
+                                              <p:pRg st="3" end="3"/>
+                                            </p:txEl>
+                                          </p:spTgt>
+                                        </p:tgtEl>
+                                        <p:attrNameLst>
+                                          <p:attrName>style.visibility</p:attrName>
+                                        </p:attrNameLst>
+                                      </p:cBhvr>
+                                      <p:to>
+                                        <p:strVal val="visible"/>
+                                      </p:to>
+                                    </p:set>
+                                    <p:animEffect transition="in" filter="dissolve">
+                                      <p:cBhvr>
+                                        <p:cTn id="22" dur="500"/>
+                                        <p:tgtEl>
+                                          <p:spTgt spid="3">
+                                            <p:txEl>
+                                              <p:pRg st="3" end="3"/>
+                                            </p:txEl>
+                                          </p:spTgt>
+                                        </p:tgtEl>
+                                      </p:cBhvr>
+                                    </p:animEffect>
+                                  </p:childTnLst>
+                                </p:cTn>
+                              </p:par>
+                            </p:childTnLst>
+                          </p:cTn>
+                        </p:par>
+                      </p:childTnLst>
+                    </p:cTn>
+                  </p:par>
+                  <p:par>
+                    <p:cTn id="23" fill="hold">
+                      <p:stCondLst>
+                        <p:cond delay="indefinite"/>
+                      </p:stCondLst>
+                      <p:childTnLst>
+                        <p:par>
+                          <p:cTn id="24" fill="hold">
+                            <p:stCondLst>
+                              <p:cond delay="0"/>
+                            </p:stCondLst>
+                            <p:childTnLst>
+                              <p:par>
+                                <p:cTn id="25" presetID="9" presetClass="entr" presetSubtype="0" fill="hold" grpId="0" nodeType="clickEffect">
+                                  <p:stCondLst>
+                                    <p:cond delay="0"/>
+                                  </p:stCondLst>
+                                  <p:childTnLst>
+                                    <p:set>
+                                      <p:cBhvr>
+                                        <p:cTn id="26" dur="1" fill="hold">
+                                          <p:stCondLst>
+                                            <p:cond delay="0"/>
+                                          </p:stCondLst>
+                                        </p:cTn>
+                                        <p:tgtEl>
+                                          <p:spTgt spid="3">
+                                            <p:txEl>
+                                              <p:pRg st="4" end="4"/>
+                                            </p:txEl>
+                                          </p:spTgt>
+                                        </p:tgtEl>
+                                        <p:attrNameLst>
+                                          <p:attrName>style.visibility</p:attrName>
+                                        </p:attrNameLst>
+                                      </p:cBhvr>
+                                      <p:to>
+                                        <p:strVal val="visible"/>
+                                      </p:to>
+                                    </p:set>
+                                    <p:animEffect transition="in" filter="dissolve">
+                                      <p:cBhvr>
+                                        <p:cTn id="27" dur="500"/>
+                                        <p:tgtEl>
+                                          <p:spTgt spid="3">
+                                            <p:txEl>
+                                              <p:pRg st="4" end="4"/>
+                                            </p:txEl>
+                                          </p:spTgt>
+                                        </p:tgtEl>
+                                      </p:cBhvr>
+                                    </p:animEffect>
+                                  </p:childTnLst>
+                                </p:cTn>
+                              </p:par>
+                            </p:childTnLst>
+                          </p:cTn>
+                        </p:par>
+                      </p:childTnLst>
+                    </p:cTn>
+                  </p:par>
+                  <p:par>
+                    <p:cTn id="28" fill="hold">
+                      <p:stCondLst>
+                        <p:cond delay="indefinite"/>
+                      </p:stCondLst>
+                      <p:childTnLst>
+                        <p:par>
+                          <p:cTn id="29" fill="hold">
+                            <p:stCondLst>
+                              <p:cond delay="0"/>
+                            </p:stCondLst>
+                            <p:childTnLst>
+                              <p:par>
+                                <p:cTn id="30" presetID="9" presetClass="entr" presetSubtype="0" fill="hold" grpId="0" nodeType="clickEffect">
+                                  <p:stCondLst>
+                                    <p:cond delay="0"/>
+                                  </p:stCondLst>
+                                  <p:childTnLst>
+                                    <p:set>
+                                      <p:cBhvr>
+                                        <p:cTn id="31" dur="1" fill="hold">
+                                          <p:stCondLst>
+                                            <p:cond delay="0"/>
+                                          </p:stCondLst>
+                                        </p:cTn>
+                                        <p:tgtEl>
+                                          <p:spTgt spid="3">
+                                            <p:txEl>
+                                              <p:pRg st="5" end="5"/>
+                                            </p:txEl>
+                                          </p:spTgt>
+                                        </p:tgtEl>
+                                        <p:attrNameLst>
+                                          <p:attrName>style.visibility</p:attrName>
+                                        </p:attrNameLst>
+                                      </p:cBhvr>
+                                      <p:to>
+                                        <p:strVal val="visible"/>
+                                      </p:to>
+                                    </p:set>
+                                    <p:animEffect transition="in" filter="dissolve">
+                                      <p:cBhvr>
+                                        <p:cTn id="32" dur="500"/>
+                                        <p:tgtEl>
+                                          <p:spTgt spid="3">
+                                            <p:txEl>
+                                              <p:pRg st="5" end="5"/>
+                                            </p:txEl>
+                                          </p:spTgt>
+                                        </p:tgtEl>
+                                      </p:cBhvr>
+                                    </p:animEffect>
+                                  </p:childTnLst>
+                                </p:cTn>
+                              </p:par>
+                            </p:childTnLst>
+                          </p:cTn>
+                        </p:par>
+                      </p:childTnLst>
+                    </p:cTn>
+                  </p:par>
+                  <p:par>
+                    <p:cTn id="33" fill="hold">
+                      <p:stCondLst>
+                        <p:cond delay="indefinite"/>
+                      </p:stCondLst>
+                      <p:childTnLst>
+                        <p:par>
+                          <p:cTn id="34" fill="hold">
+                            <p:stCondLst>
+                              <p:cond delay="0"/>
+                            </p:stCondLst>
+                            <p:childTnLst>
+                              <p:par>
+                                <p:cTn id="35" presetID="3" presetClass="emph" presetSubtype="2" fill="hold" nodeType="clickEffect">
+                                  <p:stCondLst>
+                                    <p:cond delay="0"/>
+                                  </p:stCondLst>
+                                  <p:childTnLst>
+                                    <p:animClr clrSpc="rgb" dir="cw">
+                                      <p:cBhvr override="childStyle">
+                                        <p:cTn id="36" dur="500" fill="hold"/>
+                                        <p:tgtEl>
+                                          <p:spTgt spid="3">
+                                            <p:txEl>
+                                              <p:pRg st="4" end="4"/>
+                                            </p:txEl>
+                                          </p:spTgt>
+                                        </p:tgtEl>
+                                        <p:attrNameLst>
+                                          <p:attrName>style.color</p:attrName>
+                                        </p:attrNameLst>
+                                      </p:cBhvr>
+                                      <p:to>
+                                        <a:srgbClr val="FF0000"/>
+                                      </p:to>
+                                    </p:animClr>
+                                  </p:childTnLst>
+                                </p:cTn>
+                              </p:par>
+                              <p:par>
+                                <p:cTn id="37" presetID="3" presetClass="emph" presetSubtype="2" fill="hold" nodeType="withEffect">
+                                  <p:stCondLst>
+                                    <p:cond delay="0"/>
+                                  </p:stCondLst>
+                                  <p:childTnLst>
+                                    <p:animClr clrSpc="rgb" dir="cw">
+                                      <p:cBhvr override="childStyle">
+                                        <p:cTn id="38" dur="500" fill="hold"/>
+                                        <p:tgtEl>
+                                          <p:spTgt spid="3">
+                                            <p:txEl>
+                                              <p:pRg st="5" end="5"/>
+                                            </p:txEl>
+                                          </p:spTgt>
+                                        </p:tgtEl>
+                                        <p:attrNameLst>
+                                          <p:attrName>style.color</p:attrName>
+                                        </p:attrNameLst>
+                                      </p:cBhvr>
+                                      <p:to>
+                                        <a:srgbClr val="FF0000"/>
+                                      </p:to>
+                                    </p:animClr>
+                                  </p:childTnLst>
+                                </p:cTn>
+                              </p:par>
+                            </p:childTnLst>
+                          </p:cTn>
+                        </p:par>
+                      </p:childTnLst>
+                    </p:cTn>
+                  </p:par>
+                </p:childTnLst>
+              </p:cTn>
+              <p:prevCondLst>
+                <p:cond evt="onPrev" delay="0">
+                  <p:tgtEl>
+                    <p:sldTgt/>
+                  </p:tgtEl>
+                </p:cond>
+              </p:prevCondLst>
+              <p:nextCondLst>
+                <p:cond evt="onNext" delay="0">
+                  <p:tgtEl>
+                    <p:sldTgt/>
+                  </p:tgtEl>
+                </p:cond>
+              </p:nextCondLst>
+            </p:seq>
+          </p:childTnLst>
+        </p:cTn>
       </p:par>
     </p:tnLst>
+    <p:bldLst>
+      <p:bldP spid="3" grpId="0" uiExpand="1" build="p"/>
+    </p:bldLst>
   </p:timing>
 </p:sld>
 </file>
@@ -12303,10 +13046,10 @@
           <a:p>
             <a:pPr algn="ctr"/>
             <a:r>
-              <a:rPr lang="en-US" altLang="zh-Hans" dirty="0" smtClean="0"/>
+              <a:rPr lang="en-US" altLang="zh-CHS" dirty="0" smtClean="0"/>
               <a:t>BASIC CONCEPTS</a:t>
             </a:r>
-            <a:endParaRPr lang="zh-Hans" altLang="en-US" dirty="0"/>
+            <a:endParaRPr lang="zh-CHS" altLang="en-US" dirty="0"/>
           </a:p>
         </p:txBody>
       </p:sp>
@@ -12356,13 +13099,13 @@
           <a:p>
             <a:pPr marL="0" lvl="0"/>
             <a:r>
-              <a:rPr lang="en-US" altLang="zh-Hans" sz="4400" dirty="0" smtClean="0">
+              <a:rPr lang="en-US" altLang="zh-CHS" sz="4400" dirty="0" smtClean="0">
                 <a:sym typeface="Calibri"/>
               </a:rPr>
               <a:t>Start by writing </a:t>
             </a:r>
             <a:r>
-              <a:rPr lang="en-US" altLang="zh-Hans" sz="4400" dirty="0" smtClean="0">
+              <a:rPr lang="en-US" altLang="zh-CHS" sz="4400" dirty="0" smtClean="0">
                 <a:solidFill>
                   <a:srgbClr val="FF0000"/>
                 </a:solidFill>
@@ -12371,14 +13114,14 @@
               <a:t>assertions</a:t>
             </a:r>
             <a:r>
-              <a:rPr lang="en-US" altLang="zh-Hans" sz="4400" dirty="0" smtClean="0">
+              <a:rPr lang="en-US" altLang="zh-CHS" sz="4400" dirty="0" smtClean="0">
                 <a:sym typeface="Calibri"/>
               </a:rPr>
               <a:t>. An assertion's result can be success, nonfatal failure, or fatal failure</a:t>
             </a:r>
           </a:p>
           <a:p>
-            <a:endParaRPr lang="zh-Hans" altLang="en-US" sz="4400" dirty="0"/>
+            <a:endParaRPr lang="zh-CHS" altLang="en-US" sz="4400" dirty="0"/>
           </a:p>
         </p:txBody>
       </p:sp>
@@ -12464,10 +13207,10 @@
           <a:p>
             <a:pPr algn="ctr"/>
             <a:r>
-              <a:rPr lang="en-US" altLang="zh-Hans" dirty="0" smtClean="0"/>
+              <a:rPr lang="en-US" altLang="zh-CHS" dirty="0" smtClean="0"/>
               <a:t>ASSERTIONS</a:t>
             </a:r>
-            <a:endParaRPr lang="zh-Hans" altLang="en-US" dirty="0"/>
+            <a:endParaRPr lang="zh-CHS" altLang="en-US" dirty="0"/>
           </a:p>
         </p:txBody>
       </p:sp>
@@ -12487,17 +13230,17 @@
           <a:lstStyle/>
           <a:p>
             <a:r>
-              <a:rPr lang="en-US" altLang="zh-Hans" sz="3400" dirty="0" smtClean="0"/>
+              <a:rPr lang="en-US" altLang="zh-CHS" sz="3400" dirty="0" smtClean="0"/>
               <a:t>EXPECT_* generate nonfatal failures, which don't abort the current function</a:t>
             </a:r>
           </a:p>
           <a:p>
             <a:r>
-              <a:rPr lang="en-US" altLang="zh-Hans" sz="3400" dirty="0" smtClean="0"/>
+              <a:rPr lang="en-US" altLang="zh-CHS" sz="3400" dirty="0" smtClean="0"/>
               <a:t>ASSERT_* generate fatal failures when they fail, and </a:t>
             </a:r>
             <a:r>
-              <a:rPr lang="en-US" altLang="zh-Hans" sz="3400" dirty="0" smtClean="0">
+              <a:rPr lang="en-US" altLang="zh-CHS" sz="3400" dirty="0" smtClean="0">
                 <a:solidFill>
                   <a:srgbClr val="FF0000"/>
                 </a:solidFill>
@@ -12506,7 +13249,7 @@
             </a:r>
           </a:p>
           <a:p>
-            <a:endParaRPr lang="zh-Hans" altLang="en-US" sz="3400" dirty="0"/>
+            <a:endParaRPr lang="zh-CHS" altLang="en-US" sz="3400" dirty="0"/>
           </a:p>
         </p:txBody>
       </p:sp>
@@ -12615,10 +13358,10 @@
           <a:p>
             <a:pPr algn="ctr"/>
             <a:r>
-              <a:rPr lang="en-US" altLang="zh-Hans" dirty="0" smtClean="0"/>
+              <a:rPr lang="en-US" altLang="zh-CHS" dirty="0" smtClean="0"/>
               <a:t>Requirement</a:t>
             </a:r>
-            <a:endParaRPr lang="zh-Hans" altLang="en-US" dirty="0"/>
+            <a:endParaRPr lang="zh-CHS" altLang="en-US" dirty="0"/>
           </a:p>
         </p:txBody>
       </p:sp>
@@ -12638,23 +13381,23 @@
           <a:lstStyle/>
           <a:p>
             <a:r>
-              <a:rPr lang="en-US" altLang="zh-Hans" sz="3400" dirty="0" smtClean="0"/>
+              <a:rPr lang="en-US" altLang="zh-CHS" sz="3400" dirty="0" smtClean="0"/>
               <a:t>Value arguments must be comparable by the assertion's comparison operator</a:t>
             </a:r>
           </a:p>
           <a:p>
             <a:r>
-              <a:rPr lang="en-US" altLang="zh-Hans" sz="3400" dirty="0" smtClean="0"/>
+              <a:rPr lang="en-US" altLang="zh-CHS" sz="3400" dirty="0" smtClean="0"/>
               <a:t>Values must support the &lt;&lt; operator for streaming to an std::</a:t>
             </a:r>
             <a:r>
-              <a:rPr lang="en-US" altLang="zh-Hans" sz="3400" dirty="0" err="1" smtClean="0"/>
+              <a:rPr lang="en-US" altLang="zh-CHS" sz="3400" dirty="0" err="1" smtClean="0"/>
               <a:t>ostream</a:t>
             </a:r>
-            <a:endParaRPr lang="en-US" altLang="zh-Hans" sz="3400" dirty="0" smtClean="0"/>
-          </a:p>
-          <a:p>
-            <a:endParaRPr lang="zh-Hans" altLang="en-US" sz="3400" dirty="0"/>
+            <a:endParaRPr lang="en-US" altLang="zh-CHS" sz="3400" dirty="0" smtClean="0"/>
+          </a:p>
+          <a:p>
+            <a:endParaRPr lang="zh-CHS" altLang="en-US" sz="3400" dirty="0"/>
           </a:p>
         </p:txBody>
       </p:sp>
@@ -12769,10 +13512,10 @@
           <a:p>
             <a:pPr algn="ctr"/>
             <a:r>
-              <a:rPr lang="en-US" altLang="zh-Hans" dirty="0" smtClean="0"/>
+              <a:rPr lang="en-US" altLang="zh-CHS" dirty="0" smtClean="0"/>
               <a:t>TEST STRUCTURE</a:t>
             </a:r>
-            <a:endParaRPr lang="zh-Hans" altLang="en-US" dirty="0"/>
+            <a:endParaRPr lang="zh-CHS" altLang="en-US" dirty="0"/>
           </a:p>
         </p:txBody>
       </p:sp>
@@ -12905,7 +13648,7 @@
             <a:effectLst/>
             <a:extLst>
               <a:ext uri="{C572A759-6A51-4108-AA02-DFA0A04FC94B}">
-                <ma14:wrappingTextBoxFlag xmlns:ma14="http://schemas.microsoft.com/office/mac/drawingml/2011/main" xmlns="" val="1"/>
+                <ma14:wrappingTextBoxFlag xmlns:ma14="http://schemas.microsoft.com/office/mac/drawingml/2011/main" val="1"/>
               </a:ext>
             </a:extLst>
           </p:spPr>
@@ -13196,7 +13939,7 @@
             <a:effectLst/>
             <a:extLst>
               <a:ext uri="{C572A759-6A51-4108-AA02-DFA0A04FC94B}">
-                <ma14:wrappingTextBoxFlag xmlns:ma14="http://schemas.microsoft.com/office/mac/drawingml/2011/main" xmlns="" val="1"/>
+                <ma14:wrappingTextBoxFlag xmlns:ma14="http://schemas.microsoft.com/office/mac/drawingml/2011/main" val="1"/>
               </a:ext>
             </a:extLst>
           </p:spPr>
@@ -13445,7 +14188,7 @@
             <a:effectLst/>
             <a:extLst>
               <a:ext uri="{C572A759-6A51-4108-AA02-DFA0A04FC94B}">
-                <ma14:wrappingTextBoxFlag xmlns:ma14="http://schemas.microsoft.com/office/mac/drawingml/2011/main" xmlns="" val="1"/>
+                <ma14:wrappingTextBoxFlag xmlns:ma14="http://schemas.microsoft.com/office/mac/drawingml/2011/main" val="1"/>
               </a:ext>
             </a:extLst>
           </p:spPr>
@@ -13694,7 +14437,7 @@
             <a:effectLst/>
             <a:extLst>
               <a:ext uri="{C572A759-6A51-4108-AA02-DFA0A04FC94B}">
-                <ma14:wrappingTextBoxFlag xmlns:ma14="http://schemas.microsoft.com/office/mac/drawingml/2011/main" xmlns="" val="1"/>
+                <ma14:wrappingTextBoxFlag xmlns:ma14="http://schemas.microsoft.com/office/mac/drawingml/2011/main" val="1"/>
               </a:ext>
             </a:extLst>
           </p:spPr>
@@ -13812,7 +14555,7 @@
             <a:effectLst/>
             <a:extLst>
               <a:ext uri="{C572A759-6A51-4108-AA02-DFA0A04FC94B}">
-                <ma14:wrappingTextBoxFlag xmlns:ma14="http://schemas.microsoft.com/office/mac/drawingml/2011/main" xmlns="" val="1"/>
+                <ma14:wrappingTextBoxFlag xmlns:ma14="http://schemas.microsoft.com/office/mac/drawingml/2011/main" val="1"/>
               </a:ext>
             </a:extLst>
           </p:spPr>
@@ -13930,7 +14673,7 @@
             <a:effectLst/>
             <a:extLst>
               <a:ext uri="{C572A759-6A51-4108-AA02-DFA0A04FC94B}">
-                <ma14:wrappingTextBoxFlag xmlns:ma14="http://schemas.microsoft.com/office/mac/drawingml/2011/main" xmlns="" val="1"/>
+                <ma14:wrappingTextBoxFlag xmlns:ma14="http://schemas.microsoft.com/office/mac/drawingml/2011/main" val="1"/>
               </a:ext>
             </a:extLst>
           </p:spPr>
@@ -14048,7 +14791,7 @@
             <a:effectLst/>
             <a:extLst>
               <a:ext uri="{C572A759-6A51-4108-AA02-DFA0A04FC94B}">
-                <ma14:wrappingTextBoxFlag xmlns:ma14="http://schemas.microsoft.com/office/mac/drawingml/2011/main" xmlns="" val="1"/>
+                <ma14:wrappingTextBoxFlag xmlns:ma14="http://schemas.microsoft.com/office/mac/drawingml/2011/main" val="1"/>
               </a:ext>
             </a:extLst>
           </p:spPr>
@@ -14166,7 +14909,7 @@
             <a:effectLst/>
             <a:extLst>
               <a:ext uri="{C572A759-6A51-4108-AA02-DFA0A04FC94B}">
-                <ma14:wrappingTextBoxFlag xmlns:ma14="http://schemas.microsoft.com/office/mac/drawingml/2011/main" xmlns="" val="1"/>
+                <ma14:wrappingTextBoxFlag xmlns:ma14="http://schemas.microsoft.com/office/mac/drawingml/2011/main" val="1"/>
               </a:ext>
             </a:extLst>
           </p:spPr>
@@ -14284,7 +15027,7 @@
             <a:effectLst/>
             <a:extLst>
               <a:ext uri="{C572A759-6A51-4108-AA02-DFA0A04FC94B}">
-                <ma14:wrappingTextBoxFlag xmlns:ma14="http://schemas.microsoft.com/office/mac/drawingml/2011/main" xmlns="" val="1"/>
+                <ma14:wrappingTextBoxFlag xmlns:ma14="http://schemas.microsoft.com/office/mac/drawingml/2011/main" val="1"/>
               </a:ext>
             </a:extLst>
           </p:spPr>
@@ -14402,7 +15145,7 @@
             <a:effectLst/>
             <a:extLst>
               <a:ext uri="{C572A759-6A51-4108-AA02-DFA0A04FC94B}">
-                <ma14:wrappingTextBoxFlag xmlns:ma14="http://schemas.microsoft.com/office/mac/drawingml/2011/main" xmlns="" val="1"/>
+                <ma14:wrappingTextBoxFlag xmlns:ma14="http://schemas.microsoft.com/office/mac/drawingml/2011/main" val="1"/>
               </a:ext>
             </a:extLst>
           </p:spPr>
@@ -14517,10 +15260,10 @@
           <a:p>
             <a:pPr algn="ctr"/>
             <a:r>
-              <a:rPr lang="en-US" altLang="zh-Hans" spc="-210" dirty="0" smtClean="0"/>
+              <a:rPr lang="en-US" altLang="zh-CHS" spc="-210" dirty="0" smtClean="0"/>
               <a:t>USING GTEST</a:t>
             </a:r>
-            <a:endParaRPr lang="zh-Hans" altLang="en-US" dirty="0"/>
+            <a:endParaRPr lang="zh-CHS" altLang="en-US" dirty="0"/>
           </a:p>
         </p:txBody>
       </p:sp>
@@ -14540,68 +15283,68 @@
           <a:lstStyle/>
           <a:p>
             <a:r>
-              <a:rPr lang="en-US" altLang="zh-Hans" sz="3400" dirty="0" smtClean="0"/>
+              <a:rPr lang="en-US" altLang="zh-CHS" sz="3400" dirty="0" smtClean="0"/>
               <a:t>include &lt;</a:t>
             </a:r>
             <a:r>
-              <a:rPr lang="en-US" altLang="zh-Hans" sz="3400" dirty="0" err="1" smtClean="0"/>
+              <a:rPr lang="en-US" altLang="zh-CHS" sz="3400" dirty="0" err="1" smtClean="0"/>
               <a:t>gtest</a:t>
             </a:r>
             <a:r>
-              <a:rPr lang="en-US" altLang="zh-Hans" sz="3400" dirty="0" smtClean="0"/>
+              <a:rPr lang="en-US" altLang="zh-CHS" sz="3400" dirty="0" smtClean="0"/>
               <a:t>/</a:t>
             </a:r>
             <a:r>
-              <a:rPr lang="en-US" altLang="zh-Hans" sz="3400" dirty="0" err="1" smtClean="0"/>
+              <a:rPr lang="en-US" altLang="zh-CHS" sz="3400" dirty="0" err="1" smtClean="0"/>
               <a:t>gtest.h</a:t>
             </a:r>
             <a:r>
-              <a:rPr lang="en-US" altLang="zh-Hans" sz="3400" dirty="0" smtClean="0"/>
+              <a:rPr lang="en-US" altLang="zh-CHS" sz="3400" dirty="0" smtClean="0"/>
               <a:t>&gt;</a:t>
             </a:r>
           </a:p>
           <a:p>
             <a:r>
-              <a:rPr lang="en-US" altLang="zh-Hans" sz="3400" dirty="0" smtClean="0"/>
+              <a:rPr lang="en-US" altLang="zh-CHS" sz="3400" dirty="0" smtClean="0"/>
               <a:t>write your tests in any source files</a:t>
             </a:r>
           </a:p>
           <a:p>
             <a:r>
-              <a:rPr lang="en-US" altLang="zh-Hans" sz="3400" dirty="0" smtClean="0"/>
+              <a:rPr lang="en-US" altLang="zh-CHS" sz="3400" dirty="0" smtClean="0"/>
               <a:t>initialize </a:t>
             </a:r>
             <a:r>
-              <a:rPr lang="en-US" altLang="zh-Hans" sz="3400" dirty="0" err="1" smtClean="0"/>
+              <a:rPr lang="en-US" altLang="zh-CHS" sz="3400" dirty="0" err="1" smtClean="0"/>
               <a:t>gtest</a:t>
             </a:r>
             <a:r>
-              <a:rPr lang="en-US" altLang="zh-Hans" sz="3400" dirty="0" smtClean="0"/>
+              <a:rPr lang="en-US" altLang="zh-CHS" sz="3400" dirty="0" smtClean="0"/>
               <a:t> by </a:t>
             </a:r>
             <a:r>
-              <a:rPr lang="en-US" altLang="zh-Hans" sz="3400" dirty="0" err="1" smtClean="0"/>
+              <a:rPr lang="en-US" altLang="zh-CHS" sz="3400" dirty="0" err="1" smtClean="0"/>
               <a:t>InitGoogleTest</a:t>
             </a:r>
             <a:r>
-              <a:rPr lang="en-US" altLang="zh-Hans" sz="3400" dirty="0" smtClean="0"/>
+              <a:rPr lang="en-US" altLang="zh-CHS" sz="3400" dirty="0" smtClean="0"/>
               <a:t>()</a:t>
             </a:r>
           </a:p>
           <a:p>
             <a:r>
-              <a:rPr lang="en-US" altLang="zh-Hans" sz="3400" dirty="0" smtClean="0"/>
+              <a:rPr lang="en-US" altLang="zh-CHS" sz="3400" dirty="0" smtClean="0"/>
               <a:t>call RUN_ALL_TESTS() in main() function</a:t>
             </a:r>
           </a:p>
           <a:p>
             <a:r>
-              <a:rPr lang="en-US" altLang="zh-Hans" sz="3400" dirty="0" smtClean="0"/>
+              <a:rPr lang="en-US" altLang="zh-CHS" sz="3400" dirty="0" smtClean="0"/>
               <a:t>compile and run</a:t>
             </a:r>
           </a:p>
           <a:p>
-            <a:endParaRPr lang="zh-Hans" altLang="en-US" sz="3400" dirty="0"/>
+            <a:endParaRPr lang="zh-CHS" altLang="en-US" sz="3400" dirty="0"/>
           </a:p>
         </p:txBody>
       </p:sp>
@@ -14721,10 +15464,10 @@
           <a:p>
             <a:pPr algn="ctr"/>
             <a:r>
-              <a:rPr lang="en-US" altLang="zh-Hans" sz="4800" dirty="0" smtClean="0"/>
+              <a:rPr lang="en-US" altLang="zh-CHS" sz="4800" dirty="0" smtClean="0"/>
               <a:t>EXERCISE</a:t>
             </a:r>
-            <a:endParaRPr lang="zh-Hans" altLang="en-US" sz="4800" dirty="0"/>
+            <a:endParaRPr lang="zh-CHS" altLang="en-US" sz="4800" dirty="0"/>
           </a:p>
         </p:txBody>
       </p:sp>
@@ -14743,6 +15486,79 @@
           <a:bodyPr/>
           <a:lstStyle/>
           <a:p>
+            <a:pPr marL="0" indent="0">
+              <a:lnSpc>
+                <a:spcPct val="120000"/>
+              </a:lnSpc>
+              <a:spcBef>
+                <a:spcPts val="1200"/>
+              </a:spcBef>
+              <a:buClr>
+                <a:schemeClr val="tx2"/>
+              </a:buClr>
+            </a:pPr>
+            <a:endParaRPr lang="en-US" altLang="zh-CHS" sz="800" dirty="0"/>
+          </a:p>
+          <a:p>
+            <a:pPr marL="0" indent="0">
+              <a:lnSpc>
+                <a:spcPct val="120000"/>
+              </a:lnSpc>
+              <a:spcBef>
+                <a:spcPts val="1200"/>
+              </a:spcBef>
+              <a:buClr>
+                <a:schemeClr val="tx2"/>
+              </a:buClr>
+            </a:pPr>
+            <a:r>
+              <a:rPr lang="zh-CHS" altLang="en-US" sz="3600" dirty="0" smtClean="0"/>
+              <a:t>某</a:t>
+            </a:r>
+            <a:r>
+              <a:rPr lang="zh-CHS" altLang="en-US" sz="3600" dirty="0"/>
+              <a:t>图书馆有一名图书管理员</a:t>
+            </a:r>
+            <a:r>
+              <a:rPr lang="en-US" altLang="zh-CHS" sz="3600" dirty="0"/>
+              <a:t>(Librarian), </a:t>
+            </a:r>
+            <a:r>
+              <a:rPr lang="zh-CHS" altLang="en-US" sz="3600" dirty="0"/>
+              <a:t>他能够帮助图书馆进行存书</a:t>
+            </a:r>
+            <a:r>
+              <a:rPr lang="en-US" altLang="zh-CHS" sz="3600" dirty="0"/>
+              <a:t>(Store), </a:t>
+            </a:r>
+            <a:r>
+              <a:rPr lang="zh-CHS" altLang="en-US" sz="3600" dirty="0"/>
+              <a:t>并且向我们提供借书服务</a:t>
+            </a:r>
+            <a:r>
+              <a:rPr lang="en-US" altLang="zh-CHS" sz="3600" dirty="0"/>
+              <a:t>(borrow</a:t>
+            </a:r>
+            <a:r>
+              <a:rPr lang="en-US" altLang="zh-CHS" sz="3600" dirty="0" smtClean="0"/>
+              <a:t>):</a:t>
+            </a:r>
+          </a:p>
+          <a:p>
+            <a:pPr marL="0" indent="0">
+              <a:lnSpc>
+                <a:spcPct val="120000"/>
+              </a:lnSpc>
+              <a:spcBef>
+                <a:spcPts val="1200"/>
+              </a:spcBef>
+              <a:buClr>
+                <a:schemeClr val="tx2"/>
+              </a:buClr>
+            </a:pPr>
+            <a:endParaRPr lang="en-US" altLang="zh-CHS" sz="800" dirty="0" smtClean="0"/>
+          </a:p>
+          <a:p>
             <a:pPr marL="520700" indent="-520700">
               <a:lnSpc>
                 <a:spcPct val="120000"/>
@@ -14756,7 +15572,37 @@
               <a:buFont typeface="Wingdings" charset="2"/>
               <a:buChar char=""/>
             </a:pPr>
-            <a:endParaRPr lang="en-US" altLang="zh-Hans" sz="3600" dirty="0" smtClean="0"/>
+            <a:r>
+              <a:rPr lang="zh-CHS" altLang="en-US" sz="3600" dirty="0"/>
+              <a:t>当管理员存书后</a:t>
+            </a:r>
+            <a:r>
+              <a:rPr lang="en-US" altLang="zh-CHS" sz="3600" dirty="0"/>
+              <a:t>, </a:t>
+            </a:r>
+            <a:r>
+              <a:rPr lang="zh-CHS" altLang="en-US" sz="3600" dirty="0"/>
+              <a:t>他会告诉我们当前图书馆的现存图书</a:t>
+            </a:r>
+            <a:r>
+              <a:rPr lang="zh-CHS" altLang="en-US" sz="3600" dirty="0" smtClean="0"/>
+              <a:t>数量</a:t>
+            </a:r>
+            <a:endParaRPr lang="en-US" altLang="zh-CHS" sz="3600" dirty="0" smtClean="0"/>
+          </a:p>
+          <a:p>
+            <a:pPr marL="0" indent="0">
+              <a:lnSpc>
+                <a:spcPct val="120000"/>
+              </a:lnSpc>
+              <a:spcBef>
+                <a:spcPts val="1200"/>
+              </a:spcBef>
+              <a:buClr>
+                <a:schemeClr val="tx2"/>
+              </a:buClr>
+            </a:pPr>
+            <a:endParaRPr lang="zh-CHS" altLang="en-US" sz="800" dirty="0"/>
           </a:p>
           <a:p>
             <a:pPr marL="520700" indent="-520700">
@@ -14773,17 +15619,36 @@
               <a:buChar char=""/>
             </a:pPr>
             <a:r>
-              <a:rPr lang="en-US" altLang="zh-Hans" sz="3600" dirty="0" smtClean="0"/>
-              <a:t>Open </a:t>
-            </a:r>
-            <a:r>
-              <a:rPr lang="en-US" altLang="zh-Hans" sz="3600" dirty="0" err="1" smtClean="0"/>
-              <a:t>gtest_sample</a:t>
-            </a:r>
-            <a:r>
-              <a:rPr lang="en-US" altLang="zh-Hans" sz="3600" dirty="0" smtClean="0"/>
-              <a:t>, Compile and run</a:t>
-            </a:r>
+              <a:rPr lang="zh-CHS" altLang="en-US" sz="3600" dirty="0"/>
+              <a:t>当向管理员借书后</a:t>
+            </a:r>
+            <a:r>
+              <a:rPr lang="en-US" altLang="zh-CHS" sz="3600" dirty="0"/>
+              <a:t>, </a:t>
+            </a:r>
+            <a:r>
+              <a:rPr lang="zh-CHS" altLang="en-US" sz="3600" dirty="0"/>
+              <a:t>他会告诉我们当前图书馆的剩余图书</a:t>
+            </a:r>
+            <a:r>
+              <a:rPr lang="zh-CHS" altLang="en-US" sz="3600" dirty="0" smtClean="0"/>
+              <a:t>数量</a:t>
+            </a:r>
+            <a:endParaRPr lang="en-US" altLang="zh-CHS" sz="3600" dirty="0"/>
+          </a:p>
+          <a:p>
+            <a:pPr marL="0" indent="0">
+              <a:lnSpc>
+                <a:spcPct val="120000"/>
+              </a:lnSpc>
+              <a:spcBef>
+                <a:spcPts val="1200"/>
+              </a:spcBef>
+              <a:buClr>
+                <a:schemeClr val="tx2"/>
+              </a:buClr>
+            </a:pPr>
+            <a:endParaRPr lang="en-US" altLang="zh-CHS" sz="800" dirty="0" smtClean="0"/>
           </a:p>
           <a:p>
             <a:pPr marL="520700" indent="-520700">
@@ -14799,70 +15664,35 @@
               <a:buFont typeface="Wingdings" charset="2"/>
               <a:buChar char=""/>
             </a:pPr>
-            <a:endParaRPr lang="en-US" altLang="zh-Hans" sz="3600" dirty="0" smtClean="0"/>
-          </a:p>
-          <a:p>
-            <a:pPr marL="520700" indent="-520700">
-              <a:lnSpc>
-                <a:spcPct val="120000"/>
-              </a:lnSpc>
-              <a:spcBef>
-                <a:spcPts val="1200"/>
-              </a:spcBef>
-              <a:buClr>
-                <a:schemeClr val="tx2"/>
-              </a:buClr>
-              <a:buFont typeface="Wingdings" charset="2"/>
-              <a:buChar char=""/>
-            </a:pPr>
-            <a:r>
-              <a:rPr lang="en-US" altLang="zh-Hans" sz="3600" dirty="0" err="1" smtClean="0"/>
-              <a:t>SalesMan</a:t>
-            </a:r>
-            <a:r>
-              <a:rPr lang="en-US" altLang="zh-Hans" sz="3600" dirty="0" smtClean="0"/>
-              <a:t> should answer “see you” to “bye”</a:t>
-            </a:r>
-          </a:p>
-          <a:p>
-            <a:pPr marL="520700" indent="-520700">
-              <a:lnSpc>
-                <a:spcPct val="120000"/>
-              </a:lnSpc>
-              <a:spcBef>
-                <a:spcPts val="1200"/>
-              </a:spcBef>
-              <a:buClr>
-                <a:schemeClr val="tx2"/>
-              </a:buClr>
-              <a:buFont typeface="Wingdings" charset="2"/>
-              <a:buChar char=""/>
-            </a:pPr>
-            <a:endParaRPr lang="en-US" altLang="zh-Hans" sz="3600" dirty="0" smtClean="0"/>
-          </a:p>
-          <a:p>
-            <a:pPr marL="520700" indent="-520700">
-              <a:lnSpc>
-                <a:spcPct val="120000"/>
-              </a:lnSpc>
-              <a:spcBef>
-                <a:spcPts val="1200"/>
-              </a:spcBef>
-              <a:buClr>
-                <a:schemeClr val="tx2"/>
-              </a:buClr>
-              <a:buFont typeface="Wingdings" charset="2"/>
-              <a:buChar char=""/>
-            </a:pPr>
-            <a:r>
-              <a:rPr lang="en-US" altLang="zh-Hans" sz="3600" dirty="0" err="1" smtClean="0"/>
-              <a:t>SalesMan</a:t>
-            </a:r>
-            <a:r>
-              <a:rPr lang="en-US" altLang="zh-Hans" sz="3600" dirty="0" smtClean="0"/>
-              <a:t> should throw an exception if question is empty</a:t>
-            </a:r>
-            <a:endParaRPr lang="zh-Hans" altLang="en-US" sz="3600" dirty="0"/>
+            <a:r>
+              <a:rPr lang="zh-CHS" altLang="en-US" sz="3600" dirty="0" smtClean="0"/>
+              <a:t>当向</a:t>
+            </a:r>
+            <a:r>
+              <a:rPr lang="zh-CHS" altLang="en-US" sz="3600" dirty="0"/>
+              <a:t>管理员借书时</a:t>
+            </a:r>
+            <a:r>
+              <a:rPr lang="en-US" altLang="zh-CHS" sz="3600" dirty="0"/>
+              <a:t>, </a:t>
+            </a:r>
+            <a:r>
+              <a:rPr lang="zh-CHS" altLang="en-US" sz="3600" dirty="0"/>
+              <a:t>如果馆内没有这本书</a:t>
+            </a:r>
+            <a:r>
+              <a:rPr lang="en-US" altLang="zh-CHS" sz="3600" dirty="0"/>
+              <a:t>, </a:t>
+            </a:r>
+            <a:r>
+              <a:rPr lang="zh-CHS" altLang="en-US" sz="3600" dirty="0"/>
+              <a:t>则抛出</a:t>
+            </a:r>
+            <a:r>
+              <a:rPr lang="zh-CHS" altLang="en-US" sz="3600" dirty="0" smtClean="0"/>
+              <a:t>异常</a:t>
+            </a:r>
+            <a:endParaRPr lang="zh-CHS" altLang="en-US" sz="3600" dirty="0"/>
           </a:p>
         </p:txBody>
       </p:sp>
@@ -14911,7 +15741,7 @@
         </p:blipFill>
         <p:spPr>
           <a:xfrm>
-            <a:off x="385233" y="1078673"/>
+            <a:off x="385233" y="1189194"/>
             <a:ext cx="3039534" cy="3039534"/>
           </a:xfrm>
           <a:prstGeom prst="rect">
@@ -14936,7 +15766,102 @@
   <p:timing>
     <p:tnLst>
       <p:par>
-        <p:cTn id="1" dur="indefinite" restart="never" nodeType="tmRoot"/>
+        <p:cTn id="1" dur="indefinite" restart="never" nodeType="tmRoot">
+          <p:childTnLst>
+            <p:seq concurrent="1" nextAc="seek">
+              <p:cTn id="2" dur="indefinite" nodeType="mainSeq">
+                <p:childTnLst>
+                  <p:par>
+                    <p:cTn id="3" fill="hold">
+                      <p:stCondLst>
+                        <p:cond delay="indefinite"/>
+                      </p:stCondLst>
+                      <p:childTnLst>
+                        <p:par>
+                          <p:cTn id="4" fill="hold">
+                            <p:stCondLst>
+                              <p:cond delay="0"/>
+                            </p:stCondLst>
+                            <p:childTnLst>
+                              <p:par>
+                                <p:cTn id="5" presetID="3" presetClass="emph" presetSubtype="2" fill="hold" nodeType="clickEffect">
+                                  <p:stCondLst>
+                                    <p:cond delay="0"/>
+                                  </p:stCondLst>
+                                  <p:childTnLst>
+                                    <p:animClr clrSpc="rgb" dir="cw">
+                                      <p:cBhvr override="childStyle">
+                                        <p:cTn id="6" dur="500" fill="hold"/>
+                                        <p:tgtEl>
+                                          <p:spTgt spid="3">
+                                            <p:txEl>
+                                              <p:pRg st="5" end="5"/>
+                                            </p:txEl>
+                                          </p:spTgt>
+                                        </p:tgtEl>
+                                        <p:attrNameLst>
+                                          <p:attrName>style.color</p:attrName>
+                                        </p:attrNameLst>
+                                      </p:cBhvr>
+                                      <p:to>
+                                        <a:srgbClr val="FF0000"/>
+                                      </p:to>
+                                    </p:animClr>
+                                  </p:childTnLst>
+                                </p:cTn>
+                              </p:par>
+                              <p:par>
+                                <p:cTn id="7" presetID="3" presetClass="emph" presetSubtype="2" fill="hold" nodeType="withEffect">
+                                  <p:stCondLst>
+                                    <p:cond delay="0"/>
+                                  </p:stCondLst>
+                                  <p:childTnLst>
+                                    <p:animClr clrSpc="rgb" dir="cw">
+                                      <p:cBhvr override="childStyle">
+                                        <p:cTn id="8" dur="500" fill="hold"/>
+                                        <p:tgtEl>
+                                          <p:spTgt spid="3">
+                                            <p:txEl>
+                                              <p:pRg st="7" end="7"/>
+                                            </p:txEl>
+                                          </p:spTgt>
+                                        </p:tgtEl>
+                                        <p:attrNameLst>
+                                          <p:attrName>style.color</p:attrName>
+                                        </p:attrNameLst>
+                                      </p:cBhvr>
+                                      <p:to>
+                                        <a:srgbClr val="FF0000"/>
+                                      </p:to>
+                                    </p:animClr>
+                                  </p:childTnLst>
+                                </p:cTn>
+                              </p:par>
+                            </p:childTnLst>
+                          </p:cTn>
+                        </p:par>
+                      </p:childTnLst>
+                    </p:cTn>
+                  </p:par>
+                </p:childTnLst>
+              </p:cTn>
+              <p:prevCondLst>
+                <p:cond evt="onPrev" delay="0">
+                  <p:tgtEl>
+                    <p:sldTgt/>
+                  </p:tgtEl>
+                </p:cond>
+              </p:prevCondLst>
+              <p:nextCondLst>
+                <p:cond evt="onNext" delay="0">
+                  <p:tgtEl>
+                    <p:sldTgt/>
+                  </p:tgtEl>
+                </p:cond>
+              </p:nextCondLst>
+            </p:seq>
+          </p:childTnLst>
+        </p:cTn>
       </p:par>
     </p:tnLst>
   </p:timing>
@@ -15207,7 +16132,7 @@
         <a:effectLst/>
         <a:extLst>
           <a:ext uri="{91240B29-F687-4f45-9708-019B960494DF}">
-            <a14:hiddenLine xmlns="" xmlns:a14="http://schemas.microsoft.com/office/drawing/2010/main" w="25400" cap="flat" cmpd="sng" algn="ctr">
+            <a14:hiddenLine xmlns:a14="http://schemas.microsoft.com/office/drawing/2010/main" xmlns="" w="25400" cap="flat" cmpd="sng" algn="ctr">
               <a:solidFill>
                 <a:srgbClr val="000000"/>
               </a:solidFill>
@@ -15218,7 +16143,7 @@
             </a14:hiddenLine>
           </a:ext>
           <a:ext uri="{AF507438-7753-43e0-B8FC-AC1667EBCBE1}">
-            <a14:hiddenEffects xmlns="" xmlns:a14="http://schemas.microsoft.com/office/drawing/2010/main">
+            <a14:hiddenEffects xmlns:a14="http://schemas.microsoft.com/office/drawing/2010/main" xmlns="">
               <a:effectLst>
                 <a:outerShdw blurRad="63500" dist="38099" dir="2700000" algn="ctr" rotWithShape="0">
                   <a:schemeClr val="bg2">
@@ -15594,7 +16519,7 @@
         <a:effectLst/>
         <a:extLst>
           <a:ext uri="{91240B29-F687-4f45-9708-019B960494DF}">
-            <a14:hiddenLine xmlns="" xmlns:a14="http://schemas.microsoft.com/office/drawing/2010/main" w="25400" cap="flat" cmpd="sng" algn="ctr">
+            <a14:hiddenLine xmlns:a14="http://schemas.microsoft.com/office/drawing/2010/main" xmlns="" w="25400" cap="flat" cmpd="sng" algn="ctr">
               <a:solidFill>
                 <a:srgbClr val="000000"/>
               </a:solidFill>
@@ -15605,7 +16530,7 @@
             </a14:hiddenLine>
           </a:ext>
           <a:ext uri="{AF507438-7753-43e0-B8FC-AC1667EBCBE1}">
-            <a14:hiddenEffects xmlns="" xmlns:a14="http://schemas.microsoft.com/office/drawing/2010/main">
+            <a14:hiddenEffects xmlns:a14="http://schemas.microsoft.com/office/drawing/2010/main" xmlns="">
               <a:effectLst>
                 <a:outerShdw blurRad="63500" dist="38099" dir="2700000" algn="ctr" rotWithShape="0">
                   <a:schemeClr val="bg2">
@@ -15981,7 +16906,7 @@
         <a:effectLst/>
         <a:extLst>
           <a:ext uri="{91240B29-F687-4f45-9708-019B960494DF}">
-            <a14:hiddenLine xmlns="" xmlns:a14="http://schemas.microsoft.com/office/drawing/2010/main" w="25400" cap="flat" cmpd="sng" algn="ctr">
+            <a14:hiddenLine xmlns:a14="http://schemas.microsoft.com/office/drawing/2010/main" xmlns="" w="25400" cap="flat" cmpd="sng" algn="ctr">
               <a:solidFill>
                 <a:srgbClr val="000000"/>
               </a:solidFill>
@@ -15992,7 +16917,7 @@
             </a14:hiddenLine>
           </a:ext>
           <a:ext uri="{AF507438-7753-43e0-B8FC-AC1667EBCBE1}">
-            <a14:hiddenEffects xmlns="" xmlns:a14="http://schemas.microsoft.com/office/drawing/2010/main">
+            <a14:hiddenEffects xmlns:a14="http://schemas.microsoft.com/office/drawing/2010/main" xmlns="">
               <a:effectLst>
                 <a:outerShdw blurRad="63500" dist="38099" dir="2700000" algn="ctr" rotWithShape="0">
                   <a:schemeClr val="bg2">

--- a/.slides/01-introduction-to-gtest.pptx
+++ b/.slides/01-introduction-to-gtest.pptx
@@ -301,7 +301,7 @@
               <a:pPr>
                 <a:defRPr/>
               </a:pPr>
-              <a:t>3/31/15</a:t>
+              <a:t>4/2/15</a:t>
             </a:fld>
             <a:endParaRPr lang="en-US"/>
           </a:p>
@@ -11879,7 +11879,7 @@
             </a:pPr>
             <a:r>
               <a:rPr lang="zh-CHS" altLang="en-US" sz="3600" dirty="0" smtClean="0"/>
-              <a:t>将代码通过</a:t>
+              <a:t>将代码</a:t>
             </a:r>
             <a:r>
               <a:rPr lang="en-US" altLang="zh-CHS" sz="3600" dirty="0" smtClean="0"/>
@@ -11887,15 +11887,15 @@
             </a:r>
             <a:r>
               <a:rPr lang="zh-CHS" altLang="en-US" sz="3600" dirty="0" smtClean="0"/>
-              <a:t>到</a:t>
-            </a:r>
-            <a:r>
-              <a:rPr lang="en-US" altLang="zh-CHS" sz="3600" dirty="0" err="1" smtClean="0"/>
-              <a:t>gitlab</a:t>
+              <a:t>到自己的</a:t>
+            </a:r>
+            <a:r>
+              <a:rPr lang="en-US" altLang="zh-CHS" sz="3600" dirty="0" smtClean="0"/>
+              <a:t>Repo</a:t>
             </a:r>
             <a:r>
               <a:rPr lang="zh-CHS" altLang="en-US" sz="3600" dirty="0" smtClean="0"/>
-              <a:t>自己的账号下</a:t>
+              <a:t>中</a:t>
             </a:r>
             <a:endParaRPr lang="zh-CHS" altLang="en-US" sz="3600" dirty="0"/>
           </a:p>
@@ -12007,8 +12007,8 @@
           <a:p>
             <a:pPr algn="ctr"/>
             <a:r>
-              <a:rPr lang="en-US" dirty="0" smtClean="0"/>
-              <a:t>References</a:t>
+              <a:rPr lang="en-US" smtClean="0"/>
+              <a:t>Reference</a:t>
             </a:r>
             <a:endParaRPr lang="en-US" dirty="0"/>
           </a:p>
@@ -12084,6 +12084,29 @@
                 <a:hlinkClick r:id="rId4"/>
               </a:rPr>
               <a:t>code.google.com/p/googletest/wiki/FAQ</a:t>
+            </a:r>
+            <a:endParaRPr lang="en-US" dirty="0" smtClean="0"/>
+          </a:p>
+          <a:p>
+            <a:r>
+              <a:rPr lang="en-US" dirty="0" smtClean="0"/>
+              <a:t>&lt;&lt;</a:t>
+            </a:r>
+            <a:r>
+              <a:rPr lang="zh-CHS" altLang="en-US" dirty="0">
+                <a:hlinkClick r:id="rId5" tooltip="测试驱动开发：实战与模式解析 - china-pub网上书店"/>
+              </a:rPr>
+              <a:t>测试驱动开发：实战与模式</a:t>
+            </a:r>
+            <a:r>
+              <a:rPr lang="zh-CHS" altLang="en-US" dirty="0" smtClean="0">
+                <a:hlinkClick r:id="rId5" tooltip="测试驱动开发：实战与模式解析 - china-pub网上书店"/>
+              </a:rPr>
+              <a:t>解析</a:t>
+            </a:r>
+            <a:r>
+              <a:rPr lang="en-US" altLang="zh-CHS" dirty="0" smtClean="0"/>
+              <a:t>&gt;&gt;</a:t>
             </a:r>
             <a:endParaRPr lang="en-US" dirty="0" smtClean="0"/>
           </a:p>

--- a/.slides/01-introduction-to-gtest.pptx
+++ b/.slides/01-introduction-to-gtest.pptx
@@ -301,7 +301,7 @@
               <a:pPr>
                 <a:defRPr/>
               </a:pPr>
-              <a:t>4/2/15</a:t>
+              <a:t>4/9/2015</a:t>
             </a:fld>
             <a:endParaRPr lang="en-US"/>
           </a:p>
@@ -652,7 +652,7 @@
           </a:ln>
           <a:extLst>
             <a:ext uri="{909E8E84-426E-40dd-AFC4-6F175D3DCCD1}">
-              <a14:hiddenFill xmlns:a14="http://schemas.microsoft.com/office/drawing/2010/main" xmlns="">
+              <a14:hiddenFill xmlns="" xmlns:a14="http://schemas.microsoft.com/office/drawing/2010/main">
                 <a:noFill/>
               </a14:hiddenFill>
             </a:ext>
@@ -696,7 +696,7 @@
           </a:ln>
           <a:extLst>
             <a:ext uri="{909E8E84-426E-40dd-AFC4-6F175D3DCCD1}">
-              <a14:hiddenFill xmlns:a14="http://schemas.microsoft.com/office/drawing/2010/main" xmlns="">
+              <a14:hiddenFill xmlns="" xmlns:a14="http://schemas.microsoft.com/office/drawing/2010/main">
                 <a:noFill/>
               </a14:hiddenFill>
             </a:ext>
@@ -745,14 +745,14 @@
           </a:ln>
           <a:extLst>
             <a:ext uri="{909E8E84-426E-40dd-AFC4-6F175D3DCCD1}">
-              <a14:hiddenFill xmlns:a14="http://schemas.microsoft.com/office/drawing/2010/main" xmlns="">
+              <a14:hiddenFill xmlns="" xmlns:a14="http://schemas.microsoft.com/office/drawing/2010/main">
                 <a:solidFill>
                   <a:srgbClr val="FFFFFF"/>
                 </a:solidFill>
               </a14:hiddenFill>
             </a:ext>
             <a:ext uri="{91240B29-F687-4f45-9708-019B960494DF}">
-              <a14:hiddenLine xmlns:a14="http://schemas.microsoft.com/office/drawing/2010/main" xmlns="" w="9525">
+              <a14:hiddenLine xmlns="" xmlns:a14="http://schemas.microsoft.com/office/drawing/2010/main" w="9525">
                 <a:solidFill>
                   <a:srgbClr val="000000"/>
                 </a:solidFill>
@@ -791,7 +791,7 @@
           </a:lstStyle>
           <a:p>
             <a:r>
-              <a:rPr lang="zh-CHS" altLang="en-US" smtClean="0"/>
+              <a:rPr lang="zh-Hans" altLang="en-US" smtClean="0"/>
               <a:t>单击此处编辑母版标题样式</a:t>
             </a:r>
             <a:endParaRPr lang="en-US" dirty="0"/>
@@ -851,35 +851,35 @@
           <a:p>
             <a:pPr lvl="0"/>
             <a:r>
-              <a:rPr lang="zh-CHS" altLang="en-US" smtClean="0"/>
+              <a:rPr lang="zh-Hans" altLang="en-US" smtClean="0"/>
               <a:t>单击此处编辑母版文本样式</a:t>
             </a:r>
           </a:p>
           <a:p>
             <a:pPr lvl="1"/>
             <a:r>
-              <a:rPr lang="zh-CHS" altLang="en-US" smtClean="0"/>
+              <a:rPr lang="zh-Hans" altLang="en-US" smtClean="0"/>
               <a:t>第二级</a:t>
             </a:r>
           </a:p>
           <a:p>
             <a:pPr lvl="2"/>
             <a:r>
-              <a:rPr lang="zh-CHS" altLang="en-US" smtClean="0"/>
+              <a:rPr lang="zh-Hans" altLang="en-US" smtClean="0"/>
               <a:t>第三级</a:t>
             </a:r>
           </a:p>
           <a:p>
             <a:pPr lvl="3"/>
             <a:r>
-              <a:rPr lang="zh-CHS" altLang="en-US" smtClean="0"/>
+              <a:rPr lang="zh-Hans" altLang="en-US" smtClean="0"/>
               <a:t>第四级</a:t>
             </a:r>
           </a:p>
           <a:p>
             <a:pPr lvl="4"/>
             <a:r>
-              <a:rPr lang="zh-CHS" altLang="en-US" smtClean="0"/>
+              <a:rPr lang="zh-Hans" altLang="en-US" smtClean="0"/>
               <a:t>第五级</a:t>
             </a:r>
             <a:endParaRPr lang="en-US" dirty="0"/>
@@ -962,7 +962,7 @@
           <a:p>
             <a:pPr lvl="0"/>
             <a:r>
-              <a:rPr lang="zh-CHS" altLang="en-US" smtClean="0"/>
+              <a:rPr lang="zh-Hans" altLang="en-US" smtClean="0"/>
               <a:t>单击此处编辑母版文本样式</a:t>
             </a:r>
           </a:p>
@@ -1097,7 +1097,7 @@
           </a:ln>
           <a:extLst>
             <a:ext uri="{909E8E84-426E-40dd-AFC4-6F175D3DCCD1}">
-              <a14:hiddenFill xmlns:a14="http://schemas.microsoft.com/office/drawing/2010/main" xmlns="">
+              <a14:hiddenFill xmlns="" xmlns:a14="http://schemas.microsoft.com/office/drawing/2010/main">
                 <a:noFill/>
               </a14:hiddenFill>
             </a:ext>
@@ -1146,14 +1146,14 @@
           </a:ln>
           <a:extLst>
             <a:ext uri="{909E8E84-426E-40dd-AFC4-6F175D3DCCD1}">
-              <a14:hiddenFill xmlns:a14="http://schemas.microsoft.com/office/drawing/2010/main" xmlns="">
+              <a14:hiddenFill xmlns="" xmlns:a14="http://schemas.microsoft.com/office/drawing/2010/main">
                 <a:solidFill>
                   <a:srgbClr val="FFFFFF"/>
                 </a:solidFill>
               </a14:hiddenFill>
             </a:ext>
             <a:ext uri="{91240B29-F687-4f45-9708-019B960494DF}">
-              <a14:hiddenLine xmlns:a14="http://schemas.microsoft.com/office/drawing/2010/main" xmlns="" w="9525">
+              <a14:hiddenLine xmlns="" xmlns:a14="http://schemas.microsoft.com/office/drawing/2010/main" w="9525">
                 <a:solidFill>
                   <a:srgbClr val="000000"/>
                 </a:solidFill>
@@ -1192,7 +1192,7 @@
           </a:lstStyle>
           <a:p>
             <a:r>
-              <a:rPr lang="zh-CHS" altLang="en-US" smtClean="0"/>
+              <a:rPr lang="zh-Hans" altLang="en-US" smtClean="0"/>
               <a:t>单击此处编辑母版标题样式</a:t>
             </a:r>
             <a:endParaRPr lang="en-US" dirty="0"/>
@@ -1287,35 +1287,35 @@
           <a:p>
             <a:pPr lvl="0"/>
             <a:r>
-              <a:rPr lang="zh-CHS" altLang="en-US" smtClean="0"/>
+              <a:rPr lang="zh-Hans" altLang="en-US" smtClean="0"/>
               <a:t>单击此处编辑母版文本样式</a:t>
             </a:r>
           </a:p>
           <a:p>
             <a:pPr lvl="1"/>
             <a:r>
-              <a:rPr lang="zh-CHS" altLang="en-US" smtClean="0"/>
+              <a:rPr lang="zh-Hans" altLang="en-US" smtClean="0"/>
               <a:t>第二级</a:t>
             </a:r>
           </a:p>
           <a:p>
             <a:pPr lvl="2"/>
             <a:r>
-              <a:rPr lang="zh-CHS" altLang="en-US" smtClean="0"/>
+              <a:rPr lang="zh-Hans" altLang="en-US" smtClean="0"/>
               <a:t>第三级</a:t>
             </a:r>
           </a:p>
           <a:p>
             <a:pPr lvl="3"/>
             <a:r>
-              <a:rPr lang="zh-CHS" altLang="en-US" smtClean="0"/>
+              <a:rPr lang="zh-Hans" altLang="en-US" smtClean="0"/>
               <a:t>第四级</a:t>
             </a:r>
           </a:p>
           <a:p>
             <a:pPr lvl="4"/>
             <a:r>
-              <a:rPr lang="zh-CHS" altLang="en-US" smtClean="0"/>
+              <a:rPr lang="zh-Hans" altLang="en-US" smtClean="0"/>
               <a:t>第五级</a:t>
             </a:r>
             <a:endParaRPr lang="en-US" dirty="0"/>
@@ -1380,7 +1380,7 @@
           </a:ln>
           <a:extLst>
             <a:ext uri="{909E8E84-426E-40dd-AFC4-6F175D3DCCD1}">
-              <a14:hiddenFill xmlns:a14="http://schemas.microsoft.com/office/drawing/2010/main" xmlns="">
+              <a14:hiddenFill xmlns="" xmlns:a14="http://schemas.microsoft.com/office/drawing/2010/main">
                 <a:noFill/>
               </a14:hiddenFill>
             </a:ext>
@@ -1424,7 +1424,7 @@
           </a:ln>
           <a:extLst>
             <a:ext uri="{909E8E84-426E-40dd-AFC4-6F175D3DCCD1}">
-              <a14:hiddenFill xmlns:a14="http://schemas.microsoft.com/office/drawing/2010/main" xmlns="">
+              <a14:hiddenFill xmlns="" xmlns:a14="http://schemas.microsoft.com/office/drawing/2010/main">
                 <a:noFill/>
               </a14:hiddenFill>
             </a:ext>
@@ -1473,14 +1473,14 @@
           </a:ln>
           <a:extLst>
             <a:ext uri="{909E8E84-426E-40dd-AFC4-6F175D3DCCD1}">
-              <a14:hiddenFill xmlns:a14="http://schemas.microsoft.com/office/drawing/2010/main" xmlns="">
+              <a14:hiddenFill xmlns="" xmlns:a14="http://schemas.microsoft.com/office/drawing/2010/main">
                 <a:solidFill>
                   <a:srgbClr val="FFFFFF"/>
                 </a:solidFill>
               </a14:hiddenFill>
             </a:ext>
             <a:ext uri="{91240B29-F687-4f45-9708-019B960494DF}">
-              <a14:hiddenLine xmlns:a14="http://schemas.microsoft.com/office/drawing/2010/main" xmlns="" w="9525">
+              <a14:hiddenLine xmlns="" xmlns:a14="http://schemas.microsoft.com/office/drawing/2010/main" w="9525">
                 <a:solidFill>
                   <a:srgbClr val="000000"/>
                 </a:solidFill>
@@ -1754,7 +1754,7 @@
           </a:ln>
           <a:extLst>
             <a:ext uri="{909E8E84-426E-40dd-AFC4-6F175D3DCCD1}">
-              <a14:hiddenFill xmlns:a14="http://schemas.microsoft.com/office/drawing/2010/main" xmlns="">
+              <a14:hiddenFill xmlns="" xmlns:a14="http://schemas.microsoft.com/office/drawing/2010/main">
                 <a:noFill/>
               </a14:hiddenFill>
             </a:ext>
@@ -1959,7 +1959,7 @@
           </a:ln>
           <a:extLst>
             <a:ext uri="{909E8E84-426E-40dd-AFC4-6F175D3DCCD1}">
-              <a14:hiddenFill xmlns:a14="http://schemas.microsoft.com/office/drawing/2010/main" xmlns="">
+              <a14:hiddenFill xmlns="" xmlns:a14="http://schemas.microsoft.com/office/drawing/2010/main">
                 <a:noFill/>
               </a14:hiddenFill>
             </a:ext>
@@ -2169,7 +2169,7 @@
           </a:ln>
           <a:extLst>
             <a:ext uri="{909E8E84-426E-40dd-AFC4-6F175D3DCCD1}">
-              <a14:hiddenFill xmlns:a14="http://schemas.microsoft.com/office/drawing/2010/main" xmlns="">
+              <a14:hiddenFill xmlns="" xmlns:a14="http://schemas.microsoft.com/office/drawing/2010/main">
                 <a:noFill/>
               </a14:hiddenFill>
             </a:ext>
@@ -2420,7 +2420,7 @@
           </a:ln>
           <a:extLst>
             <a:ext uri="{909E8E84-426E-40dd-AFC4-6F175D3DCCD1}">
-              <a14:hiddenFill xmlns:a14="http://schemas.microsoft.com/office/drawing/2010/main" xmlns="">
+              <a14:hiddenFill xmlns="" xmlns:a14="http://schemas.microsoft.com/office/drawing/2010/main">
                 <a:noFill/>
               </a14:hiddenFill>
             </a:ext>
@@ -2469,14 +2469,14 @@
           </a:ln>
           <a:extLst>
             <a:ext uri="{909E8E84-426E-40dd-AFC4-6F175D3DCCD1}">
-              <a14:hiddenFill xmlns:a14="http://schemas.microsoft.com/office/drawing/2010/main" xmlns="">
+              <a14:hiddenFill xmlns="" xmlns:a14="http://schemas.microsoft.com/office/drawing/2010/main">
                 <a:solidFill>
                   <a:srgbClr val="FFFFFF"/>
                 </a:solidFill>
               </a14:hiddenFill>
             </a:ext>
             <a:ext uri="{91240B29-F687-4f45-9708-019B960494DF}">
-              <a14:hiddenLine xmlns:a14="http://schemas.microsoft.com/office/drawing/2010/main" xmlns="" w="9525">
+              <a14:hiddenLine xmlns="" xmlns:a14="http://schemas.microsoft.com/office/drawing/2010/main" w="9525">
                 <a:solidFill>
                   <a:srgbClr val="000000"/>
                 </a:solidFill>
@@ -2738,7 +2738,7 @@
           </a:ln>
           <a:extLst>
             <a:ext uri="{909E8E84-426E-40dd-AFC4-6F175D3DCCD1}">
-              <a14:hiddenFill xmlns:a14="http://schemas.microsoft.com/office/drawing/2010/main" xmlns="">
+              <a14:hiddenFill xmlns="" xmlns:a14="http://schemas.microsoft.com/office/drawing/2010/main">
                 <a:noFill/>
               </a14:hiddenFill>
             </a:ext>
@@ -2787,14 +2787,14 @@
           </a:ln>
           <a:extLst>
             <a:ext uri="{909E8E84-426E-40dd-AFC4-6F175D3DCCD1}">
-              <a14:hiddenFill xmlns:a14="http://schemas.microsoft.com/office/drawing/2010/main" xmlns="">
+              <a14:hiddenFill xmlns="" xmlns:a14="http://schemas.microsoft.com/office/drawing/2010/main">
                 <a:solidFill>
                   <a:srgbClr val="FFFFFF"/>
                 </a:solidFill>
               </a14:hiddenFill>
             </a:ext>
             <a:ext uri="{91240B29-F687-4f45-9708-019B960494DF}">
-              <a14:hiddenLine xmlns:a14="http://schemas.microsoft.com/office/drawing/2010/main" xmlns="" w="9525">
+              <a14:hiddenLine xmlns="" xmlns:a14="http://schemas.microsoft.com/office/drawing/2010/main" w="9525">
                 <a:solidFill>
                   <a:srgbClr val="000000"/>
                 </a:solidFill>
@@ -3439,7 +3439,7 @@
           </a:ln>
           <a:extLst>
             <a:ext uri="{909E8E84-426E-40dd-AFC4-6F175D3DCCD1}">
-              <a14:hiddenFill xmlns:a14="http://schemas.microsoft.com/office/drawing/2010/main" xmlns="">
+              <a14:hiddenFill xmlns="" xmlns:a14="http://schemas.microsoft.com/office/drawing/2010/main">
                 <a:noFill/>
               </a14:hiddenFill>
             </a:ext>
@@ -3469,7 +3469,7 @@
           <a:lstStyle/>
           <a:p>
             <a:r>
-              <a:rPr lang="zh-CHS" altLang="en-US" smtClean="0"/>
+              <a:rPr lang="zh-Hans" altLang="en-US" smtClean="0"/>
               <a:t>单击此处编辑母版标题样式</a:t>
             </a:r>
             <a:endParaRPr lang="en-US"/>
@@ -3506,35 +3506,35 @@
           <a:p>
             <a:pPr lvl="0"/>
             <a:r>
-              <a:rPr lang="zh-CHS" altLang="en-US" smtClean="0"/>
+              <a:rPr lang="zh-Hans" altLang="en-US" smtClean="0"/>
               <a:t>单击此处编辑母版文本样式</a:t>
             </a:r>
           </a:p>
           <a:p>
             <a:pPr lvl="1"/>
             <a:r>
-              <a:rPr lang="zh-CHS" altLang="en-US" smtClean="0"/>
+              <a:rPr lang="zh-Hans" altLang="en-US" smtClean="0"/>
               <a:t>第二级</a:t>
             </a:r>
           </a:p>
           <a:p>
             <a:pPr lvl="2"/>
             <a:r>
-              <a:rPr lang="zh-CHS" altLang="en-US" smtClean="0"/>
+              <a:rPr lang="zh-Hans" altLang="en-US" smtClean="0"/>
               <a:t>第三级</a:t>
             </a:r>
           </a:p>
           <a:p>
             <a:pPr lvl="3"/>
             <a:r>
-              <a:rPr lang="zh-CHS" altLang="en-US" smtClean="0"/>
+              <a:rPr lang="zh-Hans" altLang="en-US" smtClean="0"/>
               <a:t>第四级</a:t>
             </a:r>
           </a:p>
           <a:p>
             <a:pPr lvl="4"/>
             <a:r>
-              <a:rPr lang="zh-CHS" altLang="en-US" smtClean="0"/>
+              <a:rPr lang="zh-Hans" altLang="en-US" smtClean="0"/>
               <a:t>第五级</a:t>
             </a:r>
             <a:endParaRPr lang="en-US" dirty="0"/>
@@ -3632,7 +3632,7 @@
           </a:ln>
           <a:extLst>
             <a:ext uri="{909E8E84-426E-40dd-AFC4-6F175D3DCCD1}">
-              <a14:hiddenFill xmlns:a14="http://schemas.microsoft.com/office/drawing/2010/main" xmlns="">
+              <a14:hiddenFill xmlns="" xmlns:a14="http://schemas.microsoft.com/office/drawing/2010/main">
                 <a:noFill/>
               </a14:hiddenFill>
             </a:ext>
@@ -3673,7 +3673,7 @@
           </a:ln>
           <a:extLst>
             <a:ext uri="{909E8E84-426E-40dd-AFC4-6F175D3DCCD1}">
-              <a14:hiddenFill xmlns:a14="http://schemas.microsoft.com/office/drawing/2010/main" xmlns="">
+              <a14:hiddenFill xmlns="" xmlns:a14="http://schemas.microsoft.com/office/drawing/2010/main">
                 <a:noFill/>
               </a14:hiddenFill>
             </a:ext>
@@ -3884,7 +3884,7 @@
           </a:ln>
           <a:extLst>
             <a:ext uri="{909E8E84-426E-40dd-AFC4-6F175D3DCCD1}">
-              <a14:hiddenFill xmlns:a14="http://schemas.microsoft.com/office/drawing/2010/main" xmlns="">
+              <a14:hiddenFill xmlns="" xmlns:a14="http://schemas.microsoft.com/office/drawing/2010/main">
                 <a:noFill/>
               </a14:hiddenFill>
             </a:ext>
@@ -3933,14 +3933,14 @@
           </a:ln>
           <a:extLst>
             <a:ext uri="{909E8E84-426E-40dd-AFC4-6F175D3DCCD1}">
-              <a14:hiddenFill xmlns:a14="http://schemas.microsoft.com/office/drawing/2010/main" xmlns="">
+              <a14:hiddenFill xmlns="" xmlns:a14="http://schemas.microsoft.com/office/drawing/2010/main">
                 <a:solidFill>
                   <a:srgbClr val="FFFFFF"/>
                 </a:solidFill>
               </a14:hiddenFill>
             </a:ext>
             <a:ext uri="{91240B29-F687-4f45-9708-019B960494DF}">
-              <a14:hiddenLine xmlns:a14="http://schemas.microsoft.com/office/drawing/2010/main" xmlns="" w="9525">
+              <a14:hiddenLine xmlns="" xmlns:a14="http://schemas.microsoft.com/office/drawing/2010/main" w="9525">
                 <a:solidFill>
                   <a:srgbClr val="000000"/>
                 </a:solidFill>
@@ -4171,7 +4171,7 @@
           </a:ln>
           <a:extLst>
             <a:ext uri="{909E8E84-426E-40dd-AFC4-6F175D3DCCD1}">
-              <a14:hiddenFill xmlns:a14="http://schemas.microsoft.com/office/drawing/2010/main" xmlns="">
+              <a14:hiddenFill xmlns="" xmlns:a14="http://schemas.microsoft.com/office/drawing/2010/main">
                 <a:noFill/>
               </a14:hiddenFill>
             </a:ext>
@@ -4215,7 +4215,7 @@
           </a:ln>
           <a:extLst>
             <a:ext uri="{909E8E84-426E-40dd-AFC4-6F175D3DCCD1}">
-              <a14:hiddenFill xmlns:a14="http://schemas.microsoft.com/office/drawing/2010/main" xmlns="">
+              <a14:hiddenFill xmlns="" xmlns:a14="http://schemas.microsoft.com/office/drawing/2010/main">
                 <a:noFill/>
               </a14:hiddenFill>
             </a:ext>
@@ -4264,14 +4264,14 @@
           </a:ln>
           <a:extLst>
             <a:ext uri="{909E8E84-426E-40dd-AFC4-6F175D3DCCD1}">
-              <a14:hiddenFill xmlns:a14="http://schemas.microsoft.com/office/drawing/2010/main" xmlns="">
+              <a14:hiddenFill xmlns="" xmlns:a14="http://schemas.microsoft.com/office/drawing/2010/main">
                 <a:solidFill>
                   <a:srgbClr val="FFFFFF"/>
                 </a:solidFill>
               </a14:hiddenFill>
             </a:ext>
             <a:ext uri="{91240B29-F687-4f45-9708-019B960494DF}">
-              <a14:hiddenLine xmlns:a14="http://schemas.microsoft.com/office/drawing/2010/main" xmlns="" w="9525">
+              <a14:hiddenLine xmlns="" xmlns:a14="http://schemas.microsoft.com/office/drawing/2010/main" w="9525">
                 <a:solidFill>
                   <a:srgbClr val="000000"/>
                 </a:solidFill>
@@ -4545,7 +4545,7 @@
           </a:ln>
           <a:extLst>
             <a:ext uri="{909E8E84-426E-40dd-AFC4-6F175D3DCCD1}">
-              <a14:hiddenFill xmlns:a14="http://schemas.microsoft.com/office/drawing/2010/main" xmlns="">
+              <a14:hiddenFill xmlns="" xmlns:a14="http://schemas.microsoft.com/office/drawing/2010/main">
                 <a:noFill/>
               </a14:hiddenFill>
             </a:ext>
@@ -4759,7 +4759,7 @@
           </a:ln>
           <a:extLst>
             <a:ext uri="{909E8E84-426E-40dd-AFC4-6F175D3DCCD1}">
-              <a14:hiddenFill xmlns:a14="http://schemas.microsoft.com/office/drawing/2010/main" xmlns="">
+              <a14:hiddenFill xmlns="" xmlns:a14="http://schemas.microsoft.com/office/drawing/2010/main">
                 <a:noFill/>
               </a14:hiddenFill>
             </a:ext>
@@ -4978,7 +4978,7 @@
           </a:ln>
           <a:extLst>
             <a:ext uri="{909E8E84-426E-40dd-AFC4-6F175D3DCCD1}">
-              <a14:hiddenFill xmlns:a14="http://schemas.microsoft.com/office/drawing/2010/main" xmlns="">
+              <a14:hiddenFill xmlns="" xmlns:a14="http://schemas.microsoft.com/office/drawing/2010/main">
                 <a:noFill/>
               </a14:hiddenFill>
             </a:ext>
@@ -5229,7 +5229,7 @@
           </a:ln>
           <a:extLst>
             <a:ext uri="{909E8E84-426E-40dd-AFC4-6F175D3DCCD1}">
-              <a14:hiddenFill xmlns:a14="http://schemas.microsoft.com/office/drawing/2010/main" xmlns="">
+              <a14:hiddenFill xmlns="" xmlns:a14="http://schemas.microsoft.com/office/drawing/2010/main">
                 <a:noFill/>
               </a14:hiddenFill>
             </a:ext>
@@ -5278,14 +5278,14 @@
           </a:ln>
           <a:extLst>
             <a:ext uri="{909E8E84-426E-40dd-AFC4-6F175D3DCCD1}">
-              <a14:hiddenFill xmlns:a14="http://schemas.microsoft.com/office/drawing/2010/main" xmlns="">
+              <a14:hiddenFill xmlns="" xmlns:a14="http://schemas.microsoft.com/office/drawing/2010/main">
                 <a:solidFill>
                   <a:srgbClr val="FFFFFF"/>
                 </a:solidFill>
               </a14:hiddenFill>
             </a:ext>
             <a:ext uri="{91240B29-F687-4f45-9708-019B960494DF}">
-              <a14:hiddenLine xmlns:a14="http://schemas.microsoft.com/office/drawing/2010/main" xmlns="" w="9525">
+              <a14:hiddenLine xmlns="" xmlns:a14="http://schemas.microsoft.com/office/drawing/2010/main" w="9525">
                 <a:solidFill>
                   <a:srgbClr val="000000"/>
                 </a:solidFill>
@@ -5547,7 +5547,7 @@
           </a:ln>
           <a:extLst>
             <a:ext uri="{909E8E84-426E-40dd-AFC4-6F175D3DCCD1}">
-              <a14:hiddenFill xmlns:a14="http://schemas.microsoft.com/office/drawing/2010/main" xmlns="">
+              <a14:hiddenFill xmlns="" xmlns:a14="http://schemas.microsoft.com/office/drawing/2010/main">
                 <a:noFill/>
               </a14:hiddenFill>
             </a:ext>
@@ -5596,14 +5596,14 @@
           </a:ln>
           <a:extLst>
             <a:ext uri="{909E8E84-426E-40dd-AFC4-6F175D3DCCD1}">
-              <a14:hiddenFill xmlns:a14="http://schemas.microsoft.com/office/drawing/2010/main" xmlns="">
+              <a14:hiddenFill xmlns="" xmlns:a14="http://schemas.microsoft.com/office/drawing/2010/main">
                 <a:solidFill>
                   <a:srgbClr val="FFFFFF"/>
                 </a:solidFill>
               </a14:hiddenFill>
             </a:ext>
             <a:ext uri="{91240B29-F687-4f45-9708-019B960494DF}">
-              <a14:hiddenLine xmlns:a14="http://schemas.microsoft.com/office/drawing/2010/main" xmlns="" w="9525">
+              <a14:hiddenLine xmlns="" xmlns:a14="http://schemas.microsoft.com/office/drawing/2010/main" w="9525">
                 <a:solidFill>
                   <a:srgbClr val="000000"/>
                 </a:solidFill>
@@ -6073,7 +6073,7 @@
           </a:ln>
           <a:extLst>
             <a:ext uri="{909E8E84-426E-40dd-AFC4-6F175D3DCCD1}">
-              <a14:hiddenFill xmlns:a14="http://schemas.microsoft.com/office/drawing/2010/main" xmlns="">
+              <a14:hiddenFill xmlns="" xmlns:a14="http://schemas.microsoft.com/office/drawing/2010/main">
                 <a:noFill/>
               </a14:hiddenFill>
             </a:ext>
@@ -6103,7 +6103,7 @@
           <a:lstStyle/>
           <a:p>
             <a:r>
-              <a:rPr lang="zh-CHS" altLang="en-US" smtClean="0"/>
+              <a:rPr lang="zh-Hans" altLang="en-US" smtClean="0"/>
               <a:t>单击此处编辑母版标题样式</a:t>
             </a:r>
             <a:endParaRPr lang="en-US"/>
@@ -6145,35 +6145,35 @@
           <a:p>
             <a:pPr lvl="0"/>
             <a:r>
-              <a:rPr lang="zh-CHS" altLang="en-US" smtClean="0"/>
+              <a:rPr lang="zh-Hans" altLang="en-US" smtClean="0"/>
               <a:t>单击此处编辑母版文本样式</a:t>
             </a:r>
           </a:p>
           <a:p>
             <a:pPr lvl="1"/>
             <a:r>
-              <a:rPr lang="zh-CHS" altLang="en-US" smtClean="0"/>
+              <a:rPr lang="zh-Hans" altLang="en-US" smtClean="0"/>
               <a:t>第二级</a:t>
             </a:r>
           </a:p>
           <a:p>
             <a:pPr lvl="2"/>
             <a:r>
-              <a:rPr lang="zh-CHS" altLang="en-US" smtClean="0"/>
+              <a:rPr lang="zh-Hans" altLang="en-US" smtClean="0"/>
               <a:t>第三级</a:t>
             </a:r>
           </a:p>
           <a:p>
             <a:pPr lvl="3"/>
             <a:r>
-              <a:rPr lang="zh-CHS" altLang="en-US" smtClean="0"/>
+              <a:rPr lang="zh-Hans" altLang="en-US" smtClean="0"/>
               <a:t>第四级</a:t>
             </a:r>
           </a:p>
           <a:p>
             <a:pPr lvl="4"/>
             <a:r>
-              <a:rPr lang="zh-CHS" altLang="en-US" smtClean="0"/>
+              <a:rPr lang="zh-Hans" altLang="en-US" smtClean="0"/>
               <a:t>第五级</a:t>
             </a:r>
             <a:endParaRPr lang="en-US" dirty="0"/>
@@ -6452,7 +6452,7 @@
           </a:ln>
           <a:extLst>
             <a:ext uri="{909E8E84-426E-40dd-AFC4-6F175D3DCCD1}">
-              <a14:hiddenFill xmlns:a14="http://schemas.microsoft.com/office/drawing/2010/main" xmlns="">
+              <a14:hiddenFill xmlns="" xmlns:a14="http://schemas.microsoft.com/office/drawing/2010/main">
                 <a:noFill/>
               </a14:hiddenFill>
             </a:ext>
@@ -6493,7 +6493,7 @@
           </a:ln>
           <a:extLst>
             <a:ext uri="{909E8E84-426E-40dd-AFC4-6F175D3DCCD1}">
-              <a14:hiddenFill xmlns:a14="http://schemas.microsoft.com/office/drawing/2010/main" xmlns="">
+              <a14:hiddenFill xmlns="" xmlns:a14="http://schemas.microsoft.com/office/drawing/2010/main">
                 <a:noFill/>
               </a14:hiddenFill>
             </a:ext>
@@ -6704,7 +6704,7 @@
           </a:ln>
           <a:extLst>
             <a:ext uri="{909E8E84-426E-40dd-AFC4-6F175D3DCCD1}">
-              <a14:hiddenFill xmlns:a14="http://schemas.microsoft.com/office/drawing/2010/main" xmlns="">
+              <a14:hiddenFill xmlns="" xmlns:a14="http://schemas.microsoft.com/office/drawing/2010/main">
                 <a:noFill/>
               </a14:hiddenFill>
             </a:ext>
@@ -6753,14 +6753,14 @@
           </a:ln>
           <a:extLst>
             <a:ext uri="{909E8E84-426E-40dd-AFC4-6F175D3DCCD1}">
-              <a14:hiddenFill xmlns:a14="http://schemas.microsoft.com/office/drawing/2010/main" xmlns="">
+              <a14:hiddenFill xmlns="" xmlns:a14="http://schemas.microsoft.com/office/drawing/2010/main">
                 <a:solidFill>
                   <a:srgbClr val="FFFFFF"/>
                 </a:solidFill>
               </a14:hiddenFill>
             </a:ext>
             <a:ext uri="{91240B29-F687-4f45-9708-019B960494DF}">
-              <a14:hiddenLine xmlns:a14="http://schemas.microsoft.com/office/drawing/2010/main" xmlns="" w="9525">
+              <a14:hiddenLine xmlns="" xmlns:a14="http://schemas.microsoft.com/office/drawing/2010/main" w="9525">
                 <a:solidFill>
                   <a:srgbClr val="000000"/>
                 </a:solidFill>
@@ -6991,7 +6991,7 @@
           </a:ln>
           <a:extLst>
             <a:ext uri="{909E8E84-426E-40dd-AFC4-6F175D3DCCD1}">
-              <a14:hiddenFill xmlns:a14="http://schemas.microsoft.com/office/drawing/2010/main" xmlns="">
+              <a14:hiddenFill xmlns="" xmlns:a14="http://schemas.microsoft.com/office/drawing/2010/main">
                 <a:noFill/>
               </a14:hiddenFill>
             </a:ext>
@@ -7021,7 +7021,7 @@
           <a:lstStyle/>
           <a:p>
             <a:r>
-              <a:rPr lang="zh-CHS" altLang="en-US" smtClean="0"/>
+              <a:rPr lang="zh-Hans" altLang="en-US" smtClean="0"/>
               <a:t>单击此处编辑母版标题样式</a:t>
             </a:r>
             <a:endParaRPr lang="en-US"/>
@@ -7116,35 +7116,35 @@
           <a:p>
             <a:pPr lvl="0"/>
             <a:r>
-              <a:rPr lang="zh-CHS" altLang="en-US" smtClean="0"/>
+              <a:rPr lang="zh-Hans" altLang="en-US" smtClean="0"/>
               <a:t>单击此处编辑母版文本样式</a:t>
             </a:r>
           </a:p>
           <a:p>
             <a:pPr lvl="1"/>
             <a:r>
-              <a:rPr lang="zh-CHS" altLang="en-US" smtClean="0"/>
+              <a:rPr lang="zh-Hans" altLang="en-US" smtClean="0"/>
               <a:t>第二级</a:t>
             </a:r>
           </a:p>
           <a:p>
             <a:pPr lvl="2"/>
             <a:r>
-              <a:rPr lang="zh-CHS" altLang="en-US" smtClean="0"/>
+              <a:rPr lang="zh-Hans" altLang="en-US" smtClean="0"/>
               <a:t>第三级</a:t>
             </a:r>
           </a:p>
           <a:p>
             <a:pPr lvl="3"/>
             <a:r>
-              <a:rPr lang="zh-CHS" altLang="en-US" smtClean="0"/>
+              <a:rPr lang="zh-Hans" altLang="en-US" smtClean="0"/>
               <a:t>第四级</a:t>
             </a:r>
           </a:p>
           <a:p>
             <a:pPr lvl="4"/>
             <a:r>
-              <a:rPr lang="zh-CHS" altLang="en-US" smtClean="0"/>
+              <a:rPr lang="zh-Hans" altLang="en-US" smtClean="0"/>
               <a:t>第五级</a:t>
             </a:r>
             <a:endParaRPr lang="en-US" dirty="0"/>
@@ -7242,7 +7242,7 @@
           </a:ln>
           <a:extLst>
             <a:ext uri="{909E8E84-426E-40dd-AFC4-6F175D3DCCD1}">
-              <a14:hiddenFill xmlns:a14="http://schemas.microsoft.com/office/drawing/2010/main" xmlns="">
+              <a14:hiddenFill xmlns="" xmlns:a14="http://schemas.microsoft.com/office/drawing/2010/main">
                 <a:noFill/>
               </a14:hiddenFill>
             </a:ext>
@@ -7291,14 +7291,14 @@
           </a:ln>
           <a:extLst>
             <a:ext uri="{909E8E84-426E-40dd-AFC4-6F175D3DCCD1}">
-              <a14:hiddenFill xmlns:a14="http://schemas.microsoft.com/office/drawing/2010/main" xmlns="">
+              <a14:hiddenFill xmlns="" xmlns:a14="http://schemas.microsoft.com/office/drawing/2010/main">
                 <a:solidFill>
                   <a:srgbClr val="FFFFFF"/>
                 </a:solidFill>
               </a14:hiddenFill>
             </a:ext>
             <a:ext uri="{91240B29-F687-4f45-9708-019B960494DF}">
-              <a14:hiddenLine xmlns:a14="http://schemas.microsoft.com/office/drawing/2010/main" xmlns="" w="9525">
+              <a14:hiddenLine xmlns="" xmlns:a14="http://schemas.microsoft.com/office/drawing/2010/main" w="9525">
                 <a:solidFill>
                   <a:srgbClr val="000000"/>
                 </a:solidFill>
@@ -7349,7 +7349,7 @@
           </a:lstStyle>
           <a:p>
             <a:r>
-              <a:rPr lang="zh-CHS" altLang="en-US" noProof="0" smtClean="0">
+              <a:rPr lang="zh-Hans" altLang="en-US" noProof="0" smtClean="0">
                 <a:sym typeface="Open Sans Extrabold" charset="0"/>
               </a:rPr>
               <a:t>单击此处编辑母版标题样式</a:t>
@@ -7426,35 +7426,35 @@
           <a:p>
             <a:pPr lvl="0"/>
             <a:r>
-              <a:rPr lang="zh-CHS" altLang="en-US" smtClean="0"/>
+              <a:rPr lang="zh-Hans" altLang="en-US" smtClean="0"/>
               <a:t>单击此处编辑母版文本样式</a:t>
             </a:r>
           </a:p>
           <a:p>
             <a:pPr lvl="1"/>
             <a:r>
-              <a:rPr lang="zh-CHS" altLang="en-US" smtClean="0"/>
+              <a:rPr lang="zh-Hans" altLang="en-US" smtClean="0"/>
               <a:t>第二级</a:t>
             </a:r>
           </a:p>
           <a:p>
             <a:pPr lvl="2"/>
             <a:r>
-              <a:rPr lang="zh-CHS" altLang="en-US" smtClean="0"/>
+              <a:rPr lang="zh-Hans" altLang="en-US" smtClean="0"/>
               <a:t>第三级</a:t>
             </a:r>
           </a:p>
           <a:p>
             <a:pPr lvl="3"/>
             <a:r>
-              <a:rPr lang="zh-CHS" altLang="en-US" smtClean="0"/>
+              <a:rPr lang="zh-Hans" altLang="en-US" smtClean="0"/>
               <a:t>第四级</a:t>
             </a:r>
           </a:p>
           <a:p>
             <a:pPr lvl="4"/>
             <a:r>
-              <a:rPr lang="zh-CHS" altLang="en-US" smtClean="0"/>
+              <a:rPr lang="zh-Hans" altLang="en-US" smtClean="0"/>
               <a:t>第五级</a:t>
             </a:r>
             <a:endParaRPr lang="en-US" dirty="0"/>
@@ -7560,7 +7560,7 @@
           </a:ln>
           <a:extLst>
             <a:ext uri="{909E8E84-426E-40dd-AFC4-6F175D3DCCD1}">
-              <a14:hiddenFill xmlns:a14="http://schemas.microsoft.com/office/drawing/2010/main" xmlns="">
+              <a14:hiddenFill xmlns="" xmlns:a14="http://schemas.microsoft.com/office/drawing/2010/main">
                 <a:noFill/>
               </a14:hiddenFill>
             </a:ext>
@@ -7609,14 +7609,14 @@
           </a:ln>
           <a:extLst>
             <a:ext uri="{909E8E84-426E-40dd-AFC4-6F175D3DCCD1}">
-              <a14:hiddenFill xmlns:a14="http://schemas.microsoft.com/office/drawing/2010/main" xmlns="">
+              <a14:hiddenFill xmlns="" xmlns:a14="http://schemas.microsoft.com/office/drawing/2010/main">
                 <a:solidFill>
                   <a:srgbClr val="FFFFFF"/>
                 </a:solidFill>
               </a14:hiddenFill>
             </a:ext>
             <a:ext uri="{91240B29-F687-4f45-9708-019B960494DF}">
-              <a14:hiddenLine xmlns:a14="http://schemas.microsoft.com/office/drawing/2010/main" xmlns="" w="9525">
+              <a14:hiddenLine xmlns="" xmlns:a14="http://schemas.microsoft.com/office/drawing/2010/main" w="9525">
                 <a:solidFill>
                   <a:srgbClr val="000000"/>
                 </a:solidFill>
@@ -7671,7 +7671,7 @@
           </a:lstStyle>
           <a:p>
             <a:r>
-              <a:rPr lang="zh-CHS" altLang="en-US" noProof="0" smtClean="0">
+              <a:rPr lang="zh-Hans" altLang="en-US" noProof="0" smtClean="0">
                 <a:sym typeface="Open Sans Extrabold" charset="0"/>
               </a:rPr>
               <a:t>单击此处编辑母版标题样式</a:t>
@@ -7763,35 +7763,35 @@
           <a:p>
             <a:pPr lvl="0"/>
             <a:r>
-              <a:rPr lang="zh-CHS" altLang="en-US" smtClean="0"/>
+              <a:rPr lang="zh-Hans" altLang="en-US" smtClean="0"/>
               <a:t>单击此处编辑母版文本样式</a:t>
             </a:r>
           </a:p>
           <a:p>
             <a:pPr lvl="1"/>
             <a:r>
-              <a:rPr lang="zh-CHS" altLang="en-US" smtClean="0"/>
+              <a:rPr lang="zh-Hans" altLang="en-US" smtClean="0"/>
               <a:t>第二级</a:t>
             </a:r>
           </a:p>
           <a:p>
             <a:pPr lvl="2"/>
             <a:r>
-              <a:rPr lang="zh-CHS" altLang="en-US" smtClean="0"/>
+              <a:rPr lang="zh-Hans" altLang="en-US" smtClean="0"/>
               <a:t>第三级</a:t>
             </a:r>
           </a:p>
           <a:p>
             <a:pPr lvl="3"/>
             <a:r>
-              <a:rPr lang="zh-CHS" altLang="en-US" smtClean="0"/>
+              <a:rPr lang="zh-Hans" altLang="en-US" smtClean="0"/>
               <a:t>第四级</a:t>
             </a:r>
           </a:p>
           <a:p>
             <a:pPr lvl="4"/>
             <a:r>
-              <a:rPr lang="zh-CHS" altLang="en-US" smtClean="0"/>
+              <a:rPr lang="zh-Hans" altLang="en-US" smtClean="0"/>
               <a:t>第五级</a:t>
             </a:r>
             <a:endParaRPr lang="en-US" dirty="0"/>
@@ -7883,7 +7883,7 @@
           <a:lstStyle/>
           <a:p>
             <a:r>
-              <a:rPr lang="zh-CHS" altLang="en-US" smtClean="0"/>
+              <a:rPr lang="zh-Hans" altLang="en-US" smtClean="0"/>
               <a:t>单击此处编辑母版标题样式</a:t>
             </a:r>
             <a:endParaRPr lang="en-US" dirty="0"/>
@@ -7943,35 +7943,35 @@
           <a:p>
             <a:pPr lvl="0"/>
             <a:r>
-              <a:rPr lang="zh-CHS" altLang="en-US" smtClean="0"/>
+              <a:rPr lang="zh-Hans" altLang="en-US" smtClean="0"/>
               <a:t>单击此处编辑母版文本样式</a:t>
             </a:r>
           </a:p>
           <a:p>
             <a:pPr lvl="1"/>
             <a:r>
-              <a:rPr lang="zh-CHS" altLang="en-US" smtClean="0"/>
+              <a:rPr lang="zh-Hans" altLang="en-US" smtClean="0"/>
               <a:t>第二级</a:t>
             </a:r>
           </a:p>
           <a:p>
             <a:pPr lvl="2"/>
             <a:r>
-              <a:rPr lang="zh-CHS" altLang="en-US" smtClean="0"/>
+              <a:rPr lang="zh-Hans" altLang="en-US" smtClean="0"/>
               <a:t>第三级</a:t>
             </a:r>
           </a:p>
           <a:p>
             <a:pPr lvl="3"/>
             <a:r>
-              <a:rPr lang="zh-CHS" altLang="en-US" smtClean="0"/>
+              <a:rPr lang="zh-Hans" altLang="en-US" smtClean="0"/>
               <a:t>第四级</a:t>
             </a:r>
           </a:p>
           <a:p>
             <a:pPr lvl="4"/>
             <a:r>
-              <a:rPr lang="zh-CHS" altLang="en-US" smtClean="0"/>
+              <a:rPr lang="zh-Hans" altLang="en-US" smtClean="0"/>
               <a:t>第五级</a:t>
             </a:r>
             <a:endParaRPr lang="en-US" dirty="0"/>
@@ -8124,35 +8124,35 @@
           <a:p>
             <a:pPr lvl="0"/>
             <a:r>
-              <a:rPr lang="zh-CHS" altLang="en-US" smtClean="0"/>
+              <a:rPr lang="zh-Hans" altLang="en-US" smtClean="0"/>
               <a:t>单击此处编辑母版文本样式</a:t>
             </a:r>
           </a:p>
           <a:p>
             <a:pPr lvl="1"/>
             <a:r>
-              <a:rPr lang="zh-CHS" altLang="en-US" smtClean="0"/>
+              <a:rPr lang="zh-Hans" altLang="en-US" smtClean="0"/>
               <a:t>第二级</a:t>
             </a:r>
           </a:p>
           <a:p>
             <a:pPr lvl="2"/>
             <a:r>
-              <a:rPr lang="zh-CHS" altLang="en-US" smtClean="0"/>
+              <a:rPr lang="zh-Hans" altLang="en-US" smtClean="0"/>
               <a:t>第三级</a:t>
             </a:r>
           </a:p>
           <a:p>
             <a:pPr lvl="3"/>
             <a:r>
-              <a:rPr lang="zh-CHS" altLang="en-US" smtClean="0"/>
+              <a:rPr lang="zh-Hans" altLang="en-US" smtClean="0"/>
               <a:t>第四级</a:t>
             </a:r>
           </a:p>
           <a:p>
             <a:pPr lvl="4"/>
             <a:r>
-              <a:rPr lang="zh-CHS" altLang="en-US" smtClean="0"/>
+              <a:rPr lang="zh-Hans" altLang="en-US" smtClean="0"/>
               <a:t>第五级</a:t>
             </a:r>
             <a:endParaRPr lang="en-US" dirty="0"/>
@@ -8252,7 +8252,7 @@
           </a:ln>
           <a:extLst>
             <a:ext uri="{909E8E84-426E-40dd-AFC4-6F175D3DCCD1}">
-              <a14:hiddenFill xmlns:a14="http://schemas.microsoft.com/office/drawing/2010/main" xmlns="">
+              <a14:hiddenFill xmlns="" xmlns:a14="http://schemas.microsoft.com/office/drawing/2010/main">
                 <a:noFill/>
               </a14:hiddenFill>
             </a:ext>
@@ -8293,7 +8293,7 @@
           </a:ln>
           <a:extLst>
             <a:ext uri="{909E8E84-426E-40dd-AFC4-6F175D3DCCD1}">
-              <a14:hiddenFill xmlns:a14="http://schemas.microsoft.com/office/drawing/2010/main" xmlns="">
+              <a14:hiddenFill xmlns="" xmlns:a14="http://schemas.microsoft.com/office/drawing/2010/main">
                 <a:noFill/>
               </a14:hiddenFill>
             </a:ext>
@@ -8332,7 +8332,7 @@
           </a:lstStyle>
           <a:p>
             <a:r>
-              <a:rPr lang="zh-CHS" altLang="en-US" smtClean="0"/>
+              <a:rPr lang="zh-Hans" altLang="en-US" smtClean="0"/>
               <a:t>单击此处编辑母版标题样式</a:t>
             </a:r>
             <a:endParaRPr lang="en-US" dirty="0"/>
@@ -8436,17 +8436,17 @@
           <a:effectLst/>
           <a:extLst>
             <a:ext uri="{FAA26D3D-D897-4be2-8F04-BA451C77F1D7}">
-              <ma14:placeholderFlag xmlns:ma14="http://schemas.microsoft.com/office/mac/drawingml/2011/main" val="1"/>
+              <ma14:placeholderFlag xmlns:ma14="http://schemas.microsoft.com/office/mac/drawingml/2011/main" xmlns="" val="1"/>
             </a:ext>
             <a:ext uri="{909E8E84-426E-40dd-AFC4-6F175D3DCCD1}">
-              <a14:hiddenFill xmlns:a14="http://schemas.microsoft.com/office/drawing/2010/main" xmlns="">
+              <a14:hiddenFill xmlns="" xmlns:a14="http://schemas.microsoft.com/office/drawing/2010/main">
                 <a:solidFill>
                   <a:srgbClr val="FFFFFF"/>
                 </a:solidFill>
               </a14:hiddenFill>
             </a:ext>
             <a:ext uri="{91240B29-F687-4f45-9708-019B960494DF}">
-              <a14:hiddenLine xmlns:a14="http://schemas.microsoft.com/office/drawing/2010/main" xmlns="" w="12700">
+              <a14:hiddenLine xmlns="" xmlns:a14="http://schemas.microsoft.com/office/drawing/2010/main" w="12700">
                 <a:solidFill>
                   <a:schemeClr val="tx1"/>
                 </a:solidFill>
@@ -8456,7 +8456,7 @@
               </a14:hiddenLine>
             </a:ext>
             <a:ext uri="{AF507438-7753-43e0-B8FC-AC1667EBCBE1}">
-              <a14:hiddenEffects xmlns:a14="http://schemas.microsoft.com/office/drawing/2010/main" xmlns="">
+              <a14:hiddenEffects xmlns="" xmlns:a14="http://schemas.microsoft.com/office/drawing/2010/main">
                 <a:effectLst>
                   <a:outerShdw blurRad="63500" dist="38099" dir="2700000" algn="ctr" rotWithShape="0">
                     <a:srgbClr val="000000">
@@ -8478,7 +8478,7 @@
           <a:p>
             <a:pPr lvl="0"/>
             <a:r>
-              <a:rPr lang="zh-CHS" altLang="en-US" smtClean="0">
+              <a:rPr lang="zh-Hans" altLang="en-US" smtClean="0">
                 <a:sym typeface="Open Sans Extrabold" charset="0"/>
               </a:rPr>
               <a:t>单击此处编辑母版标题样式</a:t>
@@ -8514,17 +8514,17 @@
           <a:effectLst/>
           <a:extLst>
             <a:ext uri="{FAA26D3D-D897-4be2-8F04-BA451C77F1D7}">
-              <ma14:placeholderFlag xmlns:ma14="http://schemas.microsoft.com/office/mac/drawingml/2011/main" val="1"/>
+              <ma14:placeholderFlag xmlns:ma14="http://schemas.microsoft.com/office/mac/drawingml/2011/main" xmlns="" val="1"/>
             </a:ext>
             <a:ext uri="{909E8E84-426E-40dd-AFC4-6F175D3DCCD1}">
-              <a14:hiddenFill xmlns:a14="http://schemas.microsoft.com/office/drawing/2010/main" xmlns="">
+              <a14:hiddenFill xmlns="" xmlns:a14="http://schemas.microsoft.com/office/drawing/2010/main">
                 <a:solidFill>
                   <a:srgbClr val="FFFFFF"/>
                 </a:solidFill>
               </a14:hiddenFill>
             </a:ext>
             <a:ext uri="{91240B29-F687-4f45-9708-019B960494DF}">
-              <a14:hiddenLine xmlns:a14="http://schemas.microsoft.com/office/drawing/2010/main" xmlns="" w="12700">
+              <a14:hiddenLine xmlns="" xmlns:a14="http://schemas.microsoft.com/office/drawing/2010/main" w="12700">
                 <a:solidFill>
                   <a:schemeClr val="tx1"/>
                 </a:solidFill>
@@ -8534,7 +8534,7 @@
               </a14:hiddenLine>
             </a:ext>
             <a:ext uri="{AF507438-7753-43e0-B8FC-AC1667EBCBE1}">
-              <a14:hiddenEffects xmlns:a14="http://schemas.microsoft.com/office/drawing/2010/main" xmlns="">
+              <a14:hiddenEffects xmlns="" xmlns:a14="http://schemas.microsoft.com/office/drawing/2010/main">
                 <a:effectLst>
                   <a:outerShdw blurRad="63500" dist="38099" dir="2700000" algn="ctr" rotWithShape="0">
                     <a:srgbClr val="000000">
@@ -8556,7 +8556,7 @@
           <a:p>
             <a:pPr lvl="0"/>
             <a:r>
-              <a:rPr lang="zh-CHS" altLang="en-US" smtClean="0">
+              <a:rPr lang="zh-Hans" altLang="en-US" smtClean="0">
                 <a:sym typeface="Open Sans Light" charset="0"/>
               </a:rPr>
               <a:t>单击此处编辑母版文本样式</a:t>
@@ -8565,7 +8565,7 @@
           <a:p>
             <a:pPr lvl="1"/>
             <a:r>
-              <a:rPr lang="zh-CHS" altLang="en-US" smtClean="0">
+              <a:rPr lang="zh-Hans" altLang="en-US" smtClean="0">
                 <a:sym typeface="Open Sans Light" charset="0"/>
               </a:rPr>
               <a:t>第二级</a:t>
@@ -8574,7 +8574,7 @@
           <a:p>
             <a:pPr lvl="2"/>
             <a:r>
-              <a:rPr lang="zh-CHS" altLang="en-US" smtClean="0">
+              <a:rPr lang="zh-Hans" altLang="en-US" smtClean="0">
                 <a:sym typeface="Open Sans Light" charset="0"/>
               </a:rPr>
               <a:t>第三级</a:t>
@@ -8583,7 +8583,7 @@
           <a:p>
             <a:pPr lvl="3"/>
             <a:r>
-              <a:rPr lang="zh-CHS" altLang="en-US" smtClean="0">
+              <a:rPr lang="zh-Hans" altLang="en-US" smtClean="0">
                 <a:sym typeface="Open Sans Light" charset="0"/>
               </a:rPr>
               <a:t>第四级</a:t>
@@ -8592,7 +8592,7 @@
           <a:p>
             <a:pPr lvl="4"/>
             <a:r>
-              <a:rPr lang="zh-CHS" altLang="en-US" smtClean="0">
+              <a:rPr lang="zh-Hans" altLang="en-US" smtClean="0">
                 <a:sym typeface="Open Sans Light" charset="0"/>
               </a:rPr>
               <a:t>第五级</a:t>
@@ -8628,14 +8628,14 @@
           <a:effectLst/>
           <a:extLst>
             <a:ext uri="{909E8E84-426E-40dd-AFC4-6F175D3DCCD1}">
-              <a14:hiddenFill xmlns:a14="http://schemas.microsoft.com/office/drawing/2010/main" xmlns="">
+              <a14:hiddenFill xmlns="" xmlns:a14="http://schemas.microsoft.com/office/drawing/2010/main">
                 <a:solidFill>
                   <a:srgbClr val="FFFFFF"/>
                 </a:solidFill>
               </a14:hiddenFill>
             </a:ext>
             <a:ext uri="{91240B29-F687-4f45-9708-019B960494DF}">
-              <a14:hiddenLine xmlns:a14="http://schemas.microsoft.com/office/drawing/2010/main" xmlns="" w="12700">
+              <a14:hiddenLine xmlns="" xmlns:a14="http://schemas.microsoft.com/office/drawing/2010/main" w="12700">
                 <a:solidFill>
                   <a:schemeClr val="tx1"/>
                 </a:solidFill>
@@ -8645,7 +8645,7 @@
               </a14:hiddenLine>
             </a:ext>
             <a:ext uri="{AF507438-7753-43e0-B8FC-AC1667EBCBE1}">
-              <a14:hiddenEffects xmlns:a14="http://schemas.microsoft.com/office/drawing/2010/main" xmlns="">
+              <a14:hiddenEffects xmlns="" xmlns:a14="http://schemas.microsoft.com/office/drawing/2010/main">
                 <a:effectLst>
                   <a:outerShdw blurRad="63500" dist="38099" dir="2700000" algn="ctr" rotWithShape="0">
                     <a:srgbClr val="000000">
@@ -9331,17 +9331,17 @@
           <a:effectLst/>
           <a:extLst>
             <a:ext uri="{FAA26D3D-D897-4be2-8F04-BA451C77F1D7}">
-              <ma14:placeholderFlag xmlns:ma14="http://schemas.microsoft.com/office/mac/drawingml/2011/main" val="1"/>
+              <ma14:placeholderFlag xmlns:ma14="http://schemas.microsoft.com/office/mac/drawingml/2011/main" xmlns="" val="1"/>
             </a:ext>
             <a:ext uri="{909E8E84-426E-40dd-AFC4-6F175D3DCCD1}">
-              <a14:hiddenFill xmlns:a14="http://schemas.microsoft.com/office/drawing/2010/main" xmlns="">
+              <a14:hiddenFill xmlns="" xmlns:a14="http://schemas.microsoft.com/office/drawing/2010/main">
                 <a:solidFill>
                   <a:srgbClr val="FFFFFF"/>
                 </a:solidFill>
               </a14:hiddenFill>
             </a:ext>
             <a:ext uri="{91240B29-F687-4f45-9708-019B960494DF}">
-              <a14:hiddenLine xmlns:a14="http://schemas.microsoft.com/office/drawing/2010/main" xmlns="" w="12700">
+              <a14:hiddenLine xmlns="" xmlns:a14="http://schemas.microsoft.com/office/drawing/2010/main" w="12700">
                 <a:solidFill>
                   <a:schemeClr val="tx1"/>
                 </a:solidFill>
@@ -9351,7 +9351,7 @@
               </a14:hiddenLine>
             </a:ext>
             <a:ext uri="{AF507438-7753-43e0-B8FC-AC1667EBCBE1}">
-              <a14:hiddenEffects xmlns:a14="http://schemas.microsoft.com/office/drawing/2010/main" xmlns="">
+              <a14:hiddenEffects xmlns="" xmlns:a14="http://schemas.microsoft.com/office/drawing/2010/main">
                 <a:effectLst>
                   <a:outerShdw blurRad="63500" dist="38099" dir="2700000" algn="ctr" rotWithShape="0">
                     <a:srgbClr val="000000">
@@ -9406,17 +9406,17 @@
           <a:effectLst/>
           <a:extLst>
             <a:ext uri="{FAA26D3D-D897-4be2-8F04-BA451C77F1D7}">
-              <ma14:placeholderFlag xmlns:ma14="http://schemas.microsoft.com/office/mac/drawingml/2011/main" val="1"/>
+              <ma14:placeholderFlag xmlns:ma14="http://schemas.microsoft.com/office/mac/drawingml/2011/main" xmlns="" val="1"/>
             </a:ext>
             <a:ext uri="{909E8E84-426E-40dd-AFC4-6F175D3DCCD1}">
-              <a14:hiddenFill xmlns:a14="http://schemas.microsoft.com/office/drawing/2010/main" xmlns="">
+              <a14:hiddenFill xmlns="" xmlns:a14="http://schemas.microsoft.com/office/drawing/2010/main">
                 <a:solidFill>
                   <a:srgbClr val="FFFFFF"/>
                 </a:solidFill>
               </a14:hiddenFill>
             </a:ext>
             <a:ext uri="{91240B29-F687-4f45-9708-019B960494DF}">
-              <a14:hiddenLine xmlns:a14="http://schemas.microsoft.com/office/drawing/2010/main" xmlns="" w="12700">
+              <a14:hiddenLine xmlns="" xmlns:a14="http://schemas.microsoft.com/office/drawing/2010/main" w="12700">
                 <a:solidFill>
                   <a:schemeClr val="tx1"/>
                 </a:solidFill>
@@ -9426,7 +9426,7 @@
               </a14:hiddenLine>
             </a:ext>
             <a:ext uri="{AF507438-7753-43e0-B8FC-AC1667EBCBE1}">
-              <a14:hiddenEffects xmlns:a14="http://schemas.microsoft.com/office/drawing/2010/main" xmlns="">
+              <a14:hiddenEffects xmlns="" xmlns:a14="http://schemas.microsoft.com/office/drawing/2010/main">
                 <a:effectLst>
                   <a:outerShdw blurRad="63500" dist="38099" dir="2700000" algn="ctr" rotWithShape="0">
                     <a:srgbClr val="000000">
@@ -9517,14 +9517,14 @@
           <a:effectLst/>
           <a:extLst>
             <a:ext uri="{909E8E84-426E-40dd-AFC4-6F175D3DCCD1}">
-              <a14:hiddenFill xmlns:a14="http://schemas.microsoft.com/office/drawing/2010/main" xmlns="">
+              <a14:hiddenFill xmlns="" xmlns:a14="http://schemas.microsoft.com/office/drawing/2010/main">
                 <a:solidFill>
                   <a:srgbClr val="FFFFFF"/>
                 </a:solidFill>
               </a14:hiddenFill>
             </a:ext>
             <a:ext uri="{91240B29-F687-4f45-9708-019B960494DF}">
-              <a14:hiddenLine xmlns:a14="http://schemas.microsoft.com/office/drawing/2010/main" xmlns="" w="12700">
+              <a14:hiddenLine xmlns="" xmlns:a14="http://schemas.microsoft.com/office/drawing/2010/main" w="12700">
                 <a:solidFill>
                   <a:schemeClr val="tx1"/>
                 </a:solidFill>
@@ -9534,7 +9534,7 @@
               </a14:hiddenLine>
             </a:ext>
             <a:ext uri="{AF507438-7753-43e0-B8FC-AC1667EBCBE1}">
-              <a14:hiddenEffects xmlns:a14="http://schemas.microsoft.com/office/drawing/2010/main" xmlns="">
+              <a14:hiddenEffects xmlns="" xmlns:a14="http://schemas.microsoft.com/office/drawing/2010/main">
                 <a:effectLst>
                   <a:outerShdw blurRad="63500" dist="38099" dir="2700000" algn="ctr" rotWithShape="0">
                     <a:srgbClr val="000000">
@@ -10229,17 +10229,17 @@
           <a:effectLst/>
           <a:extLst>
             <a:ext uri="{FAA26D3D-D897-4be2-8F04-BA451C77F1D7}">
-              <ma14:placeholderFlag xmlns:ma14="http://schemas.microsoft.com/office/mac/drawingml/2011/main" val="1"/>
+              <ma14:placeholderFlag xmlns:ma14="http://schemas.microsoft.com/office/mac/drawingml/2011/main" xmlns="" val="1"/>
             </a:ext>
             <a:ext uri="{909E8E84-426E-40dd-AFC4-6F175D3DCCD1}">
-              <a14:hiddenFill xmlns:a14="http://schemas.microsoft.com/office/drawing/2010/main" xmlns="">
+              <a14:hiddenFill xmlns="" xmlns:a14="http://schemas.microsoft.com/office/drawing/2010/main">
                 <a:solidFill>
                   <a:srgbClr val="FFFFFF"/>
                 </a:solidFill>
               </a14:hiddenFill>
             </a:ext>
             <a:ext uri="{91240B29-F687-4f45-9708-019B960494DF}">
-              <a14:hiddenLine xmlns:a14="http://schemas.microsoft.com/office/drawing/2010/main" xmlns="" w="12700">
+              <a14:hiddenLine xmlns="" xmlns:a14="http://schemas.microsoft.com/office/drawing/2010/main" w="12700">
                 <a:solidFill>
                   <a:schemeClr val="tx1"/>
                 </a:solidFill>
@@ -10249,7 +10249,7 @@
               </a14:hiddenLine>
             </a:ext>
             <a:ext uri="{AF507438-7753-43e0-B8FC-AC1667EBCBE1}">
-              <a14:hiddenEffects xmlns:a14="http://schemas.microsoft.com/office/drawing/2010/main" xmlns="">
+              <a14:hiddenEffects xmlns="" xmlns:a14="http://schemas.microsoft.com/office/drawing/2010/main">
                 <a:effectLst>
                   <a:outerShdw blurRad="63500" dist="38099" dir="2700000" algn="ctr" rotWithShape="0">
                     <a:srgbClr val="000000">
@@ -10304,17 +10304,17 @@
           <a:effectLst/>
           <a:extLst>
             <a:ext uri="{FAA26D3D-D897-4be2-8F04-BA451C77F1D7}">
-              <ma14:placeholderFlag xmlns:ma14="http://schemas.microsoft.com/office/mac/drawingml/2011/main" val="1"/>
+              <ma14:placeholderFlag xmlns:ma14="http://schemas.microsoft.com/office/mac/drawingml/2011/main" xmlns="" val="1"/>
             </a:ext>
             <a:ext uri="{909E8E84-426E-40dd-AFC4-6F175D3DCCD1}">
-              <a14:hiddenFill xmlns:a14="http://schemas.microsoft.com/office/drawing/2010/main" xmlns="">
+              <a14:hiddenFill xmlns="" xmlns:a14="http://schemas.microsoft.com/office/drawing/2010/main">
                 <a:solidFill>
                   <a:srgbClr val="FFFFFF"/>
                 </a:solidFill>
               </a14:hiddenFill>
             </a:ext>
             <a:ext uri="{91240B29-F687-4f45-9708-019B960494DF}">
-              <a14:hiddenLine xmlns:a14="http://schemas.microsoft.com/office/drawing/2010/main" xmlns="" w="12700">
+              <a14:hiddenLine xmlns="" xmlns:a14="http://schemas.microsoft.com/office/drawing/2010/main" w="12700">
                 <a:solidFill>
                   <a:schemeClr val="tx1"/>
                 </a:solidFill>
@@ -10324,7 +10324,7 @@
               </a14:hiddenLine>
             </a:ext>
             <a:ext uri="{AF507438-7753-43e0-B8FC-AC1667EBCBE1}">
-              <a14:hiddenEffects xmlns:a14="http://schemas.microsoft.com/office/drawing/2010/main" xmlns="">
+              <a14:hiddenEffects xmlns="" xmlns:a14="http://schemas.microsoft.com/office/drawing/2010/main">
                 <a:effectLst>
                   <a:outerShdw blurRad="63500" dist="38099" dir="2700000" algn="ctr" rotWithShape="0">
                     <a:srgbClr val="000000">
@@ -10415,14 +10415,14 @@
           <a:effectLst/>
           <a:extLst>
             <a:ext uri="{909E8E84-426E-40dd-AFC4-6F175D3DCCD1}">
-              <a14:hiddenFill xmlns:a14="http://schemas.microsoft.com/office/drawing/2010/main" xmlns="">
+              <a14:hiddenFill xmlns="" xmlns:a14="http://schemas.microsoft.com/office/drawing/2010/main">
                 <a:solidFill>
                   <a:srgbClr val="FFFFFF"/>
                 </a:solidFill>
               </a14:hiddenFill>
             </a:ext>
             <a:ext uri="{91240B29-F687-4f45-9708-019B960494DF}">
-              <a14:hiddenLine xmlns:a14="http://schemas.microsoft.com/office/drawing/2010/main" xmlns="" w="12700">
+              <a14:hiddenLine xmlns="" xmlns:a14="http://schemas.microsoft.com/office/drawing/2010/main" w="12700">
                 <a:solidFill>
                   <a:schemeClr val="tx1"/>
                 </a:solidFill>
@@ -10432,7 +10432,7 @@
               </a14:hiddenLine>
             </a:ext>
             <a:ext uri="{AF507438-7753-43e0-B8FC-AC1667EBCBE1}">
-              <a14:hiddenEffects xmlns:a14="http://schemas.microsoft.com/office/drawing/2010/main" xmlns="">
+              <a14:hiddenEffects xmlns="" xmlns:a14="http://schemas.microsoft.com/office/drawing/2010/main">
                 <a:effectLst>
                   <a:outerShdw blurRad="63500" dist="38099" dir="2700000" algn="ctr" rotWithShape="0">
                     <a:srgbClr val="000000">
@@ -11113,14 +11113,23 @@
               <a:defRPr/>
             </a:pPr>
             <a:r>
-              <a:rPr lang="en-US" cap="none" dirty="0" smtClean="0"/>
+              <a:rPr lang="en-US" cap="none" dirty="0" smtClean="0">
+                <a:latin typeface="微软雅黑" panose="020B0503020204020204" pitchFamily="34" charset="-122"/>
+                <a:ea typeface="微软雅黑" panose="020B0503020204020204" pitchFamily="34" charset="-122"/>
+              </a:rPr>
               <a:t>Introduction To </a:t>
             </a:r>
             <a:r>
-              <a:rPr lang="en-US" cap="none" dirty="0" err="1" smtClean="0"/>
+              <a:rPr lang="en-US" cap="none" dirty="0" err="1" smtClean="0">
+                <a:latin typeface="微软雅黑" panose="020B0503020204020204" pitchFamily="34" charset="-122"/>
+                <a:ea typeface="微软雅黑" panose="020B0503020204020204" pitchFamily="34" charset="-122"/>
+              </a:rPr>
               <a:t>GTest</a:t>
             </a:r>
-            <a:endParaRPr lang="en-US" cap="none" dirty="0" smtClean="0"/>
+            <a:endParaRPr lang="en-US" cap="none" dirty="0" smtClean="0">
+              <a:latin typeface="微软雅黑" panose="020B0503020204020204" pitchFamily="34" charset="-122"/>
+              <a:ea typeface="微软雅黑" panose="020B0503020204020204" pitchFamily="34" charset="-122"/>
+            </a:endParaRPr>
           </a:p>
         </p:txBody>
       </p:sp>
@@ -11142,7 +11151,10 @@
             <a:pPr marL="0" indent="0" eaLnBrk="1" hangingPunct="1">
               <a:defRPr/>
             </a:pPr>
-            <a:endParaRPr lang="en-US" dirty="0"/>
+            <a:endParaRPr lang="en-US" dirty="0">
+              <a:latin typeface="微软雅黑" panose="020B0503020204020204" pitchFamily="34" charset="-122"/>
+              <a:ea typeface="微软雅黑" panose="020B0503020204020204" pitchFamily="34" charset="-122"/>
+            </a:endParaRPr>
           </a:p>
         </p:txBody>
       </p:sp>
@@ -11158,8 +11170,8 @@
         </p:nvSpPr>
         <p:spPr>
           <a:xfrm>
-            <a:off x="4448255" y="2673404"/>
-            <a:ext cx="4121000" cy="757130"/>
+            <a:off x="4295168" y="2673404"/>
+            <a:ext cx="4427174" cy="757130"/>
           </a:xfrm>
         </p:spPr>
         <p:txBody>
@@ -11170,7 +11182,10 @@
               <a:defRPr/>
             </a:pPr>
             <a:r>
-              <a:rPr lang="en-US" dirty="0" smtClean="0"/>
+              <a:rPr lang="en-US" dirty="0" smtClean="0">
+                <a:latin typeface="微软雅黑" panose="020B0503020204020204" pitchFamily="34" charset="-122"/>
+                <a:ea typeface="微软雅黑" panose="020B0503020204020204" pitchFamily="34" charset="-122"/>
+              </a:rPr>
               <a:t>C++ Unit Testing</a:t>
             </a:r>
           </a:p>
@@ -11226,10 +11241,16 @@
           <a:p>
             <a:pPr algn="ctr"/>
             <a:r>
-              <a:rPr lang="en-US" altLang="zh-CHS" dirty="0" smtClean="0"/>
+              <a:rPr lang="en-US" altLang="zh-Hans" dirty="0" smtClean="0">
+                <a:latin typeface="微软雅黑" panose="020B0503020204020204" pitchFamily="34" charset="-122"/>
+                <a:ea typeface="微软雅黑" panose="020B0503020204020204" pitchFamily="34" charset="-122"/>
+              </a:rPr>
               <a:t>Test-Driven Development</a:t>
             </a:r>
-            <a:endParaRPr lang="zh-CHS" altLang="en-US" dirty="0"/>
+            <a:endParaRPr lang="zh-Hans" altLang="en-US" dirty="0">
+              <a:latin typeface="微软雅黑" panose="020B0503020204020204" pitchFamily="34" charset="-122"/>
+              <a:ea typeface="微软雅黑" panose="020B0503020204020204" pitchFamily="34" charset="-122"/>
+            </a:endParaRPr>
           </a:p>
         </p:txBody>
       </p:sp>
@@ -11278,13 +11299,19 @@
               <a:defRPr/>
             </a:pPr>
             <a:fld id="{9FA9E053-A9C9-5E43-89F1-83E618EAF168}" type="slidenum">
-              <a:rPr lang="en-US" smtClean="0"/>
+              <a:rPr lang="en-US" smtClean="0">
+                <a:latin typeface="微软雅黑" panose="020B0503020204020204" pitchFamily="34" charset="-122"/>
+                <a:ea typeface="微软雅黑" panose="020B0503020204020204" pitchFamily="34" charset="-122"/>
+              </a:rPr>
               <a:pPr>
                 <a:defRPr/>
               </a:pPr>
               <a:t>10</a:t>
             </a:fld>
-            <a:endParaRPr lang="en-US"/>
+            <a:endParaRPr lang="en-US">
+              <a:latin typeface="微软雅黑" panose="020B0503020204020204" pitchFamily="34" charset="-122"/>
+              <a:ea typeface="微软雅黑" panose="020B0503020204020204" pitchFamily="34" charset="-122"/>
+            </a:endParaRPr>
           </a:p>
         </p:txBody>
       </p:sp>
@@ -11343,10 +11370,16 @@
           <a:p>
             <a:pPr algn="ctr"/>
             <a:r>
-              <a:rPr lang="en-US" altLang="zh-CHS" dirty="0" smtClean="0"/>
+              <a:rPr lang="en-US" altLang="zh-Hans" dirty="0" smtClean="0">
+                <a:latin typeface="微软雅黑" panose="020B0503020204020204" pitchFamily="34" charset="-122"/>
+                <a:ea typeface="微软雅黑" panose="020B0503020204020204" pitchFamily="34" charset="-122"/>
+              </a:rPr>
               <a:t>TEST Fixture</a:t>
             </a:r>
-            <a:endParaRPr lang="zh-CHS" altLang="en-US" dirty="0"/>
+            <a:endParaRPr lang="zh-Hans" altLang="en-US" dirty="0">
+              <a:latin typeface="微软雅黑" panose="020B0503020204020204" pitchFamily="34" charset="-122"/>
+              <a:ea typeface="微软雅黑" panose="020B0503020204020204" pitchFamily="34" charset="-122"/>
+            </a:endParaRPr>
           </a:p>
         </p:txBody>
       </p:sp>
@@ -11367,25 +11400,36 @@
           <a:p>
             <a:pPr marL="0" lvl="0"/>
             <a:r>
-              <a:rPr lang="en-US" altLang="zh-CHS" sz="4400" dirty="0" smtClean="0"/>
+              <a:rPr lang="en-US" altLang="zh-Hans" sz="4400" dirty="0" smtClean="0">
+                <a:latin typeface="微软雅黑" panose="020B0503020204020204" pitchFamily="34" charset="-122"/>
+                <a:ea typeface="微软雅黑" panose="020B0503020204020204" pitchFamily="34" charset="-122"/>
+              </a:rPr>
               <a:t>A test fixture allows you to </a:t>
             </a:r>
             <a:r>
-              <a:rPr lang="en-US" altLang="zh-CHS" sz="4400" dirty="0" smtClean="0">
+              <a:rPr lang="en-US" altLang="zh-Hans" sz="4400" dirty="0" smtClean="0">
                 <a:solidFill>
                   <a:srgbClr val="FF0000"/>
                 </a:solidFill>
+                <a:latin typeface="微软雅黑" panose="020B0503020204020204" pitchFamily="34" charset="-122"/>
+                <a:ea typeface="微软雅黑" panose="020B0503020204020204" pitchFamily="34" charset="-122"/>
               </a:rPr>
               <a:t>reuse</a:t>
             </a:r>
             <a:r>
-              <a:rPr lang="en-US" altLang="zh-CHS" sz="4400" dirty="0" smtClean="0"/>
+              <a:rPr lang="en-US" altLang="zh-Hans" sz="4400" dirty="0" smtClean="0">
+                <a:latin typeface="微软雅黑" panose="020B0503020204020204" pitchFamily="34" charset="-122"/>
+                <a:ea typeface="微软雅黑" panose="020B0503020204020204" pitchFamily="34" charset="-122"/>
+              </a:rPr>
               <a:t> the same configuration of objects for several different tests</a:t>
             </a:r>
           </a:p>
           <a:p>
             <a:pPr marL="0"/>
-            <a:endParaRPr lang="zh-CHS" altLang="en-US" dirty="0"/>
+            <a:endParaRPr lang="zh-Hans" altLang="en-US" dirty="0">
+              <a:latin typeface="微软雅黑" panose="020B0503020204020204" pitchFamily="34" charset="-122"/>
+              <a:ea typeface="微软雅黑" panose="020B0503020204020204" pitchFamily="34" charset="-122"/>
+            </a:endParaRPr>
           </a:p>
         </p:txBody>
       </p:sp>
@@ -11408,13 +11452,19 @@
               <a:defRPr/>
             </a:pPr>
             <a:fld id="{9FA9E053-A9C9-5E43-89F1-83E618EAF168}" type="slidenum">
-              <a:rPr lang="en-US" smtClean="0"/>
+              <a:rPr lang="en-US" smtClean="0">
+                <a:latin typeface="微软雅黑" panose="020B0503020204020204" pitchFamily="34" charset="-122"/>
+                <a:ea typeface="微软雅黑" panose="020B0503020204020204" pitchFamily="34" charset="-122"/>
+              </a:rPr>
               <a:pPr>
                 <a:defRPr/>
               </a:pPr>
               <a:t>11</a:t>
             </a:fld>
-            <a:endParaRPr lang="en-US"/>
+            <a:endParaRPr lang="en-US">
+              <a:latin typeface="微软雅黑" panose="020B0503020204020204" pitchFamily="34" charset="-122"/>
+              <a:ea typeface="微软雅黑" panose="020B0503020204020204" pitchFamily="34" charset="-122"/>
+            </a:endParaRPr>
           </a:p>
         </p:txBody>
       </p:sp>
@@ -11500,10 +11550,16 @@
           <a:p>
             <a:pPr algn="ctr"/>
             <a:r>
-              <a:rPr lang="en-US" altLang="zh-CHS" dirty="0" smtClean="0"/>
+              <a:rPr lang="en-US" altLang="zh-Hans" dirty="0" smtClean="0">
+                <a:latin typeface="微软雅黑" panose="020B0503020204020204" pitchFamily="34" charset="-122"/>
+                <a:ea typeface="微软雅黑" panose="020B0503020204020204" pitchFamily="34" charset="-122"/>
+              </a:rPr>
               <a:t>TEST FIXTURE Internals</a:t>
             </a:r>
-            <a:endParaRPr lang="zh-CHS" altLang="en-US" dirty="0"/>
+            <a:endParaRPr lang="zh-Hans" altLang="en-US" dirty="0">
+              <a:latin typeface="微软雅黑" panose="020B0503020204020204" pitchFamily="34" charset="-122"/>
+              <a:ea typeface="微软雅黑" panose="020B0503020204020204" pitchFamily="34" charset="-122"/>
+            </a:endParaRPr>
           </a:p>
         </p:txBody>
       </p:sp>
@@ -11535,22 +11591,25 @@
               <a:buChar char="p"/>
             </a:pPr>
             <a:r>
-              <a:rPr lang="en-US" altLang="zh-CHS" sz="2800" dirty="0" smtClean="0">
-                <a:latin typeface="Open Sans Light"/>
+              <a:rPr lang="en-US" altLang="zh-Hans" sz="2800" dirty="0" smtClean="0">
+                <a:latin typeface="微软雅黑" panose="020B0503020204020204" pitchFamily="34" charset="-122"/>
+                <a:ea typeface="微软雅黑" panose="020B0503020204020204" pitchFamily="34" charset="-122"/>
                 <a:cs typeface="Calibri" pitchFamily="34" charset="0"/>
               </a:rPr>
               <a:t>Google Test constructs a </a:t>
             </a:r>
             <a:r>
-              <a:rPr lang="en-US" altLang="zh-CHS" sz="2800" dirty="0" err="1" smtClean="0">
-                <a:latin typeface="Open Sans Light"/>
+              <a:rPr lang="en-US" altLang="zh-Hans" sz="2800" dirty="0" err="1" smtClean="0">
+                <a:latin typeface="微软雅黑" panose="020B0503020204020204" pitchFamily="34" charset="-122"/>
+                <a:ea typeface="微软雅黑" panose="020B0503020204020204" pitchFamily="34" charset="-122"/>
                 <a:cs typeface="Calibri" pitchFamily="34" charset="0"/>
               </a:rPr>
               <a:t>BookSpec</a:t>
             </a:r>
             <a:r>
-              <a:rPr lang="en-US" altLang="zh-CHS" sz="2800" dirty="0" smtClean="0">
-                <a:latin typeface="Open Sans Light"/>
+              <a:rPr lang="en-US" altLang="zh-Hans" sz="2800" dirty="0" smtClean="0">
+                <a:latin typeface="微软雅黑" panose="020B0503020204020204" pitchFamily="34" charset="-122"/>
+                <a:ea typeface="微软雅黑" panose="020B0503020204020204" pitchFamily="34" charset="-122"/>
                 <a:cs typeface="Calibri" pitchFamily="34" charset="0"/>
               </a:rPr>
               <a:t> object (let's call it t1 ). </a:t>
@@ -11565,8 +11624,9 @@
               <a:buChar char="p"/>
             </a:pPr>
             <a:r>
-              <a:rPr lang="en-US" altLang="zh-CHS" sz="2800" dirty="0" smtClean="0">
-                <a:latin typeface="Open Sans Light"/>
+              <a:rPr lang="en-US" altLang="zh-Hans" sz="2800" dirty="0" smtClean="0">
+                <a:latin typeface="微软雅黑" panose="020B0503020204020204" pitchFamily="34" charset="-122"/>
+                <a:ea typeface="微软雅黑" panose="020B0503020204020204" pitchFamily="34" charset="-122"/>
                 <a:cs typeface="Calibri" pitchFamily="34" charset="0"/>
               </a:rPr>
               <a:t>t1.SetUp() initializes t1 . </a:t>
@@ -11581,29 +11641,33 @@
               <a:buChar char="p"/>
             </a:pPr>
             <a:r>
-              <a:rPr lang="en-US" altLang="zh-CHS" sz="2800" dirty="0" smtClean="0">
-                <a:latin typeface="Open Sans Light"/>
+              <a:rPr lang="en-US" altLang="zh-Hans" sz="2800" dirty="0" smtClean="0">
+                <a:latin typeface="微软雅黑" panose="020B0503020204020204" pitchFamily="34" charset="-122"/>
+                <a:ea typeface="微软雅黑" panose="020B0503020204020204" pitchFamily="34" charset="-122"/>
                 <a:cs typeface="Calibri" pitchFamily="34" charset="0"/>
               </a:rPr>
               <a:t>the test(</a:t>
             </a:r>
             <a:r>
-              <a:rPr lang="en-US" altLang="zh-CHS" sz="2400" dirty="0" err="1" smtClean="0">
-                <a:latin typeface="Open Sans Light"/>
+              <a:rPr lang="en-US" altLang="zh-Hans" sz="2400" dirty="0" err="1" smtClean="0">
+                <a:latin typeface="微软雅黑" panose="020B0503020204020204" pitchFamily="34" charset="-122"/>
+                <a:ea typeface="微软雅黑" panose="020B0503020204020204" pitchFamily="34" charset="-122"/>
                 <a:cs typeface="Calibri" pitchFamily="34" charset="0"/>
               </a:rPr>
               <a:t>ShouldAbleToBeCompared</a:t>
             </a:r>
             <a:r>
-              <a:rPr lang="en-US" altLang="zh-CHS" sz="2400" dirty="0" smtClean="0">
-                <a:latin typeface="Open Sans Light"/>
+              <a:rPr lang="en-US" altLang="zh-Hans" sz="2400" dirty="0" smtClean="0">
+                <a:latin typeface="微软雅黑" panose="020B0503020204020204" pitchFamily="34" charset="-122"/>
+                <a:ea typeface="微软雅黑" panose="020B0503020204020204" pitchFamily="34" charset="-122"/>
                 <a:cs typeface="Calibri" pitchFamily="34" charset="0"/>
               </a:rPr>
               <a:t>) </a:t>
             </a:r>
             <a:r>
-              <a:rPr lang="en-US" altLang="zh-CHS" sz="2800" dirty="0" smtClean="0">
-                <a:latin typeface="Open Sans Light"/>
+              <a:rPr lang="en-US" altLang="zh-Hans" sz="2800" dirty="0" smtClean="0">
+                <a:latin typeface="微软雅黑" panose="020B0503020204020204" pitchFamily="34" charset="-122"/>
+                <a:ea typeface="微软雅黑" panose="020B0503020204020204" pitchFamily="34" charset="-122"/>
                 <a:cs typeface="Calibri" pitchFamily="34" charset="0"/>
               </a:rPr>
               <a:t>runs on t1. </a:t>
@@ -11618,8 +11682,9 @@
               <a:buChar char="p"/>
             </a:pPr>
             <a:r>
-              <a:rPr lang="en-US" altLang="zh-CHS" sz="2800" dirty="0" smtClean="0">
-                <a:latin typeface="Open Sans Light"/>
+              <a:rPr lang="en-US" altLang="zh-Hans" sz="2800" dirty="0" smtClean="0">
+                <a:latin typeface="微软雅黑" panose="020B0503020204020204" pitchFamily="34" charset="-122"/>
+                <a:ea typeface="微软雅黑" panose="020B0503020204020204" pitchFamily="34" charset="-122"/>
                 <a:cs typeface="Calibri" pitchFamily="34" charset="0"/>
               </a:rPr>
               <a:t>t1.TearDown() cleans up after the test finishes. </a:t>
@@ -11634,8 +11699,9 @@
               <a:buChar char="p"/>
             </a:pPr>
             <a:r>
-              <a:rPr lang="en-US" altLang="zh-CHS" sz="2800" dirty="0" smtClean="0">
-                <a:latin typeface="Open Sans Light"/>
+              <a:rPr lang="en-US" altLang="zh-Hans" sz="2800" dirty="0" smtClean="0">
+                <a:latin typeface="微软雅黑" panose="020B0503020204020204" pitchFamily="34" charset="-122"/>
+                <a:ea typeface="微软雅黑" panose="020B0503020204020204" pitchFamily="34" charset="-122"/>
                 <a:cs typeface="Calibri" pitchFamily="34" charset="0"/>
               </a:rPr>
               <a:t>t1 is destructed. </a:t>
@@ -11649,8 +11715,9 @@
               <a:buFont typeface="Wingdings" pitchFamily="2" charset="2"/>
               <a:buChar char="p"/>
             </a:pPr>
-            <a:endParaRPr lang="zh-CHS" altLang="en-US" sz="2800" dirty="0">
-              <a:latin typeface="Calibri" pitchFamily="34" charset="0"/>
+            <a:endParaRPr lang="zh-Hans" altLang="en-US" sz="2800" dirty="0">
+              <a:latin typeface="微软雅黑" panose="020B0503020204020204" pitchFamily="34" charset="-122"/>
+              <a:ea typeface="微软雅黑" panose="020B0503020204020204" pitchFamily="34" charset="-122"/>
               <a:cs typeface="Calibri" pitchFamily="34" charset="0"/>
             </a:endParaRPr>
           </a:p>
@@ -11675,13 +11742,19 @@
               <a:defRPr/>
             </a:pPr>
             <a:fld id="{47194DCD-506D-1D43-A52D-140307FFEF14}" type="slidenum">
-              <a:rPr lang="en-US" smtClean="0"/>
+              <a:rPr lang="en-US" smtClean="0">
+                <a:latin typeface="微软雅黑" panose="020B0503020204020204" pitchFamily="34" charset="-122"/>
+                <a:ea typeface="微软雅黑" panose="020B0503020204020204" pitchFamily="34" charset="-122"/>
+              </a:rPr>
               <a:pPr>
                 <a:defRPr/>
               </a:pPr>
               <a:t>12</a:t>
             </a:fld>
-            <a:endParaRPr lang="en-US"/>
+            <a:endParaRPr lang="en-US">
+              <a:latin typeface="微软雅黑" panose="020B0503020204020204" pitchFamily="34" charset="-122"/>
+              <a:ea typeface="微软雅黑" panose="020B0503020204020204" pitchFamily="34" charset="-122"/>
+            </a:endParaRPr>
           </a:p>
         </p:txBody>
       </p:sp>
@@ -11772,10 +11845,16 @@
           <a:p>
             <a:pPr algn="ctr"/>
             <a:r>
-              <a:rPr lang="en-US" altLang="zh-CHS" sz="4800" dirty="0" smtClean="0"/>
+              <a:rPr lang="en-US" altLang="zh-Hans" sz="4800" dirty="0" smtClean="0">
+                <a:latin typeface="微软雅黑" panose="020B0503020204020204" pitchFamily="34" charset="-122"/>
+                <a:ea typeface="微软雅黑" panose="020B0503020204020204" pitchFamily="34" charset="-122"/>
+              </a:rPr>
               <a:t>EXERCISE</a:t>
             </a:r>
-            <a:endParaRPr lang="zh-CHS" altLang="en-US" sz="4800" dirty="0"/>
+            <a:endParaRPr lang="zh-Hans" altLang="en-US" sz="4800" dirty="0">
+              <a:latin typeface="微软雅黑" panose="020B0503020204020204" pitchFamily="34" charset="-122"/>
+              <a:ea typeface="微软雅黑" panose="020B0503020204020204" pitchFamily="34" charset="-122"/>
+            </a:endParaRPr>
           </a:p>
         </p:txBody>
       </p:sp>
@@ -11805,7 +11884,10 @@
                 <a:schemeClr val="tx2"/>
               </a:buClr>
             </a:pPr>
-            <a:endParaRPr lang="zh-CHS" altLang="en-US" sz="3600" dirty="0"/>
+            <a:endParaRPr lang="zh-Hans" altLang="en-US" sz="3600" dirty="0">
+              <a:latin typeface="微软雅黑" panose="020B0503020204020204" pitchFamily="34" charset="-122"/>
+              <a:ea typeface="微软雅黑" panose="020B0503020204020204" pitchFamily="34" charset="-122"/>
+            </a:endParaRPr>
           </a:p>
           <a:p>
             <a:pPr marL="520700" indent="-520700">
@@ -11822,30 +11904,51 @@
               <a:buChar char=""/>
             </a:pPr>
             <a:r>
-              <a:rPr lang="zh-CHS" altLang="en-US" sz="3600" dirty="0" smtClean="0"/>
+              <a:rPr lang="zh-Hans" altLang="en-US" sz="3600" dirty="0" smtClean="0">
+                <a:latin typeface="微软雅黑" panose="020B0503020204020204" pitchFamily="34" charset="-122"/>
+                <a:ea typeface="微软雅黑" panose="020B0503020204020204" pitchFamily="34" charset="-122"/>
+              </a:rPr>
               <a:t>使用</a:t>
             </a:r>
             <a:r>
-              <a:rPr lang="en-US" altLang="zh-CHS" sz="3600" dirty="0"/>
+              <a:rPr lang="en-US" altLang="zh-Hans" sz="3600" dirty="0">
+                <a:latin typeface="微软雅黑" panose="020B0503020204020204" pitchFamily="34" charset="-122"/>
+                <a:ea typeface="微软雅黑" panose="020B0503020204020204" pitchFamily="34" charset="-122"/>
+              </a:rPr>
               <a:t>Test Fixture</a:t>
             </a:r>
             <a:r>
-              <a:rPr lang="zh-CHS" altLang="en-US" sz="3600" dirty="0"/>
+              <a:rPr lang="zh-Hans" altLang="en-US" sz="3600" dirty="0">
+                <a:latin typeface="微软雅黑" panose="020B0503020204020204" pitchFamily="34" charset="-122"/>
+                <a:ea typeface="微软雅黑" panose="020B0503020204020204" pitchFamily="34" charset="-122"/>
+              </a:rPr>
               <a:t>对测试代码进行</a:t>
             </a:r>
             <a:r>
-              <a:rPr lang="zh-CHS" altLang="en-US" sz="3600" dirty="0" smtClean="0"/>
+              <a:rPr lang="zh-Hans" altLang="en-US" sz="3600" dirty="0" smtClean="0">
+                <a:latin typeface="微软雅黑" panose="020B0503020204020204" pitchFamily="34" charset="-122"/>
+                <a:ea typeface="微软雅黑" panose="020B0503020204020204" pitchFamily="34" charset="-122"/>
+              </a:rPr>
               <a:t>重构</a:t>
             </a:r>
             <a:r>
-              <a:rPr lang="en-US" altLang="zh-CHS" sz="3600" dirty="0" smtClean="0"/>
+              <a:rPr lang="en-US" altLang="zh-Hans" sz="3600" dirty="0" smtClean="0">
+                <a:latin typeface="微软雅黑" panose="020B0503020204020204" pitchFamily="34" charset="-122"/>
+                <a:ea typeface="微软雅黑" panose="020B0503020204020204" pitchFamily="34" charset="-122"/>
+              </a:rPr>
               <a:t>, </a:t>
             </a:r>
             <a:r>
-              <a:rPr lang="zh-CHS" altLang="en-US" sz="3600" dirty="0" smtClean="0"/>
+              <a:rPr lang="zh-Hans" altLang="en-US" sz="3600" dirty="0" smtClean="0">
+                <a:latin typeface="微软雅黑" panose="020B0503020204020204" pitchFamily="34" charset="-122"/>
+                <a:ea typeface="微软雅黑" panose="020B0503020204020204" pitchFamily="34" charset="-122"/>
+              </a:rPr>
               <a:t>提取公共的准备逻辑</a:t>
             </a:r>
-            <a:endParaRPr lang="en-US" altLang="zh-CHS" sz="800" dirty="0"/>
+            <a:endParaRPr lang="en-US" altLang="zh-Hans" sz="800" dirty="0">
+              <a:latin typeface="微软雅黑" panose="020B0503020204020204" pitchFamily="34" charset="-122"/>
+              <a:ea typeface="微软雅黑" panose="020B0503020204020204" pitchFamily="34" charset="-122"/>
+            </a:endParaRPr>
           </a:p>
           <a:p>
             <a:pPr marL="520700" indent="-520700">
@@ -11861,7 +11964,10 @@
               <a:buFont typeface="Wingdings" charset="2"/>
               <a:buChar char=""/>
             </a:pPr>
-            <a:endParaRPr lang="zh-CHS" altLang="en-US" sz="3600" dirty="0" smtClean="0"/>
+            <a:endParaRPr lang="zh-Hans" altLang="en-US" sz="3600" dirty="0" smtClean="0">
+              <a:latin typeface="微软雅黑" panose="020B0503020204020204" pitchFamily="34" charset="-122"/>
+              <a:ea typeface="微软雅黑" panose="020B0503020204020204" pitchFamily="34" charset="-122"/>
+            </a:endParaRPr>
           </a:p>
           <a:p>
             <a:pPr marL="520700" indent="-520700">
@@ -11878,26 +11984,44 @@
               <a:buChar char=""/>
             </a:pPr>
             <a:r>
-              <a:rPr lang="zh-CHS" altLang="en-US" sz="3600" dirty="0" smtClean="0"/>
+              <a:rPr lang="zh-Hans" altLang="en-US" sz="3600" dirty="0" smtClean="0">
+                <a:latin typeface="微软雅黑" panose="020B0503020204020204" pitchFamily="34" charset="-122"/>
+                <a:ea typeface="微软雅黑" panose="020B0503020204020204" pitchFamily="34" charset="-122"/>
+              </a:rPr>
               <a:t>将代码</a:t>
             </a:r>
             <a:r>
-              <a:rPr lang="en-US" altLang="zh-CHS" sz="3600" dirty="0" smtClean="0"/>
+              <a:rPr lang="en-US" altLang="zh-Hans" sz="3600" dirty="0" smtClean="0">
+                <a:latin typeface="微软雅黑" panose="020B0503020204020204" pitchFamily="34" charset="-122"/>
+                <a:ea typeface="微软雅黑" panose="020B0503020204020204" pitchFamily="34" charset="-122"/>
+              </a:rPr>
               <a:t>push</a:t>
             </a:r>
             <a:r>
-              <a:rPr lang="zh-CHS" altLang="en-US" sz="3600" dirty="0" smtClean="0"/>
+              <a:rPr lang="zh-Hans" altLang="en-US" sz="3600" dirty="0" smtClean="0">
+                <a:latin typeface="微软雅黑" panose="020B0503020204020204" pitchFamily="34" charset="-122"/>
+                <a:ea typeface="微软雅黑" panose="020B0503020204020204" pitchFamily="34" charset="-122"/>
+              </a:rPr>
               <a:t>到自己的</a:t>
             </a:r>
             <a:r>
-              <a:rPr lang="en-US" altLang="zh-CHS" sz="3600" dirty="0" smtClean="0"/>
+              <a:rPr lang="en-US" altLang="zh-Hans" sz="3600" dirty="0" smtClean="0">
+                <a:latin typeface="微软雅黑" panose="020B0503020204020204" pitchFamily="34" charset="-122"/>
+                <a:ea typeface="微软雅黑" panose="020B0503020204020204" pitchFamily="34" charset="-122"/>
+              </a:rPr>
               <a:t>Repo</a:t>
             </a:r>
             <a:r>
-              <a:rPr lang="zh-CHS" altLang="en-US" sz="3600" dirty="0" smtClean="0"/>
+              <a:rPr lang="zh-Hans" altLang="en-US" sz="3600" dirty="0" smtClean="0">
+                <a:latin typeface="微软雅黑" panose="020B0503020204020204" pitchFamily="34" charset="-122"/>
+                <a:ea typeface="微软雅黑" panose="020B0503020204020204" pitchFamily="34" charset="-122"/>
+              </a:rPr>
               <a:t>中</a:t>
             </a:r>
-            <a:endParaRPr lang="zh-CHS" altLang="en-US" sz="3600" dirty="0"/>
+            <a:endParaRPr lang="zh-Hans" altLang="en-US" sz="3600" dirty="0">
+              <a:latin typeface="微软雅黑" panose="020B0503020204020204" pitchFamily="34" charset="-122"/>
+              <a:ea typeface="微软雅黑" panose="020B0503020204020204" pitchFamily="34" charset="-122"/>
+            </a:endParaRPr>
           </a:p>
         </p:txBody>
       </p:sp>
@@ -11920,13 +12044,19 @@
               <a:defRPr/>
             </a:pPr>
             <a:fld id="{6BD71149-C6B6-DA41-AB69-4C8E97C931F0}" type="slidenum">
-              <a:rPr lang="en-US" smtClean="0"/>
+              <a:rPr lang="en-US" smtClean="0">
+                <a:latin typeface="微软雅黑" panose="020B0503020204020204" pitchFamily="34" charset="-122"/>
+                <a:ea typeface="微软雅黑" panose="020B0503020204020204" pitchFamily="34" charset="-122"/>
+              </a:rPr>
               <a:pPr>
                 <a:defRPr/>
               </a:pPr>
               <a:t>13</a:t>
             </a:fld>
-            <a:endParaRPr lang="en-US"/>
+            <a:endParaRPr lang="en-US">
+              <a:latin typeface="微软雅黑" panose="020B0503020204020204" pitchFamily="34" charset="-122"/>
+              <a:ea typeface="微软雅黑" panose="020B0503020204020204" pitchFamily="34" charset="-122"/>
+            </a:endParaRPr>
           </a:p>
         </p:txBody>
       </p:sp>
@@ -12007,10 +12137,16 @@
           <a:p>
             <a:pPr algn="ctr"/>
             <a:r>
-              <a:rPr lang="en-US" smtClean="0"/>
+              <a:rPr lang="en-US" smtClean="0">
+                <a:latin typeface="微软雅黑" panose="020B0503020204020204" pitchFamily="34" charset="-122"/>
+                <a:ea typeface="微软雅黑" panose="020B0503020204020204" pitchFamily="34" charset="-122"/>
+              </a:rPr>
               <a:t>Reference</a:t>
             </a:r>
-            <a:endParaRPr lang="en-US" dirty="0"/>
+            <a:endParaRPr lang="en-US" dirty="0">
+              <a:latin typeface="微软雅黑" panose="020B0503020204020204" pitchFamily="34" charset="-122"/>
+              <a:ea typeface="微软雅黑" panose="020B0503020204020204" pitchFamily="34" charset="-122"/>
+            </a:endParaRPr>
           </a:p>
         </p:txBody>
       </p:sp>
@@ -12031,6 +12167,8 @@
           <a:p>
             <a:r>
               <a:rPr lang="en-US" dirty="0">
+                <a:latin typeface="微软雅黑" panose="020B0503020204020204" pitchFamily="34" charset="-122"/>
+                <a:ea typeface="微软雅黑" panose="020B0503020204020204" pitchFamily="34" charset="-122"/>
                 <a:hlinkClick r:id="rId2"/>
               </a:rPr>
               <a:t>https://github.com/coney/cpp-unit-testing/tree/master/01-GTest</a:t>
@@ -12039,82 +12177,121 @@
           <a:p>
             <a:r>
               <a:rPr lang="en-US" dirty="0" smtClean="0">
+                <a:latin typeface="微软雅黑" panose="020B0503020204020204" pitchFamily="34" charset="-122"/>
+                <a:ea typeface="微软雅黑" panose="020B0503020204020204" pitchFamily="34" charset="-122"/>
                 <a:hlinkClick r:id="rId2"/>
               </a:rPr>
               <a:t>https</a:t>
             </a:r>
             <a:r>
               <a:rPr lang="en-US" dirty="0">
+                <a:latin typeface="微软雅黑" panose="020B0503020204020204" pitchFamily="34" charset="-122"/>
+                <a:ea typeface="微软雅黑" panose="020B0503020204020204" pitchFamily="34" charset="-122"/>
                 <a:hlinkClick r:id="rId2"/>
               </a:rPr>
               <a:t>://</a:t>
             </a:r>
             <a:r>
               <a:rPr lang="en-US" dirty="0" smtClean="0">
+                <a:latin typeface="微软雅黑" panose="020B0503020204020204" pitchFamily="34" charset="-122"/>
+                <a:ea typeface="微软雅黑" panose="020B0503020204020204" pitchFamily="34" charset="-122"/>
                 <a:hlinkClick r:id="rId2"/>
               </a:rPr>
               <a:t>code.google.com/p/googletest/wiki/Primer</a:t>
             </a:r>
-            <a:endParaRPr lang="en-US" dirty="0" smtClean="0"/>
+            <a:endParaRPr lang="en-US" dirty="0" smtClean="0">
+              <a:latin typeface="微软雅黑" panose="020B0503020204020204" pitchFamily="34" charset="-122"/>
+              <a:ea typeface="微软雅黑" panose="020B0503020204020204" pitchFamily="34" charset="-122"/>
+            </a:endParaRPr>
           </a:p>
           <a:p>
             <a:r>
               <a:rPr lang="en-US" dirty="0">
+                <a:latin typeface="微软雅黑" panose="020B0503020204020204" pitchFamily="34" charset="-122"/>
+                <a:ea typeface="微软雅黑" panose="020B0503020204020204" pitchFamily="34" charset="-122"/>
                 <a:hlinkClick r:id="rId3"/>
               </a:rPr>
               <a:t>https://</a:t>
             </a:r>
             <a:r>
               <a:rPr lang="en-US" dirty="0" smtClean="0">
+                <a:latin typeface="微软雅黑" panose="020B0503020204020204" pitchFamily="34" charset="-122"/>
+                <a:ea typeface="微软雅黑" panose="020B0503020204020204" pitchFamily="34" charset="-122"/>
                 <a:hlinkClick r:id="rId3"/>
               </a:rPr>
               <a:t>code.google.com/p/googletest/wiki/AdvancedGuide</a:t>
             </a:r>
-            <a:endParaRPr lang="en-US" dirty="0" smtClean="0"/>
+            <a:endParaRPr lang="en-US" dirty="0" smtClean="0">
+              <a:latin typeface="微软雅黑" panose="020B0503020204020204" pitchFamily="34" charset="-122"/>
+              <a:ea typeface="微软雅黑" panose="020B0503020204020204" pitchFamily="34" charset="-122"/>
+            </a:endParaRPr>
           </a:p>
           <a:p>
             <a:r>
               <a:rPr lang="en-US" dirty="0">
+                <a:latin typeface="微软雅黑" panose="020B0503020204020204" pitchFamily="34" charset="-122"/>
+                <a:ea typeface="微软雅黑" panose="020B0503020204020204" pitchFamily="34" charset="-122"/>
                 <a:hlinkClick r:id="rId4"/>
               </a:rPr>
               <a:t>https://</a:t>
             </a:r>
             <a:r>
               <a:rPr lang="en-US" dirty="0" smtClean="0">
+                <a:latin typeface="微软雅黑" panose="020B0503020204020204" pitchFamily="34" charset="-122"/>
+                <a:ea typeface="微软雅黑" panose="020B0503020204020204" pitchFamily="34" charset="-122"/>
                 <a:hlinkClick r:id="rId4"/>
               </a:rPr>
               <a:t>code.google.com/p/googletest/wiki/FAQ</a:t>
             </a:r>
-            <a:endParaRPr lang="en-US" dirty="0" smtClean="0"/>
-          </a:p>
-          <a:p>
-            <a:r>
-              <a:rPr lang="en-US" dirty="0" smtClean="0"/>
-              <a:t>&lt;&lt;</a:t>
-            </a:r>
-            <a:r>
-              <a:rPr lang="zh-CHS" altLang="en-US" dirty="0">
+            <a:endParaRPr lang="en-US" dirty="0" smtClean="0">
+              <a:latin typeface="微软雅黑" panose="020B0503020204020204" pitchFamily="34" charset="-122"/>
+              <a:ea typeface="微软雅黑" panose="020B0503020204020204" pitchFamily="34" charset="-122"/>
+            </a:endParaRPr>
+          </a:p>
+          <a:p>
+            <a:r>
+              <a:rPr lang="en-US" dirty="0" smtClean="0">
+                <a:latin typeface="微软雅黑" panose="020B0503020204020204" pitchFamily="34" charset="-122"/>
+                <a:ea typeface="微软雅黑" panose="020B0503020204020204" pitchFamily="34" charset="-122"/>
+              </a:rPr>
+              <a:t>&lt;</a:t>
+            </a:r>
+            <a:r>
+              <a:rPr lang="zh-Hans" altLang="en-US" dirty="0">
+                <a:latin typeface="微软雅黑" panose="020B0503020204020204" pitchFamily="34" charset="-122"/>
+                <a:ea typeface="微软雅黑" panose="020B0503020204020204" pitchFamily="34" charset="-122"/>
                 <a:hlinkClick r:id="rId5" tooltip="测试驱动开发：实战与模式解析 - china-pub网上书店"/>
               </a:rPr>
               <a:t>测试驱动开发：实战与模式</a:t>
             </a:r>
             <a:r>
-              <a:rPr lang="zh-CHS" altLang="en-US" dirty="0" smtClean="0">
+              <a:rPr lang="zh-Hans" altLang="en-US" dirty="0" smtClean="0">
+                <a:latin typeface="微软雅黑" panose="020B0503020204020204" pitchFamily="34" charset="-122"/>
+                <a:ea typeface="微软雅黑" panose="020B0503020204020204" pitchFamily="34" charset="-122"/>
                 <a:hlinkClick r:id="rId5" tooltip="测试驱动开发：实战与模式解析 - china-pub网上书店"/>
               </a:rPr>
               <a:t>解析</a:t>
             </a:r>
             <a:r>
-              <a:rPr lang="en-US" altLang="zh-CHS" dirty="0" smtClean="0"/>
-              <a:t>&gt;&gt;</a:t>
-            </a:r>
-            <a:endParaRPr lang="en-US" dirty="0" smtClean="0"/>
+              <a:rPr lang="en-US" altLang="zh-Hans" dirty="0" smtClean="0">
+                <a:latin typeface="微软雅黑" panose="020B0503020204020204" pitchFamily="34" charset="-122"/>
+                <a:ea typeface="微软雅黑" panose="020B0503020204020204" pitchFamily="34" charset="-122"/>
+              </a:rPr>
+              <a:t>&gt;</a:t>
+            </a:r>
+            <a:endParaRPr lang="en-US" dirty="0" smtClean="0">
+              <a:latin typeface="微软雅黑" panose="020B0503020204020204" pitchFamily="34" charset="-122"/>
+              <a:ea typeface="微软雅黑" panose="020B0503020204020204" pitchFamily="34" charset="-122"/>
+            </a:endParaRPr>
           </a:p>
           <a:p>
             <a:pPr marL="0" indent="0">
               <a:buNone/>
             </a:pPr>
-            <a:endParaRPr lang="en-US" dirty="0"/>
+            <a:endParaRPr lang="en-US" dirty="0">
+              <a:latin typeface="微软雅黑" panose="020B0503020204020204" pitchFamily="34" charset="-122"/>
+              <a:ea typeface="微软雅黑" panose="020B0503020204020204" pitchFamily="34" charset="-122"/>
+            </a:endParaRPr>
           </a:p>
         </p:txBody>
       </p:sp>
@@ -12137,13 +12314,19 @@
               <a:defRPr/>
             </a:pPr>
             <a:fld id="{28FE6BA1-A7B4-7B4F-846F-93E3CD6980EB}" type="slidenum">
-              <a:rPr lang="en-US" smtClean="0"/>
+              <a:rPr lang="en-US" smtClean="0">
+                <a:latin typeface="微软雅黑" panose="020B0503020204020204" pitchFamily="34" charset="-122"/>
+                <a:ea typeface="微软雅黑" panose="020B0503020204020204" pitchFamily="34" charset="-122"/>
+              </a:rPr>
               <a:pPr>
                 <a:defRPr/>
               </a:pPr>
               <a:t>14</a:t>
             </a:fld>
-            <a:endParaRPr lang="en-US"/>
+            <a:endParaRPr lang="en-US">
+              <a:latin typeface="微软雅黑" panose="020B0503020204020204" pitchFamily="34" charset="-122"/>
+              <a:ea typeface="微软雅黑" panose="020B0503020204020204" pitchFamily="34" charset="-122"/>
+            </a:endParaRPr>
           </a:p>
         </p:txBody>
       </p:sp>
@@ -12204,7 +12387,10 @@
               <a:defRPr/>
             </a:pPr>
             <a:r>
-              <a:rPr lang="en-US" smtClean="0"/>
+              <a:rPr lang="en-US" smtClean="0">
+                <a:latin typeface="微软雅黑" panose="020B0503020204020204" pitchFamily="34" charset="-122"/>
+                <a:ea typeface="微软雅黑" panose="020B0503020204020204" pitchFamily="34" charset="-122"/>
+              </a:rPr>
               <a:t>THANK YOU</a:t>
             </a:r>
           </a:p>
@@ -12237,8 +12423,8 @@
             </a:pPr>
             <a:r>
               <a:rPr lang="en-US" dirty="0">
-                <a:latin typeface="Open Sans Light" charset="0"/>
-                <a:ea typeface="ヒラギノ角ゴ ProN W3" charset="0"/>
+                <a:latin typeface="微软雅黑" panose="020B0503020204020204" pitchFamily="34" charset="-122"/>
+                <a:ea typeface="微软雅黑" panose="020B0503020204020204" pitchFamily="34" charset="-122"/>
                 <a:cs typeface="ヒラギノ角ゴ ProN W3" charset="0"/>
               </a:rPr>
               <a:t>For questions or suggestions:</a:t>
@@ -12251,8 +12437,8 @@
               </a:spcBef>
             </a:pPr>
             <a:endParaRPr lang="en-US" dirty="0">
-              <a:latin typeface="Open Sans Light" charset="0"/>
-              <a:ea typeface="ヒラギノ角ゴ ProN W3" charset="0"/>
+              <a:latin typeface="微软雅黑" panose="020B0503020204020204" pitchFamily="34" charset="-122"/>
+              <a:ea typeface="微软雅黑" panose="020B0503020204020204" pitchFamily="34" charset="-122"/>
               <a:cs typeface="ヒラギノ角ゴ ProN W3" charset="0"/>
             </a:endParaRPr>
           </a:p>
@@ -12264,15 +12450,15 @@
             </a:pPr>
             <a:r>
               <a:rPr lang="en-US" dirty="0" smtClean="0">
-                <a:latin typeface="Open Sans Light" charset="0"/>
-                <a:ea typeface="ヒラギノ角ゴ ProN W3" charset="0"/>
+                <a:latin typeface="微软雅黑" panose="020B0503020204020204" pitchFamily="34" charset="-122"/>
+                <a:ea typeface="微软雅黑" panose="020B0503020204020204" pitchFamily="34" charset="-122"/>
                 <a:cs typeface="ヒラギノ角ゴ ProN W3" charset="0"/>
               </a:rPr>
               <a:t>Wu Kun</a:t>
             </a:r>
             <a:endParaRPr lang="en-US" dirty="0">
-              <a:latin typeface="Open Sans Light" charset="0"/>
-              <a:ea typeface="ヒラギノ角ゴ ProN W3" charset="0"/>
+              <a:latin typeface="微软雅黑" panose="020B0503020204020204" pitchFamily="34" charset="-122"/>
+              <a:ea typeface="微软雅黑" panose="020B0503020204020204" pitchFamily="34" charset="-122"/>
               <a:cs typeface="ヒラギノ角ゴ ProN W3" charset="0"/>
             </a:endParaRPr>
           </a:p>
@@ -12284,15 +12470,15 @@
             </a:pPr>
             <a:r>
               <a:rPr lang="en-US" dirty="0" err="1" smtClean="0">
-                <a:latin typeface="Open Sans Light" charset="0"/>
-                <a:ea typeface="ヒラギノ角ゴ ProN W3" charset="0"/>
+                <a:latin typeface="微软雅黑" panose="020B0503020204020204" pitchFamily="34" charset="-122"/>
+                <a:ea typeface="微软雅黑" panose="020B0503020204020204" pitchFamily="34" charset="-122"/>
                 <a:cs typeface="ヒラギノ角ゴ ProN W3" charset="0"/>
               </a:rPr>
               <a:t>kunwu@thoughtworks.com</a:t>
             </a:r>
             <a:endParaRPr lang="en-US" dirty="0">
-              <a:latin typeface="Open Sans Light" charset="0"/>
-              <a:ea typeface="ヒラギノ角ゴ ProN W3" charset="0"/>
+              <a:latin typeface="微软雅黑" panose="020B0503020204020204" pitchFamily="34" charset="-122"/>
+              <a:ea typeface="微软雅黑" panose="020B0503020204020204" pitchFamily="34" charset="-122"/>
               <a:cs typeface="ヒラギノ角ゴ ProN W3" charset="0"/>
             </a:endParaRPr>
           </a:p>
@@ -12350,7 +12536,10 @@
               <a:defRPr/>
             </a:pPr>
             <a:r>
-              <a:rPr lang="en-US" dirty="0" smtClean="0"/>
+              <a:rPr lang="en-US" dirty="0" smtClean="0">
+                <a:latin typeface="微软雅黑" panose="020B0503020204020204" pitchFamily="34" charset="-122"/>
+                <a:ea typeface="微软雅黑" panose="020B0503020204020204" pitchFamily="34" charset="-122"/>
+              </a:rPr>
               <a:t>Unit Testing</a:t>
             </a:r>
           </a:p>
@@ -12375,7 +12564,10 @@
               <a:defRPr/>
             </a:pPr>
             <a:r>
-              <a:rPr lang="en-US" dirty="0" smtClean="0"/>
+              <a:rPr lang="en-US" dirty="0" smtClean="0">
+                <a:latin typeface="微软雅黑" panose="020B0503020204020204" pitchFamily="34" charset="-122"/>
+                <a:ea typeface="微软雅黑" panose="020B0503020204020204" pitchFamily="34" charset="-122"/>
+              </a:rPr>
               <a:t>With Google Test</a:t>
             </a:r>
           </a:p>
@@ -12400,13 +12592,19 @@
               <a:defRPr/>
             </a:pPr>
             <a:fld id="{FF174A22-F644-8D40-AF6E-ACD99327719B}" type="slidenum">
-              <a:rPr lang="en-US"/>
+              <a:rPr lang="en-US">
+                <a:latin typeface="微软雅黑" panose="020B0503020204020204" pitchFamily="34" charset="-122"/>
+                <a:ea typeface="微软雅黑" panose="020B0503020204020204" pitchFamily="34" charset="-122"/>
+              </a:rPr>
               <a:pPr>
                 <a:defRPr/>
               </a:pPr>
               <a:t>2</a:t>
             </a:fld>
-            <a:endParaRPr lang="en-US"/>
+            <a:endParaRPr lang="en-US">
+              <a:latin typeface="微软雅黑" panose="020B0503020204020204" pitchFamily="34" charset="-122"/>
+              <a:ea typeface="微软雅黑" panose="020B0503020204020204" pitchFamily="34" charset="-122"/>
+            </a:endParaRPr>
           </a:p>
         </p:txBody>
       </p:sp>
@@ -12460,10 +12658,16 @@
           <a:p>
             <a:pPr algn="ctr"/>
             <a:r>
-              <a:rPr lang="en-US" altLang="zh-CHS" dirty="0" smtClean="0"/>
+              <a:rPr lang="en-US" altLang="zh-Hans" dirty="0" smtClean="0">
+                <a:latin typeface="微软雅黑" panose="020B0503020204020204" pitchFamily="34" charset="-122"/>
+                <a:ea typeface="微软雅黑" panose="020B0503020204020204" pitchFamily="34" charset="-122"/>
+              </a:rPr>
               <a:t>Why Google Test</a:t>
             </a:r>
-            <a:endParaRPr lang="zh-CHS" altLang="en-US" dirty="0"/>
+            <a:endParaRPr lang="zh-Hans" altLang="en-US" dirty="0">
+              <a:latin typeface="微软雅黑" panose="020B0503020204020204" pitchFamily="34" charset="-122"/>
+              <a:ea typeface="微软雅黑" panose="020B0503020204020204" pitchFamily="34" charset="-122"/>
+            </a:endParaRPr>
           </a:p>
         </p:txBody>
       </p:sp>
@@ -12483,46 +12687,70 @@
           <a:lstStyle/>
           <a:p>
             <a:r>
-              <a:rPr lang="en-US" altLang="zh-CHS" sz="3400" dirty="0" smtClean="0"/>
+              <a:rPr lang="en-US" altLang="zh-Hans" sz="3400" dirty="0" smtClean="0">
+                <a:latin typeface="微软雅黑" panose="020B0503020204020204" pitchFamily="34" charset="-122"/>
+                <a:ea typeface="微软雅黑" panose="020B0503020204020204" pitchFamily="34" charset="-122"/>
+              </a:rPr>
               <a:t>Google Test is designed to be portable</a:t>
             </a:r>
           </a:p>
           <a:p>
             <a:r>
-              <a:rPr lang="en-US" altLang="zh-CHS" sz="3400" dirty="0" smtClean="0"/>
+              <a:rPr lang="en-US" altLang="zh-Hans" sz="3400" dirty="0" smtClean="0">
+                <a:latin typeface="微软雅黑" panose="020B0503020204020204" pitchFamily="34" charset="-122"/>
+                <a:ea typeface="微软雅黑" panose="020B0503020204020204" pitchFamily="34" charset="-122"/>
+              </a:rPr>
               <a:t>You can decide which tests to run using name patterns</a:t>
             </a:r>
           </a:p>
           <a:p>
             <a:r>
-              <a:rPr lang="en-US" altLang="zh-CHS" sz="3400" dirty="0" smtClean="0"/>
+              <a:rPr lang="en-US" altLang="zh-Hans" sz="3400" dirty="0" smtClean="0">
+                <a:latin typeface="微软雅黑" panose="020B0503020204020204" pitchFamily="34" charset="-122"/>
+                <a:ea typeface="微软雅黑" panose="020B0503020204020204" pitchFamily="34" charset="-122"/>
+              </a:rPr>
               <a:t>Google Test can generate XML test result reports </a:t>
             </a:r>
           </a:p>
           <a:p>
             <a:r>
-              <a:rPr lang="en-US" altLang="zh-CHS" sz="3400" dirty="0"/>
+              <a:rPr lang="en-US" altLang="zh-Hans" sz="3400" dirty="0">
+                <a:latin typeface="微软雅黑" panose="020B0503020204020204" pitchFamily="34" charset="-122"/>
+                <a:ea typeface="微软雅黑" panose="020B0503020204020204" pitchFamily="34" charset="-122"/>
+              </a:rPr>
               <a:t>Easy to write assertions that generate informative </a:t>
             </a:r>
             <a:r>
-              <a:rPr lang="en-US" altLang="zh-CHS" sz="3400" dirty="0" smtClean="0"/>
+              <a:rPr lang="en-US" altLang="zh-Hans" sz="3400" dirty="0" smtClean="0">
+                <a:latin typeface="微软雅黑" panose="020B0503020204020204" pitchFamily="34" charset="-122"/>
+                <a:ea typeface="微软雅黑" panose="020B0503020204020204" pitchFamily="34" charset="-122"/>
+              </a:rPr>
               <a:t>messages</a:t>
             </a:r>
           </a:p>
           <a:p>
             <a:r>
-              <a:rPr lang="en-US" altLang="zh-CHS" sz="3400" dirty="0"/>
+              <a:rPr lang="en-US" altLang="zh-Hans" sz="3400" dirty="0">
+                <a:latin typeface="微软雅黑" panose="020B0503020204020204" pitchFamily="34" charset="-122"/>
+                <a:ea typeface="微软雅黑" panose="020B0503020204020204" pitchFamily="34" charset="-122"/>
+              </a:rPr>
               <a:t>Google Test automatically detects your tests and doesn't require you to enumerate them in order to run them</a:t>
             </a:r>
           </a:p>
           <a:p>
             <a:r>
-              <a:rPr lang="en-US" altLang="zh-CHS" sz="3400" dirty="0"/>
+              <a:rPr lang="en-US" altLang="zh-Hans" sz="3400" dirty="0">
+                <a:latin typeface="微软雅黑" panose="020B0503020204020204" pitchFamily="34" charset="-122"/>
+                <a:ea typeface="微软雅黑" panose="020B0503020204020204" pitchFamily="34" charset="-122"/>
+              </a:rPr>
               <a:t>Simple things are easy in Google Test, while hard things are possible</a:t>
             </a:r>
           </a:p>
           <a:p>
-            <a:endParaRPr lang="zh-CHS" altLang="en-US" sz="3400" dirty="0"/>
+            <a:endParaRPr lang="zh-Hans" altLang="en-US" sz="3400" dirty="0">
+              <a:latin typeface="微软雅黑" panose="020B0503020204020204" pitchFamily="34" charset="-122"/>
+              <a:ea typeface="微软雅黑" panose="020B0503020204020204" pitchFamily="34" charset="-122"/>
+            </a:endParaRPr>
           </a:p>
         </p:txBody>
       </p:sp>
@@ -12545,13 +12773,19 @@
               <a:defRPr/>
             </a:pPr>
             <a:fld id="{28FE6BA1-A7B4-7B4F-846F-93E3CD6980EB}" type="slidenum">
-              <a:rPr lang="en-US" smtClean="0"/>
+              <a:rPr lang="en-US" smtClean="0">
+                <a:latin typeface="微软雅黑" panose="020B0503020204020204" pitchFamily="34" charset="-122"/>
+                <a:ea typeface="微软雅黑" panose="020B0503020204020204" pitchFamily="34" charset="-122"/>
+              </a:rPr>
               <a:pPr>
                 <a:defRPr/>
               </a:pPr>
               <a:t>3</a:t>
             </a:fld>
-            <a:endParaRPr lang="en-US"/>
+            <a:endParaRPr lang="en-US">
+              <a:latin typeface="微软雅黑" panose="020B0503020204020204" pitchFamily="34" charset="-122"/>
+              <a:ea typeface="微软雅黑" panose="020B0503020204020204" pitchFamily="34" charset="-122"/>
+            </a:endParaRPr>
           </a:p>
         </p:txBody>
       </p:sp>
@@ -13069,10 +13303,16 @@
           <a:p>
             <a:pPr algn="ctr"/>
             <a:r>
-              <a:rPr lang="en-US" altLang="zh-CHS" dirty="0" smtClean="0"/>
+              <a:rPr lang="en-US" altLang="zh-Hans" dirty="0" smtClean="0">
+                <a:latin typeface="微软雅黑" panose="020B0503020204020204" pitchFamily="34" charset="-122"/>
+                <a:ea typeface="微软雅黑" panose="020B0503020204020204" pitchFamily="34" charset="-122"/>
+              </a:rPr>
               <a:t>BASIC CONCEPTS</a:t>
             </a:r>
-            <a:endParaRPr lang="zh-CHS" altLang="en-US" dirty="0"/>
+            <a:endParaRPr lang="zh-Hans" altLang="en-US" dirty="0">
+              <a:latin typeface="微软雅黑" panose="020B0503020204020204" pitchFamily="34" charset="-122"/>
+              <a:ea typeface="微软雅黑" panose="020B0503020204020204" pitchFamily="34" charset="-122"/>
+            </a:endParaRPr>
           </a:p>
         </p:txBody>
       </p:sp>
@@ -13095,13 +13335,19 @@
               <a:defRPr/>
             </a:pPr>
             <a:fld id="{9FA9E053-A9C9-5E43-89F1-83E618EAF168}" type="slidenum">
-              <a:rPr lang="en-US" smtClean="0"/>
+              <a:rPr lang="en-US" smtClean="0">
+                <a:latin typeface="微软雅黑" panose="020B0503020204020204" pitchFamily="34" charset="-122"/>
+                <a:ea typeface="微软雅黑" panose="020B0503020204020204" pitchFamily="34" charset="-122"/>
+              </a:rPr>
               <a:pPr>
                 <a:defRPr/>
               </a:pPr>
               <a:t>4</a:t>
             </a:fld>
-            <a:endParaRPr lang="en-US"/>
+            <a:endParaRPr lang="en-US">
+              <a:latin typeface="微软雅黑" panose="020B0503020204020204" pitchFamily="34" charset="-122"/>
+              <a:ea typeface="微软雅黑" panose="020B0503020204020204" pitchFamily="34" charset="-122"/>
+            </a:endParaRPr>
           </a:p>
         </p:txBody>
       </p:sp>
@@ -13122,29 +13368,38 @@
           <a:p>
             <a:pPr marL="0" lvl="0"/>
             <a:r>
-              <a:rPr lang="en-US" altLang="zh-CHS" sz="4400" dirty="0" smtClean="0">
+              <a:rPr lang="en-US" altLang="zh-Hans" sz="4400" dirty="0" smtClean="0">
+                <a:latin typeface="微软雅黑" panose="020B0503020204020204" pitchFamily="34" charset="-122"/>
+                <a:ea typeface="微软雅黑" panose="020B0503020204020204" pitchFamily="34" charset="-122"/>
                 <a:sym typeface="Calibri"/>
               </a:rPr>
               <a:t>Start by writing </a:t>
             </a:r>
             <a:r>
-              <a:rPr lang="en-US" altLang="zh-CHS" sz="4400" dirty="0" smtClean="0">
+              <a:rPr lang="en-US" altLang="zh-Hans" sz="4400" dirty="0" smtClean="0">
                 <a:solidFill>
                   <a:srgbClr val="FF0000"/>
                 </a:solidFill>
+                <a:latin typeface="微软雅黑" panose="020B0503020204020204" pitchFamily="34" charset="-122"/>
+                <a:ea typeface="微软雅黑" panose="020B0503020204020204" pitchFamily="34" charset="-122"/>
                 <a:sym typeface="Calibri"/>
               </a:rPr>
               <a:t>assertions</a:t>
             </a:r>
             <a:r>
-              <a:rPr lang="en-US" altLang="zh-CHS" sz="4400" dirty="0" smtClean="0">
+              <a:rPr lang="en-US" altLang="zh-Hans" sz="4400" dirty="0" smtClean="0">
+                <a:latin typeface="微软雅黑" panose="020B0503020204020204" pitchFamily="34" charset="-122"/>
+                <a:ea typeface="微软雅黑" panose="020B0503020204020204" pitchFamily="34" charset="-122"/>
                 <a:sym typeface="Calibri"/>
               </a:rPr>
               <a:t>. An assertion's result can be success, nonfatal failure, or fatal failure</a:t>
             </a:r>
           </a:p>
           <a:p>
-            <a:endParaRPr lang="zh-CHS" altLang="en-US" sz="4400" dirty="0"/>
+            <a:endParaRPr lang="zh-Hans" altLang="en-US" sz="4400" dirty="0">
+              <a:latin typeface="微软雅黑" panose="020B0503020204020204" pitchFamily="34" charset="-122"/>
+              <a:ea typeface="微软雅黑" panose="020B0503020204020204" pitchFamily="34" charset="-122"/>
+            </a:endParaRPr>
           </a:p>
         </p:txBody>
       </p:sp>
@@ -13230,10 +13485,16 @@
           <a:p>
             <a:pPr algn="ctr"/>
             <a:r>
-              <a:rPr lang="en-US" altLang="zh-CHS" dirty="0" smtClean="0"/>
+              <a:rPr lang="en-US" altLang="zh-Hans" dirty="0" smtClean="0">
+                <a:latin typeface="微软雅黑" panose="020B0503020204020204" pitchFamily="34" charset="-122"/>
+                <a:ea typeface="微软雅黑" panose="020B0503020204020204" pitchFamily="34" charset="-122"/>
+              </a:rPr>
               <a:t>ASSERTIONS</a:t>
             </a:r>
-            <a:endParaRPr lang="zh-CHS" altLang="en-US" dirty="0"/>
+            <a:endParaRPr lang="zh-Hans" altLang="en-US" dirty="0">
+              <a:latin typeface="微软雅黑" panose="020B0503020204020204" pitchFamily="34" charset="-122"/>
+              <a:ea typeface="微软雅黑" panose="020B0503020204020204" pitchFamily="34" charset="-122"/>
+            </a:endParaRPr>
           </a:p>
         </p:txBody>
       </p:sp>
@@ -13253,26 +13514,37 @@
           <a:lstStyle/>
           <a:p>
             <a:r>
-              <a:rPr lang="en-US" altLang="zh-CHS" sz="3400" dirty="0" smtClean="0"/>
+              <a:rPr lang="en-US" altLang="zh-Hans" sz="3400" dirty="0" smtClean="0">
+                <a:latin typeface="微软雅黑" panose="020B0503020204020204" pitchFamily="34" charset="-122"/>
+                <a:ea typeface="微软雅黑" panose="020B0503020204020204" pitchFamily="34" charset="-122"/>
+              </a:rPr>
               <a:t>EXPECT_* generate nonfatal failures, which don't abort the current function</a:t>
             </a:r>
           </a:p>
           <a:p>
             <a:r>
-              <a:rPr lang="en-US" altLang="zh-CHS" sz="3400" dirty="0" smtClean="0"/>
+              <a:rPr lang="en-US" altLang="zh-Hans" sz="3400" dirty="0" smtClean="0">
+                <a:latin typeface="微软雅黑" panose="020B0503020204020204" pitchFamily="34" charset="-122"/>
+                <a:ea typeface="微软雅黑" panose="020B0503020204020204" pitchFamily="34" charset="-122"/>
+              </a:rPr>
               <a:t>ASSERT_* generate fatal failures when they fail, and </a:t>
             </a:r>
             <a:r>
-              <a:rPr lang="en-US" altLang="zh-CHS" sz="3400" dirty="0" smtClean="0">
+              <a:rPr lang="en-US" altLang="zh-Hans" sz="3400" dirty="0" smtClean="0">
                 <a:solidFill>
                   <a:srgbClr val="FF0000"/>
                 </a:solidFill>
+                <a:latin typeface="微软雅黑" panose="020B0503020204020204" pitchFamily="34" charset="-122"/>
+                <a:ea typeface="微软雅黑" panose="020B0503020204020204" pitchFamily="34" charset="-122"/>
               </a:rPr>
               <a:t>abort the current function</a:t>
             </a:r>
           </a:p>
           <a:p>
-            <a:endParaRPr lang="zh-CHS" altLang="en-US" sz="3400" dirty="0"/>
+            <a:endParaRPr lang="zh-Hans" altLang="en-US" sz="3400" dirty="0">
+              <a:latin typeface="微软雅黑" panose="020B0503020204020204" pitchFamily="34" charset="-122"/>
+              <a:ea typeface="微软雅黑" panose="020B0503020204020204" pitchFamily="34" charset="-122"/>
+            </a:endParaRPr>
           </a:p>
         </p:txBody>
       </p:sp>
@@ -13295,13 +13567,19 @@
               <a:defRPr/>
             </a:pPr>
             <a:fld id="{28FE6BA1-A7B4-7B4F-846F-93E3CD6980EB}" type="slidenum">
-              <a:rPr lang="en-US" smtClean="0"/>
+              <a:rPr lang="en-US" smtClean="0">
+                <a:latin typeface="微软雅黑" panose="020B0503020204020204" pitchFamily="34" charset="-122"/>
+                <a:ea typeface="微软雅黑" panose="020B0503020204020204" pitchFamily="34" charset="-122"/>
+              </a:rPr>
               <a:pPr>
                 <a:defRPr/>
               </a:pPr>
               <a:t>5</a:t>
             </a:fld>
-            <a:endParaRPr lang="en-US"/>
+            <a:endParaRPr lang="en-US">
+              <a:latin typeface="微软雅黑" panose="020B0503020204020204" pitchFamily="34" charset="-122"/>
+              <a:ea typeface="微软雅黑" panose="020B0503020204020204" pitchFamily="34" charset="-122"/>
+            </a:endParaRPr>
           </a:p>
         </p:txBody>
       </p:sp>
@@ -13381,10 +13659,16 @@
           <a:p>
             <a:pPr algn="ctr"/>
             <a:r>
-              <a:rPr lang="en-US" altLang="zh-CHS" dirty="0" smtClean="0"/>
+              <a:rPr lang="en-US" altLang="zh-Hans" dirty="0" smtClean="0">
+                <a:latin typeface="微软雅黑" panose="020B0503020204020204" pitchFamily="34" charset="-122"/>
+                <a:ea typeface="微软雅黑" panose="020B0503020204020204" pitchFamily="34" charset="-122"/>
+              </a:rPr>
               <a:t>Requirement</a:t>
             </a:r>
-            <a:endParaRPr lang="zh-CHS" altLang="en-US" dirty="0"/>
+            <a:endParaRPr lang="zh-Hans" altLang="en-US" dirty="0">
+              <a:latin typeface="微软雅黑" panose="020B0503020204020204" pitchFamily="34" charset="-122"/>
+              <a:ea typeface="微软雅黑" panose="020B0503020204020204" pitchFamily="34" charset="-122"/>
+            </a:endParaRPr>
           </a:p>
         </p:txBody>
       </p:sp>
@@ -13404,23 +13688,38 @@
           <a:lstStyle/>
           <a:p>
             <a:r>
-              <a:rPr lang="en-US" altLang="zh-CHS" sz="3400" dirty="0" smtClean="0"/>
+              <a:rPr lang="en-US" altLang="zh-Hans" sz="3400" dirty="0" smtClean="0">
+                <a:latin typeface="微软雅黑" panose="020B0503020204020204" pitchFamily="34" charset="-122"/>
+                <a:ea typeface="微软雅黑" panose="020B0503020204020204" pitchFamily="34" charset="-122"/>
+              </a:rPr>
               <a:t>Value arguments must be comparable by the assertion's comparison operator</a:t>
             </a:r>
           </a:p>
           <a:p>
             <a:r>
-              <a:rPr lang="en-US" altLang="zh-CHS" sz="3400" dirty="0" smtClean="0"/>
+              <a:rPr lang="en-US" altLang="zh-Hans" sz="3400" dirty="0" smtClean="0">
+                <a:latin typeface="微软雅黑" panose="020B0503020204020204" pitchFamily="34" charset="-122"/>
+                <a:ea typeface="微软雅黑" panose="020B0503020204020204" pitchFamily="34" charset="-122"/>
+              </a:rPr>
               <a:t>Values must support the &lt;&lt; operator for streaming to an std::</a:t>
             </a:r>
             <a:r>
-              <a:rPr lang="en-US" altLang="zh-CHS" sz="3400" dirty="0" err="1" smtClean="0"/>
+              <a:rPr lang="en-US" altLang="zh-Hans" sz="3400" dirty="0" err="1" smtClean="0">
+                <a:latin typeface="微软雅黑" panose="020B0503020204020204" pitchFamily="34" charset="-122"/>
+                <a:ea typeface="微软雅黑" panose="020B0503020204020204" pitchFamily="34" charset="-122"/>
+              </a:rPr>
               <a:t>ostream</a:t>
             </a:r>
-            <a:endParaRPr lang="en-US" altLang="zh-CHS" sz="3400" dirty="0" smtClean="0"/>
-          </a:p>
-          <a:p>
-            <a:endParaRPr lang="zh-CHS" altLang="en-US" sz="3400" dirty="0"/>
+            <a:endParaRPr lang="en-US" altLang="zh-Hans" sz="3400" dirty="0" smtClean="0">
+              <a:latin typeface="微软雅黑" panose="020B0503020204020204" pitchFamily="34" charset="-122"/>
+              <a:ea typeface="微软雅黑" panose="020B0503020204020204" pitchFamily="34" charset="-122"/>
+            </a:endParaRPr>
+          </a:p>
+          <a:p>
+            <a:endParaRPr lang="zh-Hans" altLang="en-US" sz="3400" dirty="0">
+              <a:latin typeface="微软雅黑" panose="020B0503020204020204" pitchFamily="34" charset="-122"/>
+              <a:ea typeface="微软雅黑" panose="020B0503020204020204" pitchFamily="34" charset="-122"/>
+            </a:endParaRPr>
           </a:p>
         </p:txBody>
       </p:sp>
@@ -13443,13 +13742,19 @@
               <a:defRPr/>
             </a:pPr>
             <a:fld id="{28FE6BA1-A7B4-7B4F-846F-93E3CD6980EB}" type="slidenum">
-              <a:rPr lang="en-US" smtClean="0"/>
+              <a:rPr lang="en-US" smtClean="0">
+                <a:latin typeface="微软雅黑" panose="020B0503020204020204" pitchFamily="34" charset="-122"/>
+                <a:ea typeface="微软雅黑" panose="020B0503020204020204" pitchFamily="34" charset="-122"/>
+              </a:rPr>
               <a:pPr>
                 <a:defRPr/>
               </a:pPr>
               <a:t>6</a:t>
             </a:fld>
-            <a:endParaRPr lang="en-US"/>
+            <a:endParaRPr lang="en-US">
+              <a:latin typeface="微软雅黑" panose="020B0503020204020204" pitchFamily="34" charset="-122"/>
+              <a:ea typeface="微软雅黑" panose="020B0503020204020204" pitchFamily="34" charset="-122"/>
+            </a:endParaRPr>
           </a:p>
         </p:txBody>
       </p:sp>
@@ -13535,10 +13840,16 @@
           <a:p>
             <a:pPr algn="ctr"/>
             <a:r>
-              <a:rPr lang="en-US" altLang="zh-CHS" dirty="0" smtClean="0"/>
+              <a:rPr lang="en-US" altLang="zh-Hans" dirty="0" smtClean="0">
+                <a:latin typeface="微软雅黑" panose="020B0503020204020204" pitchFamily="34" charset="-122"/>
+                <a:ea typeface="微软雅黑" panose="020B0503020204020204" pitchFamily="34" charset="-122"/>
+              </a:rPr>
               <a:t>TEST STRUCTURE</a:t>
             </a:r>
-            <a:endParaRPr lang="zh-CHS" altLang="en-US" dirty="0"/>
+            <a:endParaRPr lang="zh-Hans" altLang="en-US" dirty="0">
+              <a:latin typeface="微软雅黑" panose="020B0503020204020204" pitchFamily="34" charset="-122"/>
+              <a:ea typeface="微软雅黑" panose="020B0503020204020204" pitchFamily="34" charset="-122"/>
+            </a:endParaRPr>
           </a:p>
         </p:txBody>
       </p:sp>
@@ -13561,13 +13872,19 @@
               <a:defRPr/>
             </a:pPr>
             <a:fld id="{9FA9E053-A9C9-5E43-89F1-83E618EAF168}" type="slidenum">
-              <a:rPr lang="en-US" smtClean="0"/>
+              <a:rPr lang="en-US" smtClean="0">
+                <a:latin typeface="微软雅黑" panose="020B0503020204020204" pitchFamily="34" charset="-122"/>
+                <a:ea typeface="微软雅黑" panose="020B0503020204020204" pitchFamily="34" charset="-122"/>
+              </a:rPr>
               <a:pPr>
                 <a:defRPr/>
               </a:pPr>
               <a:t>7</a:t>
             </a:fld>
-            <a:endParaRPr lang="en-US"/>
+            <a:endParaRPr lang="en-US">
+              <a:latin typeface="微软雅黑" panose="020B0503020204020204" pitchFamily="34" charset="-122"/>
+              <a:ea typeface="微软雅黑" panose="020B0503020204020204" pitchFamily="34" charset="-122"/>
+            </a:endParaRPr>
           </a:p>
         </p:txBody>
       </p:sp>
@@ -13645,7 +13962,10 @@
                   <a:sym typeface="Calibri"/>
                 </a:defRPr>
               </a:pPr>
-              <a:endParaRPr/>
+              <a:endParaRPr>
+                <a:latin typeface="微软雅黑" panose="020B0503020204020204" pitchFamily="34" charset="-122"/>
+                <a:ea typeface="微软雅黑" panose="020B0503020204020204" pitchFamily="34" charset="-122"/>
+              </a:endParaRPr>
             </a:p>
           </p:txBody>
         </p:sp>
@@ -13671,7 +13991,7 @@
             <a:effectLst/>
             <a:extLst>
               <a:ext uri="{C572A759-6A51-4108-AA02-DFA0A04FC94B}">
-                <ma14:wrappingTextBoxFlag xmlns:ma14="http://schemas.microsoft.com/office/mac/drawingml/2011/main" val="1"/>
+                <ma14:wrappingTextBoxFlag xmlns:ma14="http://schemas.microsoft.com/office/mac/drawingml/2011/main" xmlns="" val="1"/>
               </a:ext>
             </a:extLst>
           </p:spPr>
@@ -13688,8 +14008,8 @@
                 <a:defRPr sz="1800"/>
               </a:pPr>
               <a:endParaRPr sz="2400" dirty="0">
-                <a:latin typeface="+mn-lt"/>
-                <a:ea typeface="+mn-ea"/>
+                <a:latin typeface="微软雅黑" panose="020B0503020204020204" pitchFamily="34" charset="-122"/>
+                <a:ea typeface="微软雅黑" panose="020B0503020204020204" pitchFamily="34" charset="-122"/>
                 <a:cs typeface="+mn-cs"/>
                 <a:sym typeface="Calibri"/>
               </a:endParaRPr>
@@ -13702,8 +14022,8 @@
                 <a:defRPr sz="1800"/>
               </a:pPr>
               <a:endParaRPr sz="2400" dirty="0">
-                <a:latin typeface="+mn-lt"/>
-                <a:ea typeface="+mn-ea"/>
+                <a:latin typeface="微软雅黑" panose="020B0503020204020204" pitchFamily="34" charset="-122"/>
+                <a:ea typeface="微软雅黑" panose="020B0503020204020204" pitchFamily="34" charset="-122"/>
                 <a:cs typeface="+mn-cs"/>
                 <a:sym typeface="Calibri"/>
               </a:endParaRPr>
@@ -13716,8 +14036,8 @@
                 <a:defRPr sz="1800"/>
               </a:pPr>
               <a:endParaRPr sz="2400" dirty="0">
-                <a:latin typeface="+mn-lt"/>
-                <a:ea typeface="+mn-ea"/>
+                <a:latin typeface="微软雅黑" panose="020B0503020204020204" pitchFamily="34" charset="-122"/>
+                <a:ea typeface="微软雅黑" panose="020B0503020204020204" pitchFamily="34" charset="-122"/>
                 <a:cs typeface="+mn-cs"/>
                 <a:sym typeface="Calibri"/>
               </a:endParaRPr>
@@ -13730,8 +14050,8 @@
                 <a:defRPr sz="1800"/>
               </a:pPr>
               <a:endParaRPr sz="2400" dirty="0">
-                <a:latin typeface="+mn-lt"/>
-                <a:ea typeface="+mn-ea"/>
+                <a:latin typeface="微软雅黑" panose="020B0503020204020204" pitchFamily="34" charset="-122"/>
+                <a:ea typeface="微软雅黑" panose="020B0503020204020204" pitchFamily="34" charset="-122"/>
                 <a:cs typeface="+mn-cs"/>
                 <a:sym typeface="Calibri"/>
               </a:endParaRPr>
@@ -13744,8 +14064,8 @@
                 <a:defRPr sz="1800"/>
               </a:pPr>
               <a:endParaRPr sz="2400" dirty="0">
-                <a:latin typeface="+mn-lt"/>
-                <a:ea typeface="+mn-ea"/>
+                <a:latin typeface="微软雅黑" panose="020B0503020204020204" pitchFamily="34" charset="-122"/>
+                <a:ea typeface="微软雅黑" panose="020B0503020204020204" pitchFamily="34" charset="-122"/>
                 <a:cs typeface="+mn-cs"/>
                 <a:sym typeface="Calibri"/>
               </a:endParaRPr>
@@ -13758,8 +14078,8 @@
                 <a:defRPr sz="1800"/>
               </a:pPr>
               <a:endParaRPr sz="2400" dirty="0">
-                <a:latin typeface="+mn-lt"/>
-                <a:ea typeface="+mn-ea"/>
+                <a:latin typeface="微软雅黑" panose="020B0503020204020204" pitchFamily="34" charset="-122"/>
+                <a:ea typeface="微软雅黑" panose="020B0503020204020204" pitchFamily="34" charset="-122"/>
                 <a:cs typeface="+mn-cs"/>
                 <a:sym typeface="Calibri"/>
               </a:endParaRPr>
@@ -13772,8 +14092,8 @@
                 <a:defRPr sz="1800"/>
               </a:pPr>
               <a:endParaRPr sz="2400" dirty="0">
-                <a:latin typeface="+mn-lt"/>
-                <a:ea typeface="+mn-ea"/>
+                <a:latin typeface="微软雅黑" panose="020B0503020204020204" pitchFamily="34" charset="-122"/>
+                <a:ea typeface="微软雅黑" panose="020B0503020204020204" pitchFamily="34" charset="-122"/>
                 <a:cs typeface="+mn-cs"/>
                 <a:sym typeface="Calibri"/>
               </a:endParaRPr>
@@ -13786,8 +14106,8 @@
                 <a:defRPr sz="1800"/>
               </a:pPr>
               <a:endParaRPr sz="2400" dirty="0">
-                <a:latin typeface="+mn-lt"/>
-                <a:ea typeface="+mn-ea"/>
+                <a:latin typeface="微软雅黑" panose="020B0503020204020204" pitchFamily="34" charset="-122"/>
+                <a:ea typeface="微软雅黑" panose="020B0503020204020204" pitchFamily="34" charset="-122"/>
                 <a:cs typeface="+mn-cs"/>
                 <a:sym typeface="Calibri"/>
               </a:endParaRPr>
@@ -13800,8 +14120,8 @@
                 <a:defRPr sz="1800"/>
               </a:pPr>
               <a:endParaRPr sz="2400" dirty="0">
-                <a:latin typeface="+mn-lt"/>
-                <a:ea typeface="+mn-ea"/>
+                <a:latin typeface="微软雅黑" panose="020B0503020204020204" pitchFamily="34" charset="-122"/>
+                <a:ea typeface="微软雅黑" panose="020B0503020204020204" pitchFamily="34" charset="-122"/>
                 <a:cs typeface="+mn-cs"/>
                 <a:sym typeface="Calibri"/>
               </a:endParaRPr>
@@ -13814,8 +14134,8 @@
                 <a:defRPr sz="1800"/>
               </a:pPr>
               <a:endParaRPr sz="2400" dirty="0">
-                <a:latin typeface="+mn-lt"/>
-                <a:ea typeface="+mn-ea"/>
+                <a:latin typeface="微软雅黑" panose="020B0503020204020204" pitchFamily="34" charset="-122"/>
+                <a:ea typeface="微软雅黑" panose="020B0503020204020204" pitchFamily="34" charset="-122"/>
                 <a:cs typeface="+mn-cs"/>
                 <a:sym typeface="Calibri"/>
               </a:endParaRPr>
@@ -13828,8 +14148,8 @@
                 <a:defRPr sz="1800"/>
               </a:pPr>
               <a:endParaRPr sz="2400" dirty="0">
-                <a:latin typeface="+mn-lt"/>
-                <a:ea typeface="+mn-ea"/>
+                <a:latin typeface="微软雅黑" panose="020B0503020204020204" pitchFamily="34" charset="-122"/>
+                <a:ea typeface="微软雅黑" panose="020B0503020204020204" pitchFamily="34" charset="-122"/>
                 <a:cs typeface="+mn-cs"/>
                 <a:sym typeface="Calibri"/>
               </a:endParaRPr>
@@ -13842,8 +14162,8 @@
                 <a:defRPr sz="1800"/>
               </a:pPr>
               <a:endParaRPr lang="en-US" sz="2400" dirty="0" smtClean="0">
-                <a:latin typeface="+mn-lt"/>
-                <a:ea typeface="+mn-ea"/>
+                <a:latin typeface="微软雅黑" panose="020B0503020204020204" pitchFamily="34" charset="-122"/>
+                <a:ea typeface="微软雅黑" panose="020B0503020204020204" pitchFamily="34" charset="-122"/>
                 <a:cs typeface="+mn-cs"/>
                 <a:sym typeface="Calibri"/>
               </a:endParaRPr>
@@ -13857,8 +14177,8 @@
               </a:pPr>
               <a:r>
                 <a:rPr sz="2400" dirty="0" smtClean="0">
-                  <a:latin typeface="+mn-lt"/>
-                  <a:ea typeface="+mn-ea"/>
+                  <a:latin typeface="微软雅黑" panose="020B0503020204020204" pitchFamily="34" charset="-122"/>
+                  <a:ea typeface="微软雅黑" panose="020B0503020204020204" pitchFamily="34" charset="-122"/>
                   <a:cs typeface="+mn-cs"/>
                   <a:sym typeface="Calibri"/>
                 </a:rPr>
@@ -13866,8 +14186,8 @@
               </a:r>
               <a:r>
                 <a:rPr sz="2400" dirty="0">
-                  <a:latin typeface="+mn-lt"/>
-                  <a:ea typeface="+mn-ea"/>
+                  <a:latin typeface="微软雅黑" panose="020B0503020204020204" pitchFamily="34" charset="-122"/>
+                  <a:ea typeface="微软雅黑" panose="020B0503020204020204" pitchFamily="34" charset="-122"/>
                   <a:cs typeface="+mn-cs"/>
                   <a:sym typeface="Calibri"/>
                 </a:rPr>
@@ -13936,7 +14256,10 @@
                   <a:sym typeface="Calibri"/>
                 </a:defRPr>
               </a:pPr>
-              <a:endParaRPr/>
+              <a:endParaRPr>
+                <a:latin typeface="微软雅黑" panose="020B0503020204020204" pitchFamily="34" charset="-122"/>
+                <a:ea typeface="微软雅黑" panose="020B0503020204020204" pitchFamily="34" charset="-122"/>
+              </a:endParaRPr>
             </a:p>
           </p:txBody>
         </p:sp>
@@ -13962,7 +14285,7 @@
             <a:effectLst/>
             <a:extLst>
               <a:ext uri="{C572A759-6A51-4108-AA02-DFA0A04FC94B}">
-                <ma14:wrappingTextBoxFlag xmlns:ma14="http://schemas.microsoft.com/office/mac/drawingml/2011/main" val="1"/>
+                <ma14:wrappingTextBoxFlag xmlns:ma14="http://schemas.microsoft.com/office/mac/drawingml/2011/main" xmlns="" val="1"/>
               </a:ext>
             </a:extLst>
           </p:spPr>
@@ -13979,8 +14302,8 @@
                 <a:defRPr sz="1800"/>
               </a:pPr>
               <a:endParaRPr sz="2400" dirty="0">
-                <a:latin typeface="+mn-lt"/>
-                <a:ea typeface="+mn-ea"/>
+                <a:latin typeface="微软雅黑" panose="020B0503020204020204" pitchFamily="34" charset="-122"/>
+                <a:ea typeface="微软雅黑" panose="020B0503020204020204" pitchFamily="34" charset="-122"/>
                 <a:cs typeface="+mn-cs"/>
                 <a:sym typeface="Calibri"/>
               </a:endParaRPr>
@@ -13993,8 +14316,8 @@
                 <a:defRPr sz="1800"/>
               </a:pPr>
               <a:endParaRPr sz="2400" dirty="0">
-                <a:latin typeface="+mn-lt"/>
-                <a:ea typeface="+mn-ea"/>
+                <a:latin typeface="微软雅黑" panose="020B0503020204020204" pitchFamily="34" charset="-122"/>
+                <a:ea typeface="微软雅黑" panose="020B0503020204020204" pitchFamily="34" charset="-122"/>
                 <a:cs typeface="+mn-cs"/>
                 <a:sym typeface="Calibri"/>
               </a:endParaRPr>
@@ -14007,8 +14330,8 @@
                 <a:defRPr sz="1800"/>
               </a:pPr>
               <a:endParaRPr sz="2400" dirty="0">
-                <a:latin typeface="+mn-lt"/>
-                <a:ea typeface="+mn-ea"/>
+                <a:latin typeface="微软雅黑" panose="020B0503020204020204" pitchFamily="34" charset="-122"/>
+                <a:ea typeface="微软雅黑" panose="020B0503020204020204" pitchFamily="34" charset="-122"/>
                 <a:cs typeface="+mn-cs"/>
                 <a:sym typeface="Calibri"/>
               </a:endParaRPr>
@@ -14021,8 +14344,8 @@
                 <a:defRPr sz="1800"/>
               </a:pPr>
               <a:endParaRPr sz="2400" dirty="0">
-                <a:latin typeface="+mn-lt"/>
-                <a:ea typeface="+mn-ea"/>
+                <a:latin typeface="微软雅黑" panose="020B0503020204020204" pitchFamily="34" charset="-122"/>
+                <a:ea typeface="微软雅黑" panose="020B0503020204020204" pitchFamily="34" charset="-122"/>
                 <a:cs typeface="+mn-cs"/>
                 <a:sym typeface="Calibri"/>
               </a:endParaRPr>
@@ -14035,8 +14358,8 @@
                 <a:defRPr sz="1800"/>
               </a:pPr>
               <a:endParaRPr sz="2400" dirty="0">
-                <a:latin typeface="+mn-lt"/>
-                <a:ea typeface="+mn-ea"/>
+                <a:latin typeface="微软雅黑" panose="020B0503020204020204" pitchFamily="34" charset="-122"/>
+                <a:ea typeface="微软雅黑" panose="020B0503020204020204" pitchFamily="34" charset="-122"/>
                 <a:cs typeface="+mn-cs"/>
                 <a:sym typeface="Calibri"/>
               </a:endParaRPr>
@@ -14049,8 +14372,8 @@
                 <a:defRPr sz="1800"/>
               </a:pPr>
               <a:endParaRPr sz="2400" dirty="0">
-                <a:latin typeface="+mn-lt"/>
-                <a:ea typeface="+mn-ea"/>
+                <a:latin typeface="微软雅黑" panose="020B0503020204020204" pitchFamily="34" charset="-122"/>
+                <a:ea typeface="微软雅黑" panose="020B0503020204020204" pitchFamily="34" charset="-122"/>
                 <a:cs typeface="+mn-cs"/>
                 <a:sym typeface="Calibri"/>
               </a:endParaRPr>
@@ -14063,8 +14386,8 @@
                 <a:defRPr sz="1800"/>
               </a:pPr>
               <a:endParaRPr sz="2400" dirty="0">
-                <a:latin typeface="+mn-lt"/>
-                <a:ea typeface="+mn-ea"/>
+                <a:latin typeface="微软雅黑" panose="020B0503020204020204" pitchFamily="34" charset="-122"/>
+                <a:ea typeface="微软雅黑" panose="020B0503020204020204" pitchFamily="34" charset="-122"/>
                 <a:cs typeface="+mn-cs"/>
                 <a:sym typeface="Calibri"/>
               </a:endParaRPr>
@@ -14077,8 +14400,8 @@
                 <a:defRPr sz="1800"/>
               </a:pPr>
               <a:endParaRPr sz="2400" dirty="0">
-                <a:latin typeface="+mn-lt"/>
-                <a:ea typeface="+mn-ea"/>
+                <a:latin typeface="微软雅黑" panose="020B0503020204020204" pitchFamily="34" charset="-122"/>
+                <a:ea typeface="微软雅黑" panose="020B0503020204020204" pitchFamily="34" charset="-122"/>
                 <a:cs typeface="+mn-cs"/>
                 <a:sym typeface="Calibri"/>
               </a:endParaRPr>
@@ -14091,8 +14414,8 @@
                 <a:defRPr sz="1800"/>
               </a:pPr>
               <a:endParaRPr lang="en-US" sz="2400" dirty="0" smtClean="0">
-                <a:latin typeface="+mn-lt"/>
-                <a:ea typeface="+mn-ea"/>
+                <a:latin typeface="微软雅黑" panose="020B0503020204020204" pitchFamily="34" charset="-122"/>
+                <a:ea typeface="微软雅黑" panose="020B0503020204020204" pitchFamily="34" charset="-122"/>
                 <a:cs typeface="+mn-cs"/>
                 <a:sym typeface="Calibri"/>
               </a:endParaRPr>
@@ -14106,8 +14429,8 @@
               </a:pPr>
               <a:r>
                 <a:rPr sz="2400" dirty="0" smtClean="0">
-                  <a:latin typeface="+mn-lt"/>
-                  <a:ea typeface="+mn-ea"/>
+                  <a:latin typeface="微软雅黑" panose="020B0503020204020204" pitchFamily="34" charset="-122"/>
+                  <a:ea typeface="微软雅黑" panose="020B0503020204020204" pitchFamily="34" charset="-122"/>
                   <a:cs typeface="+mn-cs"/>
                   <a:sym typeface="Calibri"/>
                 </a:rPr>
@@ -14115,8 +14438,8 @@
               </a:r>
               <a:r>
                 <a:rPr sz="2400" dirty="0">
-                  <a:latin typeface="+mn-lt"/>
-                  <a:ea typeface="+mn-ea"/>
+                  <a:latin typeface="微软雅黑" panose="020B0503020204020204" pitchFamily="34" charset="-122"/>
+                  <a:ea typeface="微软雅黑" panose="020B0503020204020204" pitchFamily="34" charset="-122"/>
                   <a:cs typeface="+mn-cs"/>
                   <a:sym typeface="Calibri"/>
                 </a:rPr>
@@ -14185,7 +14508,10 @@
                   <a:sym typeface="Calibri"/>
                 </a:defRPr>
               </a:pPr>
-              <a:endParaRPr/>
+              <a:endParaRPr>
+                <a:latin typeface="微软雅黑" panose="020B0503020204020204" pitchFamily="34" charset="-122"/>
+                <a:ea typeface="微软雅黑" panose="020B0503020204020204" pitchFamily="34" charset="-122"/>
+              </a:endParaRPr>
             </a:p>
           </p:txBody>
         </p:sp>
@@ -14211,7 +14537,7 @@
             <a:effectLst/>
             <a:extLst>
               <a:ext uri="{C572A759-6A51-4108-AA02-DFA0A04FC94B}">
-                <ma14:wrappingTextBoxFlag xmlns:ma14="http://schemas.microsoft.com/office/mac/drawingml/2011/main" val="1"/>
+                <ma14:wrappingTextBoxFlag xmlns:ma14="http://schemas.microsoft.com/office/mac/drawingml/2011/main" xmlns="" val="1"/>
               </a:ext>
             </a:extLst>
           </p:spPr>
@@ -14228,8 +14554,8 @@
                 <a:defRPr sz="1800"/>
               </a:pPr>
               <a:endParaRPr sz="2400" dirty="0">
-                <a:latin typeface="+mn-lt"/>
-                <a:ea typeface="+mn-ea"/>
+                <a:latin typeface="微软雅黑" panose="020B0503020204020204" pitchFamily="34" charset="-122"/>
+                <a:ea typeface="微软雅黑" panose="020B0503020204020204" pitchFamily="34" charset="-122"/>
                 <a:cs typeface="+mn-cs"/>
                 <a:sym typeface="Calibri"/>
               </a:endParaRPr>
@@ -14242,8 +14568,8 @@
                 <a:defRPr sz="1800"/>
               </a:pPr>
               <a:endParaRPr sz="2400" dirty="0">
-                <a:latin typeface="+mn-lt"/>
-                <a:ea typeface="+mn-ea"/>
+                <a:latin typeface="微软雅黑" panose="020B0503020204020204" pitchFamily="34" charset="-122"/>
+                <a:ea typeface="微软雅黑" panose="020B0503020204020204" pitchFamily="34" charset="-122"/>
                 <a:cs typeface="+mn-cs"/>
                 <a:sym typeface="Calibri"/>
               </a:endParaRPr>
@@ -14256,8 +14582,8 @@
                 <a:defRPr sz="1800"/>
               </a:pPr>
               <a:endParaRPr sz="2400" dirty="0">
-                <a:latin typeface="+mn-lt"/>
-                <a:ea typeface="+mn-ea"/>
+                <a:latin typeface="微软雅黑" panose="020B0503020204020204" pitchFamily="34" charset="-122"/>
+                <a:ea typeface="微软雅黑" panose="020B0503020204020204" pitchFamily="34" charset="-122"/>
                 <a:cs typeface="+mn-cs"/>
                 <a:sym typeface="Calibri"/>
               </a:endParaRPr>
@@ -14270,8 +14596,8 @@
                 <a:defRPr sz="1800"/>
               </a:pPr>
               <a:endParaRPr sz="2400" dirty="0">
-                <a:latin typeface="+mn-lt"/>
-                <a:ea typeface="+mn-ea"/>
+                <a:latin typeface="微软雅黑" panose="020B0503020204020204" pitchFamily="34" charset="-122"/>
+                <a:ea typeface="微软雅黑" panose="020B0503020204020204" pitchFamily="34" charset="-122"/>
                 <a:cs typeface="+mn-cs"/>
                 <a:sym typeface="Calibri"/>
               </a:endParaRPr>
@@ -14284,8 +14610,8 @@
                 <a:defRPr sz="1800"/>
               </a:pPr>
               <a:endParaRPr sz="2400" dirty="0">
-                <a:latin typeface="+mn-lt"/>
-                <a:ea typeface="+mn-ea"/>
+                <a:latin typeface="微软雅黑" panose="020B0503020204020204" pitchFamily="34" charset="-122"/>
+                <a:ea typeface="微软雅黑" panose="020B0503020204020204" pitchFamily="34" charset="-122"/>
                 <a:cs typeface="+mn-cs"/>
                 <a:sym typeface="Calibri"/>
               </a:endParaRPr>
@@ -14298,8 +14624,8 @@
                 <a:defRPr sz="1800"/>
               </a:pPr>
               <a:endParaRPr sz="2400" dirty="0">
-                <a:latin typeface="+mn-lt"/>
-                <a:ea typeface="+mn-ea"/>
+                <a:latin typeface="微软雅黑" panose="020B0503020204020204" pitchFamily="34" charset="-122"/>
+                <a:ea typeface="微软雅黑" panose="020B0503020204020204" pitchFamily="34" charset="-122"/>
                 <a:cs typeface="+mn-cs"/>
                 <a:sym typeface="Calibri"/>
               </a:endParaRPr>
@@ -14312,8 +14638,8 @@
                 <a:defRPr sz="1800"/>
               </a:pPr>
               <a:endParaRPr sz="2400" dirty="0">
-                <a:latin typeface="+mn-lt"/>
-                <a:ea typeface="+mn-ea"/>
+                <a:latin typeface="微软雅黑" panose="020B0503020204020204" pitchFamily="34" charset="-122"/>
+                <a:ea typeface="微软雅黑" panose="020B0503020204020204" pitchFamily="34" charset="-122"/>
                 <a:cs typeface="+mn-cs"/>
                 <a:sym typeface="Calibri"/>
               </a:endParaRPr>
@@ -14326,8 +14652,8 @@
                 <a:defRPr sz="1800"/>
               </a:pPr>
               <a:endParaRPr sz="2400" dirty="0">
-                <a:latin typeface="+mn-lt"/>
-                <a:ea typeface="+mn-ea"/>
+                <a:latin typeface="微软雅黑" panose="020B0503020204020204" pitchFamily="34" charset="-122"/>
+                <a:ea typeface="微软雅黑" panose="020B0503020204020204" pitchFamily="34" charset="-122"/>
                 <a:cs typeface="+mn-cs"/>
                 <a:sym typeface="Calibri"/>
               </a:endParaRPr>
@@ -14340,8 +14666,8 @@
                 <a:defRPr sz="1800"/>
               </a:pPr>
               <a:endParaRPr lang="en-US" sz="2400" dirty="0" smtClean="0">
-                <a:latin typeface="+mn-lt"/>
-                <a:ea typeface="+mn-ea"/>
+                <a:latin typeface="微软雅黑" panose="020B0503020204020204" pitchFamily="34" charset="-122"/>
+                <a:ea typeface="微软雅黑" panose="020B0503020204020204" pitchFamily="34" charset="-122"/>
                 <a:cs typeface="+mn-cs"/>
                 <a:sym typeface="Calibri"/>
               </a:endParaRPr>
@@ -14355,8 +14681,8 @@
               </a:pPr>
               <a:r>
                 <a:rPr sz="2400" dirty="0" smtClean="0">
-                  <a:latin typeface="+mn-lt"/>
-                  <a:ea typeface="+mn-ea"/>
+                  <a:latin typeface="微软雅黑" panose="020B0503020204020204" pitchFamily="34" charset="-122"/>
+                  <a:ea typeface="微软雅黑" panose="020B0503020204020204" pitchFamily="34" charset="-122"/>
                   <a:cs typeface="+mn-cs"/>
                   <a:sym typeface="Calibri"/>
                 </a:rPr>
@@ -14364,8 +14690,8 @@
               </a:r>
               <a:r>
                 <a:rPr sz="2400" dirty="0">
-                  <a:latin typeface="+mn-lt"/>
-                  <a:ea typeface="+mn-ea"/>
+                  <a:latin typeface="微软雅黑" panose="020B0503020204020204" pitchFamily="34" charset="-122"/>
+                  <a:ea typeface="微软雅黑" panose="020B0503020204020204" pitchFamily="34" charset="-122"/>
                   <a:cs typeface="+mn-cs"/>
                   <a:sym typeface="Calibri"/>
                 </a:rPr>
@@ -14434,7 +14760,10 @@
                   <a:sym typeface="Calibri"/>
                 </a:defRPr>
               </a:pPr>
-              <a:endParaRPr/>
+              <a:endParaRPr>
+                <a:latin typeface="微软雅黑" panose="020B0503020204020204" pitchFamily="34" charset="-122"/>
+                <a:ea typeface="微软雅黑" panose="020B0503020204020204" pitchFamily="34" charset="-122"/>
+              </a:endParaRPr>
             </a:p>
           </p:txBody>
         </p:sp>
@@ -14460,7 +14789,7 @@
             <a:effectLst/>
             <a:extLst>
               <a:ext uri="{C572A759-6A51-4108-AA02-DFA0A04FC94B}">
-                <ma14:wrappingTextBoxFlag xmlns:ma14="http://schemas.microsoft.com/office/mac/drawingml/2011/main" val="1"/>
+                <ma14:wrappingTextBoxFlag xmlns:ma14="http://schemas.microsoft.com/office/mac/drawingml/2011/main" xmlns="" val="1"/>
               </a:ext>
             </a:extLst>
           </p:spPr>
@@ -14486,7 +14815,10 @@
                 <a:defRPr sz="1800"/>
               </a:pPr>
               <a:r>
-                <a:rPr sz="2400"/>
+                <a:rPr sz="2400">
+                  <a:latin typeface="微软雅黑" panose="020B0503020204020204" pitchFamily="34" charset="-122"/>
+                  <a:ea typeface="微软雅黑" panose="020B0503020204020204" pitchFamily="34" charset="-122"/>
+                </a:rPr>
                 <a:t>Test</a:t>
               </a:r>
             </a:p>
@@ -14552,7 +14884,10 @@
                   <a:sym typeface="Calibri"/>
                 </a:defRPr>
               </a:pPr>
-              <a:endParaRPr/>
+              <a:endParaRPr>
+                <a:latin typeface="微软雅黑" panose="020B0503020204020204" pitchFamily="34" charset="-122"/>
+                <a:ea typeface="微软雅黑" panose="020B0503020204020204" pitchFamily="34" charset="-122"/>
+              </a:endParaRPr>
             </a:p>
           </p:txBody>
         </p:sp>
@@ -14578,7 +14913,7 @@
             <a:effectLst/>
             <a:extLst>
               <a:ext uri="{C572A759-6A51-4108-AA02-DFA0A04FC94B}">
-                <ma14:wrappingTextBoxFlag xmlns:ma14="http://schemas.microsoft.com/office/mac/drawingml/2011/main" val="1"/>
+                <ma14:wrappingTextBoxFlag xmlns:ma14="http://schemas.microsoft.com/office/mac/drawingml/2011/main" xmlns="" val="1"/>
               </a:ext>
             </a:extLst>
           </p:spPr>
@@ -14604,7 +14939,10 @@
                 <a:defRPr sz="1800"/>
               </a:pPr>
               <a:r>
-                <a:rPr sz="2400"/>
+                <a:rPr sz="2400">
+                  <a:latin typeface="微软雅黑" panose="020B0503020204020204" pitchFamily="34" charset="-122"/>
+                  <a:ea typeface="微软雅黑" panose="020B0503020204020204" pitchFamily="34" charset="-122"/>
+                </a:rPr>
                 <a:t>Test</a:t>
               </a:r>
             </a:p>
@@ -14670,7 +15008,10 @@
                   <a:sym typeface="Calibri"/>
                 </a:defRPr>
               </a:pPr>
-              <a:endParaRPr/>
+              <a:endParaRPr>
+                <a:latin typeface="微软雅黑" panose="020B0503020204020204" pitchFamily="34" charset="-122"/>
+                <a:ea typeface="微软雅黑" panose="020B0503020204020204" pitchFamily="34" charset="-122"/>
+              </a:endParaRPr>
             </a:p>
           </p:txBody>
         </p:sp>
@@ -14696,7 +15037,7 @@
             <a:effectLst/>
             <a:extLst>
               <a:ext uri="{C572A759-6A51-4108-AA02-DFA0A04FC94B}">
-                <ma14:wrappingTextBoxFlag xmlns:ma14="http://schemas.microsoft.com/office/mac/drawingml/2011/main" val="1"/>
+                <ma14:wrappingTextBoxFlag xmlns:ma14="http://schemas.microsoft.com/office/mac/drawingml/2011/main" xmlns="" val="1"/>
               </a:ext>
             </a:extLst>
           </p:spPr>
@@ -14722,7 +15063,10 @@
                 <a:defRPr sz="1800"/>
               </a:pPr>
               <a:r>
-                <a:rPr sz="2400"/>
+                <a:rPr sz="2400">
+                  <a:latin typeface="微软雅黑" panose="020B0503020204020204" pitchFamily="34" charset="-122"/>
+                  <a:ea typeface="微软雅黑" panose="020B0503020204020204" pitchFamily="34" charset="-122"/>
+                </a:rPr>
                 <a:t>Test</a:t>
               </a:r>
             </a:p>
@@ -14788,7 +15132,10 @@
                   <a:sym typeface="Calibri"/>
                 </a:defRPr>
               </a:pPr>
-              <a:endParaRPr/>
+              <a:endParaRPr>
+                <a:latin typeface="微软雅黑" panose="020B0503020204020204" pitchFamily="34" charset="-122"/>
+                <a:ea typeface="微软雅黑" panose="020B0503020204020204" pitchFamily="34" charset="-122"/>
+              </a:endParaRPr>
             </a:p>
           </p:txBody>
         </p:sp>
@@ -14814,7 +15161,7 @@
             <a:effectLst/>
             <a:extLst>
               <a:ext uri="{C572A759-6A51-4108-AA02-DFA0A04FC94B}">
-                <ma14:wrappingTextBoxFlag xmlns:ma14="http://schemas.microsoft.com/office/mac/drawingml/2011/main" val="1"/>
+                <ma14:wrappingTextBoxFlag xmlns:ma14="http://schemas.microsoft.com/office/mac/drawingml/2011/main" xmlns="" val="1"/>
               </a:ext>
             </a:extLst>
           </p:spPr>
@@ -14840,7 +15187,10 @@
                 <a:defRPr sz="1800"/>
               </a:pPr>
               <a:r>
-                <a:rPr sz="2400"/>
+                <a:rPr sz="2400">
+                  <a:latin typeface="微软雅黑" panose="020B0503020204020204" pitchFamily="34" charset="-122"/>
+                  <a:ea typeface="微软雅黑" panose="020B0503020204020204" pitchFamily="34" charset="-122"/>
+                </a:rPr>
                 <a:t>Test</a:t>
               </a:r>
             </a:p>
@@ -14906,7 +15256,10 @@
                   <a:sym typeface="Calibri"/>
                 </a:defRPr>
               </a:pPr>
-              <a:endParaRPr/>
+              <a:endParaRPr>
+                <a:latin typeface="微软雅黑" panose="020B0503020204020204" pitchFamily="34" charset="-122"/>
+                <a:ea typeface="微软雅黑" panose="020B0503020204020204" pitchFamily="34" charset="-122"/>
+              </a:endParaRPr>
             </a:p>
           </p:txBody>
         </p:sp>
@@ -14932,7 +15285,7 @@
             <a:effectLst/>
             <a:extLst>
               <a:ext uri="{C572A759-6A51-4108-AA02-DFA0A04FC94B}">
-                <ma14:wrappingTextBoxFlag xmlns:ma14="http://schemas.microsoft.com/office/mac/drawingml/2011/main" val="1"/>
+                <ma14:wrappingTextBoxFlag xmlns:ma14="http://schemas.microsoft.com/office/mac/drawingml/2011/main" xmlns="" val="1"/>
               </a:ext>
             </a:extLst>
           </p:spPr>
@@ -14958,7 +15311,10 @@
                 <a:defRPr sz="1800"/>
               </a:pPr>
               <a:r>
-                <a:rPr sz="2400"/>
+                <a:rPr sz="2400">
+                  <a:latin typeface="微软雅黑" panose="020B0503020204020204" pitchFamily="34" charset="-122"/>
+                  <a:ea typeface="微软雅黑" panose="020B0503020204020204" pitchFamily="34" charset="-122"/>
+                </a:rPr>
                 <a:t>Test</a:t>
               </a:r>
             </a:p>
@@ -15024,7 +15380,10 @@
                   <a:sym typeface="Calibri"/>
                 </a:defRPr>
               </a:pPr>
-              <a:endParaRPr/>
+              <a:endParaRPr>
+                <a:latin typeface="微软雅黑" panose="020B0503020204020204" pitchFamily="34" charset="-122"/>
+                <a:ea typeface="微软雅黑" panose="020B0503020204020204" pitchFamily="34" charset="-122"/>
+              </a:endParaRPr>
             </a:p>
           </p:txBody>
         </p:sp>
@@ -15050,7 +15409,7 @@
             <a:effectLst/>
             <a:extLst>
               <a:ext uri="{C572A759-6A51-4108-AA02-DFA0A04FC94B}">
-                <ma14:wrappingTextBoxFlag xmlns:ma14="http://schemas.microsoft.com/office/mac/drawingml/2011/main" val="1"/>
+                <ma14:wrappingTextBoxFlag xmlns:ma14="http://schemas.microsoft.com/office/mac/drawingml/2011/main" xmlns="" val="1"/>
               </a:ext>
             </a:extLst>
           </p:spPr>
@@ -15076,7 +15435,10 @@
                 <a:defRPr sz="1800"/>
               </a:pPr>
               <a:r>
-                <a:rPr sz="2400"/>
+                <a:rPr sz="2400">
+                  <a:latin typeface="微软雅黑" panose="020B0503020204020204" pitchFamily="34" charset="-122"/>
+                  <a:ea typeface="微软雅黑" panose="020B0503020204020204" pitchFamily="34" charset="-122"/>
+                </a:rPr>
                 <a:t>Test</a:t>
               </a:r>
             </a:p>
@@ -15142,7 +15504,10 @@
                   <a:sym typeface="Calibri"/>
                 </a:defRPr>
               </a:pPr>
-              <a:endParaRPr/>
+              <a:endParaRPr>
+                <a:latin typeface="微软雅黑" panose="020B0503020204020204" pitchFamily="34" charset="-122"/>
+                <a:ea typeface="微软雅黑" panose="020B0503020204020204" pitchFamily="34" charset="-122"/>
+              </a:endParaRPr>
             </a:p>
           </p:txBody>
         </p:sp>
@@ -15168,7 +15533,7 @@
             <a:effectLst/>
             <a:extLst>
               <a:ext uri="{C572A759-6A51-4108-AA02-DFA0A04FC94B}">
-                <ma14:wrappingTextBoxFlag xmlns:ma14="http://schemas.microsoft.com/office/mac/drawingml/2011/main" val="1"/>
+                <ma14:wrappingTextBoxFlag xmlns:ma14="http://schemas.microsoft.com/office/mac/drawingml/2011/main" xmlns="" val="1"/>
               </a:ext>
             </a:extLst>
           </p:spPr>
@@ -15194,7 +15559,10 @@
                 <a:defRPr sz="1800"/>
               </a:pPr>
               <a:r>
-                <a:rPr sz="2400"/>
+                <a:rPr sz="2400">
+                  <a:latin typeface="微软雅黑" panose="020B0503020204020204" pitchFamily="34" charset="-122"/>
+                  <a:ea typeface="微软雅黑" panose="020B0503020204020204" pitchFamily="34" charset="-122"/>
+                </a:rPr>
                 <a:t>Test</a:t>
               </a:r>
             </a:p>
@@ -15283,10 +15651,16 @@
           <a:p>
             <a:pPr algn="ctr"/>
             <a:r>
-              <a:rPr lang="en-US" altLang="zh-CHS" spc="-210" dirty="0" smtClean="0"/>
+              <a:rPr lang="en-US" altLang="zh-Hans" spc="-210" dirty="0" smtClean="0">
+                <a:latin typeface="微软雅黑" panose="020B0503020204020204" pitchFamily="34" charset="-122"/>
+                <a:ea typeface="微软雅黑" panose="020B0503020204020204" pitchFamily="34" charset="-122"/>
+              </a:rPr>
               <a:t>USING GTEST</a:t>
             </a:r>
-            <a:endParaRPr lang="zh-CHS" altLang="en-US" dirty="0"/>
+            <a:endParaRPr lang="zh-Hans" altLang="en-US" dirty="0">
+              <a:latin typeface="微软雅黑" panose="020B0503020204020204" pitchFamily="34" charset="-122"/>
+              <a:ea typeface="微软雅黑" panose="020B0503020204020204" pitchFamily="34" charset="-122"/>
+            </a:endParaRPr>
           </a:p>
         </p:txBody>
       </p:sp>
@@ -15306,68 +15680,110 @@
           <a:lstStyle/>
           <a:p>
             <a:r>
-              <a:rPr lang="en-US" altLang="zh-CHS" sz="3400" dirty="0" smtClean="0"/>
+              <a:rPr lang="en-US" altLang="zh-Hans" sz="3400" dirty="0" smtClean="0">
+                <a:latin typeface="微软雅黑" panose="020B0503020204020204" pitchFamily="34" charset="-122"/>
+                <a:ea typeface="微软雅黑" panose="020B0503020204020204" pitchFamily="34" charset="-122"/>
+              </a:rPr>
               <a:t>include &lt;</a:t>
             </a:r>
             <a:r>
-              <a:rPr lang="en-US" altLang="zh-CHS" sz="3400" dirty="0" err="1" smtClean="0"/>
+              <a:rPr lang="en-US" altLang="zh-Hans" sz="3400" dirty="0" err="1" smtClean="0">
+                <a:latin typeface="微软雅黑" panose="020B0503020204020204" pitchFamily="34" charset="-122"/>
+                <a:ea typeface="微软雅黑" panose="020B0503020204020204" pitchFamily="34" charset="-122"/>
+              </a:rPr>
               <a:t>gtest</a:t>
             </a:r>
             <a:r>
-              <a:rPr lang="en-US" altLang="zh-CHS" sz="3400" dirty="0" smtClean="0"/>
+              <a:rPr lang="en-US" altLang="zh-Hans" sz="3400" dirty="0" smtClean="0">
+                <a:latin typeface="微软雅黑" panose="020B0503020204020204" pitchFamily="34" charset="-122"/>
+                <a:ea typeface="微软雅黑" panose="020B0503020204020204" pitchFamily="34" charset="-122"/>
+              </a:rPr>
               <a:t>/</a:t>
             </a:r>
             <a:r>
-              <a:rPr lang="en-US" altLang="zh-CHS" sz="3400" dirty="0" err="1" smtClean="0"/>
+              <a:rPr lang="en-US" altLang="zh-Hans" sz="3400" dirty="0" err="1" smtClean="0">
+                <a:latin typeface="微软雅黑" panose="020B0503020204020204" pitchFamily="34" charset="-122"/>
+                <a:ea typeface="微软雅黑" panose="020B0503020204020204" pitchFamily="34" charset="-122"/>
+              </a:rPr>
               <a:t>gtest.h</a:t>
             </a:r>
             <a:r>
-              <a:rPr lang="en-US" altLang="zh-CHS" sz="3400" dirty="0" smtClean="0"/>
+              <a:rPr lang="en-US" altLang="zh-Hans" sz="3400" dirty="0" smtClean="0">
+                <a:latin typeface="微软雅黑" panose="020B0503020204020204" pitchFamily="34" charset="-122"/>
+                <a:ea typeface="微软雅黑" panose="020B0503020204020204" pitchFamily="34" charset="-122"/>
+              </a:rPr>
               <a:t>&gt;</a:t>
             </a:r>
           </a:p>
           <a:p>
             <a:r>
-              <a:rPr lang="en-US" altLang="zh-CHS" sz="3400" dirty="0" smtClean="0"/>
+              <a:rPr lang="en-US" altLang="zh-Hans" sz="3400" dirty="0" smtClean="0">
+                <a:latin typeface="微软雅黑" panose="020B0503020204020204" pitchFamily="34" charset="-122"/>
+                <a:ea typeface="微软雅黑" panose="020B0503020204020204" pitchFamily="34" charset="-122"/>
+              </a:rPr>
               <a:t>write your tests in any source files</a:t>
             </a:r>
           </a:p>
           <a:p>
             <a:r>
-              <a:rPr lang="en-US" altLang="zh-CHS" sz="3400" dirty="0" smtClean="0"/>
+              <a:rPr lang="en-US" altLang="zh-Hans" sz="3400" dirty="0" smtClean="0">
+                <a:latin typeface="微软雅黑" panose="020B0503020204020204" pitchFamily="34" charset="-122"/>
+                <a:ea typeface="微软雅黑" panose="020B0503020204020204" pitchFamily="34" charset="-122"/>
+              </a:rPr>
               <a:t>initialize </a:t>
             </a:r>
             <a:r>
-              <a:rPr lang="en-US" altLang="zh-CHS" sz="3400" dirty="0" err="1" smtClean="0"/>
+              <a:rPr lang="en-US" altLang="zh-Hans" sz="3400" dirty="0" err="1" smtClean="0">
+                <a:latin typeface="微软雅黑" panose="020B0503020204020204" pitchFamily="34" charset="-122"/>
+                <a:ea typeface="微软雅黑" panose="020B0503020204020204" pitchFamily="34" charset="-122"/>
+              </a:rPr>
               <a:t>gtest</a:t>
             </a:r>
             <a:r>
-              <a:rPr lang="en-US" altLang="zh-CHS" sz="3400" dirty="0" smtClean="0"/>
+              <a:rPr lang="en-US" altLang="zh-Hans" sz="3400" dirty="0" smtClean="0">
+                <a:latin typeface="微软雅黑" panose="020B0503020204020204" pitchFamily="34" charset="-122"/>
+                <a:ea typeface="微软雅黑" panose="020B0503020204020204" pitchFamily="34" charset="-122"/>
+              </a:rPr>
               <a:t> by </a:t>
             </a:r>
             <a:r>
-              <a:rPr lang="en-US" altLang="zh-CHS" sz="3400" dirty="0" err="1" smtClean="0"/>
+              <a:rPr lang="en-US" altLang="zh-Hans" sz="3400" dirty="0" err="1" smtClean="0">
+                <a:latin typeface="微软雅黑" panose="020B0503020204020204" pitchFamily="34" charset="-122"/>
+                <a:ea typeface="微软雅黑" panose="020B0503020204020204" pitchFamily="34" charset="-122"/>
+              </a:rPr>
               <a:t>InitGoogleTest</a:t>
             </a:r>
             <a:r>
-              <a:rPr lang="en-US" altLang="zh-CHS" sz="3400" dirty="0" smtClean="0"/>
+              <a:rPr lang="en-US" altLang="zh-Hans" sz="3400" dirty="0" smtClean="0">
+                <a:latin typeface="微软雅黑" panose="020B0503020204020204" pitchFamily="34" charset="-122"/>
+                <a:ea typeface="微软雅黑" panose="020B0503020204020204" pitchFamily="34" charset="-122"/>
+              </a:rPr>
               <a:t>()</a:t>
             </a:r>
           </a:p>
           <a:p>
             <a:r>
-              <a:rPr lang="en-US" altLang="zh-CHS" sz="3400" dirty="0" smtClean="0"/>
+              <a:rPr lang="en-US" altLang="zh-Hans" sz="3400" dirty="0" smtClean="0">
+                <a:latin typeface="微软雅黑" panose="020B0503020204020204" pitchFamily="34" charset="-122"/>
+                <a:ea typeface="微软雅黑" panose="020B0503020204020204" pitchFamily="34" charset="-122"/>
+              </a:rPr>
               <a:t>call RUN_ALL_TESTS() in main() function</a:t>
             </a:r>
           </a:p>
           <a:p>
             <a:r>
-              <a:rPr lang="en-US" altLang="zh-CHS" sz="3400" dirty="0" smtClean="0"/>
+              <a:rPr lang="en-US" altLang="zh-Hans" sz="3400" dirty="0" smtClean="0">
+                <a:latin typeface="微软雅黑" panose="020B0503020204020204" pitchFamily="34" charset="-122"/>
+                <a:ea typeface="微软雅黑" panose="020B0503020204020204" pitchFamily="34" charset="-122"/>
+              </a:rPr>
               <a:t>compile and run</a:t>
             </a:r>
           </a:p>
           <a:p>
-            <a:endParaRPr lang="zh-CHS" altLang="en-US" sz="3400" dirty="0"/>
+            <a:endParaRPr lang="zh-Hans" altLang="en-US" sz="3400" dirty="0">
+              <a:latin typeface="微软雅黑" panose="020B0503020204020204" pitchFamily="34" charset="-122"/>
+              <a:ea typeface="微软雅黑" panose="020B0503020204020204" pitchFamily="34" charset="-122"/>
+            </a:endParaRPr>
           </a:p>
         </p:txBody>
       </p:sp>
@@ -15390,13 +15806,19 @@
               <a:defRPr/>
             </a:pPr>
             <a:fld id="{28FE6BA1-A7B4-7B4F-846F-93E3CD6980EB}" type="slidenum">
-              <a:rPr lang="en-US" smtClean="0"/>
+              <a:rPr lang="en-US" smtClean="0">
+                <a:latin typeface="微软雅黑" panose="020B0503020204020204" pitchFamily="34" charset="-122"/>
+                <a:ea typeface="微软雅黑" panose="020B0503020204020204" pitchFamily="34" charset="-122"/>
+              </a:rPr>
               <a:pPr>
                 <a:defRPr/>
               </a:pPr>
               <a:t>8</a:t>
             </a:fld>
-            <a:endParaRPr lang="en-US"/>
+            <a:endParaRPr lang="en-US">
+              <a:latin typeface="微软雅黑" panose="020B0503020204020204" pitchFamily="34" charset="-122"/>
+              <a:ea typeface="微软雅黑" panose="020B0503020204020204" pitchFamily="34" charset="-122"/>
+            </a:endParaRPr>
           </a:p>
         </p:txBody>
       </p:sp>
@@ -15487,10 +15909,16 @@
           <a:p>
             <a:pPr algn="ctr"/>
             <a:r>
-              <a:rPr lang="en-US" altLang="zh-CHS" sz="4800" dirty="0" smtClean="0"/>
+              <a:rPr lang="en-US" altLang="zh-Hans" sz="4800" dirty="0" smtClean="0">
+                <a:latin typeface="微软雅黑" panose="020B0503020204020204" pitchFamily="34" charset="-122"/>
+                <a:ea typeface="微软雅黑" panose="020B0503020204020204" pitchFamily="34" charset="-122"/>
+              </a:rPr>
               <a:t>EXERCISE</a:t>
             </a:r>
-            <a:endParaRPr lang="zh-CHS" altLang="en-US" sz="4800" dirty="0"/>
+            <a:endParaRPr lang="zh-Hans" altLang="en-US" sz="4800" dirty="0">
+              <a:latin typeface="微软雅黑" panose="020B0503020204020204" pitchFamily="34" charset="-122"/>
+              <a:ea typeface="微软雅黑" panose="020B0503020204020204" pitchFamily="34" charset="-122"/>
+            </a:endParaRPr>
           </a:p>
         </p:txBody>
       </p:sp>
@@ -15520,7 +15948,10 @@
                 <a:schemeClr val="tx2"/>
               </a:buClr>
             </a:pPr>
-            <a:endParaRPr lang="en-US" altLang="zh-CHS" sz="800" dirty="0"/>
+            <a:endParaRPr lang="en-US" altLang="zh-Hans" sz="800" dirty="0">
+              <a:latin typeface="微软雅黑" panose="020B0503020204020204" pitchFamily="34" charset="-122"/>
+              <a:ea typeface="微软雅黑" panose="020B0503020204020204" pitchFamily="34" charset="-122"/>
+            </a:endParaRPr>
           </a:p>
           <a:p>
             <a:pPr marL="0" indent="0">
@@ -15535,35 +15966,59 @@
               </a:buClr>
             </a:pPr>
             <a:r>
-              <a:rPr lang="zh-CHS" altLang="en-US" sz="3600" dirty="0" smtClean="0"/>
+              <a:rPr lang="zh-Hans" altLang="en-US" sz="3600" dirty="0" smtClean="0">
+                <a:latin typeface="微软雅黑" panose="020B0503020204020204" pitchFamily="34" charset="-122"/>
+                <a:ea typeface="微软雅黑" panose="020B0503020204020204" pitchFamily="34" charset="-122"/>
+              </a:rPr>
               <a:t>某</a:t>
             </a:r>
             <a:r>
-              <a:rPr lang="zh-CHS" altLang="en-US" sz="3600" dirty="0"/>
+              <a:rPr lang="zh-Hans" altLang="en-US" sz="3600" dirty="0">
+                <a:latin typeface="微软雅黑" panose="020B0503020204020204" pitchFamily="34" charset="-122"/>
+                <a:ea typeface="微软雅黑" panose="020B0503020204020204" pitchFamily="34" charset="-122"/>
+              </a:rPr>
               <a:t>图书馆有一名图书管理员</a:t>
             </a:r>
             <a:r>
-              <a:rPr lang="en-US" altLang="zh-CHS" sz="3600" dirty="0"/>
+              <a:rPr lang="en-US" altLang="zh-Hans" sz="3600" dirty="0">
+                <a:latin typeface="微软雅黑" panose="020B0503020204020204" pitchFamily="34" charset="-122"/>
+                <a:ea typeface="微软雅黑" panose="020B0503020204020204" pitchFamily="34" charset="-122"/>
+              </a:rPr>
               <a:t>(Librarian), </a:t>
             </a:r>
             <a:r>
-              <a:rPr lang="zh-CHS" altLang="en-US" sz="3600" dirty="0"/>
+              <a:rPr lang="zh-Hans" altLang="en-US" sz="3600" dirty="0">
+                <a:latin typeface="微软雅黑" panose="020B0503020204020204" pitchFamily="34" charset="-122"/>
+                <a:ea typeface="微软雅黑" panose="020B0503020204020204" pitchFamily="34" charset="-122"/>
+              </a:rPr>
               <a:t>他能够帮助图书馆进行存书</a:t>
             </a:r>
             <a:r>
-              <a:rPr lang="en-US" altLang="zh-CHS" sz="3600" dirty="0"/>
+              <a:rPr lang="en-US" altLang="zh-Hans" sz="3600" dirty="0">
+                <a:latin typeface="微软雅黑" panose="020B0503020204020204" pitchFamily="34" charset="-122"/>
+                <a:ea typeface="微软雅黑" panose="020B0503020204020204" pitchFamily="34" charset="-122"/>
+              </a:rPr>
               <a:t>(Store), </a:t>
             </a:r>
             <a:r>
-              <a:rPr lang="zh-CHS" altLang="en-US" sz="3600" dirty="0"/>
+              <a:rPr lang="zh-Hans" altLang="en-US" sz="3600" dirty="0">
+                <a:latin typeface="微软雅黑" panose="020B0503020204020204" pitchFamily="34" charset="-122"/>
+                <a:ea typeface="微软雅黑" panose="020B0503020204020204" pitchFamily="34" charset="-122"/>
+              </a:rPr>
               <a:t>并且向我们提供借书服务</a:t>
             </a:r>
             <a:r>
-              <a:rPr lang="en-US" altLang="zh-CHS" sz="3600" dirty="0"/>
+              <a:rPr lang="en-US" altLang="zh-Hans" sz="3600" dirty="0">
+                <a:latin typeface="微软雅黑" panose="020B0503020204020204" pitchFamily="34" charset="-122"/>
+                <a:ea typeface="微软雅黑" panose="020B0503020204020204" pitchFamily="34" charset="-122"/>
+              </a:rPr>
               <a:t>(borrow</a:t>
             </a:r>
             <a:r>
-              <a:rPr lang="en-US" altLang="zh-CHS" sz="3600" dirty="0" smtClean="0"/>
+              <a:rPr lang="en-US" altLang="zh-Hans" sz="3600" dirty="0" smtClean="0">
+                <a:latin typeface="微软雅黑" panose="020B0503020204020204" pitchFamily="34" charset="-122"/>
+                <a:ea typeface="微软雅黑" panose="020B0503020204020204" pitchFamily="34" charset="-122"/>
+              </a:rPr>
               <a:t>):</a:t>
             </a:r>
           </a:p>
@@ -15579,7 +16034,10 @@
                 <a:schemeClr val="tx2"/>
               </a:buClr>
             </a:pPr>
-            <a:endParaRPr lang="en-US" altLang="zh-CHS" sz="800" dirty="0" smtClean="0"/>
+            <a:endParaRPr lang="en-US" altLang="zh-Hans" sz="800" dirty="0" smtClean="0">
+              <a:latin typeface="微软雅黑" panose="020B0503020204020204" pitchFamily="34" charset="-122"/>
+              <a:ea typeface="微软雅黑" panose="020B0503020204020204" pitchFamily="34" charset="-122"/>
+            </a:endParaRPr>
           </a:p>
           <a:p>
             <a:pPr marL="520700" indent="-520700">
@@ -15596,22 +16054,37 @@
               <a:buChar char=""/>
             </a:pPr>
             <a:r>
-              <a:rPr lang="zh-CHS" altLang="en-US" sz="3600" dirty="0"/>
+              <a:rPr lang="zh-Hans" altLang="en-US" sz="3600" dirty="0">
+                <a:latin typeface="微软雅黑" panose="020B0503020204020204" pitchFamily="34" charset="-122"/>
+                <a:ea typeface="微软雅黑" panose="020B0503020204020204" pitchFamily="34" charset="-122"/>
+              </a:rPr>
               <a:t>当管理员存书后</a:t>
             </a:r>
             <a:r>
-              <a:rPr lang="en-US" altLang="zh-CHS" sz="3600" dirty="0"/>
+              <a:rPr lang="en-US" altLang="zh-Hans" sz="3600" dirty="0">
+                <a:latin typeface="微软雅黑" panose="020B0503020204020204" pitchFamily="34" charset="-122"/>
+                <a:ea typeface="微软雅黑" panose="020B0503020204020204" pitchFamily="34" charset="-122"/>
+              </a:rPr>
               <a:t>, </a:t>
             </a:r>
             <a:r>
-              <a:rPr lang="zh-CHS" altLang="en-US" sz="3600" dirty="0"/>
+              <a:rPr lang="zh-Hans" altLang="en-US" sz="3600" dirty="0">
+                <a:latin typeface="微软雅黑" panose="020B0503020204020204" pitchFamily="34" charset="-122"/>
+                <a:ea typeface="微软雅黑" panose="020B0503020204020204" pitchFamily="34" charset="-122"/>
+              </a:rPr>
               <a:t>他会告诉我们当前图书馆的现存图书</a:t>
             </a:r>
             <a:r>
-              <a:rPr lang="zh-CHS" altLang="en-US" sz="3600" dirty="0" smtClean="0"/>
+              <a:rPr lang="zh-Hans" altLang="en-US" sz="3600" dirty="0" smtClean="0">
+                <a:latin typeface="微软雅黑" panose="020B0503020204020204" pitchFamily="34" charset="-122"/>
+                <a:ea typeface="微软雅黑" panose="020B0503020204020204" pitchFamily="34" charset="-122"/>
+              </a:rPr>
               <a:t>数量</a:t>
             </a:r>
-            <a:endParaRPr lang="en-US" altLang="zh-CHS" sz="3600" dirty="0" smtClean="0"/>
+            <a:endParaRPr lang="en-US" altLang="zh-Hans" sz="3600" dirty="0" smtClean="0">
+              <a:latin typeface="微软雅黑" panose="020B0503020204020204" pitchFamily="34" charset="-122"/>
+              <a:ea typeface="微软雅黑" panose="020B0503020204020204" pitchFamily="34" charset="-122"/>
+            </a:endParaRPr>
           </a:p>
           <a:p>
             <a:pPr marL="0" indent="0">
@@ -15625,7 +16098,10 @@
                 <a:schemeClr val="tx2"/>
               </a:buClr>
             </a:pPr>
-            <a:endParaRPr lang="zh-CHS" altLang="en-US" sz="800" dirty="0"/>
+            <a:endParaRPr lang="zh-Hans" altLang="en-US" sz="800" dirty="0">
+              <a:latin typeface="微软雅黑" panose="020B0503020204020204" pitchFamily="34" charset="-122"/>
+              <a:ea typeface="微软雅黑" panose="020B0503020204020204" pitchFamily="34" charset="-122"/>
+            </a:endParaRPr>
           </a:p>
           <a:p>
             <a:pPr marL="520700" indent="-520700">
@@ -15642,22 +16118,37 @@
               <a:buChar char=""/>
             </a:pPr>
             <a:r>
-              <a:rPr lang="zh-CHS" altLang="en-US" sz="3600" dirty="0"/>
+              <a:rPr lang="zh-Hans" altLang="en-US" sz="3600" dirty="0">
+                <a:latin typeface="微软雅黑" panose="020B0503020204020204" pitchFamily="34" charset="-122"/>
+                <a:ea typeface="微软雅黑" panose="020B0503020204020204" pitchFamily="34" charset="-122"/>
+              </a:rPr>
               <a:t>当向管理员借书后</a:t>
             </a:r>
             <a:r>
-              <a:rPr lang="en-US" altLang="zh-CHS" sz="3600" dirty="0"/>
+              <a:rPr lang="en-US" altLang="zh-Hans" sz="3600" dirty="0">
+                <a:latin typeface="微软雅黑" panose="020B0503020204020204" pitchFamily="34" charset="-122"/>
+                <a:ea typeface="微软雅黑" panose="020B0503020204020204" pitchFamily="34" charset="-122"/>
+              </a:rPr>
               <a:t>, </a:t>
             </a:r>
             <a:r>
-              <a:rPr lang="zh-CHS" altLang="en-US" sz="3600" dirty="0"/>
+              <a:rPr lang="zh-Hans" altLang="en-US" sz="3600" dirty="0">
+                <a:latin typeface="微软雅黑" panose="020B0503020204020204" pitchFamily="34" charset="-122"/>
+                <a:ea typeface="微软雅黑" panose="020B0503020204020204" pitchFamily="34" charset="-122"/>
+              </a:rPr>
               <a:t>他会告诉我们当前图书馆的剩余图书</a:t>
             </a:r>
             <a:r>
-              <a:rPr lang="zh-CHS" altLang="en-US" sz="3600" dirty="0" smtClean="0"/>
+              <a:rPr lang="zh-Hans" altLang="en-US" sz="3600" dirty="0" smtClean="0">
+                <a:latin typeface="微软雅黑" panose="020B0503020204020204" pitchFamily="34" charset="-122"/>
+                <a:ea typeface="微软雅黑" panose="020B0503020204020204" pitchFamily="34" charset="-122"/>
+              </a:rPr>
               <a:t>数量</a:t>
             </a:r>
-            <a:endParaRPr lang="en-US" altLang="zh-CHS" sz="3600" dirty="0"/>
+            <a:endParaRPr lang="en-US" altLang="zh-Hans" sz="3600" dirty="0">
+              <a:latin typeface="微软雅黑" panose="020B0503020204020204" pitchFamily="34" charset="-122"/>
+              <a:ea typeface="微软雅黑" panose="020B0503020204020204" pitchFamily="34" charset="-122"/>
+            </a:endParaRPr>
           </a:p>
           <a:p>
             <a:pPr marL="0" indent="0">
@@ -15671,7 +16162,10 @@
                 <a:schemeClr val="tx2"/>
               </a:buClr>
             </a:pPr>
-            <a:endParaRPr lang="en-US" altLang="zh-CHS" sz="800" dirty="0" smtClean="0"/>
+            <a:endParaRPr lang="en-US" altLang="zh-Hans" sz="800" dirty="0" smtClean="0">
+              <a:latin typeface="微软雅黑" panose="020B0503020204020204" pitchFamily="34" charset="-122"/>
+              <a:ea typeface="微软雅黑" panose="020B0503020204020204" pitchFamily="34" charset="-122"/>
+            </a:endParaRPr>
           </a:p>
           <a:p>
             <a:pPr marL="520700" indent="-520700">
@@ -15688,34 +16182,58 @@
               <a:buChar char=""/>
             </a:pPr>
             <a:r>
-              <a:rPr lang="zh-CHS" altLang="en-US" sz="3600" dirty="0" smtClean="0"/>
+              <a:rPr lang="zh-Hans" altLang="en-US" sz="3600" dirty="0" smtClean="0">
+                <a:latin typeface="微软雅黑" panose="020B0503020204020204" pitchFamily="34" charset="-122"/>
+                <a:ea typeface="微软雅黑" panose="020B0503020204020204" pitchFamily="34" charset="-122"/>
+              </a:rPr>
               <a:t>当向</a:t>
             </a:r>
             <a:r>
-              <a:rPr lang="zh-CHS" altLang="en-US" sz="3600" dirty="0"/>
+              <a:rPr lang="zh-Hans" altLang="en-US" sz="3600" dirty="0">
+                <a:latin typeface="微软雅黑" panose="020B0503020204020204" pitchFamily="34" charset="-122"/>
+                <a:ea typeface="微软雅黑" panose="020B0503020204020204" pitchFamily="34" charset="-122"/>
+              </a:rPr>
               <a:t>管理员借书时</a:t>
             </a:r>
             <a:r>
-              <a:rPr lang="en-US" altLang="zh-CHS" sz="3600" dirty="0"/>
+              <a:rPr lang="en-US" altLang="zh-Hans" sz="3600" dirty="0">
+                <a:latin typeface="微软雅黑" panose="020B0503020204020204" pitchFamily="34" charset="-122"/>
+                <a:ea typeface="微软雅黑" panose="020B0503020204020204" pitchFamily="34" charset="-122"/>
+              </a:rPr>
               <a:t>, </a:t>
             </a:r>
             <a:r>
-              <a:rPr lang="zh-CHS" altLang="en-US" sz="3600" dirty="0"/>
+              <a:rPr lang="zh-Hans" altLang="en-US" sz="3600" dirty="0">
+                <a:latin typeface="微软雅黑" panose="020B0503020204020204" pitchFamily="34" charset="-122"/>
+                <a:ea typeface="微软雅黑" panose="020B0503020204020204" pitchFamily="34" charset="-122"/>
+              </a:rPr>
               <a:t>如果馆内没有这本书</a:t>
             </a:r>
             <a:r>
-              <a:rPr lang="en-US" altLang="zh-CHS" sz="3600" dirty="0"/>
+              <a:rPr lang="en-US" altLang="zh-Hans" sz="3600" dirty="0">
+                <a:latin typeface="微软雅黑" panose="020B0503020204020204" pitchFamily="34" charset="-122"/>
+                <a:ea typeface="微软雅黑" panose="020B0503020204020204" pitchFamily="34" charset="-122"/>
+              </a:rPr>
               <a:t>, </a:t>
             </a:r>
             <a:r>
-              <a:rPr lang="zh-CHS" altLang="en-US" sz="3600" dirty="0"/>
+              <a:rPr lang="zh-Hans" altLang="en-US" sz="3600" dirty="0">
+                <a:latin typeface="微软雅黑" panose="020B0503020204020204" pitchFamily="34" charset="-122"/>
+                <a:ea typeface="微软雅黑" panose="020B0503020204020204" pitchFamily="34" charset="-122"/>
+              </a:rPr>
               <a:t>则抛出</a:t>
             </a:r>
             <a:r>
-              <a:rPr lang="zh-CHS" altLang="en-US" sz="3600" dirty="0" smtClean="0"/>
+              <a:rPr lang="zh-Hans" altLang="en-US" sz="3600" dirty="0" smtClean="0">
+                <a:latin typeface="微软雅黑" panose="020B0503020204020204" pitchFamily="34" charset="-122"/>
+                <a:ea typeface="微软雅黑" panose="020B0503020204020204" pitchFamily="34" charset="-122"/>
+              </a:rPr>
               <a:t>异常</a:t>
             </a:r>
-            <a:endParaRPr lang="zh-CHS" altLang="en-US" sz="3600" dirty="0"/>
+            <a:endParaRPr lang="zh-Hans" altLang="en-US" sz="3600" dirty="0">
+              <a:latin typeface="微软雅黑" panose="020B0503020204020204" pitchFamily="34" charset="-122"/>
+              <a:ea typeface="微软雅黑" panose="020B0503020204020204" pitchFamily="34" charset="-122"/>
+            </a:endParaRPr>
           </a:p>
         </p:txBody>
       </p:sp>
@@ -15738,13 +16256,19 @@
               <a:defRPr/>
             </a:pPr>
             <a:fld id="{6BD71149-C6B6-DA41-AB69-4C8E97C931F0}" type="slidenum">
-              <a:rPr lang="en-US" smtClean="0"/>
+              <a:rPr lang="en-US" smtClean="0">
+                <a:latin typeface="微软雅黑" panose="020B0503020204020204" pitchFamily="34" charset="-122"/>
+                <a:ea typeface="微软雅黑" panose="020B0503020204020204" pitchFamily="34" charset="-122"/>
+              </a:rPr>
               <a:pPr>
                 <a:defRPr/>
               </a:pPr>
               <a:t>9</a:t>
             </a:fld>
-            <a:endParaRPr lang="en-US"/>
+            <a:endParaRPr lang="en-US">
+              <a:latin typeface="微软雅黑" panose="020B0503020204020204" pitchFamily="34" charset="-122"/>
+              <a:ea typeface="微软雅黑" panose="020B0503020204020204" pitchFamily="34" charset="-122"/>
+            </a:endParaRPr>
           </a:p>
         </p:txBody>
       </p:sp>
@@ -16155,7 +16679,7 @@
         <a:effectLst/>
         <a:extLst>
           <a:ext uri="{91240B29-F687-4f45-9708-019B960494DF}">
-            <a14:hiddenLine xmlns:a14="http://schemas.microsoft.com/office/drawing/2010/main" xmlns="" w="25400" cap="flat" cmpd="sng" algn="ctr">
+            <a14:hiddenLine xmlns="" xmlns:a14="http://schemas.microsoft.com/office/drawing/2010/main" w="25400" cap="flat" cmpd="sng" algn="ctr">
               <a:solidFill>
                 <a:srgbClr val="000000"/>
               </a:solidFill>
@@ -16166,7 +16690,7 @@
             </a14:hiddenLine>
           </a:ext>
           <a:ext uri="{AF507438-7753-43e0-B8FC-AC1667EBCBE1}">
-            <a14:hiddenEffects xmlns:a14="http://schemas.microsoft.com/office/drawing/2010/main" xmlns="">
+            <a14:hiddenEffects xmlns="" xmlns:a14="http://schemas.microsoft.com/office/drawing/2010/main">
               <a:effectLst>
                 <a:outerShdw blurRad="63500" dist="38099" dir="2700000" algn="ctr" rotWithShape="0">
                   <a:schemeClr val="bg2">
@@ -16542,7 +17066,7 @@
         <a:effectLst/>
         <a:extLst>
           <a:ext uri="{91240B29-F687-4f45-9708-019B960494DF}">
-            <a14:hiddenLine xmlns:a14="http://schemas.microsoft.com/office/drawing/2010/main" xmlns="" w="25400" cap="flat" cmpd="sng" algn="ctr">
+            <a14:hiddenLine xmlns="" xmlns:a14="http://schemas.microsoft.com/office/drawing/2010/main" w="25400" cap="flat" cmpd="sng" algn="ctr">
               <a:solidFill>
                 <a:srgbClr val="000000"/>
               </a:solidFill>
@@ -16553,7 +17077,7 @@
             </a14:hiddenLine>
           </a:ext>
           <a:ext uri="{AF507438-7753-43e0-B8FC-AC1667EBCBE1}">
-            <a14:hiddenEffects xmlns:a14="http://schemas.microsoft.com/office/drawing/2010/main" xmlns="">
+            <a14:hiddenEffects xmlns="" xmlns:a14="http://schemas.microsoft.com/office/drawing/2010/main">
               <a:effectLst>
                 <a:outerShdw blurRad="63500" dist="38099" dir="2700000" algn="ctr" rotWithShape="0">
                   <a:schemeClr val="bg2">
@@ -16929,7 +17453,7 @@
         <a:effectLst/>
         <a:extLst>
           <a:ext uri="{91240B29-F687-4f45-9708-019B960494DF}">
-            <a14:hiddenLine xmlns:a14="http://schemas.microsoft.com/office/drawing/2010/main" xmlns="" w="25400" cap="flat" cmpd="sng" algn="ctr">
+            <a14:hiddenLine xmlns="" xmlns:a14="http://schemas.microsoft.com/office/drawing/2010/main" w="25400" cap="flat" cmpd="sng" algn="ctr">
               <a:solidFill>
                 <a:srgbClr val="000000"/>
               </a:solidFill>
@@ -16940,7 +17464,7 @@
             </a14:hiddenLine>
           </a:ext>
           <a:ext uri="{AF507438-7753-43e0-B8FC-AC1667EBCBE1}">
-            <a14:hiddenEffects xmlns:a14="http://schemas.microsoft.com/office/drawing/2010/main" xmlns="">
+            <a14:hiddenEffects xmlns="" xmlns:a14="http://schemas.microsoft.com/office/drawing/2010/main">
               <a:effectLst>
                 <a:outerShdw blurRad="63500" dist="38099" dir="2700000" algn="ctr" rotWithShape="0">
                   <a:schemeClr val="bg2">
